--- a/datasets/tranch_master_basic.pptx
+++ b/datasets/tranch_master_basic.pptx
@@ -1,27 +1,27 @@
 
 <file path=ppt/presentation.xml><?xml version="1.0" encoding="utf-8"?>
-<p:presentation xmlns:a="http://schemas.openxmlformats.org/drawingml/2006/main" xmlns:p="http://schemas.openxmlformats.org/presentationml/2006/main" xmlns:r="http://schemas.openxmlformats.org/officeDocument/2006/relationships" saveSubsetFonts="1">
+<p:presentation xmlns:a="http://schemas.openxmlformats.org/drawingml/2006/main" xmlns:r="http://schemas.openxmlformats.org/officeDocument/2006/relationships" xmlns:p="http://schemas.openxmlformats.org/presentationml/2006/main" saveSubsetFonts="1">
   <p:sldMasterIdLst>
     <p:sldMasterId id="2147483648" r:id="rId1"/>
   </p:sldMasterIdLst>
   <p:sldIdLst>
-    <p:sldId id="256" r:id="rId6"/>
-    <p:sldId id="257" r:id="rId7"/>
-    <p:sldId id="258" r:id="rId8"/>
-    <p:sldId id="259" r:id="rId9"/>
-    <p:sldId id="260" r:id="rId10"/>
-    <p:sldId id="261" r:id="rId11"/>
-    <p:sldId id="262" r:id="rId12"/>
-    <p:sldId id="263" r:id="rId13"/>
-    <p:sldId id="264" r:id="rId14"/>
-    <p:sldId id="265" r:id="rId15"/>
-    <p:sldId id="266" r:id="rId16"/>
-    <p:sldId id="267" r:id="rId17"/>
-    <p:sldId id="268" r:id="rId18"/>
-    <p:sldId id="269" r:id="rId19"/>
-    <p:sldId id="270" r:id="rId20"/>
-    <p:sldId id="271" r:id="rId21"/>
-    <p:sldId id="272" r:id="rId22"/>
+    <p:sldId id="256" r:id="rId2"/>
+    <p:sldId id="257" r:id="rId3"/>
+    <p:sldId id="258" r:id="rId4"/>
+    <p:sldId id="259" r:id="rId5"/>
+    <p:sldId id="260" r:id="rId6"/>
+    <p:sldId id="261" r:id="rId7"/>
+    <p:sldId id="262" r:id="rId8"/>
+    <p:sldId id="263" r:id="rId9"/>
+    <p:sldId id="264" r:id="rId10"/>
+    <p:sldId id="265" r:id="rId11"/>
+    <p:sldId id="266" r:id="rId12"/>
+    <p:sldId id="267" r:id="rId13"/>
+    <p:sldId id="268" r:id="rId14"/>
+    <p:sldId id="269" r:id="rId15"/>
+    <p:sldId id="270" r:id="rId16"/>
+    <p:sldId id="271" r:id="rId17"/>
+    <p:sldId id="272" r:id="rId18"/>
   </p:sldIdLst>
   <p:sldSz cx="12192000" cy="6858000"/>
   <p:notesSz cx="6858000" cy="9144000"/>
@@ -29,8 +29,8 @@
     <a:defPPr>
       <a:defRPr lang="en-US"/>
     </a:defPPr>
-    <a:lvl1pPr algn="l" defTabSz="914400" eaLnBrk="1" hangingPunct="1" latinLnBrk="0" marL="0" rtl="0">
-      <a:defRPr kern="1200" sz="1800">
+    <a:lvl1pPr marL="0" algn="l" defTabSz="914400" rtl="0" eaLnBrk="1" latinLnBrk="0" hangingPunct="1">
+      <a:defRPr sz="1800" kern="1200">
         <a:solidFill>
           <a:schemeClr val="tx1"/>
         </a:solidFill>
@@ -39,8 +39,8 @@
         <a:cs typeface="+mn-cs"/>
       </a:defRPr>
     </a:lvl1pPr>
-    <a:lvl2pPr algn="l" defTabSz="914400" eaLnBrk="1" hangingPunct="1" latinLnBrk="0" marL="457200" rtl="0">
-      <a:defRPr kern="1200" sz="1800">
+    <a:lvl2pPr marL="457200" algn="l" defTabSz="914400" rtl="0" eaLnBrk="1" latinLnBrk="0" hangingPunct="1">
+      <a:defRPr sz="1800" kern="1200">
         <a:solidFill>
           <a:schemeClr val="tx1"/>
         </a:solidFill>
@@ -49,8 +49,8 @@
         <a:cs typeface="+mn-cs"/>
       </a:defRPr>
     </a:lvl2pPr>
-    <a:lvl3pPr algn="l" defTabSz="914400" eaLnBrk="1" hangingPunct="1" latinLnBrk="0" marL="914400" rtl="0">
-      <a:defRPr kern="1200" sz="1800">
+    <a:lvl3pPr marL="914400" algn="l" defTabSz="914400" rtl="0" eaLnBrk="1" latinLnBrk="0" hangingPunct="1">
+      <a:defRPr sz="1800" kern="1200">
         <a:solidFill>
           <a:schemeClr val="tx1"/>
         </a:solidFill>
@@ -59,8 +59,8 @@
         <a:cs typeface="+mn-cs"/>
       </a:defRPr>
     </a:lvl3pPr>
-    <a:lvl4pPr algn="l" defTabSz="914400" eaLnBrk="1" hangingPunct="1" latinLnBrk="0" marL="1371600" rtl="0">
-      <a:defRPr kern="1200" sz="1800">
+    <a:lvl4pPr marL="1371600" algn="l" defTabSz="914400" rtl="0" eaLnBrk="1" latinLnBrk="0" hangingPunct="1">
+      <a:defRPr sz="1800" kern="1200">
         <a:solidFill>
           <a:schemeClr val="tx1"/>
         </a:solidFill>
@@ -69,8 +69,8 @@
         <a:cs typeface="+mn-cs"/>
       </a:defRPr>
     </a:lvl4pPr>
-    <a:lvl5pPr algn="l" defTabSz="914400" eaLnBrk="1" hangingPunct="1" latinLnBrk="0" marL="1828800" rtl="0">
-      <a:defRPr kern="1200" sz="1800">
+    <a:lvl5pPr marL="1828800" algn="l" defTabSz="914400" rtl="0" eaLnBrk="1" latinLnBrk="0" hangingPunct="1">
+      <a:defRPr sz="1800" kern="1200">
         <a:solidFill>
           <a:schemeClr val="tx1"/>
         </a:solidFill>
@@ -79,8 +79,8 @@
         <a:cs typeface="+mn-cs"/>
       </a:defRPr>
     </a:lvl5pPr>
-    <a:lvl6pPr algn="l" defTabSz="914400" eaLnBrk="1" hangingPunct="1" latinLnBrk="0" marL="2286000" rtl="0">
-      <a:defRPr kern="1200" sz="1800">
+    <a:lvl6pPr marL="2286000" algn="l" defTabSz="914400" rtl="0" eaLnBrk="1" latinLnBrk="0" hangingPunct="1">
+      <a:defRPr sz="1800" kern="1200">
         <a:solidFill>
           <a:schemeClr val="tx1"/>
         </a:solidFill>
@@ -89,8 +89,8 @@
         <a:cs typeface="+mn-cs"/>
       </a:defRPr>
     </a:lvl6pPr>
-    <a:lvl7pPr algn="l" defTabSz="914400" eaLnBrk="1" hangingPunct="1" latinLnBrk="0" marL="2743200" rtl="0">
-      <a:defRPr kern="1200" sz="1800">
+    <a:lvl7pPr marL="2743200" algn="l" defTabSz="914400" rtl="0" eaLnBrk="1" latinLnBrk="0" hangingPunct="1">
+      <a:defRPr sz="1800" kern="1200">
         <a:solidFill>
           <a:schemeClr val="tx1"/>
         </a:solidFill>
@@ -99,8 +99,8 @@
         <a:cs typeface="+mn-cs"/>
       </a:defRPr>
     </a:lvl7pPr>
-    <a:lvl8pPr algn="l" defTabSz="914400" eaLnBrk="1" hangingPunct="1" latinLnBrk="0" marL="3200400" rtl="0">
-      <a:defRPr kern="1200" sz="1800">
+    <a:lvl8pPr marL="3200400" algn="l" defTabSz="914400" rtl="0" eaLnBrk="1" latinLnBrk="0" hangingPunct="1">
+      <a:defRPr sz="1800" kern="1200">
         <a:solidFill>
           <a:schemeClr val="tx1"/>
         </a:solidFill>
@@ -109,8 +109,8 @@
         <a:cs typeface="+mn-cs"/>
       </a:defRPr>
     </a:lvl8pPr>
-    <a:lvl9pPr algn="l" defTabSz="914400" eaLnBrk="1" hangingPunct="1" latinLnBrk="0" marL="3657600" rtl="0">
-      <a:defRPr kern="1200" sz="1800">
+    <a:lvl9pPr marL="3657600" algn="l" defTabSz="914400" rtl="0" eaLnBrk="1" latinLnBrk="0" hangingPunct="1">
+      <a:defRPr sz="1800" kern="1200">
         <a:solidFill>
           <a:schemeClr val="tx1"/>
         </a:solidFill>
@@ -120,6 +120,11 @@
       </a:defRPr>
     </a:lvl9pPr>
   </p:defaultTextStyle>
+  <p:extLst>
+    <p:ext uri="{EFAFB233-063F-42B5-8137-9DF3F51BA10A}">
+      <p15:sldGuideLst xmlns:p15="http://schemas.microsoft.com/office/powerpoint/2012/main"/>
+    </p:ext>
+  </p:extLst>
 </p:presentation>
 </file>
 
@@ -270,7 +275,7 @@
           <a:p>
             <a:fld id="{EED1C14C-A143-42F5-B247-D0E800131009}" type="datetimeFigureOut">
               <a:rPr lang="en-US" smtClean="0"/>
-              <a:t>8/15/2018</a:t>
+              <a:t>11/8/2020</a:t>
             </a:fld>
             <a:endParaRPr lang="en-US"/>
           </a:p>
@@ -468,7 +473,7 @@
           <a:p>
             <a:fld id="{EED1C14C-A143-42F5-B247-D0E800131009}" type="datetimeFigureOut">
               <a:rPr lang="en-US" smtClean="0"/>
-              <a:t>8/15/2018</a:t>
+              <a:t>11/8/2020</a:t>
             </a:fld>
             <a:endParaRPr lang="en-US"/>
           </a:p>
@@ -676,7 +681,7 @@
           <a:p>
             <a:fld id="{EED1C14C-A143-42F5-B247-D0E800131009}" type="datetimeFigureOut">
               <a:rPr lang="en-US" smtClean="0"/>
-              <a:t>8/15/2018</a:t>
+              <a:t>11/8/2020</a:t>
             </a:fld>
             <a:endParaRPr lang="en-US"/>
           </a:p>
@@ -874,7 +879,7 @@
           <a:p>
             <a:fld id="{EED1C14C-A143-42F5-B247-D0E800131009}" type="datetimeFigureOut">
               <a:rPr lang="en-US" smtClean="0"/>
-              <a:t>8/15/2018</a:t>
+              <a:t>11/8/2020</a:t>
             </a:fld>
             <a:endParaRPr lang="en-US"/>
           </a:p>
@@ -1149,7 +1154,7 @@
           <a:p>
             <a:fld id="{EED1C14C-A143-42F5-B247-D0E800131009}" type="datetimeFigureOut">
               <a:rPr lang="en-US" smtClean="0"/>
-              <a:t>8/15/2018</a:t>
+              <a:t>11/8/2020</a:t>
             </a:fld>
             <a:endParaRPr lang="en-US"/>
           </a:p>
@@ -1414,7 +1419,7 @@
           <a:p>
             <a:fld id="{EED1C14C-A143-42F5-B247-D0E800131009}" type="datetimeFigureOut">
               <a:rPr lang="en-US" smtClean="0"/>
-              <a:t>8/15/2018</a:t>
+              <a:t>11/8/2020</a:t>
             </a:fld>
             <a:endParaRPr lang="en-US"/>
           </a:p>
@@ -1826,7 +1831,7 @@
           <a:p>
             <a:fld id="{EED1C14C-A143-42F5-B247-D0E800131009}" type="datetimeFigureOut">
               <a:rPr lang="en-US" smtClean="0"/>
-              <a:t>8/15/2018</a:t>
+              <a:t>11/8/2020</a:t>
             </a:fld>
             <a:endParaRPr lang="en-US"/>
           </a:p>
@@ -1967,7 +1972,7 @@
           <a:p>
             <a:fld id="{EED1C14C-A143-42F5-B247-D0E800131009}" type="datetimeFigureOut">
               <a:rPr lang="en-US" smtClean="0"/>
-              <a:t>8/15/2018</a:t>
+              <a:t>11/8/2020</a:t>
             </a:fld>
             <a:endParaRPr lang="en-US"/>
           </a:p>
@@ -2080,7 +2085,7 @@
           <a:p>
             <a:fld id="{EED1C14C-A143-42F5-B247-D0E800131009}" type="datetimeFigureOut">
               <a:rPr lang="en-US" smtClean="0"/>
-              <a:t>8/15/2018</a:t>
+              <a:t>11/8/2020</a:t>
             </a:fld>
             <a:endParaRPr lang="en-US"/>
           </a:p>
@@ -2391,7 +2396,7 @@
           <a:p>
             <a:fld id="{EED1C14C-A143-42F5-B247-D0E800131009}" type="datetimeFigureOut">
               <a:rPr lang="en-US" smtClean="0"/>
-              <a:t>8/15/2018</a:t>
+              <a:t>11/8/2020</a:t>
             </a:fld>
             <a:endParaRPr lang="en-US"/>
           </a:p>
@@ -2679,7 +2684,7 @@
           <a:p>
             <a:fld id="{EED1C14C-A143-42F5-B247-D0E800131009}" type="datetimeFigureOut">
               <a:rPr lang="en-US" smtClean="0"/>
-              <a:t>8/15/2018</a:t>
+              <a:t>11/8/2020</a:t>
             </a:fld>
             <a:endParaRPr lang="en-US"/>
           </a:p>
@@ -2920,7 +2925,7 @@
           <a:p>
             <a:fld id="{EED1C14C-A143-42F5-B247-D0E800131009}" type="datetimeFigureOut">
               <a:rPr lang="en-US" smtClean="0"/>
-              <a:t>8/15/2018</a:t>
+              <a:t>11/8/2020</a:t>
             </a:fld>
             <a:endParaRPr lang="en-US"/>
           </a:p>
@@ -3321,7 +3326,7 @@
 </file>
 
 <file path=ppt/slides/slide1.xml><?xml version="1.0" encoding="utf-8"?>
-<p:sld xmlns:a="http://schemas.openxmlformats.org/drawingml/2006/main" xmlns:p="http://schemas.openxmlformats.org/presentationml/2006/main" xmlns:r="http://schemas.openxmlformats.org/officeDocument/2006/relationships">
+<p:sld xmlns:a="http://schemas.openxmlformats.org/drawingml/2006/main" xmlns:r="http://schemas.openxmlformats.org/officeDocument/2006/relationships" xmlns:p="http://schemas.openxmlformats.org/presentationml/2006/main">
   <p:cSld>
     <p:spTree>
       <p:nvGrpSpPr>
@@ -3339,7 +3344,7 @@
       </p:grpSpPr>
       <p:sp>
         <p:nvSpPr>
-          <p:cNvPr id="0" name="slide1">
+          <p:cNvPr id="2" name="slide1">
             <a:extLst>
               <a:ext uri="{FF2B5EF4-FFF2-40B4-BE49-F238E27FC236}">
                 <a16:creationId xmlns:a16="http://schemas.microsoft.com/office/drawing/2014/main" id="{8804EDFC-6CF2-4109-9A0C-A1731CDB8D50}"/>
@@ -3350,7 +3355,7 @@
             <a:spLocks noGrp="1"/>
           </p:cNvSpPr>
           <p:nvPr>
-            <p:ph idx="0" type="ctrTitle"/>
+            <p:ph type="ctrTitle"/>
           </p:nvPr>
         </p:nvSpPr>
         <p:spPr/>
@@ -3359,7 +3364,6 @@
           <a:lstStyle/>
           <a:p>
             <a:r>
-              <a:rPr/>
               <a:t>tranch_master_basic</a:t>
             </a:r>
           </a:p>
@@ -3367,7 +3371,7 @@
       </p:sp>
       <p:sp>
         <p:nvSpPr>
-          <p:cNvPr id="1" name="slide1">
+          <p:cNvPr id="3" name="slide1">
             <a:extLst>
               <a:ext uri="{FF2B5EF4-FFF2-40B4-BE49-F238E27FC236}">
                 <a16:creationId xmlns:a16="http://schemas.microsoft.com/office/drawing/2014/main" id="{6AFAFB14-A1F0-4F0F-8CF6-365F386402EE}"/>
@@ -3378,7 +3382,7 @@
             <a:spLocks noGrp="1"/>
           </p:cNvSpPr>
           <p:nvPr>
-            <p:ph idx="1" type="subTitle"/>
+            <p:ph type="subTitle" idx="1"/>
           </p:nvPr>
         </p:nvSpPr>
         <p:spPr/>
@@ -3387,7 +3391,6 @@
           <a:lstStyle/>
           <a:p>
             <a:r>
-              <a:rPr/>
               <a:t>File created on: 11/8/2020 5:56:06 PM</a:t>
             </a:r>
           </a:p>
@@ -3407,7 +3410,7 @@
 </file>
 
 <file path=ppt/slides/slide10.xml><?xml version="1.0" encoding="utf-8"?>
-<p:sld xmlns:a="http://schemas.openxmlformats.org/drawingml/2006/main" xmlns:p="http://schemas.openxmlformats.org/presentationml/2006/main" xmlns:r="http://schemas.openxmlformats.org/officeDocument/2006/relationships">
+<p:sld xmlns:a="http://schemas.openxmlformats.org/drawingml/2006/main" xmlns:r="http://schemas.openxmlformats.org/officeDocument/2006/relationships" xmlns:p="http://schemas.openxmlformats.org/presentationml/2006/main">
   <p:cSld>
     <p:spTree>
       <p:nvGrpSpPr>
@@ -3425,7 +3428,7 @@
       </p:grpSpPr>
       <p:pic>
         <p:nvPicPr>
-          <p:cNvPr descr="AD" id="10" name="slide10">
+          <p:cNvPr id="10" name="slide10" descr="AD">
             <a:extLst>
               <a:ext uri="{FF2B5EF4-FFF2-40B4-BE49-F238E27FC236}">
                 <a16:creationId xmlns:a16="http://schemas.microsoft.com/office/drawing/2014/main" id="{CA6DEA4D-4A3F-4CEE-AA19-8CD7AF2D225B}"/>
@@ -3438,7 +3441,7 @@
           <p:nvPr/>
         </p:nvPicPr>
         <p:blipFill>
-          <a:blip r:embed="rId15">
+          <a:blip r:embed="rId2">
             <a:extLst>
               <a:ext uri="{28A0092B-C50C-407E-A947-70E740481C1C}">
                 <a14:useLocalDpi xmlns:a14="http://schemas.microsoft.com/office/drawing/2010/main" val="0"/>
@@ -3473,7 +3476,7 @@
 </file>
 
 <file path=ppt/slides/slide11.xml><?xml version="1.0" encoding="utf-8"?>
-<p:sld xmlns:a="http://schemas.openxmlformats.org/drawingml/2006/main" xmlns:p="http://schemas.openxmlformats.org/presentationml/2006/main" xmlns:r="http://schemas.openxmlformats.org/officeDocument/2006/relationships">
+<p:sld xmlns:a="http://schemas.openxmlformats.org/drawingml/2006/main" xmlns:r="http://schemas.openxmlformats.org/officeDocument/2006/relationships" xmlns:p="http://schemas.openxmlformats.org/presentationml/2006/main">
   <p:cSld>
     <p:spTree>
       <p:nvGrpSpPr>
@@ -3491,7 +3494,7 @@
       </p:grpSpPr>
       <p:pic>
         <p:nvPicPr>
-          <p:cNvPr descr="AD(2)" id="11" name="slide11">
+          <p:cNvPr id="11" name="slide11" descr="AD(2)">
             <a:extLst>
               <a:ext uri="{FF2B5EF4-FFF2-40B4-BE49-F238E27FC236}">
                 <a16:creationId xmlns:a16="http://schemas.microsoft.com/office/drawing/2014/main" id="{22DBEFAE-7864-4891-A666-7F3402247325}"/>
@@ -3504,7 +3507,7 @@
           <p:nvPr/>
         </p:nvPicPr>
         <p:blipFill>
-          <a:blip r:embed="rId16">
+          <a:blip r:embed="rId2">
             <a:extLst>
               <a:ext uri="{28A0092B-C50C-407E-A947-70E740481C1C}">
                 <a14:useLocalDpi xmlns:a14="http://schemas.microsoft.com/office/drawing/2010/main" val="0"/>
@@ -3539,7 +3542,7 @@
 </file>
 
 <file path=ppt/slides/slide12.xml><?xml version="1.0" encoding="utf-8"?>
-<p:sld xmlns:a="http://schemas.openxmlformats.org/drawingml/2006/main" xmlns:p="http://schemas.openxmlformats.org/presentationml/2006/main" xmlns:r="http://schemas.openxmlformats.org/officeDocument/2006/relationships">
+<p:sld xmlns:a="http://schemas.openxmlformats.org/drawingml/2006/main" xmlns:r="http://schemas.openxmlformats.org/officeDocument/2006/relationships" xmlns:p="http://schemas.openxmlformats.org/presentationml/2006/main">
   <p:cSld>
     <p:spTree>
       <p:nvGrpSpPr>
@@ -3557,7 +3560,7 @@
       </p:grpSpPr>
       <p:pic>
         <p:nvPicPr>
-          <p:cNvPr descr="BC" id="12" name="slide12">
+          <p:cNvPr id="12" name="slide12" descr="BC">
             <a:extLst>
               <a:ext uri="{FF2B5EF4-FFF2-40B4-BE49-F238E27FC236}">
                 <a16:creationId xmlns:a16="http://schemas.microsoft.com/office/drawing/2014/main" id="{E676C9A0-97AC-4BFC-90E7-5A9F470D0C23}"/>
@@ -3570,7 +3573,7 @@
           <p:nvPr/>
         </p:nvPicPr>
         <p:blipFill>
-          <a:blip r:embed="rId17">
+          <a:blip r:embed="rId2">
             <a:extLst>
               <a:ext uri="{28A0092B-C50C-407E-A947-70E740481C1C}">
                 <a14:useLocalDpi xmlns:a14="http://schemas.microsoft.com/office/drawing/2010/main" val="0"/>
@@ -3605,7 +3608,7 @@
 </file>
 
 <file path=ppt/slides/slide13.xml><?xml version="1.0" encoding="utf-8"?>
-<p:sld xmlns:a="http://schemas.openxmlformats.org/drawingml/2006/main" xmlns:p="http://schemas.openxmlformats.org/presentationml/2006/main" xmlns:r="http://schemas.openxmlformats.org/officeDocument/2006/relationships">
+<p:sld xmlns:a="http://schemas.openxmlformats.org/drawingml/2006/main" xmlns:r="http://schemas.openxmlformats.org/officeDocument/2006/relationships" xmlns:p="http://schemas.openxmlformats.org/presentationml/2006/main">
   <p:cSld>
     <p:spTree>
       <p:nvGrpSpPr>
@@ -3623,7 +3626,7 @@
       </p:grpSpPr>
       <p:pic>
         <p:nvPicPr>
-          <p:cNvPr descr="BC(2)" id="13" name="slide13">
+          <p:cNvPr id="13" name="slide13" descr="BC(2)">
             <a:extLst>
               <a:ext uri="{FF2B5EF4-FFF2-40B4-BE49-F238E27FC236}">
                 <a16:creationId xmlns:a16="http://schemas.microsoft.com/office/drawing/2014/main" id="{38961847-6C86-42F2-98E1-0E9D7F98C44A}"/>
@@ -3636,7 +3639,7 @@
           <p:nvPr/>
         </p:nvPicPr>
         <p:blipFill>
-          <a:blip r:embed="rId18">
+          <a:blip r:embed="rId2">
             <a:extLst>
               <a:ext uri="{28A0092B-C50C-407E-A947-70E740481C1C}">
                 <a14:useLocalDpi xmlns:a14="http://schemas.microsoft.com/office/drawing/2010/main" val="0"/>
@@ -3671,7 +3674,7 @@
 </file>
 
 <file path=ppt/slides/slide14.xml><?xml version="1.0" encoding="utf-8"?>
-<p:sld xmlns:a="http://schemas.openxmlformats.org/drawingml/2006/main" xmlns:p="http://schemas.openxmlformats.org/presentationml/2006/main" xmlns:r="http://schemas.openxmlformats.org/officeDocument/2006/relationships">
+<p:sld xmlns:a="http://schemas.openxmlformats.org/drawingml/2006/main" xmlns:r="http://schemas.openxmlformats.org/officeDocument/2006/relationships" xmlns:p="http://schemas.openxmlformats.org/presentationml/2006/main">
   <p:cSld>
     <p:spTree>
       <p:nvGrpSpPr>
@@ -3689,7 +3692,7 @@
       </p:grpSpPr>
       <p:pic>
         <p:nvPicPr>
-          <p:cNvPr descr="BD" id="14" name="slide14">
+          <p:cNvPr id="14" name="slide14" descr="BD">
             <a:extLst>
               <a:ext uri="{FF2B5EF4-FFF2-40B4-BE49-F238E27FC236}">
                 <a16:creationId xmlns:a16="http://schemas.microsoft.com/office/drawing/2014/main" id="{7ED20F6B-8E1A-4F62-AE7A-A84EB360BDB8}"/>
@@ -3702,7 +3705,7 @@
           <p:nvPr/>
         </p:nvPicPr>
         <p:blipFill>
-          <a:blip r:embed="rId19">
+          <a:blip r:embed="rId2">
             <a:extLst>
               <a:ext uri="{28A0092B-C50C-407E-A947-70E740481C1C}">
                 <a14:useLocalDpi xmlns:a14="http://schemas.microsoft.com/office/drawing/2010/main" val="0"/>
@@ -3737,7 +3740,7 @@
 </file>
 
 <file path=ppt/slides/slide15.xml><?xml version="1.0" encoding="utf-8"?>
-<p:sld xmlns:a="http://schemas.openxmlformats.org/drawingml/2006/main" xmlns:p="http://schemas.openxmlformats.org/presentationml/2006/main" xmlns:r="http://schemas.openxmlformats.org/officeDocument/2006/relationships">
+<p:sld xmlns:a="http://schemas.openxmlformats.org/drawingml/2006/main" xmlns:r="http://schemas.openxmlformats.org/officeDocument/2006/relationships" xmlns:p="http://schemas.openxmlformats.org/presentationml/2006/main">
   <p:cSld>
     <p:spTree>
       <p:nvGrpSpPr>
@@ -3755,7 +3758,7 @@
       </p:grpSpPr>
       <p:pic>
         <p:nvPicPr>
-          <p:cNvPr descr="BD(2)" id="15" name="slide15">
+          <p:cNvPr id="15" name="slide15" descr="BD(2)">
             <a:extLst>
               <a:ext uri="{FF2B5EF4-FFF2-40B4-BE49-F238E27FC236}">
                 <a16:creationId xmlns:a16="http://schemas.microsoft.com/office/drawing/2014/main" id="{25563658-FC37-4271-A3B1-95247606C187}"/>
@@ -3768,7 +3771,7 @@
           <p:nvPr/>
         </p:nvPicPr>
         <p:blipFill>
-          <a:blip r:embed="rId20">
+          <a:blip r:embed="rId2">
             <a:extLst>
               <a:ext uri="{28A0092B-C50C-407E-A947-70E740481C1C}">
                 <a14:useLocalDpi xmlns:a14="http://schemas.microsoft.com/office/drawing/2010/main" val="0"/>
@@ -3803,7 +3806,7 @@
 </file>
 
 <file path=ppt/slides/slide16.xml><?xml version="1.0" encoding="utf-8"?>
-<p:sld xmlns:a="http://schemas.openxmlformats.org/drawingml/2006/main" xmlns:p="http://schemas.openxmlformats.org/presentationml/2006/main" xmlns:r="http://schemas.openxmlformats.org/officeDocument/2006/relationships">
+<p:sld xmlns:a="http://schemas.openxmlformats.org/drawingml/2006/main" xmlns:r="http://schemas.openxmlformats.org/officeDocument/2006/relationships" xmlns:p="http://schemas.openxmlformats.org/presentationml/2006/main">
   <p:cSld>
     <p:spTree>
       <p:nvGrpSpPr>
@@ -3821,7 +3824,7 @@
       </p:grpSpPr>
       <p:pic>
         <p:nvPicPr>
-          <p:cNvPr descr="CD" id="16" name="slide16">
+          <p:cNvPr id="16" name="slide16" descr="CD">
             <a:extLst>
               <a:ext uri="{FF2B5EF4-FFF2-40B4-BE49-F238E27FC236}">
                 <a16:creationId xmlns:a16="http://schemas.microsoft.com/office/drawing/2014/main" id="{E680A3FF-2482-4A34-A9F7-C262C4C51ED0}"/>
@@ -3834,7 +3837,7 @@
           <p:nvPr/>
         </p:nvPicPr>
         <p:blipFill>
-          <a:blip r:embed="rId21">
+          <a:blip r:embed="rId2">
             <a:extLst>
               <a:ext uri="{28A0092B-C50C-407E-A947-70E740481C1C}">
                 <a14:useLocalDpi xmlns:a14="http://schemas.microsoft.com/office/drawing/2010/main" val="0"/>
@@ -3869,7 +3872,7 @@
 </file>
 
 <file path=ppt/slides/slide17.xml><?xml version="1.0" encoding="utf-8"?>
-<p:sld xmlns:a="http://schemas.openxmlformats.org/drawingml/2006/main" xmlns:p="http://schemas.openxmlformats.org/presentationml/2006/main" xmlns:r="http://schemas.openxmlformats.org/officeDocument/2006/relationships">
+<p:sld xmlns:a="http://schemas.openxmlformats.org/drawingml/2006/main" xmlns:r="http://schemas.openxmlformats.org/officeDocument/2006/relationships" xmlns:p="http://schemas.openxmlformats.org/presentationml/2006/main">
   <p:cSld>
     <p:spTree>
       <p:nvGrpSpPr>
@@ -3887,7 +3890,7 @@
       </p:grpSpPr>
       <p:pic>
         <p:nvPicPr>
-          <p:cNvPr descr="CD(2)" id="17" name="slide17">
+          <p:cNvPr id="17" name="slide17" descr="CD(2)">
             <a:extLst>
               <a:ext uri="{FF2B5EF4-FFF2-40B4-BE49-F238E27FC236}">
                 <a16:creationId xmlns:a16="http://schemas.microsoft.com/office/drawing/2014/main" id="{B2988D8E-962B-4852-862A-261FA42FAC47}"/>
@@ -3900,7 +3903,7 @@
           <p:nvPr/>
         </p:nvPicPr>
         <p:blipFill>
-          <a:blip r:embed="rId22">
+          <a:blip r:embed="rId2">
             <a:extLst>
               <a:ext uri="{28A0092B-C50C-407E-A947-70E740481C1C}">
                 <a14:useLocalDpi xmlns:a14="http://schemas.microsoft.com/office/drawing/2010/main" val="0"/>
@@ -3935,7 +3938,7 @@
 </file>
 
 <file path=ppt/slides/slide2.xml><?xml version="1.0" encoding="utf-8"?>
-<p:sld xmlns:a="http://schemas.openxmlformats.org/drawingml/2006/main" xmlns:p="http://schemas.openxmlformats.org/presentationml/2006/main" xmlns:r="http://schemas.openxmlformats.org/officeDocument/2006/relationships">
+<p:sld xmlns:a="http://schemas.openxmlformats.org/drawingml/2006/main" xmlns:r="http://schemas.openxmlformats.org/officeDocument/2006/relationships" xmlns:p="http://schemas.openxmlformats.org/presentationml/2006/main">
   <p:cSld>
     <p:spTree>
       <p:nvGrpSpPr>
@@ -3953,7 +3956,7 @@
       </p:grpSpPr>
       <p:pic>
         <p:nvPicPr>
-          <p:cNvPr descr="personCount(A)" id="2" name="slide2">
+          <p:cNvPr id="2" name="slide2" descr="personCount(A)">
             <a:extLst>
               <a:ext uri="{FF2B5EF4-FFF2-40B4-BE49-F238E27FC236}">
                 <a16:creationId xmlns:a16="http://schemas.microsoft.com/office/drawing/2014/main" id="{53C6E837-F521-4200-B421-8AA8C66D87E7}"/>
@@ -3966,7 +3969,7 @@
           <p:nvPr/>
         </p:nvPicPr>
         <p:blipFill>
-          <a:blip r:embed="rId7">
+          <a:blip r:embed="rId2">
             <a:extLst>
               <a:ext uri="{28A0092B-C50C-407E-A947-70E740481C1C}">
                 <a14:useLocalDpi xmlns:a14="http://schemas.microsoft.com/office/drawing/2010/main" val="0"/>
@@ -4001,7 +4004,7 @@
 </file>
 
 <file path=ppt/slides/slide3.xml><?xml version="1.0" encoding="utf-8"?>
-<p:sld xmlns:a="http://schemas.openxmlformats.org/drawingml/2006/main" xmlns:p="http://schemas.openxmlformats.org/presentationml/2006/main" xmlns:r="http://schemas.openxmlformats.org/officeDocument/2006/relationships">
+<p:sld xmlns:a="http://schemas.openxmlformats.org/drawingml/2006/main" xmlns:r="http://schemas.openxmlformats.org/officeDocument/2006/relationships" xmlns:p="http://schemas.openxmlformats.org/presentationml/2006/main">
   <p:cSld>
     <p:spTree>
       <p:nvGrpSpPr>
@@ -4019,7 +4022,7 @@
       </p:grpSpPr>
       <p:pic>
         <p:nvPicPr>
-          <p:cNvPr descr="occluded(B)" id="3" name="slide3">
+          <p:cNvPr id="3" name="slide3" descr="occluded(B)">
             <a:extLst>
               <a:ext uri="{FF2B5EF4-FFF2-40B4-BE49-F238E27FC236}">
                 <a16:creationId xmlns:a16="http://schemas.microsoft.com/office/drawing/2014/main" id="{0F05AC88-D2DE-43A9-B9D5-CD71D271E878}"/>
@@ -4032,7 +4035,7 @@
           <p:nvPr/>
         </p:nvPicPr>
         <p:blipFill>
-          <a:blip r:embed="rId8">
+          <a:blip r:embed="rId2">
             <a:extLst>
               <a:ext uri="{28A0092B-C50C-407E-A947-70E740481C1C}">
                 <a14:useLocalDpi xmlns:a14="http://schemas.microsoft.com/office/drawing/2010/main" val="0"/>
@@ -4067,7 +4070,7 @@
 </file>
 
 <file path=ppt/slides/slide4.xml><?xml version="1.0" encoding="utf-8"?>
-<p:sld xmlns:a="http://schemas.openxmlformats.org/drawingml/2006/main" xmlns:p="http://schemas.openxmlformats.org/presentationml/2006/main" xmlns:r="http://schemas.openxmlformats.org/officeDocument/2006/relationships">
+<p:sld xmlns:a="http://schemas.openxmlformats.org/drawingml/2006/main" xmlns:r="http://schemas.openxmlformats.org/officeDocument/2006/relationships" xmlns:p="http://schemas.openxmlformats.org/presentationml/2006/main">
   <p:cSld>
     <p:spTree>
       <p:nvGrpSpPr>
@@ -4085,7 +4088,7 @@
       </p:grpSpPr>
       <p:pic>
         <p:nvPicPr>
-          <p:cNvPr descr="posture(C)" id="4" name="slide4">
+          <p:cNvPr id="4" name="slide4" descr="posture(C)">
             <a:extLst>
               <a:ext uri="{FF2B5EF4-FFF2-40B4-BE49-F238E27FC236}">
                 <a16:creationId xmlns:a16="http://schemas.microsoft.com/office/drawing/2014/main" id="{EF018442-0B56-4304-9254-4622DBF2ACE7}"/>
@@ -4098,7 +4101,7 @@
           <p:nvPr/>
         </p:nvPicPr>
         <p:blipFill>
-          <a:blip r:embed="rId9">
+          <a:blip r:embed="rId2">
             <a:extLst>
               <a:ext uri="{28A0092B-C50C-407E-A947-70E740481C1C}">
                 <a14:useLocalDpi xmlns:a14="http://schemas.microsoft.com/office/drawing/2010/main" val="0"/>
@@ -4133,7 +4136,7 @@
 </file>
 
 <file path=ppt/slides/slide5.xml><?xml version="1.0" encoding="utf-8"?>
-<p:sld xmlns:a="http://schemas.openxmlformats.org/drawingml/2006/main" xmlns:p="http://schemas.openxmlformats.org/presentationml/2006/main" xmlns:r="http://schemas.openxmlformats.org/officeDocument/2006/relationships">
+<p:sld xmlns:a="http://schemas.openxmlformats.org/drawingml/2006/main" xmlns:r="http://schemas.openxmlformats.org/officeDocument/2006/relationships" xmlns:p="http://schemas.openxmlformats.org/presentationml/2006/main">
   <p:cSld>
     <p:spTree>
       <p:nvGrpSpPr>
@@ -4151,7 +4154,7 @@
       </p:grpSpPr>
       <p:pic>
         <p:nvPicPr>
-          <p:cNvPr descr="personType(D)" id="5" name="slide5">
+          <p:cNvPr id="5" name="slide5" descr="personType(D)">
             <a:extLst>
               <a:ext uri="{FF2B5EF4-FFF2-40B4-BE49-F238E27FC236}">
                 <a16:creationId xmlns:a16="http://schemas.microsoft.com/office/drawing/2014/main" id="{B82D87E5-4A54-4233-AF26-5115348FC9C3}"/>
@@ -4164,7 +4167,7 @@
           <p:nvPr/>
         </p:nvPicPr>
         <p:blipFill>
-          <a:blip r:embed="rId10">
+          <a:blip r:embed="rId2">
             <a:extLst>
               <a:ext uri="{28A0092B-C50C-407E-A947-70E740481C1C}">
                 <a14:useLocalDpi xmlns:a14="http://schemas.microsoft.com/office/drawing/2010/main" val="0"/>
@@ -4177,8 +4180,8 @@
         </p:blipFill>
         <p:spPr>
           <a:xfrm>
-            <a:off x="5686045" y="0"/>
-            <a:ext cx="819909" cy="6858000"/>
+            <a:off x="5641656" y="0"/>
+            <a:ext cx="874554" cy="6858000"/>
           </a:xfrm>
           <a:prstGeom prst="rect">
             <a:avLst/>
@@ -4199,7 +4202,7 @@
 </file>
 
 <file path=ppt/slides/slide6.xml><?xml version="1.0" encoding="utf-8"?>
-<p:sld xmlns:a="http://schemas.openxmlformats.org/drawingml/2006/main" xmlns:p="http://schemas.openxmlformats.org/presentationml/2006/main" xmlns:r="http://schemas.openxmlformats.org/officeDocument/2006/relationships">
+<p:sld xmlns:a="http://schemas.openxmlformats.org/drawingml/2006/main" xmlns:r="http://schemas.openxmlformats.org/officeDocument/2006/relationships" xmlns:p="http://schemas.openxmlformats.org/presentationml/2006/main">
   <p:cSld>
     <p:spTree>
       <p:nvGrpSpPr>
@@ -4217,7 +4220,7 @@
       </p:grpSpPr>
       <p:pic>
         <p:nvPicPr>
-          <p:cNvPr descr="AB" id="6" name="slide6">
+          <p:cNvPr id="6" name="slide6" descr="AB">
             <a:extLst>
               <a:ext uri="{FF2B5EF4-FFF2-40B4-BE49-F238E27FC236}">
                 <a16:creationId xmlns:a16="http://schemas.microsoft.com/office/drawing/2014/main" id="{03C4010A-D934-47BC-A735-5A7E706F135A}"/>
@@ -4230,7 +4233,7 @@
           <p:nvPr/>
         </p:nvPicPr>
         <p:blipFill>
-          <a:blip r:embed="rId11">
+          <a:blip r:embed="rId2">
             <a:extLst>
               <a:ext uri="{28A0092B-C50C-407E-A947-70E740481C1C}">
                 <a14:useLocalDpi xmlns:a14="http://schemas.microsoft.com/office/drawing/2010/main" val="0"/>
@@ -4265,7 +4268,7 @@
 </file>
 
 <file path=ppt/slides/slide7.xml><?xml version="1.0" encoding="utf-8"?>
-<p:sld xmlns:a="http://schemas.openxmlformats.org/drawingml/2006/main" xmlns:p="http://schemas.openxmlformats.org/presentationml/2006/main" xmlns:r="http://schemas.openxmlformats.org/officeDocument/2006/relationships">
+<p:sld xmlns:a="http://schemas.openxmlformats.org/drawingml/2006/main" xmlns:r="http://schemas.openxmlformats.org/officeDocument/2006/relationships" xmlns:p="http://schemas.openxmlformats.org/presentationml/2006/main">
   <p:cSld>
     <p:spTree>
       <p:nvGrpSpPr>
@@ -4283,7 +4286,7 @@
       </p:grpSpPr>
       <p:pic>
         <p:nvPicPr>
-          <p:cNvPr descr="AB(2)" id="7" name="slide7">
+          <p:cNvPr id="7" name="slide7" descr="AB(2)">
             <a:extLst>
               <a:ext uri="{FF2B5EF4-FFF2-40B4-BE49-F238E27FC236}">
                 <a16:creationId xmlns:a16="http://schemas.microsoft.com/office/drawing/2014/main" id="{803E2E48-EC1B-4823-B9C6-45642294CE47}"/>
@@ -4296,7 +4299,7 @@
           <p:nvPr/>
         </p:nvPicPr>
         <p:blipFill>
-          <a:blip r:embed="rId12">
+          <a:blip r:embed="rId2">
             <a:extLst>
               <a:ext uri="{28A0092B-C50C-407E-A947-70E740481C1C}">
                 <a14:useLocalDpi xmlns:a14="http://schemas.microsoft.com/office/drawing/2010/main" val="0"/>
@@ -4331,7 +4334,7 @@
 </file>
 
 <file path=ppt/slides/slide8.xml><?xml version="1.0" encoding="utf-8"?>
-<p:sld xmlns:a="http://schemas.openxmlformats.org/drawingml/2006/main" xmlns:p="http://schemas.openxmlformats.org/presentationml/2006/main" xmlns:r="http://schemas.openxmlformats.org/officeDocument/2006/relationships">
+<p:sld xmlns:a="http://schemas.openxmlformats.org/drawingml/2006/main" xmlns:r="http://schemas.openxmlformats.org/officeDocument/2006/relationships" xmlns:p="http://schemas.openxmlformats.org/presentationml/2006/main">
   <p:cSld>
     <p:spTree>
       <p:nvGrpSpPr>
@@ -4349,7 +4352,7 @@
       </p:grpSpPr>
       <p:pic>
         <p:nvPicPr>
-          <p:cNvPr descr="AC" id="8" name="slide8">
+          <p:cNvPr id="8" name="slide8" descr="AC">
             <a:extLst>
               <a:ext uri="{FF2B5EF4-FFF2-40B4-BE49-F238E27FC236}">
                 <a16:creationId xmlns:a16="http://schemas.microsoft.com/office/drawing/2014/main" id="{5A02E892-8EFE-494B-8438-09B92E8E50CA}"/>
@@ -4362,7 +4365,7 @@
           <p:nvPr/>
         </p:nvPicPr>
         <p:blipFill>
-          <a:blip r:embed="rId13">
+          <a:blip r:embed="rId2">
             <a:extLst>
               <a:ext uri="{28A0092B-C50C-407E-A947-70E740481C1C}">
                 <a14:useLocalDpi xmlns:a14="http://schemas.microsoft.com/office/drawing/2010/main" val="0"/>
@@ -4397,7 +4400,7 @@
 </file>
 
 <file path=ppt/slides/slide9.xml><?xml version="1.0" encoding="utf-8"?>
-<p:sld xmlns:a="http://schemas.openxmlformats.org/drawingml/2006/main" xmlns:p="http://schemas.openxmlformats.org/presentationml/2006/main" xmlns:r="http://schemas.openxmlformats.org/officeDocument/2006/relationships">
+<p:sld xmlns:a="http://schemas.openxmlformats.org/drawingml/2006/main" xmlns:r="http://schemas.openxmlformats.org/officeDocument/2006/relationships" xmlns:p="http://schemas.openxmlformats.org/presentationml/2006/main">
   <p:cSld>
     <p:spTree>
       <p:nvGrpSpPr>
@@ -4415,7 +4418,7 @@
       </p:grpSpPr>
       <p:pic>
         <p:nvPicPr>
-          <p:cNvPr descr="AC(2)" id="9" name="slide9">
+          <p:cNvPr id="9" name="slide9" descr="AC(2)">
             <a:extLst>
               <a:ext uri="{FF2B5EF4-FFF2-40B4-BE49-F238E27FC236}">
                 <a16:creationId xmlns:a16="http://schemas.microsoft.com/office/drawing/2014/main" id="{06A63B91-E632-4DBE-8F92-8FED64628FF5}"/>
@@ -4428,7 +4431,7 @@
           <p:nvPr/>
         </p:nvPicPr>
         <p:blipFill>
-          <a:blip r:embed="rId14">
+          <a:blip r:embed="rId2">
             <a:extLst>
               <a:ext uri="{28A0092B-C50C-407E-A947-70E740481C1C}">
                 <a14:useLocalDpi xmlns:a14="http://schemas.microsoft.com/office/drawing/2010/main" val="0"/>
@@ -4449,36 +4452,6 @@
           </a:prstGeom>
         </p:spPr>
       </p:pic>
-    </p:spTree>
-    <p:extLst>
-      <p:ext uri="{BB962C8B-B14F-4D97-AF65-F5344CB8AC3E}">
-        <p14:creationId xmlns:p14="http://schemas.microsoft.com/office/powerpoint/2010/main" val="95992585"/>
-      </p:ext>
-    </p:extLst>
-  </p:cSld>
-  <p:clrMapOvr>
-    <a:masterClrMapping/>
-  </p:clrMapOvr>
-</p:sld>
-</file>
-
-<file path=ppt/slides/slideTemplate.xml><?xml version="1.0" encoding="utf-8"?>
-<p:sld xmlns:a="http://schemas.openxmlformats.org/drawingml/2006/main" xmlns:r="http://schemas.openxmlformats.org/officeDocument/2006/relationships" xmlns:p="http://schemas.openxmlformats.org/presentationml/2006/main">
-  <p:cSld>
-    <p:spTree>
-      <p:nvGrpSpPr>
-        <p:cNvPr id="1" name=""/>
-        <p:cNvGrpSpPr/>
-        <p:nvPr/>
-      </p:nvGrpSpPr>
-      <p:grpSpPr>
-        <a:xfrm>
-          <a:off x="0" y="0"/>
-          <a:ext cx="0" cy="0"/>
-          <a:chOff x="0" y="0"/>
-          <a:chExt cx="0" cy="0"/>
-        </a:xfrm>
-      </p:grpSpPr>
     </p:spTree>
     <p:extLst>
       <p:ext uri="{BB962C8B-B14F-4D97-AF65-F5344CB8AC3E}">

--- a/datasets/tranch_master_basic.pptx
+++ b/datasets/tranch_master_basic.pptx
@@ -6,22 +6,23 @@
   </p:sldMasterIdLst>
   <p:sldIdLst>
     <p:sldId id="256" r:id="rId2"/>
-    <p:sldId id="257" r:id="rId3"/>
-    <p:sldId id="258" r:id="rId4"/>
-    <p:sldId id="259" r:id="rId5"/>
-    <p:sldId id="260" r:id="rId6"/>
-    <p:sldId id="261" r:id="rId7"/>
-    <p:sldId id="262" r:id="rId8"/>
-    <p:sldId id="263" r:id="rId9"/>
-    <p:sldId id="264" r:id="rId10"/>
-    <p:sldId id="265" r:id="rId11"/>
-    <p:sldId id="266" r:id="rId12"/>
-    <p:sldId id="267" r:id="rId13"/>
-    <p:sldId id="268" r:id="rId14"/>
-    <p:sldId id="269" r:id="rId15"/>
-    <p:sldId id="270" r:id="rId16"/>
-    <p:sldId id="271" r:id="rId17"/>
-    <p:sldId id="272" r:id="rId18"/>
+    <p:sldId id="273" r:id="rId3"/>
+    <p:sldId id="257" r:id="rId4"/>
+    <p:sldId id="258" r:id="rId5"/>
+    <p:sldId id="259" r:id="rId6"/>
+    <p:sldId id="260" r:id="rId7"/>
+    <p:sldId id="261" r:id="rId8"/>
+    <p:sldId id="262" r:id="rId9"/>
+    <p:sldId id="263" r:id="rId10"/>
+    <p:sldId id="264" r:id="rId11"/>
+    <p:sldId id="265" r:id="rId12"/>
+    <p:sldId id="266" r:id="rId13"/>
+    <p:sldId id="267" r:id="rId14"/>
+    <p:sldId id="268" r:id="rId15"/>
+    <p:sldId id="269" r:id="rId16"/>
+    <p:sldId id="270" r:id="rId17"/>
+    <p:sldId id="271" r:id="rId18"/>
+    <p:sldId id="272" r:id="rId19"/>
   </p:sldIdLst>
   <p:sldSz cx="12192000" cy="6858000"/>
   <p:notesSz cx="6858000" cy="9144000"/>
@@ -3428,10 +3429,10 @@
       </p:grpSpPr>
       <p:pic>
         <p:nvPicPr>
-          <p:cNvPr id="10" name="slide10" descr="AD">
-            <a:extLst>
-              <a:ext uri="{FF2B5EF4-FFF2-40B4-BE49-F238E27FC236}">
-                <a16:creationId xmlns:a16="http://schemas.microsoft.com/office/drawing/2014/main" id="{CA6DEA4D-4A3F-4CEE-AA19-8CD7AF2D225B}"/>
+          <p:cNvPr id="9" name="slide9" descr="AC(2)">
+            <a:extLst>
+              <a:ext uri="{FF2B5EF4-FFF2-40B4-BE49-F238E27FC236}">
+                <a16:creationId xmlns:a16="http://schemas.microsoft.com/office/drawing/2014/main" id="{06A63B91-E632-4DBE-8F92-8FED64628FF5}"/>
               </a:ext>
             </a:extLst>
           </p:cNvPr>
@@ -3454,8 +3455,8 @@
         </p:blipFill>
         <p:spPr>
           <a:xfrm>
-            <a:off x="4542420" y="0"/>
-            <a:ext cx="3107158" cy="6858000"/>
+            <a:off x="4505103" y="0"/>
+            <a:ext cx="3181793" cy="6858000"/>
           </a:xfrm>
           <a:prstGeom prst="rect">
             <a:avLst/>
@@ -3494,10 +3495,10 @@
       </p:grpSpPr>
       <p:pic>
         <p:nvPicPr>
-          <p:cNvPr id="11" name="slide11" descr="AD(2)">
-            <a:extLst>
-              <a:ext uri="{FF2B5EF4-FFF2-40B4-BE49-F238E27FC236}">
-                <a16:creationId xmlns:a16="http://schemas.microsoft.com/office/drawing/2014/main" id="{22DBEFAE-7864-4891-A666-7F3402247325}"/>
+          <p:cNvPr id="10" name="slide10" descr="AD">
+            <a:extLst>
+              <a:ext uri="{FF2B5EF4-FFF2-40B4-BE49-F238E27FC236}">
+                <a16:creationId xmlns:a16="http://schemas.microsoft.com/office/drawing/2014/main" id="{CA6DEA4D-4A3F-4CEE-AA19-8CD7AF2D225B}"/>
               </a:ext>
             </a:extLst>
           </p:cNvPr>
@@ -3520,8 +3521,8 @@
         </p:blipFill>
         <p:spPr>
           <a:xfrm>
-            <a:off x="4510634" y="0"/>
-            <a:ext cx="3170732" cy="6858000"/>
+            <a:off x="4542420" y="0"/>
+            <a:ext cx="3107158" cy="6858000"/>
           </a:xfrm>
           <a:prstGeom prst="rect">
             <a:avLst/>
@@ -3560,10 +3561,10 @@
       </p:grpSpPr>
       <p:pic>
         <p:nvPicPr>
-          <p:cNvPr id="12" name="slide12" descr="BC">
-            <a:extLst>
-              <a:ext uri="{FF2B5EF4-FFF2-40B4-BE49-F238E27FC236}">
-                <a16:creationId xmlns:a16="http://schemas.microsoft.com/office/drawing/2014/main" id="{E676C9A0-97AC-4BFC-90E7-5A9F470D0C23}"/>
+          <p:cNvPr id="11" name="slide11" descr="AD(2)">
+            <a:extLst>
+              <a:ext uri="{FF2B5EF4-FFF2-40B4-BE49-F238E27FC236}">
+                <a16:creationId xmlns:a16="http://schemas.microsoft.com/office/drawing/2014/main" id="{22DBEFAE-7864-4891-A666-7F3402247325}"/>
               </a:ext>
             </a:extLst>
           </p:cNvPr>
@@ -3586,8 +3587,8 @@
         </p:blipFill>
         <p:spPr>
           <a:xfrm>
-            <a:off x="4542420" y="0"/>
-            <a:ext cx="3107158" cy="6858000"/>
+            <a:off x="4510634" y="0"/>
+            <a:ext cx="3170732" cy="6858000"/>
           </a:xfrm>
           <a:prstGeom prst="rect">
             <a:avLst/>
@@ -3626,10 +3627,10 @@
       </p:grpSpPr>
       <p:pic>
         <p:nvPicPr>
-          <p:cNvPr id="13" name="slide13" descr="BC(2)">
-            <a:extLst>
-              <a:ext uri="{FF2B5EF4-FFF2-40B4-BE49-F238E27FC236}">
-                <a16:creationId xmlns:a16="http://schemas.microsoft.com/office/drawing/2014/main" id="{38961847-6C86-42F2-98E1-0E9D7F98C44A}"/>
+          <p:cNvPr id="12" name="slide12" descr="BC">
+            <a:extLst>
+              <a:ext uri="{FF2B5EF4-FFF2-40B4-BE49-F238E27FC236}">
+                <a16:creationId xmlns:a16="http://schemas.microsoft.com/office/drawing/2014/main" id="{E676C9A0-97AC-4BFC-90E7-5A9F470D0C23}"/>
               </a:ext>
             </a:extLst>
           </p:cNvPr>
@@ -3652,8 +3653,8 @@
         </p:blipFill>
         <p:spPr>
           <a:xfrm>
-            <a:off x="4510634" y="0"/>
-            <a:ext cx="3170732" cy="6858000"/>
+            <a:off x="4542420" y="0"/>
+            <a:ext cx="3107158" cy="6858000"/>
           </a:xfrm>
           <a:prstGeom prst="rect">
             <a:avLst/>
@@ -3692,10 +3693,10 @@
       </p:grpSpPr>
       <p:pic>
         <p:nvPicPr>
-          <p:cNvPr id="14" name="slide14" descr="BD">
-            <a:extLst>
-              <a:ext uri="{FF2B5EF4-FFF2-40B4-BE49-F238E27FC236}">
-                <a16:creationId xmlns:a16="http://schemas.microsoft.com/office/drawing/2014/main" id="{7ED20F6B-8E1A-4F62-AE7A-A84EB360BDB8}"/>
+          <p:cNvPr id="13" name="slide13" descr="BC(2)">
+            <a:extLst>
+              <a:ext uri="{FF2B5EF4-FFF2-40B4-BE49-F238E27FC236}">
+                <a16:creationId xmlns:a16="http://schemas.microsoft.com/office/drawing/2014/main" id="{38961847-6C86-42F2-98E1-0E9D7F98C44A}"/>
               </a:ext>
             </a:extLst>
           </p:cNvPr>
@@ -3718,8 +3719,8 @@
         </p:blipFill>
         <p:spPr>
           <a:xfrm>
-            <a:off x="4579327" y="0"/>
-            <a:ext cx="3033346" cy="6858000"/>
+            <a:off x="4510634" y="0"/>
+            <a:ext cx="3170732" cy="6858000"/>
           </a:xfrm>
           <a:prstGeom prst="rect">
             <a:avLst/>
@@ -3758,10 +3759,10 @@
       </p:grpSpPr>
       <p:pic>
         <p:nvPicPr>
-          <p:cNvPr id="15" name="slide15" descr="BD(2)">
-            <a:extLst>
-              <a:ext uri="{FF2B5EF4-FFF2-40B4-BE49-F238E27FC236}">
-                <a16:creationId xmlns:a16="http://schemas.microsoft.com/office/drawing/2014/main" id="{25563658-FC37-4271-A3B1-95247606C187}"/>
+          <p:cNvPr id="14" name="slide14" descr="BD">
+            <a:extLst>
+              <a:ext uri="{FF2B5EF4-FFF2-40B4-BE49-F238E27FC236}">
+                <a16:creationId xmlns:a16="http://schemas.microsoft.com/office/drawing/2014/main" id="{7ED20F6B-8E1A-4F62-AE7A-A84EB360BDB8}"/>
               </a:ext>
             </a:extLst>
           </p:cNvPr>
@@ -3784,8 +3785,8 @@
         </p:blipFill>
         <p:spPr>
           <a:xfrm>
-            <a:off x="4510634" y="0"/>
-            <a:ext cx="3170732" cy="6858000"/>
+            <a:off x="4579327" y="0"/>
+            <a:ext cx="3033346" cy="6858000"/>
           </a:xfrm>
           <a:prstGeom prst="rect">
             <a:avLst/>
@@ -3824,6 +3825,72 @@
       </p:grpSpPr>
       <p:pic>
         <p:nvPicPr>
+          <p:cNvPr id="15" name="slide15" descr="BD(2)">
+            <a:extLst>
+              <a:ext uri="{FF2B5EF4-FFF2-40B4-BE49-F238E27FC236}">
+                <a16:creationId xmlns:a16="http://schemas.microsoft.com/office/drawing/2014/main" id="{25563658-FC37-4271-A3B1-95247606C187}"/>
+              </a:ext>
+            </a:extLst>
+          </p:cNvPr>
+          <p:cNvPicPr>
+            <a:picLocks noChangeAspect="1"/>
+          </p:cNvPicPr>
+          <p:nvPr/>
+        </p:nvPicPr>
+        <p:blipFill>
+          <a:blip r:embed="rId2">
+            <a:extLst>
+              <a:ext uri="{28A0092B-C50C-407E-A947-70E740481C1C}">
+                <a14:useLocalDpi xmlns:a14="http://schemas.microsoft.com/office/drawing/2010/main" val="0"/>
+              </a:ext>
+            </a:extLst>
+          </a:blip>
+          <a:stretch>
+            <a:fillRect/>
+          </a:stretch>
+        </p:blipFill>
+        <p:spPr>
+          <a:xfrm>
+            <a:off x="4510634" y="0"/>
+            <a:ext cx="3170732" cy="6858000"/>
+          </a:xfrm>
+          <a:prstGeom prst="rect">
+            <a:avLst/>
+          </a:prstGeom>
+        </p:spPr>
+      </p:pic>
+    </p:spTree>
+    <p:extLst>
+      <p:ext uri="{BB962C8B-B14F-4D97-AF65-F5344CB8AC3E}">
+        <p14:creationId xmlns:p14="http://schemas.microsoft.com/office/powerpoint/2010/main" val="95992585"/>
+      </p:ext>
+    </p:extLst>
+  </p:cSld>
+  <p:clrMapOvr>
+    <a:masterClrMapping/>
+  </p:clrMapOvr>
+</p:sld>
+</file>
+
+<file path=ppt/slides/slide17.xml><?xml version="1.0" encoding="utf-8"?>
+<p:sld xmlns:a="http://schemas.openxmlformats.org/drawingml/2006/main" xmlns:r="http://schemas.openxmlformats.org/officeDocument/2006/relationships" xmlns:p="http://schemas.openxmlformats.org/presentationml/2006/main">
+  <p:cSld>
+    <p:spTree>
+      <p:nvGrpSpPr>
+        <p:cNvPr id="1" name=""/>
+        <p:cNvGrpSpPr/>
+        <p:nvPr/>
+      </p:nvGrpSpPr>
+      <p:grpSpPr>
+        <a:xfrm>
+          <a:off x="0" y="0"/>
+          <a:ext cx="0" cy="0"/>
+          <a:chOff x="0" y="0"/>
+          <a:chExt cx="0" cy="0"/>
+        </a:xfrm>
+      </p:grpSpPr>
+      <p:pic>
+        <p:nvPicPr>
           <p:cNvPr id="16" name="slide16" descr="CD">
             <a:extLst>
               <a:ext uri="{FF2B5EF4-FFF2-40B4-BE49-F238E27FC236}">
@@ -3871,7 +3938,7 @@
 </p:sld>
 </file>
 
-<file path=ppt/slides/slide17.xml><?xml version="1.0" encoding="utf-8"?>
+<file path=ppt/slides/slide18.xml><?xml version="1.0" encoding="utf-8"?>
 <p:sld xmlns:a="http://schemas.openxmlformats.org/drawingml/2006/main" xmlns:r="http://schemas.openxmlformats.org/officeDocument/2006/relationships" xmlns:p="http://schemas.openxmlformats.org/presentationml/2006/main">
   <p:cSld>
     <p:spTree>
@@ -3956,10 +4023,10 @@
       </p:grpSpPr>
       <p:pic>
         <p:nvPicPr>
-          <p:cNvPr id="2" name="slide2" descr="personCount(A)">
-            <a:extLst>
-              <a:ext uri="{FF2B5EF4-FFF2-40B4-BE49-F238E27FC236}">
-                <a16:creationId xmlns:a16="http://schemas.microsoft.com/office/drawing/2014/main" id="{53C6E837-F521-4200-B421-8AA8C66D87E7}"/>
+          <p:cNvPr id="5" name="Picture 4" descr="Chart, bar chart&#10;&#10;Description automatically generated">
+            <a:extLst>
+              <a:ext uri="{FF2B5EF4-FFF2-40B4-BE49-F238E27FC236}">
+                <a16:creationId xmlns:a16="http://schemas.microsoft.com/office/drawing/2014/main" id="{652C69E1-49BA-49B4-BE1D-371264427154}"/>
               </a:ext>
             </a:extLst>
           </p:cNvPr>
@@ -3982,8 +4049,8 @@
         </p:blipFill>
         <p:spPr>
           <a:xfrm>
-            <a:off x="4837614" y="0"/>
-            <a:ext cx="2516772" cy="6858000"/>
+            <a:off x="1815665" y="952599"/>
+            <a:ext cx="8560670" cy="5458371"/>
           </a:xfrm>
           <a:prstGeom prst="rect">
             <a:avLst/>
@@ -3993,7 +4060,7 @@
     </p:spTree>
     <p:extLst>
       <p:ext uri="{BB962C8B-B14F-4D97-AF65-F5344CB8AC3E}">
-        <p14:creationId xmlns:p14="http://schemas.microsoft.com/office/powerpoint/2010/main" val="95992585"/>
+        <p14:creationId xmlns:p14="http://schemas.microsoft.com/office/powerpoint/2010/main" val="2472816914"/>
       </p:ext>
     </p:extLst>
   </p:cSld>
@@ -4022,10 +4089,10 @@
       </p:grpSpPr>
       <p:pic>
         <p:nvPicPr>
-          <p:cNvPr id="3" name="slide3" descr="occluded(B)">
-            <a:extLst>
-              <a:ext uri="{FF2B5EF4-FFF2-40B4-BE49-F238E27FC236}">
-                <a16:creationId xmlns:a16="http://schemas.microsoft.com/office/drawing/2014/main" id="{0F05AC88-D2DE-43A9-B9D5-CD71D271E878}"/>
+          <p:cNvPr id="2" name="slide2" descr="personCount(A)">
+            <a:extLst>
+              <a:ext uri="{FF2B5EF4-FFF2-40B4-BE49-F238E27FC236}">
+                <a16:creationId xmlns:a16="http://schemas.microsoft.com/office/drawing/2014/main" id="{53C6E837-F521-4200-B421-8AA8C66D87E7}"/>
               </a:ext>
             </a:extLst>
           </p:cNvPr>
@@ -4034,7 +4101,7 @@
           </p:cNvPicPr>
           <p:nvPr/>
         </p:nvPicPr>
-        <p:blipFill>
+        <p:blipFill rotWithShape="1">
           <a:blip r:embed="rId2">
             <a:extLst>
               <a:ext uri="{28A0092B-C50C-407E-A947-70E740481C1C}">
@@ -4042,14 +4109,13 @@
               </a:ext>
             </a:extLst>
           </a:blip>
-          <a:stretch>
-            <a:fillRect/>
-          </a:stretch>
+          <a:srcRect t="5307" b="7961"/>
+          <a:stretch/>
         </p:blipFill>
         <p:spPr>
           <a:xfrm>
-            <a:off x="5130139" y="0"/>
-            <a:ext cx="1931721" cy="6858000"/>
+            <a:off x="4837614" y="363984"/>
+            <a:ext cx="2516772" cy="5948039"/>
           </a:xfrm>
           <a:prstGeom prst="rect">
             <a:avLst/>
@@ -4088,10 +4154,10 @@
       </p:grpSpPr>
       <p:pic>
         <p:nvPicPr>
-          <p:cNvPr id="4" name="slide4" descr="posture(C)">
-            <a:extLst>
-              <a:ext uri="{FF2B5EF4-FFF2-40B4-BE49-F238E27FC236}">
-                <a16:creationId xmlns:a16="http://schemas.microsoft.com/office/drawing/2014/main" id="{EF018442-0B56-4304-9254-4622DBF2ACE7}"/>
+          <p:cNvPr id="3" name="slide3" descr="occluded(B)">
+            <a:extLst>
+              <a:ext uri="{FF2B5EF4-FFF2-40B4-BE49-F238E27FC236}">
+                <a16:creationId xmlns:a16="http://schemas.microsoft.com/office/drawing/2014/main" id="{0F05AC88-D2DE-43A9-B9D5-CD71D271E878}"/>
               </a:ext>
             </a:extLst>
           </p:cNvPr>
@@ -4100,7 +4166,7 @@
           </p:cNvPicPr>
           <p:nvPr/>
         </p:nvPicPr>
-        <p:blipFill>
+        <p:blipFill rotWithShape="1">
           <a:blip r:embed="rId2">
             <a:extLst>
               <a:ext uri="{28A0092B-C50C-407E-A947-70E740481C1C}">
@@ -4108,14 +4174,13 @@
               </a:ext>
             </a:extLst>
           </a:blip>
-          <a:stretch>
-            <a:fillRect/>
-          </a:stretch>
+          <a:srcRect t="5049" b="13010"/>
+          <a:stretch/>
         </p:blipFill>
         <p:spPr>
           <a:xfrm>
-            <a:off x="4868235" y="0"/>
-            <a:ext cx="2455529" cy="6858000"/>
+            <a:off x="5130139" y="346228"/>
+            <a:ext cx="1931721" cy="5619565"/>
           </a:xfrm>
           <a:prstGeom prst="rect">
             <a:avLst/>
@@ -4154,10 +4219,10 @@
       </p:grpSpPr>
       <p:pic>
         <p:nvPicPr>
-          <p:cNvPr id="5" name="slide5" descr="personType(D)">
-            <a:extLst>
-              <a:ext uri="{FF2B5EF4-FFF2-40B4-BE49-F238E27FC236}">
-                <a16:creationId xmlns:a16="http://schemas.microsoft.com/office/drawing/2014/main" id="{B82D87E5-4A54-4233-AF26-5115348FC9C3}"/>
+          <p:cNvPr id="4" name="slide4" descr="posture(C)">
+            <a:extLst>
+              <a:ext uri="{FF2B5EF4-FFF2-40B4-BE49-F238E27FC236}">
+                <a16:creationId xmlns:a16="http://schemas.microsoft.com/office/drawing/2014/main" id="{EF018442-0B56-4304-9254-4622DBF2ACE7}"/>
               </a:ext>
             </a:extLst>
           </p:cNvPr>
@@ -4166,7 +4231,7 @@
           </p:cNvPicPr>
           <p:nvPr/>
         </p:nvPicPr>
-        <p:blipFill>
+        <p:blipFill rotWithShape="1">
           <a:blip r:embed="rId2">
             <a:extLst>
               <a:ext uri="{28A0092B-C50C-407E-A947-70E740481C1C}">
@@ -4174,14 +4239,13 @@
               </a:ext>
             </a:extLst>
           </a:blip>
-          <a:stretch>
-            <a:fillRect/>
-          </a:stretch>
+          <a:srcRect t="5307" b="9903"/>
+          <a:stretch/>
         </p:blipFill>
         <p:spPr>
           <a:xfrm>
-            <a:off x="5641656" y="0"/>
-            <a:ext cx="874554" cy="6858000"/>
+            <a:off x="4868235" y="363984"/>
+            <a:ext cx="2455529" cy="5814874"/>
           </a:xfrm>
           <a:prstGeom prst="rect">
             <a:avLst/>
@@ -4220,10 +4284,10 @@
       </p:grpSpPr>
       <p:pic>
         <p:nvPicPr>
-          <p:cNvPr id="6" name="slide6" descr="AB">
-            <a:extLst>
-              <a:ext uri="{FF2B5EF4-FFF2-40B4-BE49-F238E27FC236}">
-                <a16:creationId xmlns:a16="http://schemas.microsoft.com/office/drawing/2014/main" id="{03C4010A-D934-47BC-A735-5A7E706F135A}"/>
+          <p:cNvPr id="3" name="slide2" descr="personType(D)">
+            <a:extLst>
+              <a:ext uri="{FF2B5EF4-FFF2-40B4-BE49-F238E27FC236}">
+                <a16:creationId xmlns:a16="http://schemas.microsoft.com/office/drawing/2014/main" id="{98AF0F4E-D6C0-4E4D-B8BF-107BB3318D49}"/>
               </a:ext>
             </a:extLst>
           </p:cNvPr>
@@ -4232,7 +4296,7 @@
           </p:cNvPicPr>
           <p:nvPr/>
         </p:nvPicPr>
-        <p:blipFill>
+        <p:blipFill rotWithShape="1">
           <a:blip r:embed="rId2">
             <a:extLst>
               <a:ext uri="{28A0092B-C50C-407E-A947-70E740481C1C}">
@@ -4240,14 +4304,13 @@
               </a:ext>
             </a:extLst>
           </a:blip>
-          <a:stretch>
-            <a:fillRect/>
-          </a:stretch>
+          <a:srcRect t="5018" b="13835"/>
+          <a:stretch/>
         </p:blipFill>
         <p:spPr>
           <a:xfrm>
-            <a:off x="4542420" y="0"/>
-            <a:ext cx="3107158" cy="6858000"/>
+            <a:off x="5152551" y="344129"/>
+            <a:ext cx="1886897" cy="5565058"/>
           </a:xfrm>
           <a:prstGeom prst="rect">
             <a:avLst/>
@@ -4286,10 +4349,10 @@
       </p:grpSpPr>
       <p:pic>
         <p:nvPicPr>
-          <p:cNvPr id="7" name="slide7" descr="AB(2)">
-            <a:extLst>
-              <a:ext uri="{FF2B5EF4-FFF2-40B4-BE49-F238E27FC236}">
-                <a16:creationId xmlns:a16="http://schemas.microsoft.com/office/drawing/2014/main" id="{803E2E48-EC1B-4823-B9C6-45642294CE47}"/>
+          <p:cNvPr id="6" name="slide6" descr="AB">
+            <a:extLst>
+              <a:ext uri="{FF2B5EF4-FFF2-40B4-BE49-F238E27FC236}">
+                <a16:creationId xmlns:a16="http://schemas.microsoft.com/office/drawing/2014/main" id="{03C4010A-D934-47BC-A735-5A7E706F135A}"/>
               </a:ext>
             </a:extLst>
           </p:cNvPr>
@@ -4312,8 +4375,8 @@
         </p:blipFill>
         <p:spPr>
           <a:xfrm>
-            <a:off x="4474873" y="0"/>
-            <a:ext cx="3242252" cy="6858000"/>
+            <a:off x="4542420" y="0"/>
+            <a:ext cx="3107158" cy="6858000"/>
           </a:xfrm>
           <a:prstGeom prst="rect">
             <a:avLst/>
@@ -4352,10 +4415,10 @@
       </p:grpSpPr>
       <p:pic>
         <p:nvPicPr>
-          <p:cNvPr id="8" name="slide8" descr="AC">
-            <a:extLst>
-              <a:ext uri="{FF2B5EF4-FFF2-40B4-BE49-F238E27FC236}">
-                <a16:creationId xmlns:a16="http://schemas.microsoft.com/office/drawing/2014/main" id="{5A02E892-8EFE-494B-8438-09B92E8E50CA}"/>
+          <p:cNvPr id="7" name="slide7" descr="AB(2)">
+            <a:extLst>
+              <a:ext uri="{FF2B5EF4-FFF2-40B4-BE49-F238E27FC236}">
+                <a16:creationId xmlns:a16="http://schemas.microsoft.com/office/drawing/2014/main" id="{803E2E48-EC1B-4823-B9C6-45642294CE47}"/>
               </a:ext>
             </a:extLst>
           </p:cNvPr>
@@ -4378,8 +4441,8 @@
         </p:blipFill>
         <p:spPr>
           <a:xfrm>
-            <a:off x="4537001" y="0"/>
-            <a:ext cx="3117997" cy="6858000"/>
+            <a:off x="4474873" y="0"/>
+            <a:ext cx="3242252" cy="6858000"/>
           </a:xfrm>
           <a:prstGeom prst="rect">
             <a:avLst/>
@@ -4418,10 +4481,10 @@
       </p:grpSpPr>
       <p:pic>
         <p:nvPicPr>
-          <p:cNvPr id="9" name="slide9" descr="AC(2)">
-            <a:extLst>
-              <a:ext uri="{FF2B5EF4-FFF2-40B4-BE49-F238E27FC236}">
-                <a16:creationId xmlns:a16="http://schemas.microsoft.com/office/drawing/2014/main" id="{06A63B91-E632-4DBE-8F92-8FED64628FF5}"/>
+          <p:cNvPr id="8" name="slide8" descr="AC">
+            <a:extLst>
+              <a:ext uri="{FF2B5EF4-FFF2-40B4-BE49-F238E27FC236}">
+                <a16:creationId xmlns:a16="http://schemas.microsoft.com/office/drawing/2014/main" id="{5A02E892-8EFE-494B-8438-09B92E8E50CA}"/>
               </a:ext>
             </a:extLst>
           </p:cNvPr>
@@ -4444,8 +4507,8 @@
         </p:blipFill>
         <p:spPr>
           <a:xfrm>
-            <a:off x="4505103" y="0"/>
-            <a:ext cx="3181793" cy="6858000"/>
+            <a:off x="4537001" y="0"/>
+            <a:ext cx="3117997" cy="6858000"/>
           </a:xfrm>
           <a:prstGeom prst="rect">
             <a:avLst/>

--- a/datasets/tranch_master_basic.pptx
+++ b/datasets/tranch_master_basic.pptx
@@ -6,23 +6,34 @@
   </p:sldMasterIdLst>
   <p:sldIdLst>
     <p:sldId id="256" r:id="rId2"/>
-    <p:sldId id="273" r:id="rId3"/>
-    <p:sldId id="257" r:id="rId4"/>
-    <p:sldId id="258" r:id="rId5"/>
-    <p:sldId id="259" r:id="rId6"/>
-    <p:sldId id="260" r:id="rId7"/>
-    <p:sldId id="261" r:id="rId8"/>
-    <p:sldId id="262" r:id="rId9"/>
-    <p:sldId id="263" r:id="rId10"/>
-    <p:sldId id="264" r:id="rId11"/>
-    <p:sldId id="265" r:id="rId12"/>
-    <p:sldId id="266" r:id="rId13"/>
-    <p:sldId id="267" r:id="rId14"/>
-    <p:sldId id="268" r:id="rId15"/>
-    <p:sldId id="269" r:id="rId16"/>
-    <p:sldId id="270" r:id="rId17"/>
-    <p:sldId id="271" r:id="rId18"/>
-    <p:sldId id="272" r:id="rId19"/>
+    <p:sldId id="257" r:id="rId3"/>
+    <p:sldId id="258" r:id="rId4"/>
+    <p:sldId id="259" r:id="rId5"/>
+    <p:sldId id="260" r:id="rId6"/>
+    <p:sldId id="261" r:id="rId7"/>
+    <p:sldId id="271" r:id="rId8"/>
+    <p:sldId id="270" r:id="rId9"/>
+    <p:sldId id="272" r:id="rId10"/>
+    <p:sldId id="273" r:id="rId11"/>
+    <p:sldId id="274" r:id="rId12"/>
+    <p:sldId id="275" r:id="rId13"/>
+    <p:sldId id="276" r:id="rId14"/>
+    <p:sldId id="284" r:id="rId15"/>
+    <p:sldId id="285" r:id="rId16"/>
+    <p:sldId id="286" r:id="rId17"/>
+    <p:sldId id="287" r:id="rId18"/>
+    <p:sldId id="277" r:id="rId19"/>
+    <p:sldId id="262" r:id="rId20"/>
+    <p:sldId id="263" r:id="rId21"/>
+    <p:sldId id="264" r:id="rId22"/>
+    <p:sldId id="265" r:id="rId23"/>
+    <p:sldId id="266" r:id="rId24"/>
+    <p:sldId id="282" r:id="rId25"/>
+    <p:sldId id="283" r:id="rId26"/>
+    <p:sldId id="278" r:id="rId27"/>
+    <p:sldId id="279" r:id="rId28"/>
+    <p:sldId id="280" r:id="rId29"/>
+    <p:sldId id="281" r:id="rId30"/>
   </p:sldIdLst>
   <p:sldSz cx="12192000" cy="6858000"/>
   <p:notesSz cx="6858000" cy="9144000"/>
@@ -3348,7 +3359,7 @@
           <p:cNvPr id="2" name="slide1">
             <a:extLst>
               <a:ext uri="{FF2B5EF4-FFF2-40B4-BE49-F238E27FC236}">
-                <a16:creationId xmlns:a16="http://schemas.microsoft.com/office/drawing/2014/main" id="{8804EDFC-6CF2-4109-9A0C-A1731CDB8D50}"/>
+                <a16:creationId xmlns:a16="http://schemas.microsoft.com/office/drawing/2014/main" id="{60F8B87D-48DE-4E81-AF6A-84E460DDA017}"/>
               </a:ext>
             </a:extLst>
           </p:cNvPr>
@@ -3375,7 +3386,7 @@
           <p:cNvPr id="3" name="slide1">
             <a:extLst>
               <a:ext uri="{FF2B5EF4-FFF2-40B4-BE49-F238E27FC236}">
-                <a16:creationId xmlns:a16="http://schemas.microsoft.com/office/drawing/2014/main" id="{6AFAFB14-A1F0-4F0F-8CF6-365F386402EE}"/>
+                <a16:creationId xmlns:a16="http://schemas.microsoft.com/office/drawing/2014/main" id="{42106681-F327-4296-8534-A89C7A8B81C6}"/>
               </a:ext>
             </a:extLst>
           </p:cNvPr>
@@ -3392,7 +3403,7 @@
           <a:lstStyle/>
           <a:p>
             <a:r>
-              <a:t>File created on: 11/8/2020 5:56:06 PM</a:t>
+              <a:t>File created on: 11/8/2020 8:05:57 PM</a:t>
             </a:r>
           </a:p>
         </p:txBody>
@@ -3429,10 +3440,10 @@
       </p:grpSpPr>
       <p:pic>
         <p:nvPicPr>
-          <p:cNvPr id="9" name="slide9" descr="AC(2)">
-            <a:extLst>
-              <a:ext uri="{FF2B5EF4-FFF2-40B4-BE49-F238E27FC236}">
-                <a16:creationId xmlns:a16="http://schemas.microsoft.com/office/drawing/2014/main" id="{06A63B91-E632-4DBE-8F92-8FED64628FF5}"/>
+          <p:cNvPr id="2" name="slide2" descr="AC">
+            <a:extLst>
+              <a:ext uri="{FF2B5EF4-FFF2-40B4-BE49-F238E27FC236}">
+                <a16:creationId xmlns:a16="http://schemas.microsoft.com/office/drawing/2014/main" id="{73339C37-9F4D-4D9C-AAD7-4A6089E18A64}"/>
               </a:ext>
             </a:extLst>
           </p:cNvPr>
@@ -3455,8 +3466,8 @@
         </p:blipFill>
         <p:spPr>
           <a:xfrm>
-            <a:off x="4505103" y="0"/>
-            <a:ext cx="3181793" cy="6858000"/>
+            <a:off x="4537001" y="0"/>
+            <a:ext cx="3117997" cy="6858000"/>
           </a:xfrm>
           <a:prstGeom prst="rect">
             <a:avLst/>
@@ -3466,7 +3477,7 @@
     </p:spTree>
     <p:extLst>
       <p:ext uri="{BB962C8B-B14F-4D97-AF65-F5344CB8AC3E}">
-        <p14:creationId xmlns:p14="http://schemas.microsoft.com/office/powerpoint/2010/main" val="95992585"/>
+        <p14:creationId xmlns:p14="http://schemas.microsoft.com/office/powerpoint/2010/main" val="1444629264"/>
       </p:ext>
     </p:extLst>
   </p:cSld>
@@ -3495,10 +3506,10 @@
       </p:grpSpPr>
       <p:pic>
         <p:nvPicPr>
-          <p:cNvPr id="10" name="slide10" descr="AD">
-            <a:extLst>
-              <a:ext uri="{FF2B5EF4-FFF2-40B4-BE49-F238E27FC236}">
-                <a16:creationId xmlns:a16="http://schemas.microsoft.com/office/drawing/2014/main" id="{CA6DEA4D-4A3F-4CEE-AA19-8CD7AF2D225B}"/>
+          <p:cNvPr id="3" name="slide3" descr="AC(2)">
+            <a:extLst>
+              <a:ext uri="{FF2B5EF4-FFF2-40B4-BE49-F238E27FC236}">
+                <a16:creationId xmlns:a16="http://schemas.microsoft.com/office/drawing/2014/main" id="{639D347E-BFA5-4B9C-85B4-1ACD9C3E171A}"/>
               </a:ext>
             </a:extLst>
           </p:cNvPr>
@@ -3521,8 +3532,8 @@
         </p:blipFill>
         <p:spPr>
           <a:xfrm>
-            <a:off x="4542420" y="0"/>
-            <a:ext cx="3107158" cy="6858000"/>
+            <a:off x="4505103" y="0"/>
+            <a:ext cx="3181793" cy="6858000"/>
           </a:xfrm>
           <a:prstGeom prst="rect">
             <a:avLst/>
@@ -3532,7 +3543,7 @@
     </p:spTree>
     <p:extLst>
       <p:ext uri="{BB962C8B-B14F-4D97-AF65-F5344CB8AC3E}">
-        <p14:creationId xmlns:p14="http://schemas.microsoft.com/office/powerpoint/2010/main" val="95992585"/>
+        <p14:creationId xmlns:p14="http://schemas.microsoft.com/office/powerpoint/2010/main" val="1815672041"/>
       </p:ext>
     </p:extLst>
   </p:cSld>
@@ -3561,10 +3572,10 @@
       </p:grpSpPr>
       <p:pic>
         <p:nvPicPr>
-          <p:cNvPr id="11" name="slide11" descr="AD(2)">
-            <a:extLst>
-              <a:ext uri="{FF2B5EF4-FFF2-40B4-BE49-F238E27FC236}">
-                <a16:creationId xmlns:a16="http://schemas.microsoft.com/office/drawing/2014/main" id="{22DBEFAE-7864-4891-A666-7F3402247325}"/>
+          <p:cNvPr id="4" name="slide4" descr="AD">
+            <a:extLst>
+              <a:ext uri="{FF2B5EF4-FFF2-40B4-BE49-F238E27FC236}">
+                <a16:creationId xmlns:a16="http://schemas.microsoft.com/office/drawing/2014/main" id="{F3BBD762-D5F8-408A-8E49-1C4695A462F8}"/>
               </a:ext>
             </a:extLst>
           </p:cNvPr>
@@ -3587,8 +3598,8 @@
         </p:blipFill>
         <p:spPr>
           <a:xfrm>
-            <a:off x="4510634" y="0"/>
-            <a:ext cx="3170732" cy="6858000"/>
+            <a:off x="4542420" y="0"/>
+            <a:ext cx="3107158" cy="6858000"/>
           </a:xfrm>
           <a:prstGeom prst="rect">
             <a:avLst/>
@@ -3598,7 +3609,7 @@
     </p:spTree>
     <p:extLst>
       <p:ext uri="{BB962C8B-B14F-4D97-AF65-F5344CB8AC3E}">
-        <p14:creationId xmlns:p14="http://schemas.microsoft.com/office/powerpoint/2010/main" val="95992585"/>
+        <p14:creationId xmlns:p14="http://schemas.microsoft.com/office/powerpoint/2010/main" val="1971168679"/>
       </p:ext>
     </p:extLst>
   </p:cSld>
@@ -3627,10 +3638,10 @@
       </p:grpSpPr>
       <p:pic>
         <p:nvPicPr>
-          <p:cNvPr id="12" name="slide12" descr="BC">
-            <a:extLst>
-              <a:ext uri="{FF2B5EF4-FFF2-40B4-BE49-F238E27FC236}">
-                <a16:creationId xmlns:a16="http://schemas.microsoft.com/office/drawing/2014/main" id="{E676C9A0-97AC-4BFC-90E7-5A9F470D0C23}"/>
+          <p:cNvPr id="5" name="slide5" descr="AD(2)">
+            <a:extLst>
+              <a:ext uri="{FF2B5EF4-FFF2-40B4-BE49-F238E27FC236}">
+                <a16:creationId xmlns:a16="http://schemas.microsoft.com/office/drawing/2014/main" id="{EA23F8B9-BF7A-4ABC-B0AB-4ECC407F1BB7}"/>
               </a:ext>
             </a:extLst>
           </p:cNvPr>
@@ -3653,8 +3664,8 @@
         </p:blipFill>
         <p:spPr>
           <a:xfrm>
-            <a:off x="4542420" y="0"/>
-            <a:ext cx="3107158" cy="6858000"/>
+            <a:off x="4510634" y="0"/>
+            <a:ext cx="3170732" cy="6858000"/>
           </a:xfrm>
           <a:prstGeom prst="rect">
             <a:avLst/>
@@ -3664,7 +3675,7 @@
     </p:spTree>
     <p:extLst>
       <p:ext uri="{BB962C8B-B14F-4D97-AF65-F5344CB8AC3E}">
-        <p14:creationId xmlns:p14="http://schemas.microsoft.com/office/powerpoint/2010/main" val="95992585"/>
+        <p14:creationId xmlns:p14="http://schemas.microsoft.com/office/powerpoint/2010/main" val="771864864"/>
       </p:ext>
     </p:extLst>
   </p:cSld>
@@ -3677,6 +3688,14 @@
 <file path=ppt/slides/slide14.xml><?xml version="1.0" encoding="utf-8"?>
 <p:sld xmlns:a="http://schemas.openxmlformats.org/drawingml/2006/main" xmlns:r="http://schemas.openxmlformats.org/officeDocument/2006/relationships" xmlns:p="http://schemas.openxmlformats.org/presentationml/2006/main">
   <p:cSld>
+    <p:bg>
+      <p:bgPr>
+        <a:solidFill>
+          <a:schemeClr val="bg1"/>
+        </a:solidFill>
+        <a:effectLst/>
+      </p:bgPr>
+    </p:bg>
     <p:spTree>
       <p:nvGrpSpPr>
         <p:cNvPr id="1" name=""/>
@@ -3691,12 +3710,288 @@
           <a:chExt cx="0" cy="0"/>
         </a:xfrm>
       </p:grpSpPr>
+      <p:sp>
+        <p:nvSpPr>
+          <p:cNvPr id="9" name="Rectangle 8">
+            <a:extLst>
+              <a:ext uri="{FF2B5EF4-FFF2-40B4-BE49-F238E27FC236}">
+                <a16:creationId xmlns:a16="http://schemas.microsoft.com/office/drawing/2014/main" id="{56827C3C-D52F-46CE-A441-3CD6A1A6A0A2}"/>
+              </a:ext>
+              <a:ext uri="{C183D7F6-B498-43B3-948B-1728B52AA6E4}">
+                <adec:decorative xmlns:adec="http://schemas.microsoft.com/office/drawing/2017/decorative" val="1"/>
+              </a:ext>
+            </a:extLst>
+          </p:cNvPr>
+          <p:cNvSpPr>
+            <a:spLocks noGrp="1" noRot="1" noChangeAspect="1" noMove="1" noResize="1" noEditPoints="1" noAdjustHandles="1" noChangeArrowheads="1" noChangeShapeType="1" noTextEdit="1"/>
+          </p:cNvSpPr>
+          <p:nvPr>
+            <p:extLst>
+              <p:ext uri="{386F3935-93C4-4BCD-93E2-E3B085C9AB24}">
+                <p16:designElem xmlns:p16="http://schemas.microsoft.com/office/powerpoint/2015/main" val="1"/>
+              </p:ext>
+            </p:extLst>
+          </p:nvPr>
+        </p:nvSpPr>
+        <p:spPr>
+          <a:xfrm>
+            <a:off x="3137" y="0"/>
+            <a:ext cx="12192000" cy="6858000"/>
+          </a:xfrm>
+          <a:prstGeom prst="rect">
+            <a:avLst/>
+          </a:prstGeom>
+          <a:solidFill>
+            <a:schemeClr val="bg1">
+              <a:lumMod val="85000"/>
+              <a:alpha val="90000"/>
+            </a:schemeClr>
+          </a:solidFill>
+          <a:ln>
+            <a:noFill/>
+          </a:ln>
+        </p:spPr>
+        <p:style>
+          <a:lnRef idx="2">
+            <a:schemeClr val="accent1">
+              <a:shade val="50000"/>
+            </a:schemeClr>
+          </a:lnRef>
+          <a:fillRef idx="1">
+            <a:schemeClr val="accent1"/>
+          </a:fillRef>
+          <a:effectRef idx="0">
+            <a:schemeClr val="accent1"/>
+          </a:effectRef>
+          <a:fontRef idx="minor">
+            <a:schemeClr val="lt1"/>
+          </a:fontRef>
+        </p:style>
+        <p:txBody>
+          <a:bodyPr rtlCol="0" anchor="ctr"/>
+          <a:lstStyle/>
+          <a:p>
+            <a:pPr algn="ctr"/>
+            <a:endParaRPr lang="en-US"/>
+          </a:p>
+        </p:txBody>
+      </p:sp>
+      <p:sp>
+        <p:nvSpPr>
+          <p:cNvPr id="11" name="Rectangle 10">
+            <a:extLst>
+              <a:ext uri="{FF2B5EF4-FFF2-40B4-BE49-F238E27FC236}">
+                <a16:creationId xmlns:a16="http://schemas.microsoft.com/office/drawing/2014/main" id="{F52A8B51-0A89-497B-B882-6658E029A3F9}"/>
+              </a:ext>
+              <a:ext uri="{C183D7F6-B498-43B3-948B-1728B52AA6E4}">
+                <adec:decorative xmlns:adec="http://schemas.microsoft.com/office/drawing/2017/decorative" val="1"/>
+              </a:ext>
+            </a:extLst>
+          </p:cNvPr>
+          <p:cNvSpPr>
+            <a:spLocks noGrp="1" noRot="1" noChangeAspect="1" noMove="1" noResize="1" noEditPoints="1" noAdjustHandles="1" noChangeArrowheads="1" noChangeShapeType="1" noTextEdit="1"/>
+          </p:cNvSpPr>
+          <p:nvPr>
+            <p:extLst>
+              <p:ext uri="{386F3935-93C4-4BCD-93E2-E3B085C9AB24}">
+                <p16:designElem xmlns:p16="http://schemas.microsoft.com/office/powerpoint/2015/main" val="1"/>
+              </p:ext>
+            </p:extLst>
+          </p:nvPr>
+        </p:nvSpPr>
+        <p:spPr>
+          <a:xfrm>
+            <a:off x="643467" y="643466"/>
+            <a:ext cx="3522548" cy="5571067"/>
+          </a:xfrm>
+          <a:prstGeom prst="rect">
+            <a:avLst/>
+          </a:prstGeom>
+          <a:solidFill>
+            <a:srgbClr val="FFFFFF"/>
+          </a:solidFill>
+          <a:ln w="9525">
+            <a:noFill/>
+          </a:ln>
+          <a:effectLst>
+            <a:outerShdw blurRad="63500" dist="17780" dir="5400000" algn="t" rotWithShape="0">
+              <a:prstClr val="black">
+                <a:alpha val="43000"/>
+              </a:prstClr>
+            </a:outerShdw>
+          </a:effectLst>
+        </p:spPr>
+        <p:style>
+          <a:lnRef idx="2">
+            <a:schemeClr val="accent1">
+              <a:shade val="50000"/>
+            </a:schemeClr>
+          </a:lnRef>
+          <a:fillRef idx="1">
+            <a:schemeClr val="accent1"/>
+          </a:fillRef>
+          <a:effectRef idx="0">
+            <a:schemeClr val="accent1"/>
+          </a:effectRef>
+          <a:fontRef idx="minor">
+            <a:schemeClr val="lt1"/>
+          </a:fontRef>
+        </p:style>
+        <p:txBody>
+          <a:bodyPr rtlCol="0" anchor="ctr"/>
+          <a:lstStyle/>
+          <a:p>
+            <a:pPr algn="ctr"/>
+            <a:endParaRPr lang="en-US"/>
+          </a:p>
+        </p:txBody>
+      </p:sp>
+      <p:sp>
+        <p:nvSpPr>
+          <p:cNvPr id="13" name="Rectangle 12">
+            <a:extLst>
+              <a:ext uri="{FF2B5EF4-FFF2-40B4-BE49-F238E27FC236}">
+                <a16:creationId xmlns:a16="http://schemas.microsoft.com/office/drawing/2014/main" id="{EB1CEFBF-6F09-4052-862B-E219DA15757E}"/>
+              </a:ext>
+              <a:ext uri="{C183D7F6-B498-43B3-948B-1728B52AA6E4}">
+                <adec:decorative xmlns:adec="http://schemas.microsoft.com/office/drawing/2017/decorative" val="1"/>
+              </a:ext>
+            </a:extLst>
+          </p:cNvPr>
+          <p:cNvSpPr>
+            <a:spLocks noGrp="1" noRot="1" noChangeAspect="1" noMove="1" noResize="1" noEditPoints="1" noAdjustHandles="1" noChangeArrowheads="1" noChangeShapeType="1" noTextEdit="1"/>
+          </p:cNvSpPr>
+          <p:nvPr>
+            <p:extLst>
+              <p:ext uri="{386F3935-93C4-4BCD-93E2-E3B085C9AB24}">
+                <p16:designElem xmlns:p16="http://schemas.microsoft.com/office/powerpoint/2015/main" val="1"/>
+              </p:ext>
+            </p:extLst>
+          </p:nvPr>
+        </p:nvSpPr>
+        <p:spPr>
+          <a:xfrm>
+            <a:off x="4326882" y="643466"/>
+            <a:ext cx="3522548" cy="5571067"/>
+          </a:xfrm>
+          <a:prstGeom prst="rect">
+            <a:avLst/>
+          </a:prstGeom>
+          <a:solidFill>
+            <a:srgbClr val="FFFFFF"/>
+          </a:solidFill>
+          <a:ln w="9525">
+            <a:noFill/>
+          </a:ln>
+          <a:effectLst>
+            <a:outerShdw blurRad="63500" dist="17780" dir="5400000" algn="t" rotWithShape="0">
+              <a:prstClr val="black">
+                <a:alpha val="43000"/>
+              </a:prstClr>
+            </a:outerShdw>
+          </a:effectLst>
+        </p:spPr>
+        <p:style>
+          <a:lnRef idx="2">
+            <a:schemeClr val="accent1">
+              <a:shade val="50000"/>
+            </a:schemeClr>
+          </a:lnRef>
+          <a:fillRef idx="1">
+            <a:schemeClr val="accent1"/>
+          </a:fillRef>
+          <a:effectRef idx="0">
+            <a:schemeClr val="accent1"/>
+          </a:effectRef>
+          <a:fontRef idx="minor">
+            <a:schemeClr val="lt1"/>
+          </a:fontRef>
+        </p:style>
+        <p:txBody>
+          <a:bodyPr rtlCol="0" anchor="ctr"/>
+          <a:lstStyle/>
+          <a:p>
+            <a:pPr algn="ctr"/>
+            <a:endParaRPr lang="en-US"/>
+          </a:p>
+        </p:txBody>
+      </p:sp>
+      <p:sp>
+        <p:nvSpPr>
+          <p:cNvPr id="15" name="Rectangle 14">
+            <a:extLst>
+              <a:ext uri="{FF2B5EF4-FFF2-40B4-BE49-F238E27FC236}">
+                <a16:creationId xmlns:a16="http://schemas.microsoft.com/office/drawing/2014/main" id="{BCB5D417-2A71-445D-B4C7-9E814D633D33}"/>
+              </a:ext>
+              <a:ext uri="{C183D7F6-B498-43B3-948B-1728B52AA6E4}">
+                <adec:decorative xmlns:adec="http://schemas.microsoft.com/office/drawing/2017/decorative" val="1"/>
+              </a:ext>
+            </a:extLst>
+          </p:cNvPr>
+          <p:cNvSpPr>
+            <a:spLocks noGrp="1" noRot="1" noChangeAspect="1" noMove="1" noResize="1" noEditPoints="1" noAdjustHandles="1" noChangeArrowheads="1" noChangeShapeType="1" noTextEdit="1"/>
+          </p:cNvSpPr>
+          <p:nvPr>
+            <p:extLst>
+              <p:ext uri="{386F3935-93C4-4BCD-93E2-E3B085C9AB24}">
+                <p16:designElem xmlns:p16="http://schemas.microsoft.com/office/powerpoint/2015/main" val="1"/>
+              </p:ext>
+            </p:extLst>
+          </p:nvPr>
+        </p:nvSpPr>
+        <p:spPr>
+          <a:xfrm>
+            <a:off x="8022847" y="643466"/>
+            <a:ext cx="3522548" cy="5571067"/>
+          </a:xfrm>
+          <a:prstGeom prst="rect">
+            <a:avLst/>
+          </a:prstGeom>
+          <a:solidFill>
+            <a:srgbClr val="FFFFFF"/>
+          </a:solidFill>
+          <a:ln w="9525">
+            <a:noFill/>
+          </a:ln>
+          <a:effectLst>
+            <a:outerShdw blurRad="63500" dist="17780" dir="5400000" algn="t" rotWithShape="0">
+              <a:prstClr val="black">
+                <a:alpha val="43000"/>
+              </a:prstClr>
+            </a:outerShdw>
+          </a:effectLst>
+        </p:spPr>
+        <p:style>
+          <a:lnRef idx="2">
+            <a:schemeClr val="accent1">
+              <a:shade val="50000"/>
+            </a:schemeClr>
+          </a:lnRef>
+          <a:fillRef idx="1">
+            <a:schemeClr val="accent1"/>
+          </a:fillRef>
+          <a:effectRef idx="0">
+            <a:schemeClr val="accent1"/>
+          </a:effectRef>
+          <a:fontRef idx="minor">
+            <a:schemeClr val="lt1"/>
+          </a:fontRef>
+        </p:style>
+        <p:txBody>
+          <a:bodyPr rtlCol="0" anchor="ctr"/>
+          <a:lstStyle/>
+          <a:p>
+            <a:pPr algn="ctr"/>
+            <a:endParaRPr lang="en-US"/>
+          </a:p>
+        </p:txBody>
+      </p:sp>
       <p:pic>
         <p:nvPicPr>
-          <p:cNvPr id="13" name="slide13" descr="BC(2)">
-            <a:extLst>
-              <a:ext uri="{FF2B5EF4-FFF2-40B4-BE49-F238E27FC236}">
-                <a16:creationId xmlns:a16="http://schemas.microsoft.com/office/drawing/2014/main" id="{38961847-6C86-42F2-98E1-0E9D7F98C44A}"/>
+          <p:cNvPr id="2" name="slide2" descr="BA">
+            <a:extLst>
+              <a:ext uri="{FF2B5EF4-FFF2-40B4-BE49-F238E27FC236}">
+                <a16:creationId xmlns:a16="http://schemas.microsoft.com/office/drawing/2014/main" id="{0290A665-32F3-4F90-B3B3-102C4CF5D6FA}"/>
               </a:ext>
             </a:extLst>
           </p:cNvPr>
@@ -3719,8 +4014,80 @@
         </p:blipFill>
         <p:spPr>
           <a:xfrm>
-            <a:off x="4510634" y="0"/>
-            <a:ext cx="3170732" cy="6858000"/>
+            <a:off x="1259074" y="965198"/>
+            <a:ext cx="2291334" cy="4927601"/>
+          </a:xfrm>
+          <a:prstGeom prst="rect">
+            <a:avLst/>
+          </a:prstGeom>
+        </p:spPr>
+      </p:pic>
+      <p:pic>
+        <p:nvPicPr>
+          <p:cNvPr id="3" name="slide6" descr="BC">
+            <a:extLst>
+              <a:ext uri="{FF2B5EF4-FFF2-40B4-BE49-F238E27FC236}">
+                <a16:creationId xmlns:a16="http://schemas.microsoft.com/office/drawing/2014/main" id="{A62DF1A7-105F-450B-AE64-9FC300578104}"/>
+              </a:ext>
+            </a:extLst>
+          </p:cNvPr>
+          <p:cNvPicPr>
+            <a:picLocks noChangeAspect="1"/>
+          </p:cNvPicPr>
+          <p:nvPr/>
+        </p:nvPicPr>
+        <p:blipFill>
+          <a:blip r:embed="rId3">
+            <a:extLst>
+              <a:ext uri="{28A0092B-C50C-407E-A947-70E740481C1C}">
+                <a14:useLocalDpi xmlns:a14="http://schemas.microsoft.com/office/drawing/2010/main" val="0"/>
+              </a:ext>
+            </a:extLst>
+          </a:blip>
+          <a:stretch>
+            <a:fillRect/>
+          </a:stretch>
+        </p:blipFill>
+        <p:spPr>
+          <a:xfrm>
+            <a:off x="4973286" y="965198"/>
+            <a:ext cx="2229740" cy="4927601"/>
+          </a:xfrm>
+          <a:prstGeom prst="rect">
+            <a:avLst/>
+          </a:prstGeom>
+        </p:spPr>
+      </p:pic>
+      <p:pic>
+        <p:nvPicPr>
+          <p:cNvPr id="4" name="slide8" descr="BD">
+            <a:extLst>
+              <a:ext uri="{FF2B5EF4-FFF2-40B4-BE49-F238E27FC236}">
+                <a16:creationId xmlns:a16="http://schemas.microsoft.com/office/drawing/2014/main" id="{716EC9FE-C6A4-40EE-8818-C69E81FCCD12}"/>
+              </a:ext>
+            </a:extLst>
+          </p:cNvPr>
+          <p:cNvPicPr>
+            <a:picLocks noChangeAspect="1"/>
+          </p:cNvPicPr>
+          <p:nvPr/>
+        </p:nvPicPr>
+        <p:blipFill>
+          <a:blip r:embed="rId4">
+            <a:extLst>
+              <a:ext uri="{28A0092B-C50C-407E-A947-70E740481C1C}">
+                <a14:useLocalDpi xmlns:a14="http://schemas.microsoft.com/office/drawing/2010/main" val="0"/>
+              </a:ext>
+            </a:extLst>
+          </a:blip>
+          <a:stretch>
+            <a:fillRect/>
+          </a:stretch>
+        </p:blipFill>
+        <p:spPr>
+          <a:xfrm>
+            <a:off x="8671930" y="965199"/>
+            <a:ext cx="2230199" cy="4928616"/>
           </a:xfrm>
           <a:prstGeom prst="rect">
             <a:avLst/>
@@ -3730,7 +4097,7 @@
     </p:spTree>
     <p:extLst>
       <p:ext uri="{BB962C8B-B14F-4D97-AF65-F5344CB8AC3E}">
-        <p14:creationId xmlns:p14="http://schemas.microsoft.com/office/powerpoint/2010/main" val="95992585"/>
+        <p14:creationId xmlns:p14="http://schemas.microsoft.com/office/powerpoint/2010/main" val="4175445466"/>
       </p:ext>
     </p:extLst>
   </p:cSld>
@@ -3743,6 +4110,14 @@
 <file path=ppt/slides/slide15.xml><?xml version="1.0" encoding="utf-8"?>
 <p:sld xmlns:a="http://schemas.openxmlformats.org/drawingml/2006/main" xmlns:r="http://schemas.openxmlformats.org/officeDocument/2006/relationships" xmlns:p="http://schemas.openxmlformats.org/presentationml/2006/main">
   <p:cSld>
+    <p:bg>
+      <p:bgPr>
+        <a:solidFill>
+          <a:schemeClr val="bg1"/>
+        </a:solidFill>
+        <a:effectLst/>
+      </p:bgPr>
+    </p:bg>
     <p:spTree>
       <p:nvGrpSpPr>
         <p:cNvPr id="1" name=""/>
@@ -3757,12 +4132,218 @@
           <a:chExt cx="0" cy="0"/>
         </a:xfrm>
       </p:grpSpPr>
+      <p:sp>
+        <p:nvSpPr>
+          <p:cNvPr id="10" name="Rectangle 9">
+            <a:extLst>
+              <a:ext uri="{FF2B5EF4-FFF2-40B4-BE49-F238E27FC236}">
+                <a16:creationId xmlns:a16="http://schemas.microsoft.com/office/drawing/2014/main" id="{56827C3C-D52F-46CE-A441-3CD6A1A6A0A2}"/>
+              </a:ext>
+              <a:ext uri="{C183D7F6-B498-43B3-948B-1728B52AA6E4}">
+                <adec:decorative xmlns:adec="http://schemas.microsoft.com/office/drawing/2017/decorative" val="1"/>
+              </a:ext>
+            </a:extLst>
+          </p:cNvPr>
+          <p:cNvSpPr>
+            <a:spLocks noGrp="1" noRot="1" noChangeAspect="1" noMove="1" noResize="1" noEditPoints="1" noAdjustHandles="1" noChangeArrowheads="1" noChangeShapeType="1" noTextEdit="1"/>
+          </p:cNvSpPr>
+          <p:nvPr>
+            <p:extLst>
+              <p:ext uri="{386F3935-93C4-4BCD-93E2-E3B085C9AB24}">
+                <p16:designElem xmlns:p16="http://schemas.microsoft.com/office/powerpoint/2015/main" val="1"/>
+              </p:ext>
+            </p:extLst>
+          </p:nvPr>
+        </p:nvSpPr>
+        <p:spPr>
+          <a:xfrm>
+            <a:off x="3137" y="0"/>
+            <a:ext cx="12192000" cy="6858000"/>
+          </a:xfrm>
+          <a:prstGeom prst="rect">
+            <a:avLst/>
+          </a:prstGeom>
+          <a:solidFill>
+            <a:schemeClr val="bg1">
+              <a:lumMod val="85000"/>
+              <a:alpha val="90000"/>
+            </a:schemeClr>
+          </a:solidFill>
+          <a:ln>
+            <a:noFill/>
+          </a:ln>
+        </p:spPr>
+        <p:style>
+          <a:lnRef idx="2">
+            <a:schemeClr val="accent1">
+              <a:shade val="50000"/>
+            </a:schemeClr>
+          </a:lnRef>
+          <a:fillRef idx="1">
+            <a:schemeClr val="accent1"/>
+          </a:fillRef>
+          <a:effectRef idx="0">
+            <a:schemeClr val="accent1"/>
+          </a:effectRef>
+          <a:fontRef idx="minor">
+            <a:schemeClr val="lt1"/>
+          </a:fontRef>
+        </p:style>
+        <p:txBody>
+          <a:bodyPr rtlCol="0" anchor="ctr"/>
+          <a:lstStyle/>
+          <a:p>
+            <a:pPr algn="ctr"/>
+            <a:endParaRPr lang="en-US"/>
+          </a:p>
+        </p:txBody>
+      </p:sp>
+      <p:sp>
+        <p:nvSpPr>
+          <p:cNvPr id="12" name="Rectangle 11">
+            <a:extLst>
+              <a:ext uri="{FF2B5EF4-FFF2-40B4-BE49-F238E27FC236}">
+                <a16:creationId xmlns:a16="http://schemas.microsoft.com/office/drawing/2014/main" id="{F52A8B51-0A89-497B-B882-6658E029A3F9}"/>
+              </a:ext>
+              <a:ext uri="{C183D7F6-B498-43B3-948B-1728B52AA6E4}">
+                <adec:decorative xmlns:adec="http://schemas.microsoft.com/office/drawing/2017/decorative" val="1"/>
+              </a:ext>
+            </a:extLst>
+          </p:cNvPr>
+          <p:cNvSpPr>
+            <a:spLocks noGrp="1" noRot="1" noChangeAspect="1" noMove="1" noResize="1" noEditPoints="1" noAdjustHandles="1" noChangeArrowheads="1" noChangeShapeType="1" noTextEdit="1"/>
+          </p:cNvSpPr>
+          <p:nvPr>
+            <p:extLst>
+              <p:ext uri="{386F3935-93C4-4BCD-93E2-E3B085C9AB24}">
+                <p16:designElem xmlns:p16="http://schemas.microsoft.com/office/powerpoint/2015/main" val="1"/>
+              </p:ext>
+            </p:extLst>
+          </p:nvPr>
+        </p:nvSpPr>
+        <p:spPr>
+          <a:xfrm>
+            <a:off x="643467" y="643466"/>
+            <a:ext cx="3522548" cy="5571067"/>
+          </a:xfrm>
+          <a:prstGeom prst="rect">
+            <a:avLst/>
+          </a:prstGeom>
+          <a:solidFill>
+            <a:srgbClr val="FFFFFF"/>
+          </a:solidFill>
+          <a:ln w="9525">
+            <a:noFill/>
+          </a:ln>
+          <a:effectLst>
+            <a:outerShdw blurRad="63500" dist="17780" dir="5400000" algn="t" rotWithShape="0">
+              <a:prstClr val="black">
+                <a:alpha val="43000"/>
+              </a:prstClr>
+            </a:outerShdw>
+          </a:effectLst>
+        </p:spPr>
+        <p:style>
+          <a:lnRef idx="2">
+            <a:schemeClr val="accent1">
+              <a:shade val="50000"/>
+            </a:schemeClr>
+          </a:lnRef>
+          <a:fillRef idx="1">
+            <a:schemeClr val="accent1"/>
+          </a:fillRef>
+          <a:effectRef idx="0">
+            <a:schemeClr val="accent1"/>
+          </a:effectRef>
+          <a:fontRef idx="minor">
+            <a:schemeClr val="lt1"/>
+          </a:fontRef>
+        </p:style>
+        <p:txBody>
+          <a:bodyPr rtlCol="0" anchor="ctr"/>
+          <a:lstStyle/>
+          <a:p>
+            <a:pPr algn="ctr"/>
+            <a:endParaRPr lang="en-US"/>
+          </a:p>
+        </p:txBody>
+      </p:sp>
+      <p:sp>
+        <p:nvSpPr>
+          <p:cNvPr id="14" name="Rectangle 13">
+            <a:extLst>
+              <a:ext uri="{FF2B5EF4-FFF2-40B4-BE49-F238E27FC236}">
+                <a16:creationId xmlns:a16="http://schemas.microsoft.com/office/drawing/2014/main" id="{EB1CEFBF-6F09-4052-862B-E219DA15757E}"/>
+              </a:ext>
+              <a:ext uri="{C183D7F6-B498-43B3-948B-1728B52AA6E4}">
+                <adec:decorative xmlns:adec="http://schemas.microsoft.com/office/drawing/2017/decorative" val="1"/>
+              </a:ext>
+            </a:extLst>
+          </p:cNvPr>
+          <p:cNvSpPr>
+            <a:spLocks noGrp="1" noRot="1" noChangeAspect="1" noMove="1" noResize="1" noEditPoints="1" noAdjustHandles="1" noChangeArrowheads="1" noChangeShapeType="1" noTextEdit="1"/>
+          </p:cNvSpPr>
+          <p:nvPr>
+            <p:extLst>
+              <p:ext uri="{386F3935-93C4-4BCD-93E2-E3B085C9AB24}">
+                <p16:designElem xmlns:p16="http://schemas.microsoft.com/office/powerpoint/2015/main" val="1"/>
+              </p:ext>
+            </p:extLst>
+          </p:nvPr>
+        </p:nvSpPr>
+        <p:spPr>
+          <a:xfrm>
+            <a:off x="4326882" y="643466"/>
+            <a:ext cx="3522548" cy="5571067"/>
+          </a:xfrm>
+          <a:prstGeom prst="rect">
+            <a:avLst/>
+          </a:prstGeom>
+          <a:solidFill>
+            <a:srgbClr val="FFFFFF"/>
+          </a:solidFill>
+          <a:ln w="9525">
+            <a:noFill/>
+          </a:ln>
+          <a:effectLst>
+            <a:outerShdw blurRad="63500" dist="17780" dir="5400000" algn="t" rotWithShape="0">
+              <a:prstClr val="black">
+                <a:alpha val="43000"/>
+              </a:prstClr>
+            </a:outerShdw>
+          </a:effectLst>
+        </p:spPr>
+        <p:style>
+          <a:lnRef idx="2">
+            <a:schemeClr val="accent1">
+              <a:shade val="50000"/>
+            </a:schemeClr>
+          </a:lnRef>
+          <a:fillRef idx="1">
+            <a:schemeClr val="accent1"/>
+          </a:fillRef>
+          <a:effectRef idx="0">
+            <a:schemeClr val="accent1"/>
+          </a:effectRef>
+          <a:fontRef idx="minor">
+            <a:schemeClr val="lt1"/>
+          </a:fontRef>
+        </p:style>
+        <p:txBody>
+          <a:bodyPr rtlCol="0" anchor="ctr"/>
+          <a:lstStyle/>
+          <a:p>
+            <a:pPr algn="ctr"/>
+            <a:endParaRPr lang="en-US"/>
+          </a:p>
+        </p:txBody>
+      </p:sp>
       <p:pic>
         <p:nvPicPr>
-          <p:cNvPr id="14" name="slide14" descr="BD">
-            <a:extLst>
-              <a:ext uri="{FF2B5EF4-FFF2-40B4-BE49-F238E27FC236}">
-                <a16:creationId xmlns:a16="http://schemas.microsoft.com/office/drawing/2014/main" id="{7ED20F6B-8E1A-4F62-AE7A-A84EB360BDB8}"/>
+          <p:cNvPr id="4" name="slide7" descr="BC(2)">
+            <a:extLst>
+              <a:ext uri="{FF2B5EF4-FFF2-40B4-BE49-F238E27FC236}">
+                <a16:creationId xmlns:a16="http://schemas.microsoft.com/office/drawing/2014/main" id="{8B5BC5B7-4C60-4085-A559-CFABCA41A218}"/>
               </a:ext>
             </a:extLst>
           </p:cNvPr>
@@ -3785,8 +4366,150 @@
         </p:blipFill>
         <p:spPr>
           <a:xfrm>
-            <a:off x="4579327" y="0"/>
-            <a:ext cx="3033346" cy="6858000"/>
+            <a:off x="4948414" y="965199"/>
+            <a:ext cx="2279484" cy="4928616"/>
+          </a:xfrm>
+          <a:prstGeom prst="rect">
+            <a:avLst/>
+          </a:prstGeom>
+        </p:spPr>
+      </p:pic>
+      <p:sp>
+        <p:nvSpPr>
+          <p:cNvPr id="16" name="Rectangle 15">
+            <a:extLst>
+              <a:ext uri="{FF2B5EF4-FFF2-40B4-BE49-F238E27FC236}">
+                <a16:creationId xmlns:a16="http://schemas.microsoft.com/office/drawing/2014/main" id="{BCB5D417-2A71-445D-B4C7-9E814D633D33}"/>
+              </a:ext>
+              <a:ext uri="{C183D7F6-B498-43B3-948B-1728B52AA6E4}">
+                <adec:decorative xmlns:adec="http://schemas.microsoft.com/office/drawing/2017/decorative" val="1"/>
+              </a:ext>
+            </a:extLst>
+          </p:cNvPr>
+          <p:cNvSpPr>
+            <a:spLocks noGrp="1" noRot="1" noChangeAspect="1" noMove="1" noResize="1" noEditPoints="1" noAdjustHandles="1" noChangeArrowheads="1" noChangeShapeType="1" noTextEdit="1"/>
+          </p:cNvSpPr>
+          <p:nvPr>
+            <p:extLst>
+              <p:ext uri="{386F3935-93C4-4BCD-93E2-E3B085C9AB24}">
+                <p16:designElem xmlns:p16="http://schemas.microsoft.com/office/powerpoint/2015/main" val="1"/>
+              </p:ext>
+            </p:extLst>
+          </p:nvPr>
+        </p:nvSpPr>
+        <p:spPr>
+          <a:xfrm>
+            <a:off x="8022847" y="643466"/>
+            <a:ext cx="3522548" cy="5571067"/>
+          </a:xfrm>
+          <a:prstGeom prst="rect">
+            <a:avLst/>
+          </a:prstGeom>
+          <a:solidFill>
+            <a:srgbClr val="FFFFFF"/>
+          </a:solidFill>
+          <a:ln w="9525">
+            <a:noFill/>
+          </a:ln>
+          <a:effectLst>
+            <a:outerShdw blurRad="63500" dist="17780" dir="5400000" algn="t" rotWithShape="0">
+              <a:prstClr val="black">
+                <a:alpha val="43000"/>
+              </a:prstClr>
+            </a:outerShdw>
+          </a:effectLst>
+        </p:spPr>
+        <p:style>
+          <a:lnRef idx="2">
+            <a:schemeClr val="accent1">
+              <a:shade val="50000"/>
+            </a:schemeClr>
+          </a:lnRef>
+          <a:fillRef idx="1">
+            <a:schemeClr val="accent1"/>
+          </a:fillRef>
+          <a:effectRef idx="0">
+            <a:schemeClr val="accent1"/>
+          </a:effectRef>
+          <a:fontRef idx="minor">
+            <a:schemeClr val="lt1"/>
+          </a:fontRef>
+        </p:style>
+        <p:txBody>
+          <a:bodyPr rtlCol="0" anchor="ctr"/>
+          <a:lstStyle/>
+          <a:p>
+            <a:pPr algn="ctr"/>
+            <a:endParaRPr lang="en-US"/>
+          </a:p>
+        </p:txBody>
+      </p:sp>
+      <p:pic>
+        <p:nvPicPr>
+          <p:cNvPr id="3" name="slide3" descr="BA (2)">
+            <a:extLst>
+              <a:ext uri="{FF2B5EF4-FFF2-40B4-BE49-F238E27FC236}">
+                <a16:creationId xmlns:a16="http://schemas.microsoft.com/office/drawing/2014/main" id="{8B39D96F-94D2-4F47-AED8-51952EA668D5}"/>
+              </a:ext>
+            </a:extLst>
+          </p:cNvPr>
+          <p:cNvPicPr>
+            <a:picLocks noChangeAspect="1"/>
+          </p:cNvPicPr>
+          <p:nvPr/>
+        </p:nvPicPr>
+        <p:blipFill>
+          <a:blip r:embed="rId3">
+            <a:extLst>
+              <a:ext uri="{28A0092B-C50C-407E-A947-70E740481C1C}">
+                <a14:useLocalDpi xmlns:a14="http://schemas.microsoft.com/office/drawing/2010/main" val="0"/>
+              </a:ext>
+            </a:extLst>
+          </a:blip>
+          <a:stretch>
+            <a:fillRect/>
+          </a:stretch>
+        </p:blipFill>
+        <p:spPr>
+          <a:xfrm>
+            <a:off x="1234436" y="965198"/>
+            <a:ext cx="2340609" cy="4927601"/>
+          </a:xfrm>
+          <a:prstGeom prst="rect">
+            <a:avLst/>
+          </a:prstGeom>
+        </p:spPr>
+      </p:pic>
+      <p:pic>
+        <p:nvPicPr>
+          <p:cNvPr id="5" name="slide9" descr="BD(2)">
+            <a:extLst>
+              <a:ext uri="{FF2B5EF4-FFF2-40B4-BE49-F238E27FC236}">
+                <a16:creationId xmlns:a16="http://schemas.microsoft.com/office/drawing/2014/main" id="{4780DC22-7201-4F29-A186-CDF0C3FD9342}"/>
+              </a:ext>
+            </a:extLst>
+          </p:cNvPr>
+          <p:cNvPicPr>
+            <a:picLocks noChangeAspect="1"/>
+          </p:cNvPicPr>
+          <p:nvPr/>
+        </p:nvPicPr>
+        <p:blipFill>
+          <a:blip r:embed="rId4">
+            <a:extLst>
+              <a:ext uri="{28A0092B-C50C-407E-A947-70E740481C1C}">
+                <a14:useLocalDpi xmlns:a14="http://schemas.microsoft.com/office/drawing/2010/main" val="0"/>
+              </a:ext>
+            </a:extLst>
+          </a:blip>
+          <a:stretch>
+            <a:fillRect/>
+          </a:stretch>
+        </p:blipFill>
+        <p:spPr>
+          <a:xfrm>
+            <a:off x="8644613" y="965197"/>
+            <a:ext cx="2279015" cy="4927601"/>
           </a:xfrm>
           <a:prstGeom prst="rect">
             <a:avLst/>
@@ -3796,7 +4519,7 @@
     </p:spTree>
     <p:extLst>
       <p:ext uri="{BB962C8B-B14F-4D97-AF65-F5344CB8AC3E}">
-        <p14:creationId xmlns:p14="http://schemas.microsoft.com/office/powerpoint/2010/main" val="95992585"/>
+        <p14:creationId xmlns:p14="http://schemas.microsoft.com/office/powerpoint/2010/main" val="1620164673"/>
       </p:ext>
     </p:extLst>
   </p:cSld>
@@ -3825,10 +4548,10 @@
       </p:grpSpPr>
       <p:pic>
         <p:nvPicPr>
-          <p:cNvPr id="15" name="slide15" descr="BD(2)">
-            <a:extLst>
-              <a:ext uri="{FF2B5EF4-FFF2-40B4-BE49-F238E27FC236}">
-                <a16:creationId xmlns:a16="http://schemas.microsoft.com/office/drawing/2014/main" id="{25563658-FC37-4271-A3B1-95247606C187}"/>
+          <p:cNvPr id="2" name="slide2" descr="BA">
+            <a:extLst>
+              <a:ext uri="{FF2B5EF4-FFF2-40B4-BE49-F238E27FC236}">
+                <a16:creationId xmlns:a16="http://schemas.microsoft.com/office/drawing/2014/main" id="{0290A665-32F3-4F90-B3B3-102C4CF5D6FA}"/>
               </a:ext>
             </a:extLst>
           </p:cNvPr>
@@ -3851,8 +4574,8 @@
         </p:blipFill>
         <p:spPr>
           <a:xfrm>
-            <a:off x="4510634" y="0"/>
-            <a:ext cx="3170732" cy="6858000"/>
+            <a:off x="4503673" y="0"/>
+            <a:ext cx="3184653" cy="6858000"/>
           </a:xfrm>
           <a:prstGeom prst="rect">
             <a:avLst/>
@@ -3862,7 +4585,7 @@
     </p:spTree>
     <p:extLst>
       <p:ext uri="{BB962C8B-B14F-4D97-AF65-F5344CB8AC3E}">
-        <p14:creationId xmlns:p14="http://schemas.microsoft.com/office/powerpoint/2010/main" val="95992585"/>
+        <p14:creationId xmlns:p14="http://schemas.microsoft.com/office/powerpoint/2010/main" val="3197701070"/>
       </p:ext>
     </p:extLst>
   </p:cSld>
@@ -3891,10 +4614,10 @@
       </p:grpSpPr>
       <p:pic>
         <p:nvPicPr>
-          <p:cNvPr id="16" name="slide16" descr="CD">
-            <a:extLst>
-              <a:ext uri="{FF2B5EF4-FFF2-40B4-BE49-F238E27FC236}">
-                <a16:creationId xmlns:a16="http://schemas.microsoft.com/office/drawing/2014/main" id="{E680A3FF-2482-4A34-A9F7-C262C4C51ED0}"/>
+          <p:cNvPr id="3" name="slide3" descr="BA (2)">
+            <a:extLst>
+              <a:ext uri="{FF2B5EF4-FFF2-40B4-BE49-F238E27FC236}">
+                <a16:creationId xmlns:a16="http://schemas.microsoft.com/office/drawing/2014/main" id="{8B39D96F-94D2-4F47-AED8-51952EA668D5}"/>
               </a:ext>
             </a:extLst>
           </p:cNvPr>
@@ -3917,8 +4640,8 @@
         </p:blipFill>
         <p:spPr>
           <a:xfrm>
-            <a:off x="4304019" y="0"/>
-            <a:ext cx="3583960" cy="6858000"/>
+            <a:off x="4471094" y="0"/>
+            <a:ext cx="3249812" cy="6858000"/>
           </a:xfrm>
           <a:prstGeom prst="rect">
             <a:avLst/>
@@ -3928,7 +4651,7 @@
     </p:spTree>
     <p:extLst>
       <p:ext uri="{BB962C8B-B14F-4D97-AF65-F5344CB8AC3E}">
-        <p14:creationId xmlns:p14="http://schemas.microsoft.com/office/powerpoint/2010/main" val="95992585"/>
+        <p14:creationId xmlns:p14="http://schemas.microsoft.com/office/powerpoint/2010/main" val="2975631807"/>
       </p:ext>
     </p:extLst>
   </p:cSld>
@@ -3957,10 +4680,10 @@
       </p:grpSpPr>
       <p:pic>
         <p:nvPicPr>
-          <p:cNvPr id="17" name="slide17" descr="CD(2)">
-            <a:extLst>
-              <a:ext uri="{FF2B5EF4-FFF2-40B4-BE49-F238E27FC236}">
-                <a16:creationId xmlns:a16="http://schemas.microsoft.com/office/drawing/2014/main" id="{B2988D8E-962B-4852-862A-261FA42FAC47}"/>
+          <p:cNvPr id="6" name="slide6" descr="BC">
+            <a:extLst>
+              <a:ext uri="{FF2B5EF4-FFF2-40B4-BE49-F238E27FC236}">
+                <a16:creationId xmlns:a16="http://schemas.microsoft.com/office/drawing/2014/main" id="{E10B2525-4A2F-4086-ABE0-A02BFEC59977}"/>
               </a:ext>
             </a:extLst>
           </p:cNvPr>
@@ -3983,8 +4706,8 @@
         </p:blipFill>
         <p:spPr>
           <a:xfrm>
-            <a:off x="4272233" y="0"/>
-            <a:ext cx="3647534" cy="6858000"/>
+            <a:off x="4542420" y="0"/>
+            <a:ext cx="3107158" cy="6858000"/>
           </a:xfrm>
           <a:prstGeom prst="rect">
             <a:avLst/>
@@ -3994,7 +4717,73 @@
     </p:spTree>
     <p:extLst>
       <p:ext uri="{BB962C8B-B14F-4D97-AF65-F5344CB8AC3E}">
-        <p14:creationId xmlns:p14="http://schemas.microsoft.com/office/powerpoint/2010/main" val="95992585"/>
+        <p14:creationId xmlns:p14="http://schemas.microsoft.com/office/powerpoint/2010/main" val="556554172"/>
+      </p:ext>
+    </p:extLst>
+  </p:cSld>
+  <p:clrMapOvr>
+    <a:masterClrMapping/>
+  </p:clrMapOvr>
+</p:sld>
+</file>
+
+<file path=ppt/slides/slide19.xml><?xml version="1.0" encoding="utf-8"?>
+<p:sld xmlns:a="http://schemas.openxmlformats.org/drawingml/2006/main" xmlns:r="http://schemas.openxmlformats.org/officeDocument/2006/relationships" xmlns:p="http://schemas.openxmlformats.org/presentationml/2006/main">
+  <p:cSld>
+    <p:spTree>
+      <p:nvGrpSpPr>
+        <p:cNvPr id="1" name=""/>
+        <p:cNvGrpSpPr/>
+        <p:nvPr/>
+      </p:nvGrpSpPr>
+      <p:grpSpPr>
+        <a:xfrm>
+          <a:off x="0" y="0"/>
+          <a:ext cx="0" cy="0"/>
+          <a:chOff x="0" y="0"/>
+          <a:chExt cx="0" cy="0"/>
+        </a:xfrm>
+      </p:grpSpPr>
+      <p:pic>
+        <p:nvPicPr>
+          <p:cNvPr id="7" name="slide7" descr="BC(2)">
+            <a:extLst>
+              <a:ext uri="{FF2B5EF4-FFF2-40B4-BE49-F238E27FC236}">
+                <a16:creationId xmlns:a16="http://schemas.microsoft.com/office/drawing/2014/main" id="{0B8FA5A1-6B8E-444B-B56F-25A8D2693626}"/>
+              </a:ext>
+            </a:extLst>
+          </p:cNvPr>
+          <p:cNvPicPr>
+            <a:picLocks noChangeAspect="1"/>
+          </p:cNvPicPr>
+          <p:nvPr/>
+        </p:nvPicPr>
+        <p:blipFill>
+          <a:blip r:embed="rId2">
+            <a:extLst>
+              <a:ext uri="{28A0092B-C50C-407E-A947-70E740481C1C}">
+                <a14:useLocalDpi xmlns:a14="http://schemas.microsoft.com/office/drawing/2010/main" val="0"/>
+              </a:ext>
+            </a:extLst>
+          </a:blip>
+          <a:stretch>
+            <a:fillRect/>
+          </a:stretch>
+        </p:blipFill>
+        <p:spPr>
+          <a:xfrm>
+            <a:off x="4510634" y="0"/>
+            <a:ext cx="3170732" cy="6858000"/>
+          </a:xfrm>
+          <a:prstGeom prst="rect">
+            <a:avLst/>
+          </a:prstGeom>
+        </p:spPr>
+      </p:pic>
+    </p:spTree>
+    <p:extLst>
+      <p:ext uri="{BB962C8B-B14F-4D97-AF65-F5344CB8AC3E}">
+        <p14:creationId xmlns:p14="http://schemas.microsoft.com/office/powerpoint/2010/main" val="3808351361"/>
       </p:ext>
     </p:extLst>
   </p:cSld>
@@ -4023,10 +4812,10 @@
       </p:grpSpPr>
       <p:pic>
         <p:nvPicPr>
-          <p:cNvPr id="5" name="Picture 4" descr="Chart, bar chart&#10;&#10;Description automatically generated">
-            <a:extLst>
-              <a:ext uri="{FF2B5EF4-FFF2-40B4-BE49-F238E27FC236}">
-                <a16:creationId xmlns:a16="http://schemas.microsoft.com/office/drawing/2014/main" id="{652C69E1-49BA-49B4-BE1D-371264427154}"/>
+          <p:cNvPr id="2" name="slide2" descr="personCount(A)">
+            <a:extLst>
+              <a:ext uri="{FF2B5EF4-FFF2-40B4-BE49-F238E27FC236}">
+                <a16:creationId xmlns:a16="http://schemas.microsoft.com/office/drawing/2014/main" id="{E1EB8E3D-6FF9-4BA3-A0E1-1555B2949C99}"/>
               </a:ext>
             </a:extLst>
           </p:cNvPr>
@@ -4049,8 +4838,8 @@
         </p:blipFill>
         <p:spPr>
           <a:xfrm>
-            <a:off x="1815665" y="952599"/>
-            <a:ext cx="8560670" cy="5458371"/>
+            <a:off x="4837614" y="0"/>
+            <a:ext cx="2516772" cy="6858000"/>
           </a:xfrm>
           <a:prstGeom prst="rect">
             <a:avLst/>
@@ -4060,7 +4849,1379 @@
     </p:spTree>
     <p:extLst>
       <p:ext uri="{BB962C8B-B14F-4D97-AF65-F5344CB8AC3E}">
-        <p14:creationId xmlns:p14="http://schemas.microsoft.com/office/powerpoint/2010/main" val="2472816914"/>
+        <p14:creationId xmlns:p14="http://schemas.microsoft.com/office/powerpoint/2010/main" val="95992585"/>
+      </p:ext>
+    </p:extLst>
+  </p:cSld>
+  <p:clrMapOvr>
+    <a:masterClrMapping/>
+  </p:clrMapOvr>
+</p:sld>
+</file>
+
+<file path=ppt/slides/slide20.xml><?xml version="1.0" encoding="utf-8"?>
+<p:sld xmlns:a="http://schemas.openxmlformats.org/drawingml/2006/main" xmlns:r="http://schemas.openxmlformats.org/officeDocument/2006/relationships" xmlns:p="http://schemas.openxmlformats.org/presentationml/2006/main">
+  <p:cSld>
+    <p:spTree>
+      <p:nvGrpSpPr>
+        <p:cNvPr id="1" name=""/>
+        <p:cNvGrpSpPr/>
+        <p:nvPr/>
+      </p:nvGrpSpPr>
+      <p:grpSpPr>
+        <a:xfrm>
+          <a:off x="0" y="0"/>
+          <a:ext cx="0" cy="0"/>
+          <a:chOff x="0" y="0"/>
+          <a:chExt cx="0" cy="0"/>
+        </a:xfrm>
+      </p:grpSpPr>
+      <p:pic>
+        <p:nvPicPr>
+          <p:cNvPr id="8" name="slide8" descr="BD">
+            <a:extLst>
+              <a:ext uri="{FF2B5EF4-FFF2-40B4-BE49-F238E27FC236}">
+                <a16:creationId xmlns:a16="http://schemas.microsoft.com/office/drawing/2014/main" id="{5E7143F2-20BA-45A0-A68B-D88EEA3F7A1A}"/>
+              </a:ext>
+            </a:extLst>
+          </p:cNvPr>
+          <p:cNvPicPr>
+            <a:picLocks noChangeAspect="1"/>
+          </p:cNvPicPr>
+          <p:nvPr/>
+        </p:nvPicPr>
+        <p:blipFill>
+          <a:blip r:embed="rId2">
+            <a:extLst>
+              <a:ext uri="{28A0092B-C50C-407E-A947-70E740481C1C}">
+                <a14:useLocalDpi xmlns:a14="http://schemas.microsoft.com/office/drawing/2010/main" val="0"/>
+              </a:ext>
+            </a:extLst>
+          </a:blip>
+          <a:stretch>
+            <a:fillRect/>
+          </a:stretch>
+        </p:blipFill>
+        <p:spPr>
+          <a:xfrm>
+            <a:off x="4542420" y="0"/>
+            <a:ext cx="3107158" cy="6858000"/>
+          </a:xfrm>
+          <a:prstGeom prst="rect">
+            <a:avLst/>
+          </a:prstGeom>
+        </p:spPr>
+      </p:pic>
+    </p:spTree>
+    <p:extLst>
+      <p:ext uri="{BB962C8B-B14F-4D97-AF65-F5344CB8AC3E}">
+        <p14:creationId xmlns:p14="http://schemas.microsoft.com/office/powerpoint/2010/main" val="2075708027"/>
+      </p:ext>
+    </p:extLst>
+  </p:cSld>
+  <p:clrMapOvr>
+    <a:masterClrMapping/>
+  </p:clrMapOvr>
+</p:sld>
+</file>
+
+<file path=ppt/slides/slide21.xml><?xml version="1.0" encoding="utf-8"?>
+<p:sld xmlns:a="http://schemas.openxmlformats.org/drawingml/2006/main" xmlns:r="http://schemas.openxmlformats.org/officeDocument/2006/relationships" xmlns:p="http://schemas.openxmlformats.org/presentationml/2006/main">
+  <p:cSld>
+    <p:spTree>
+      <p:nvGrpSpPr>
+        <p:cNvPr id="1" name=""/>
+        <p:cNvGrpSpPr/>
+        <p:nvPr/>
+      </p:nvGrpSpPr>
+      <p:grpSpPr>
+        <a:xfrm>
+          <a:off x="0" y="0"/>
+          <a:ext cx="0" cy="0"/>
+          <a:chOff x="0" y="0"/>
+          <a:chExt cx="0" cy="0"/>
+        </a:xfrm>
+      </p:grpSpPr>
+      <p:pic>
+        <p:nvPicPr>
+          <p:cNvPr id="9" name="slide9" descr="BD(2)">
+            <a:extLst>
+              <a:ext uri="{FF2B5EF4-FFF2-40B4-BE49-F238E27FC236}">
+                <a16:creationId xmlns:a16="http://schemas.microsoft.com/office/drawing/2014/main" id="{C9446920-DA2D-486A-99F9-91BBAD375748}"/>
+              </a:ext>
+            </a:extLst>
+          </p:cNvPr>
+          <p:cNvPicPr>
+            <a:picLocks noChangeAspect="1"/>
+          </p:cNvPicPr>
+          <p:nvPr/>
+        </p:nvPicPr>
+        <p:blipFill>
+          <a:blip r:embed="rId2">
+            <a:extLst>
+              <a:ext uri="{28A0092B-C50C-407E-A947-70E740481C1C}">
+                <a14:useLocalDpi xmlns:a14="http://schemas.microsoft.com/office/drawing/2010/main" val="0"/>
+              </a:ext>
+            </a:extLst>
+          </a:blip>
+          <a:stretch>
+            <a:fillRect/>
+          </a:stretch>
+        </p:blipFill>
+        <p:spPr>
+          <a:xfrm>
+            <a:off x="4510634" y="0"/>
+            <a:ext cx="3170732" cy="6858000"/>
+          </a:xfrm>
+          <a:prstGeom prst="rect">
+            <a:avLst/>
+          </a:prstGeom>
+        </p:spPr>
+      </p:pic>
+    </p:spTree>
+    <p:extLst>
+      <p:ext uri="{BB962C8B-B14F-4D97-AF65-F5344CB8AC3E}">
+        <p14:creationId xmlns:p14="http://schemas.microsoft.com/office/powerpoint/2010/main" val="219823602"/>
+      </p:ext>
+    </p:extLst>
+  </p:cSld>
+  <p:clrMapOvr>
+    <a:masterClrMapping/>
+  </p:clrMapOvr>
+</p:sld>
+</file>
+
+<file path=ppt/slides/slide22.xml><?xml version="1.0" encoding="utf-8"?>
+<p:sld xmlns:a="http://schemas.openxmlformats.org/drawingml/2006/main" xmlns:r="http://schemas.openxmlformats.org/officeDocument/2006/relationships" xmlns:p="http://schemas.openxmlformats.org/presentationml/2006/main">
+  <p:cSld>
+    <p:bg>
+      <p:bgPr>
+        <a:solidFill>
+          <a:schemeClr val="bg1"/>
+        </a:solidFill>
+        <a:effectLst/>
+      </p:bgPr>
+    </p:bg>
+    <p:spTree>
+      <p:nvGrpSpPr>
+        <p:cNvPr id="1" name=""/>
+        <p:cNvGrpSpPr/>
+        <p:nvPr/>
+      </p:nvGrpSpPr>
+      <p:grpSpPr>
+        <a:xfrm>
+          <a:off x="0" y="0"/>
+          <a:ext cx="0" cy="0"/>
+          <a:chOff x="0" y="0"/>
+          <a:chExt cx="0" cy="0"/>
+        </a:xfrm>
+      </p:grpSpPr>
+      <p:sp>
+        <p:nvSpPr>
+          <p:cNvPr id="18" name="Rectangle 14">
+            <a:extLst>
+              <a:ext uri="{FF2B5EF4-FFF2-40B4-BE49-F238E27FC236}">
+                <a16:creationId xmlns:a16="http://schemas.microsoft.com/office/drawing/2014/main" id="{56827C3C-D52F-46CE-A441-3CD6A1A6A0A2}"/>
+              </a:ext>
+              <a:ext uri="{C183D7F6-B498-43B3-948B-1728B52AA6E4}">
+                <adec:decorative xmlns:adec="http://schemas.microsoft.com/office/drawing/2017/decorative" val="1"/>
+              </a:ext>
+            </a:extLst>
+          </p:cNvPr>
+          <p:cNvSpPr>
+            <a:spLocks noGrp="1" noRot="1" noChangeAspect="1" noMove="1" noResize="1" noEditPoints="1" noAdjustHandles="1" noChangeArrowheads="1" noChangeShapeType="1" noTextEdit="1"/>
+          </p:cNvSpPr>
+          <p:nvPr>
+            <p:extLst>
+              <p:ext uri="{386F3935-93C4-4BCD-93E2-E3B085C9AB24}">
+                <p16:designElem xmlns:p16="http://schemas.microsoft.com/office/powerpoint/2015/main" val="1"/>
+              </p:ext>
+            </p:extLst>
+          </p:nvPr>
+        </p:nvSpPr>
+        <p:spPr>
+          <a:xfrm>
+            <a:off x="3137" y="0"/>
+            <a:ext cx="12192000" cy="6858000"/>
+          </a:xfrm>
+          <a:prstGeom prst="rect">
+            <a:avLst/>
+          </a:prstGeom>
+          <a:solidFill>
+            <a:schemeClr val="bg1">
+              <a:lumMod val="85000"/>
+              <a:alpha val="90000"/>
+            </a:schemeClr>
+          </a:solidFill>
+          <a:ln>
+            <a:noFill/>
+          </a:ln>
+        </p:spPr>
+        <p:style>
+          <a:lnRef idx="2">
+            <a:schemeClr val="accent1">
+              <a:shade val="50000"/>
+            </a:schemeClr>
+          </a:lnRef>
+          <a:fillRef idx="1">
+            <a:schemeClr val="accent1"/>
+          </a:fillRef>
+          <a:effectRef idx="0">
+            <a:schemeClr val="accent1"/>
+          </a:effectRef>
+          <a:fontRef idx="minor">
+            <a:schemeClr val="lt1"/>
+          </a:fontRef>
+        </p:style>
+        <p:txBody>
+          <a:bodyPr rtlCol="0" anchor="ctr"/>
+          <a:lstStyle/>
+          <a:p>
+            <a:pPr algn="ctr"/>
+            <a:endParaRPr lang="en-US"/>
+          </a:p>
+        </p:txBody>
+      </p:sp>
+      <p:sp>
+        <p:nvSpPr>
+          <p:cNvPr id="17" name="Rectangle 16">
+            <a:extLst>
+              <a:ext uri="{FF2B5EF4-FFF2-40B4-BE49-F238E27FC236}">
+                <a16:creationId xmlns:a16="http://schemas.microsoft.com/office/drawing/2014/main" id="{F52A8B51-0A89-497B-B882-6658E029A3F9}"/>
+              </a:ext>
+              <a:ext uri="{C183D7F6-B498-43B3-948B-1728B52AA6E4}">
+                <adec:decorative xmlns:adec="http://schemas.microsoft.com/office/drawing/2017/decorative" val="1"/>
+              </a:ext>
+            </a:extLst>
+          </p:cNvPr>
+          <p:cNvSpPr>
+            <a:spLocks noGrp="1" noRot="1" noChangeAspect="1" noMove="1" noResize="1" noEditPoints="1" noAdjustHandles="1" noChangeArrowheads="1" noChangeShapeType="1" noTextEdit="1"/>
+          </p:cNvSpPr>
+          <p:nvPr>
+            <p:extLst>
+              <p:ext uri="{386F3935-93C4-4BCD-93E2-E3B085C9AB24}">
+                <p16:designElem xmlns:p16="http://schemas.microsoft.com/office/powerpoint/2015/main" val="1"/>
+              </p:ext>
+            </p:extLst>
+          </p:nvPr>
+        </p:nvSpPr>
+        <p:spPr>
+          <a:xfrm>
+            <a:off x="643467" y="643466"/>
+            <a:ext cx="3522548" cy="5571067"/>
+          </a:xfrm>
+          <a:prstGeom prst="rect">
+            <a:avLst/>
+          </a:prstGeom>
+          <a:solidFill>
+            <a:srgbClr val="FFFFFF"/>
+          </a:solidFill>
+          <a:ln w="9525">
+            <a:noFill/>
+          </a:ln>
+          <a:effectLst>
+            <a:outerShdw blurRad="63500" dist="17780" dir="5400000" algn="t" rotWithShape="0">
+              <a:prstClr val="black">
+                <a:alpha val="43000"/>
+              </a:prstClr>
+            </a:outerShdw>
+          </a:effectLst>
+        </p:spPr>
+        <p:style>
+          <a:lnRef idx="2">
+            <a:schemeClr val="accent1">
+              <a:shade val="50000"/>
+            </a:schemeClr>
+          </a:lnRef>
+          <a:fillRef idx="1">
+            <a:schemeClr val="accent1"/>
+          </a:fillRef>
+          <a:effectRef idx="0">
+            <a:schemeClr val="accent1"/>
+          </a:effectRef>
+          <a:fontRef idx="minor">
+            <a:schemeClr val="lt1"/>
+          </a:fontRef>
+        </p:style>
+        <p:txBody>
+          <a:bodyPr rtlCol="0" anchor="ctr"/>
+          <a:lstStyle/>
+          <a:p>
+            <a:pPr algn="ctr"/>
+            <a:endParaRPr lang="en-US"/>
+          </a:p>
+        </p:txBody>
+      </p:sp>
+      <p:sp>
+        <p:nvSpPr>
+          <p:cNvPr id="19" name="Rectangle 18">
+            <a:extLst>
+              <a:ext uri="{FF2B5EF4-FFF2-40B4-BE49-F238E27FC236}">
+                <a16:creationId xmlns:a16="http://schemas.microsoft.com/office/drawing/2014/main" id="{EB1CEFBF-6F09-4052-862B-E219DA15757E}"/>
+              </a:ext>
+              <a:ext uri="{C183D7F6-B498-43B3-948B-1728B52AA6E4}">
+                <adec:decorative xmlns:adec="http://schemas.microsoft.com/office/drawing/2017/decorative" val="1"/>
+              </a:ext>
+            </a:extLst>
+          </p:cNvPr>
+          <p:cNvSpPr>
+            <a:spLocks noGrp="1" noRot="1" noChangeAspect="1" noMove="1" noResize="1" noEditPoints="1" noAdjustHandles="1" noChangeArrowheads="1" noChangeShapeType="1" noTextEdit="1"/>
+          </p:cNvSpPr>
+          <p:nvPr>
+            <p:extLst>
+              <p:ext uri="{386F3935-93C4-4BCD-93E2-E3B085C9AB24}">
+                <p16:designElem xmlns:p16="http://schemas.microsoft.com/office/powerpoint/2015/main" val="1"/>
+              </p:ext>
+            </p:extLst>
+          </p:nvPr>
+        </p:nvSpPr>
+        <p:spPr>
+          <a:xfrm>
+            <a:off x="4326882" y="643466"/>
+            <a:ext cx="3522548" cy="5571067"/>
+          </a:xfrm>
+          <a:prstGeom prst="rect">
+            <a:avLst/>
+          </a:prstGeom>
+          <a:solidFill>
+            <a:srgbClr val="FFFFFF"/>
+          </a:solidFill>
+          <a:ln w="9525">
+            <a:noFill/>
+          </a:ln>
+          <a:effectLst>
+            <a:outerShdw blurRad="63500" dist="17780" dir="5400000" algn="t" rotWithShape="0">
+              <a:prstClr val="black">
+                <a:alpha val="43000"/>
+              </a:prstClr>
+            </a:outerShdw>
+          </a:effectLst>
+        </p:spPr>
+        <p:style>
+          <a:lnRef idx="2">
+            <a:schemeClr val="accent1">
+              <a:shade val="50000"/>
+            </a:schemeClr>
+          </a:lnRef>
+          <a:fillRef idx="1">
+            <a:schemeClr val="accent1"/>
+          </a:fillRef>
+          <a:effectRef idx="0">
+            <a:schemeClr val="accent1"/>
+          </a:effectRef>
+          <a:fontRef idx="minor">
+            <a:schemeClr val="lt1"/>
+          </a:fontRef>
+        </p:style>
+        <p:txBody>
+          <a:bodyPr rtlCol="0" anchor="ctr"/>
+          <a:lstStyle/>
+          <a:p>
+            <a:pPr algn="ctr"/>
+            <a:endParaRPr lang="en-US"/>
+          </a:p>
+        </p:txBody>
+      </p:sp>
+      <p:pic>
+        <p:nvPicPr>
+          <p:cNvPr id="10" name="slide10" descr="CD">
+            <a:extLst>
+              <a:ext uri="{FF2B5EF4-FFF2-40B4-BE49-F238E27FC236}">
+                <a16:creationId xmlns:a16="http://schemas.microsoft.com/office/drawing/2014/main" id="{04800761-54F3-484F-9041-A85861D8DA82}"/>
+              </a:ext>
+            </a:extLst>
+          </p:cNvPr>
+          <p:cNvPicPr>
+            <a:picLocks noChangeAspect="1"/>
+          </p:cNvPicPr>
+          <p:nvPr/>
+        </p:nvPicPr>
+        <p:blipFill>
+          <a:blip r:embed="rId2">
+            <a:extLst>
+              <a:ext uri="{28A0092B-C50C-407E-A947-70E740481C1C}">
+                <a14:useLocalDpi xmlns:a14="http://schemas.microsoft.com/office/drawing/2010/main" val="0"/>
+              </a:ext>
+            </a:extLst>
+          </a:blip>
+          <a:stretch>
+            <a:fillRect/>
+          </a:stretch>
+        </p:blipFill>
+        <p:spPr>
+          <a:xfrm>
+            <a:off x="1086336" y="965199"/>
+            <a:ext cx="2636809" cy="4928616"/>
+          </a:xfrm>
+          <a:prstGeom prst="rect">
+            <a:avLst/>
+          </a:prstGeom>
+        </p:spPr>
+      </p:pic>
+      <p:sp>
+        <p:nvSpPr>
+          <p:cNvPr id="21" name="Rectangle 20">
+            <a:extLst>
+              <a:ext uri="{FF2B5EF4-FFF2-40B4-BE49-F238E27FC236}">
+                <a16:creationId xmlns:a16="http://schemas.microsoft.com/office/drawing/2014/main" id="{BCB5D417-2A71-445D-B4C7-9E814D633D33}"/>
+              </a:ext>
+              <a:ext uri="{C183D7F6-B498-43B3-948B-1728B52AA6E4}">
+                <adec:decorative xmlns:adec="http://schemas.microsoft.com/office/drawing/2017/decorative" val="1"/>
+              </a:ext>
+            </a:extLst>
+          </p:cNvPr>
+          <p:cNvSpPr>
+            <a:spLocks noGrp="1" noRot="1" noChangeAspect="1" noMove="1" noResize="1" noEditPoints="1" noAdjustHandles="1" noChangeArrowheads="1" noChangeShapeType="1" noTextEdit="1"/>
+          </p:cNvSpPr>
+          <p:nvPr>
+            <p:extLst>
+              <p:ext uri="{386F3935-93C4-4BCD-93E2-E3B085C9AB24}">
+                <p16:designElem xmlns:p16="http://schemas.microsoft.com/office/powerpoint/2015/main" val="1"/>
+              </p:ext>
+            </p:extLst>
+          </p:nvPr>
+        </p:nvSpPr>
+        <p:spPr>
+          <a:xfrm>
+            <a:off x="8022847" y="643466"/>
+            <a:ext cx="3522548" cy="5571067"/>
+          </a:xfrm>
+          <a:prstGeom prst="rect">
+            <a:avLst/>
+          </a:prstGeom>
+          <a:solidFill>
+            <a:srgbClr val="FFFFFF"/>
+          </a:solidFill>
+          <a:ln w="9525">
+            <a:noFill/>
+          </a:ln>
+          <a:effectLst>
+            <a:outerShdw blurRad="63500" dist="17780" dir="5400000" algn="t" rotWithShape="0">
+              <a:prstClr val="black">
+                <a:alpha val="43000"/>
+              </a:prstClr>
+            </a:outerShdw>
+          </a:effectLst>
+        </p:spPr>
+        <p:style>
+          <a:lnRef idx="2">
+            <a:schemeClr val="accent1">
+              <a:shade val="50000"/>
+            </a:schemeClr>
+          </a:lnRef>
+          <a:fillRef idx="1">
+            <a:schemeClr val="accent1"/>
+          </a:fillRef>
+          <a:effectRef idx="0">
+            <a:schemeClr val="accent1"/>
+          </a:effectRef>
+          <a:fontRef idx="minor">
+            <a:schemeClr val="lt1"/>
+          </a:fontRef>
+        </p:style>
+        <p:txBody>
+          <a:bodyPr rtlCol="0" anchor="ctr"/>
+          <a:lstStyle/>
+          <a:p>
+            <a:pPr algn="ctr"/>
+            <a:endParaRPr lang="en-US"/>
+          </a:p>
+        </p:txBody>
+      </p:sp>
+      <p:pic>
+        <p:nvPicPr>
+          <p:cNvPr id="4" name="slide4" descr="CA">
+            <a:extLst>
+              <a:ext uri="{FF2B5EF4-FFF2-40B4-BE49-F238E27FC236}">
+                <a16:creationId xmlns:a16="http://schemas.microsoft.com/office/drawing/2014/main" id="{80A3FB4B-EB70-4D75-81A2-1A0B093CC475}"/>
+              </a:ext>
+            </a:extLst>
+          </p:cNvPr>
+          <p:cNvPicPr>
+            <a:picLocks noChangeAspect="1"/>
+          </p:cNvPicPr>
+          <p:nvPr/>
+        </p:nvPicPr>
+        <p:blipFill>
+          <a:blip r:embed="rId3">
+            <a:extLst>
+              <a:ext uri="{28A0092B-C50C-407E-A947-70E740481C1C}">
+                <a14:useLocalDpi xmlns:a14="http://schemas.microsoft.com/office/drawing/2010/main" val="0"/>
+              </a:ext>
+            </a:extLst>
+          </a:blip>
+          <a:stretch>
+            <a:fillRect/>
+          </a:stretch>
+        </p:blipFill>
+        <p:spPr>
+          <a:xfrm>
+            <a:off x="8459828" y="965199"/>
+            <a:ext cx="2648585" cy="4927601"/>
+          </a:xfrm>
+          <a:prstGeom prst="rect">
+            <a:avLst/>
+          </a:prstGeom>
+        </p:spPr>
+      </p:pic>
+      <p:pic>
+        <p:nvPicPr>
+          <p:cNvPr id="3" name="slide2" descr="CB">
+            <a:extLst>
+              <a:ext uri="{FF2B5EF4-FFF2-40B4-BE49-F238E27FC236}">
+                <a16:creationId xmlns:a16="http://schemas.microsoft.com/office/drawing/2014/main" id="{7465FF10-7D99-4617-85DA-E152750FF2EA}"/>
+              </a:ext>
+            </a:extLst>
+          </p:cNvPr>
+          <p:cNvPicPr>
+            <a:picLocks noChangeAspect="1"/>
+          </p:cNvPicPr>
+          <p:nvPr/>
+        </p:nvPicPr>
+        <p:blipFill>
+          <a:blip r:embed="rId4">
+            <a:extLst>
+              <a:ext uri="{28A0092B-C50C-407E-A947-70E740481C1C}">
+                <a14:useLocalDpi xmlns:a14="http://schemas.microsoft.com/office/drawing/2010/main" val="0"/>
+              </a:ext>
+            </a:extLst>
+          </a:blip>
+          <a:stretch>
+            <a:fillRect/>
+          </a:stretch>
+        </p:blipFill>
+        <p:spPr>
+          <a:xfrm>
+            <a:off x="4805611" y="965199"/>
+            <a:ext cx="2574671" cy="4927601"/>
+          </a:xfrm>
+          <a:prstGeom prst="rect">
+            <a:avLst/>
+          </a:prstGeom>
+        </p:spPr>
+      </p:pic>
+    </p:spTree>
+    <p:extLst>
+      <p:ext uri="{BB962C8B-B14F-4D97-AF65-F5344CB8AC3E}">
+        <p14:creationId xmlns:p14="http://schemas.microsoft.com/office/powerpoint/2010/main" val="2022740813"/>
+      </p:ext>
+    </p:extLst>
+  </p:cSld>
+  <p:clrMapOvr>
+    <a:masterClrMapping/>
+  </p:clrMapOvr>
+</p:sld>
+</file>
+
+<file path=ppt/slides/slide23.xml><?xml version="1.0" encoding="utf-8"?>
+<p:sld xmlns:a="http://schemas.openxmlformats.org/drawingml/2006/main" xmlns:r="http://schemas.openxmlformats.org/officeDocument/2006/relationships" xmlns:p="http://schemas.openxmlformats.org/presentationml/2006/main">
+  <p:cSld>
+    <p:bg>
+      <p:bgPr>
+        <a:solidFill>
+          <a:schemeClr val="bg1"/>
+        </a:solidFill>
+        <a:effectLst/>
+      </p:bgPr>
+    </p:bg>
+    <p:spTree>
+      <p:nvGrpSpPr>
+        <p:cNvPr id="1" name=""/>
+        <p:cNvGrpSpPr/>
+        <p:nvPr/>
+      </p:nvGrpSpPr>
+      <p:grpSpPr>
+        <a:xfrm>
+          <a:off x="0" y="0"/>
+          <a:ext cx="0" cy="0"/>
+          <a:chOff x="0" y="0"/>
+          <a:chExt cx="0" cy="0"/>
+        </a:xfrm>
+      </p:grpSpPr>
+      <p:sp>
+        <p:nvSpPr>
+          <p:cNvPr id="16" name="Rectangle 15">
+            <a:extLst>
+              <a:ext uri="{FF2B5EF4-FFF2-40B4-BE49-F238E27FC236}">
+                <a16:creationId xmlns:a16="http://schemas.microsoft.com/office/drawing/2014/main" id="{56827C3C-D52F-46CE-A441-3CD6A1A6A0A2}"/>
+              </a:ext>
+              <a:ext uri="{C183D7F6-B498-43B3-948B-1728B52AA6E4}">
+                <adec:decorative xmlns:adec="http://schemas.microsoft.com/office/drawing/2017/decorative" val="1"/>
+              </a:ext>
+            </a:extLst>
+          </p:cNvPr>
+          <p:cNvSpPr>
+            <a:spLocks noGrp="1" noRot="1" noChangeAspect="1" noMove="1" noResize="1" noEditPoints="1" noAdjustHandles="1" noChangeArrowheads="1" noChangeShapeType="1" noTextEdit="1"/>
+          </p:cNvSpPr>
+          <p:nvPr>
+            <p:extLst>
+              <p:ext uri="{386F3935-93C4-4BCD-93E2-E3B085C9AB24}">
+                <p16:designElem xmlns:p16="http://schemas.microsoft.com/office/powerpoint/2015/main" val="1"/>
+              </p:ext>
+            </p:extLst>
+          </p:nvPr>
+        </p:nvSpPr>
+        <p:spPr>
+          <a:xfrm>
+            <a:off x="3137" y="0"/>
+            <a:ext cx="12192000" cy="6858000"/>
+          </a:xfrm>
+          <a:prstGeom prst="rect">
+            <a:avLst/>
+          </a:prstGeom>
+          <a:solidFill>
+            <a:schemeClr val="bg1">
+              <a:lumMod val="85000"/>
+              <a:alpha val="90000"/>
+            </a:schemeClr>
+          </a:solidFill>
+          <a:ln>
+            <a:noFill/>
+          </a:ln>
+        </p:spPr>
+        <p:style>
+          <a:lnRef idx="2">
+            <a:schemeClr val="accent1">
+              <a:shade val="50000"/>
+            </a:schemeClr>
+          </a:lnRef>
+          <a:fillRef idx="1">
+            <a:schemeClr val="accent1"/>
+          </a:fillRef>
+          <a:effectRef idx="0">
+            <a:schemeClr val="accent1"/>
+          </a:effectRef>
+          <a:fontRef idx="minor">
+            <a:schemeClr val="lt1"/>
+          </a:fontRef>
+        </p:style>
+        <p:txBody>
+          <a:bodyPr rtlCol="0" anchor="ctr"/>
+          <a:lstStyle/>
+          <a:p>
+            <a:pPr algn="ctr"/>
+            <a:endParaRPr lang="en-US"/>
+          </a:p>
+        </p:txBody>
+      </p:sp>
+      <p:sp>
+        <p:nvSpPr>
+          <p:cNvPr id="18" name="Rectangle 17">
+            <a:extLst>
+              <a:ext uri="{FF2B5EF4-FFF2-40B4-BE49-F238E27FC236}">
+                <a16:creationId xmlns:a16="http://schemas.microsoft.com/office/drawing/2014/main" id="{F52A8B51-0A89-497B-B882-6658E029A3F9}"/>
+              </a:ext>
+              <a:ext uri="{C183D7F6-B498-43B3-948B-1728B52AA6E4}">
+                <adec:decorative xmlns:adec="http://schemas.microsoft.com/office/drawing/2017/decorative" val="1"/>
+              </a:ext>
+            </a:extLst>
+          </p:cNvPr>
+          <p:cNvSpPr>
+            <a:spLocks noGrp="1" noRot="1" noChangeAspect="1" noMove="1" noResize="1" noEditPoints="1" noAdjustHandles="1" noChangeArrowheads="1" noChangeShapeType="1" noTextEdit="1"/>
+          </p:cNvSpPr>
+          <p:nvPr>
+            <p:extLst>
+              <p:ext uri="{386F3935-93C4-4BCD-93E2-E3B085C9AB24}">
+                <p16:designElem xmlns:p16="http://schemas.microsoft.com/office/powerpoint/2015/main" val="1"/>
+              </p:ext>
+            </p:extLst>
+          </p:nvPr>
+        </p:nvSpPr>
+        <p:spPr>
+          <a:xfrm>
+            <a:off x="643467" y="643466"/>
+            <a:ext cx="3522548" cy="5571067"/>
+          </a:xfrm>
+          <a:prstGeom prst="rect">
+            <a:avLst/>
+          </a:prstGeom>
+          <a:solidFill>
+            <a:srgbClr val="FFFFFF"/>
+          </a:solidFill>
+          <a:ln w="9525">
+            <a:noFill/>
+          </a:ln>
+          <a:effectLst>
+            <a:outerShdw blurRad="63500" dist="17780" dir="5400000" algn="t" rotWithShape="0">
+              <a:prstClr val="black">
+                <a:alpha val="43000"/>
+              </a:prstClr>
+            </a:outerShdw>
+          </a:effectLst>
+        </p:spPr>
+        <p:style>
+          <a:lnRef idx="2">
+            <a:schemeClr val="accent1">
+              <a:shade val="50000"/>
+            </a:schemeClr>
+          </a:lnRef>
+          <a:fillRef idx="1">
+            <a:schemeClr val="accent1"/>
+          </a:fillRef>
+          <a:effectRef idx="0">
+            <a:schemeClr val="accent1"/>
+          </a:effectRef>
+          <a:fontRef idx="minor">
+            <a:schemeClr val="lt1"/>
+          </a:fontRef>
+        </p:style>
+        <p:txBody>
+          <a:bodyPr rtlCol="0" anchor="ctr"/>
+          <a:lstStyle/>
+          <a:p>
+            <a:pPr algn="ctr"/>
+            <a:endParaRPr lang="en-US"/>
+          </a:p>
+        </p:txBody>
+      </p:sp>
+      <p:sp>
+        <p:nvSpPr>
+          <p:cNvPr id="20" name="Rectangle 19">
+            <a:extLst>
+              <a:ext uri="{FF2B5EF4-FFF2-40B4-BE49-F238E27FC236}">
+                <a16:creationId xmlns:a16="http://schemas.microsoft.com/office/drawing/2014/main" id="{EB1CEFBF-6F09-4052-862B-E219DA15757E}"/>
+              </a:ext>
+              <a:ext uri="{C183D7F6-B498-43B3-948B-1728B52AA6E4}">
+                <adec:decorative xmlns:adec="http://schemas.microsoft.com/office/drawing/2017/decorative" val="1"/>
+              </a:ext>
+            </a:extLst>
+          </p:cNvPr>
+          <p:cNvSpPr>
+            <a:spLocks noGrp="1" noRot="1" noChangeAspect="1" noMove="1" noResize="1" noEditPoints="1" noAdjustHandles="1" noChangeArrowheads="1" noChangeShapeType="1" noTextEdit="1"/>
+          </p:cNvSpPr>
+          <p:nvPr>
+            <p:extLst>
+              <p:ext uri="{386F3935-93C4-4BCD-93E2-E3B085C9AB24}">
+                <p16:designElem xmlns:p16="http://schemas.microsoft.com/office/powerpoint/2015/main" val="1"/>
+              </p:ext>
+            </p:extLst>
+          </p:nvPr>
+        </p:nvSpPr>
+        <p:spPr>
+          <a:xfrm>
+            <a:off x="4326882" y="643466"/>
+            <a:ext cx="3522548" cy="5571067"/>
+          </a:xfrm>
+          <a:prstGeom prst="rect">
+            <a:avLst/>
+          </a:prstGeom>
+          <a:solidFill>
+            <a:srgbClr val="FFFFFF"/>
+          </a:solidFill>
+          <a:ln w="9525">
+            <a:noFill/>
+          </a:ln>
+          <a:effectLst>
+            <a:outerShdw blurRad="63500" dist="17780" dir="5400000" algn="t" rotWithShape="0">
+              <a:prstClr val="black">
+                <a:alpha val="43000"/>
+              </a:prstClr>
+            </a:outerShdw>
+          </a:effectLst>
+        </p:spPr>
+        <p:style>
+          <a:lnRef idx="2">
+            <a:schemeClr val="accent1">
+              <a:shade val="50000"/>
+            </a:schemeClr>
+          </a:lnRef>
+          <a:fillRef idx="1">
+            <a:schemeClr val="accent1"/>
+          </a:fillRef>
+          <a:effectRef idx="0">
+            <a:schemeClr val="accent1"/>
+          </a:effectRef>
+          <a:fontRef idx="minor">
+            <a:schemeClr val="lt1"/>
+          </a:fontRef>
+        </p:style>
+        <p:txBody>
+          <a:bodyPr rtlCol="0" anchor="ctr"/>
+          <a:lstStyle/>
+          <a:p>
+            <a:pPr algn="ctr"/>
+            <a:endParaRPr lang="en-US"/>
+          </a:p>
+        </p:txBody>
+      </p:sp>
+      <p:pic>
+        <p:nvPicPr>
+          <p:cNvPr id="11" name="slide11" descr="CD(2)">
+            <a:extLst>
+              <a:ext uri="{FF2B5EF4-FFF2-40B4-BE49-F238E27FC236}">
+                <a16:creationId xmlns:a16="http://schemas.microsoft.com/office/drawing/2014/main" id="{A12E4981-FD1E-494D-94D6-D77A5D3D6A93}"/>
+              </a:ext>
+            </a:extLst>
+          </p:cNvPr>
+          <p:cNvPicPr>
+            <a:picLocks noChangeAspect="1"/>
+          </p:cNvPicPr>
+          <p:nvPr/>
+        </p:nvPicPr>
+        <p:blipFill>
+          <a:blip r:embed="rId2">
+            <a:extLst>
+              <a:ext uri="{28A0092B-C50C-407E-A947-70E740481C1C}">
+                <a14:useLocalDpi xmlns:a14="http://schemas.microsoft.com/office/drawing/2010/main" val="0"/>
+              </a:ext>
+            </a:extLst>
+          </a:blip>
+          <a:stretch>
+            <a:fillRect/>
+          </a:stretch>
+        </p:blipFill>
+        <p:spPr>
+          <a:xfrm>
+            <a:off x="1061693" y="965199"/>
+            <a:ext cx="2686095" cy="4928616"/>
+          </a:xfrm>
+          <a:prstGeom prst="rect">
+            <a:avLst/>
+          </a:prstGeom>
+        </p:spPr>
+      </p:pic>
+      <p:sp>
+        <p:nvSpPr>
+          <p:cNvPr id="22" name="Rectangle 21">
+            <a:extLst>
+              <a:ext uri="{FF2B5EF4-FFF2-40B4-BE49-F238E27FC236}">
+                <a16:creationId xmlns:a16="http://schemas.microsoft.com/office/drawing/2014/main" id="{BCB5D417-2A71-445D-B4C7-9E814D633D33}"/>
+              </a:ext>
+              <a:ext uri="{C183D7F6-B498-43B3-948B-1728B52AA6E4}">
+                <adec:decorative xmlns:adec="http://schemas.microsoft.com/office/drawing/2017/decorative" val="1"/>
+              </a:ext>
+            </a:extLst>
+          </p:cNvPr>
+          <p:cNvSpPr>
+            <a:spLocks noGrp="1" noRot="1" noChangeAspect="1" noMove="1" noResize="1" noEditPoints="1" noAdjustHandles="1" noChangeArrowheads="1" noChangeShapeType="1" noTextEdit="1"/>
+          </p:cNvSpPr>
+          <p:nvPr>
+            <p:extLst>
+              <p:ext uri="{386F3935-93C4-4BCD-93E2-E3B085C9AB24}">
+                <p16:designElem xmlns:p16="http://schemas.microsoft.com/office/powerpoint/2015/main" val="1"/>
+              </p:ext>
+            </p:extLst>
+          </p:nvPr>
+        </p:nvSpPr>
+        <p:spPr>
+          <a:xfrm>
+            <a:off x="8022847" y="643466"/>
+            <a:ext cx="3522548" cy="5571067"/>
+          </a:xfrm>
+          <a:prstGeom prst="rect">
+            <a:avLst/>
+          </a:prstGeom>
+          <a:solidFill>
+            <a:srgbClr val="FFFFFF"/>
+          </a:solidFill>
+          <a:ln w="9525">
+            <a:noFill/>
+          </a:ln>
+          <a:effectLst>
+            <a:outerShdw blurRad="63500" dist="17780" dir="5400000" algn="t" rotWithShape="0">
+              <a:prstClr val="black">
+                <a:alpha val="43000"/>
+              </a:prstClr>
+            </a:outerShdw>
+          </a:effectLst>
+        </p:spPr>
+        <p:style>
+          <a:lnRef idx="2">
+            <a:schemeClr val="accent1">
+              <a:shade val="50000"/>
+            </a:schemeClr>
+          </a:lnRef>
+          <a:fillRef idx="1">
+            <a:schemeClr val="accent1"/>
+          </a:fillRef>
+          <a:effectRef idx="0">
+            <a:schemeClr val="accent1"/>
+          </a:effectRef>
+          <a:fontRef idx="minor">
+            <a:schemeClr val="lt1"/>
+          </a:fontRef>
+        </p:style>
+        <p:txBody>
+          <a:bodyPr rtlCol="0" anchor="ctr"/>
+          <a:lstStyle/>
+          <a:p>
+            <a:pPr algn="ctr"/>
+            <a:endParaRPr lang="en-US"/>
+          </a:p>
+        </p:txBody>
+      </p:sp>
+      <p:pic>
+        <p:nvPicPr>
+          <p:cNvPr id="4" name="slide5" descr="CA(2)">
+            <a:extLst>
+              <a:ext uri="{FF2B5EF4-FFF2-40B4-BE49-F238E27FC236}">
+                <a16:creationId xmlns:a16="http://schemas.microsoft.com/office/drawing/2014/main" id="{E495EEF9-92B8-43A2-8979-59B55117E5AB}"/>
+              </a:ext>
+            </a:extLst>
+          </p:cNvPr>
+          <p:cNvPicPr>
+            <a:picLocks noChangeAspect="1"/>
+          </p:cNvPicPr>
+          <p:nvPr/>
+        </p:nvPicPr>
+        <p:blipFill>
+          <a:blip r:embed="rId3">
+            <a:extLst>
+              <a:ext uri="{28A0092B-C50C-407E-A947-70E740481C1C}">
+                <a14:useLocalDpi xmlns:a14="http://schemas.microsoft.com/office/drawing/2010/main" val="0"/>
+              </a:ext>
+            </a:extLst>
+          </a:blip>
+          <a:stretch>
+            <a:fillRect/>
+          </a:stretch>
+        </p:blipFill>
+        <p:spPr>
+          <a:xfrm>
+            <a:off x="8435190" y="965199"/>
+            <a:ext cx="2697862" cy="4927601"/>
+          </a:xfrm>
+          <a:prstGeom prst="rect">
+            <a:avLst/>
+          </a:prstGeom>
+        </p:spPr>
+      </p:pic>
+      <p:pic>
+        <p:nvPicPr>
+          <p:cNvPr id="3" name="slide3" descr="CB(2)">
+            <a:extLst>
+              <a:ext uri="{FF2B5EF4-FFF2-40B4-BE49-F238E27FC236}">
+                <a16:creationId xmlns:a16="http://schemas.microsoft.com/office/drawing/2014/main" id="{52E0801B-518C-45A4-AE4B-83E50C2B9794}"/>
+              </a:ext>
+            </a:extLst>
+          </p:cNvPr>
+          <p:cNvPicPr>
+            <a:picLocks noChangeAspect="1"/>
+          </p:cNvPicPr>
+          <p:nvPr/>
+        </p:nvPicPr>
+        <p:blipFill>
+          <a:blip r:embed="rId4">
+            <a:extLst>
+              <a:ext uri="{28A0092B-C50C-407E-A947-70E740481C1C}">
+                <a14:useLocalDpi xmlns:a14="http://schemas.microsoft.com/office/drawing/2010/main" val="0"/>
+              </a:ext>
+            </a:extLst>
+          </a:blip>
+          <a:stretch>
+            <a:fillRect/>
+          </a:stretch>
+        </p:blipFill>
+        <p:spPr>
+          <a:xfrm>
+            <a:off x="4759388" y="965199"/>
+            <a:ext cx="2673223" cy="4927601"/>
+          </a:xfrm>
+          <a:prstGeom prst="rect">
+            <a:avLst/>
+          </a:prstGeom>
+        </p:spPr>
+      </p:pic>
+    </p:spTree>
+    <p:extLst>
+      <p:ext uri="{BB962C8B-B14F-4D97-AF65-F5344CB8AC3E}">
+        <p14:creationId xmlns:p14="http://schemas.microsoft.com/office/powerpoint/2010/main" val="3567709201"/>
+      </p:ext>
+    </p:extLst>
+  </p:cSld>
+  <p:clrMapOvr>
+    <a:masterClrMapping/>
+  </p:clrMapOvr>
+</p:sld>
+</file>
+
+<file path=ppt/slides/slide24.xml><?xml version="1.0" encoding="utf-8"?>
+<p:sld xmlns:a="http://schemas.openxmlformats.org/drawingml/2006/main" xmlns:r="http://schemas.openxmlformats.org/officeDocument/2006/relationships" xmlns:p="http://schemas.openxmlformats.org/presentationml/2006/main">
+  <p:cSld>
+    <p:spTree>
+      <p:nvGrpSpPr>
+        <p:cNvPr id="1" name=""/>
+        <p:cNvGrpSpPr/>
+        <p:nvPr/>
+      </p:nvGrpSpPr>
+      <p:grpSpPr>
+        <a:xfrm>
+          <a:off x="0" y="0"/>
+          <a:ext cx="0" cy="0"/>
+          <a:chOff x="0" y="0"/>
+          <a:chExt cx="0" cy="0"/>
+        </a:xfrm>
+      </p:grpSpPr>
+      <p:pic>
+        <p:nvPicPr>
+          <p:cNvPr id="10" name="slide10" descr="CD">
+            <a:extLst>
+              <a:ext uri="{FF2B5EF4-FFF2-40B4-BE49-F238E27FC236}">
+                <a16:creationId xmlns:a16="http://schemas.microsoft.com/office/drawing/2014/main" id="{04800761-54F3-484F-9041-A85861D8DA82}"/>
+              </a:ext>
+            </a:extLst>
+          </p:cNvPr>
+          <p:cNvPicPr>
+            <a:picLocks noChangeAspect="1"/>
+          </p:cNvPicPr>
+          <p:nvPr/>
+        </p:nvPicPr>
+        <p:blipFill>
+          <a:blip r:embed="rId2">
+            <a:extLst>
+              <a:ext uri="{28A0092B-C50C-407E-A947-70E740481C1C}">
+                <a14:useLocalDpi xmlns:a14="http://schemas.microsoft.com/office/drawing/2010/main" val="0"/>
+              </a:ext>
+            </a:extLst>
+          </a:blip>
+          <a:stretch>
+            <a:fillRect/>
+          </a:stretch>
+        </p:blipFill>
+        <p:spPr>
+          <a:xfrm>
+            <a:off x="4259326" y="0"/>
+            <a:ext cx="3673346" cy="6858000"/>
+          </a:xfrm>
+          <a:prstGeom prst="rect">
+            <a:avLst/>
+          </a:prstGeom>
+        </p:spPr>
+      </p:pic>
+    </p:spTree>
+    <p:extLst>
+      <p:ext uri="{BB962C8B-B14F-4D97-AF65-F5344CB8AC3E}">
+        <p14:creationId xmlns:p14="http://schemas.microsoft.com/office/powerpoint/2010/main" val="2466640410"/>
+      </p:ext>
+    </p:extLst>
+  </p:cSld>
+  <p:clrMapOvr>
+    <a:masterClrMapping/>
+  </p:clrMapOvr>
+</p:sld>
+</file>
+
+<file path=ppt/slides/slide25.xml><?xml version="1.0" encoding="utf-8"?>
+<p:sld xmlns:a="http://schemas.openxmlformats.org/drawingml/2006/main" xmlns:r="http://schemas.openxmlformats.org/officeDocument/2006/relationships" xmlns:p="http://schemas.openxmlformats.org/presentationml/2006/main">
+  <p:cSld>
+    <p:spTree>
+      <p:nvGrpSpPr>
+        <p:cNvPr id="1" name=""/>
+        <p:cNvGrpSpPr/>
+        <p:nvPr/>
+      </p:nvGrpSpPr>
+      <p:grpSpPr>
+        <a:xfrm>
+          <a:off x="0" y="0"/>
+          <a:ext cx="0" cy="0"/>
+          <a:chOff x="0" y="0"/>
+          <a:chExt cx="0" cy="0"/>
+        </a:xfrm>
+      </p:grpSpPr>
+      <p:pic>
+        <p:nvPicPr>
+          <p:cNvPr id="11" name="slide11" descr="CD(2)">
+            <a:extLst>
+              <a:ext uri="{FF2B5EF4-FFF2-40B4-BE49-F238E27FC236}">
+                <a16:creationId xmlns:a16="http://schemas.microsoft.com/office/drawing/2014/main" id="{A12E4981-FD1E-494D-94D6-D77A5D3D6A93}"/>
+              </a:ext>
+            </a:extLst>
+          </p:cNvPr>
+          <p:cNvPicPr>
+            <a:picLocks noChangeAspect="1"/>
+          </p:cNvPicPr>
+          <p:nvPr/>
+        </p:nvPicPr>
+        <p:blipFill>
+          <a:blip r:embed="rId2">
+            <a:extLst>
+              <a:ext uri="{28A0092B-C50C-407E-A947-70E740481C1C}">
+                <a14:useLocalDpi xmlns:a14="http://schemas.microsoft.com/office/drawing/2010/main" val="0"/>
+              </a:ext>
+            </a:extLst>
+          </a:blip>
+          <a:stretch>
+            <a:fillRect/>
+          </a:stretch>
+        </p:blipFill>
+        <p:spPr>
+          <a:xfrm>
+            <a:off x="4226747" y="0"/>
+            <a:ext cx="3738506" cy="6858000"/>
+          </a:xfrm>
+          <a:prstGeom prst="rect">
+            <a:avLst/>
+          </a:prstGeom>
+        </p:spPr>
+      </p:pic>
+    </p:spTree>
+    <p:extLst>
+      <p:ext uri="{BB962C8B-B14F-4D97-AF65-F5344CB8AC3E}">
+        <p14:creationId xmlns:p14="http://schemas.microsoft.com/office/powerpoint/2010/main" val="2318493376"/>
+      </p:ext>
+    </p:extLst>
+  </p:cSld>
+  <p:clrMapOvr>
+    <a:masterClrMapping/>
+  </p:clrMapOvr>
+</p:sld>
+</file>
+
+<file path=ppt/slides/slide26.xml><?xml version="1.0" encoding="utf-8"?>
+<p:sld xmlns:a="http://schemas.openxmlformats.org/drawingml/2006/main" xmlns:r="http://schemas.openxmlformats.org/officeDocument/2006/relationships" xmlns:p="http://schemas.openxmlformats.org/presentationml/2006/main">
+  <p:cSld>
+    <p:spTree>
+      <p:nvGrpSpPr>
+        <p:cNvPr id="1" name=""/>
+        <p:cNvGrpSpPr/>
+        <p:nvPr/>
+      </p:nvGrpSpPr>
+      <p:grpSpPr>
+        <a:xfrm>
+          <a:off x="0" y="0"/>
+          <a:ext cx="0" cy="0"/>
+          <a:chOff x="0" y="0"/>
+          <a:chExt cx="0" cy="0"/>
+        </a:xfrm>
+      </p:grpSpPr>
+      <p:pic>
+        <p:nvPicPr>
+          <p:cNvPr id="2" name="slide2" descr="CB">
+            <a:extLst>
+              <a:ext uri="{FF2B5EF4-FFF2-40B4-BE49-F238E27FC236}">
+                <a16:creationId xmlns:a16="http://schemas.microsoft.com/office/drawing/2014/main" id="{13E38DAB-3CF4-465F-A8FF-CED04327838A}"/>
+              </a:ext>
+            </a:extLst>
+          </p:cNvPr>
+          <p:cNvPicPr>
+            <a:picLocks noChangeAspect="1"/>
+          </p:cNvPicPr>
+          <p:nvPr/>
+        </p:nvPicPr>
+        <p:blipFill>
+          <a:blip r:embed="rId2">
+            <a:extLst>
+              <a:ext uri="{28A0092B-C50C-407E-A947-70E740481C1C}">
+                <a14:useLocalDpi xmlns:a14="http://schemas.microsoft.com/office/drawing/2010/main" val="0"/>
+              </a:ext>
+            </a:extLst>
+          </a:blip>
+          <a:stretch>
+            <a:fillRect/>
+          </a:stretch>
+        </p:blipFill>
+        <p:spPr>
+          <a:xfrm>
+            <a:off x="4304019" y="0"/>
+            <a:ext cx="3583960" cy="6858000"/>
+          </a:xfrm>
+          <a:prstGeom prst="rect">
+            <a:avLst/>
+          </a:prstGeom>
+        </p:spPr>
+      </p:pic>
+    </p:spTree>
+    <p:extLst>
+      <p:ext uri="{BB962C8B-B14F-4D97-AF65-F5344CB8AC3E}">
+        <p14:creationId xmlns:p14="http://schemas.microsoft.com/office/powerpoint/2010/main" val="3185114436"/>
+      </p:ext>
+    </p:extLst>
+  </p:cSld>
+  <p:clrMapOvr>
+    <a:masterClrMapping/>
+  </p:clrMapOvr>
+</p:sld>
+</file>
+
+<file path=ppt/slides/slide27.xml><?xml version="1.0" encoding="utf-8"?>
+<p:sld xmlns:a="http://schemas.openxmlformats.org/drawingml/2006/main" xmlns:r="http://schemas.openxmlformats.org/officeDocument/2006/relationships" xmlns:p="http://schemas.openxmlformats.org/presentationml/2006/main">
+  <p:cSld>
+    <p:spTree>
+      <p:nvGrpSpPr>
+        <p:cNvPr id="1" name=""/>
+        <p:cNvGrpSpPr/>
+        <p:nvPr/>
+      </p:nvGrpSpPr>
+      <p:grpSpPr>
+        <a:xfrm>
+          <a:off x="0" y="0"/>
+          <a:ext cx="0" cy="0"/>
+          <a:chOff x="0" y="0"/>
+          <a:chExt cx="0" cy="0"/>
+        </a:xfrm>
+      </p:grpSpPr>
+      <p:pic>
+        <p:nvPicPr>
+          <p:cNvPr id="3" name="slide3" descr="CB(2)">
+            <a:extLst>
+              <a:ext uri="{FF2B5EF4-FFF2-40B4-BE49-F238E27FC236}">
+                <a16:creationId xmlns:a16="http://schemas.microsoft.com/office/drawing/2014/main" id="{F1052274-EEDE-48C3-AD62-0E5C5FE2E7BD}"/>
+              </a:ext>
+            </a:extLst>
+          </p:cNvPr>
+          <p:cNvPicPr>
+            <a:picLocks noChangeAspect="1"/>
+          </p:cNvPicPr>
+          <p:nvPr/>
+        </p:nvPicPr>
+        <p:blipFill>
+          <a:blip r:embed="rId2">
+            <a:extLst>
+              <a:ext uri="{28A0092B-C50C-407E-A947-70E740481C1C}">
+                <a14:useLocalDpi xmlns:a14="http://schemas.microsoft.com/office/drawing/2010/main" val="0"/>
+              </a:ext>
+            </a:extLst>
+          </a:blip>
+          <a:stretch>
+            <a:fillRect/>
+          </a:stretch>
+        </p:blipFill>
+        <p:spPr>
+          <a:xfrm>
+            <a:off x="4236473" y="0"/>
+            <a:ext cx="3719054" cy="6858000"/>
+          </a:xfrm>
+          <a:prstGeom prst="rect">
+            <a:avLst/>
+          </a:prstGeom>
+        </p:spPr>
+      </p:pic>
+    </p:spTree>
+    <p:extLst>
+      <p:ext uri="{BB962C8B-B14F-4D97-AF65-F5344CB8AC3E}">
+        <p14:creationId xmlns:p14="http://schemas.microsoft.com/office/powerpoint/2010/main" val="2585981157"/>
+      </p:ext>
+    </p:extLst>
+  </p:cSld>
+  <p:clrMapOvr>
+    <a:masterClrMapping/>
+  </p:clrMapOvr>
+</p:sld>
+</file>
+
+<file path=ppt/slides/slide28.xml><?xml version="1.0" encoding="utf-8"?>
+<p:sld xmlns:a="http://schemas.openxmlformats.org/drawingml/2006/main" xmlns:r="http://schemas.openxmlformats.org/officeDocument/2006/relationships" xmlns:p="http://schemas.openxmlformats.org/presentationml/2006/main">
+  <p:cSld>
+    <p:spTree>
+      <p:nvGrpSpPr>
+        <p:cNvPr id="1" name=""/>
+        <p:cNvGrpSpPr/>
+        <p:nvPr/>
+      </p:nvGrpSpPr>
+      <p:grpSpPr>
+        <a:xfrm>
+          <a:off x="0" y="0"/>
+          <a:ext cx="0" cy="0"/>
+          <a:chOff x="0" y="0"/>
+          <a:chExt cx="0" cy="0"/>
+        </a:xfrm>
+      </p:grpSpPr>
+      <p:pic>
+        <p:nvPicPr>
+          <p:cNvPr id="4" name="slide4" descr="CA">
+            <a:extLst>
+              <a:ext uri="{FF2B5EF4-FFF2-40B4-BE49-F238E27FC236}">
+                <a16:creationId xmlns:a16="http://schemas.microsoft.com/office/drawing/2014/main" id="{C3546220-9BAF-4F24-8383-34FB0F65AA40}"/>
+              </a:ext>
+            </a:extLst>
+          </p:cNvPr>
+          <p:cNvPicPr>
+            <a:picLocks noChangeAspect="1"/>
+          </p:cNvPicPr>
+          <p:nvPr/>
+        </p:nvPicPr>
+        <p:blipFill>
+          <a:blip r:embed="rId2">
+            <a:extLst>
+              <a:ext uri="{28A0092B-C50C-407E-A947-70E740481C1C}">
+                <a14:useLocalDpi xmlns:a14="http://schemas.microsoft.com/office/drawing/2010/main" val="0"/>
+              </a:ext>
+            </a:extLst>
+          </a:blip>
+          <a:stretch>
+            <a:fillRect/>
+          </a:stretch>
+        </p:blipFill>
+        <p:spPr>
+          <a:xfrm>
+            <a:off x="4252759" y="0"/>
+            <a:ext cx="3686481" cy="6858000"/>
+          </a:xfrm>
+          <a:prstGeom prst="rect">
+            <a:avLst/>
+          </a:prstGeom>
+        </p:spPr>
+      </p:pic>
+    </p:spTree>
+    <p:extLst>
+      <p:ext uri="{BB962C8B-B14F-4D97-AF65-F5344CB8AC3E}">
+        <p14:creationId xmlns:p14="http://schemas.microsoft.com/office/powerpoint/2010/main" val="4096146974"/>
+      </p:ext>
+    </p:extLst>
+  </p:cSld>
+  <p:clrMapOvr>
+    <a:masterClrMapping/>
+  </p:clrMapOvr>
+</p:sld>
+</file>
+
+<file path=ppt/slides/slide29.xml><?xml version="1.0" encoding="utf-8"?>
+<p:sld xmlns:a="http://schemas.openxmlformats.org/drawingml/2006/main" xmlns:r="http://schemas.openxmlformats.org/officeDocument/2006/relationships" xmlns:p="http://schemas.openxmlformats.org/presentationml/2006/main">
+  <p:cSld>
+    <p:spTree>
+      <p:nvGrpSpPr>
+        <p:cNvPr id="1" name=""/>
+        <p:cNvGrpSpPr/>
+        <p:nvPr/>
+      </p:nvGrpSpPr>
+      <p:grpSpPr>
+        <a:xfrm>
+          <a:off x="0" y="0"/>
+          <a:ext cx="0" cy="0"/>
+          <a:chOff x="0" y="0"/>
+          <a:chExt cx="0" cy="0"/>
+        </a:xfrm>
+      </p:grpSpPr>
+      <p:pic>
+        <p:nvPicPr>
+          <p:cNvPr id="5" name="slide5" descr="CA(2)">
+            <a:extLst>
+              <a:ext uri="{FF2B5EF4-FFF2-40B4-BE49-F238E27FC236}">
+                <a16:creationId xmlns:a16="http://schemas.microsoft.com/office/drawing/2014/main" id="{73662CCC-4147-4F08-883F-91E196F575A5}"/>
+              </a:ext>
+            </a:extLst>
+          </p:cNvPr>
+          <p:cNvPicPr>
+            <a:picLocks noChangeAspect="1"/>
+          </p:cNvPicPr>
+          <p:nvPr/>
+        </p:nvPicPr>
+        <p:blipFill>
+          <a:blip r:embed="rId2">
+            <a:extLst>
+              <a:ext uri="{28A0092B-C50C-407E-A947-70E740481C1C}">
+                <a14:useLocalDpi xmlns:a14="http://schemas.microsoft.com/office/drawing/2010/main" val="0"/>
+              </a:ext>
+            </a:extLst>
+          </a:blip>
+          <a:stretch>
+            <a:fillRect/>
+          </a:stretch>
+        </p:blipFill>
+        <p:spPr>
+          <a:xfrm>
+            <a:off x="4220063" y="0"/>
+            <a:ext cx="3751873" cy="6858000"/>
+          </a:xfrm>
+          <a:prstGeom prst="rect">
+            <a:avLst/>
+          </a:prstGeom>
+        </p:spPr>
+      </p:pic>
+    </p:spTree>
+    <p:extLst>
+      <p:ext uri="{BB962C8B-B14F-4D97-AF65-F5344CB8AC3E}">
+        <p14:creationId xmlns:p14="http://schemas.microsoft.com/office/powerpoint/2010/main" val="2159750714"/>
       </p:ext>
     </p:extLst>
   </p:cSld>
@@ -4089,10 +6250,10 @@
       </p:grpSpPr>
       <p:pic>
         <p:nvPicPr>
-          <p:cNvPr id="2" name="slide2" descr="personCount(A)">
-            <a:extLst>
-              <a:ext uri="{FF2B5EF4-FFF2-40B4-BE49-F238E27FC236}">
-                <a16:creationId xmlns:a16="http://schemas.microsoft.com/office/drawing/2014/main" id="{53C6E837-F521-4200-B421-8AA8C66D87E7}"/>
+          <p:cNvPr id="3" name="slide3" descr="occluded(B)">
+            <a:extLst>
+              <a:ext uri="{FF2B5EF4-FFF2-40B4-BE49-F238E27FC236}">
+                <a16:creationId xmlns:a16="http://schemas.microsoft.com/office/drawing/2014/main" id="{0A6B0D1F-E860-400F-BFD3-5D6BBEAE62B8}"/>
               </a:ext>
             </a:extLst>
           </p:cNvPr>
@@ -4101,7 +6262,7 @@
           </p:cNvPicPr>
           <p:nvPr/>
         </p:nvPicPr>
-        <p:blipFill rotWithShape="1">
+        <p:blipFill>
           <a:blip r:embed="rId2">
             <a:extLst>
               <a:ext uri="{28A0092B-C50C-407E-A947-70E740481C1C}">
@@ -4109,13 +6270,14 @@
               </a:ext>
             </a:extLst>
           </a:blip>
-          <a:srcRect t="5307" b="7961"/>
-          <a:stretch/>
+          <a:stretch>
+            <a:fillRect/>
+          </a:stretch>
         </p:blipFill>
         <p:spPr>
           <a:xfrm>
-            <a:off x="4837614" y="363984"/>
-            <a:ext cx="2516772" cy="5948039"/>
+            <a:off x="5130139" y="0"/>
+            <a:ext cx="1931721" cy="6858000"/>
           </a:xfrm>
           <a:prstGeom prst="rect">
             <a:avLst/>
@@ -4154,10 +6316,10 @@
       </p:grpSpPr>
       <p:pic>
         <p:nvPicPr>
-          <p:cNvPr id="3" name="slide3" descr="occluded(B)">
-            <a:extLst>
-              <a:ext uri="{FF2B5EF4-FFF2-40B4-BE49-F238E27FC236}">
-                <a16:creationId xmlns:a16="http://schemas.microsoft.com/office/drawing/2014/main" id="{0F05AC88-D2DE-43A9-B9D5-CD71D271E878}"/>
+          <p:cNvPr id="4" name="slide4" descr="posture(C)">
+            <a:extLst>
+              <a:ext uri="{FF2B5EF4-FFF2-40B4-BE49-F238E27FC236}">
+                <a16:creationId xmlns:a16="http://schemas.microsoft.com/office/drawing/2014/main" id="{280150D3-935C-4ACC-B262-6F41C59D4C5E}"/>
               </a:ext>
             </a:extLst>
           </p:cNvPr>
@@ -4166,7 +6328,7 @@
           </p:cNvPicPr>
           <p:nvPr/>
         </p:nvPicPr>
-        <p:blipFill rotWithShape="1">
+        <p:blipFill>
           <a:blip r:embed="rId2">
             <a:extLst>
               <a:ext uri="{28A0092B-C50C-407E-A947-70E740481C1C}">
@@ -4174,13 +6336,14 @@
               </a:ext>
             </a:extLst>
           </a:blip>
-          <a:srcRect t="5049" b="13010"/>
-          <a:stretch/>
+          <a:stretch>
+            <a:fillRect/>
+          </a:stretch>
         </p:blipFill>
         <p:spPr>
           <a:xfrm>
-            <a:off x="5130139" y="346228"/>
-            <a:ext cx="1931721" cy="5619565"/>
+            <a:off x="4868235" y="0"/>
+            <a:ext cx="2455529" cy="6858000"/>
           </a:xfrm>
           <a:prstGeom prst="rect">
             <a:avLst/>
@@ -4219,10 +6382,10 @@
       </p:grpSpPr>
       <p:pic>
         <p:nvPicPr>
-          <p:cNvPr id="4" name="slide4" descr="posture(C)">
-            <a:extLst>
-              <a:ext uri="{FF2B5EF4-FFF2-40B4-BE49-F238E27FC236}">
-                <a16:creationId xmlns:a16="http://schemas.microsoft.com/office/drawing/2014/main" id="{EF018442-0B56-4304-9254-4622DBF2ACE7}"/>
+          <p:cNvPr id="5" name="slide5" descr="personType(D)">
+            <a:extLst>
+              <a:ext uri="{FF2B5EF4-FFF2-40B4-BE49-F238E27FC236}">
+                <a16:creationId xmlns:a16="http://schemas.microsoft.com/office/drawing/2014/main" id="{C20503D9-3002-4BF8-BB8E-372B62B380B8}"/>
               </a:ext>
             </a:extLst>
           </p:cNvPr>
@@ -4231,7 +6394,7 @@
           </p:cNvPicPr>
           <p:nvPr/>
         </p:nvPicPr>
-        <p:blipFill rotWithShape="1">
+        <p:blipFill>
           <a:blip r:embed="rId2">
             <a:extLst>
               <a:ext uri="{28A0092B-C50C-407E-A947-70E740481C1C}">
@@ -4239,13 +6402,14 @@
               </a:ext>
             </a:extLst>
           </a:blip>
-          <a:srcRect t="5307" b="9903"/>
-          <a:stretch/>
+          <a:stretch>
+            <a:fillRect/>
+          </a:stretch>
         </p:blipFill>
         <p:spPr>
           <a:xfrm>
-            <a:off x="4868235" y="363984"/>
-            <a:ext cx="2455529" cy="5814874"/>
+            <a:off x="5106636" y="0"/>
+            <a:ext cx="1978727" cy="6858000"/>
           </a:xfrm>
           <a:prstGeom prst="rect">
             <a:avLst/>
@@ -4268,6 +6432,14 @@
 <file path=ppt/slides/slide6.xml><?xml version="1.0" encoding="utf-8"?>
 <p:sld xmlns:a="http://schemas.openxmlformats.org/drawingml/2006/main" xmlns:r="http://schemas.openxmlformats.org/officeDocument/2006/relationships" xmlns:p="http://schemas.openxmlformats.org/presentationml/2006/main">
   <p:cSld>
+    <p:bg>
+      <p:bgPr>
+        <a:solidFill>
+          <a:schemeClr val="bg1"/>
+        </a:solidFill>
+        <a:effectLst/>
+      </p:bgPr>
+    </p:bg>
     <p:spTree>
       <p:nvGrpSpPr>
         <p:cNvPr id="1" name=""/>
@@ -4282,12 +6454,148 @@
           <a:chExt cx="0" cy="0"/>
         </a:xfrm>
       </p:grpSpPr>
+      <p:sp>
+        <p:nvSpPr>
+          <p:cNvPr id="10" name="Rectangle 9">
+            <a:extLst>
+              <a:ext uri="{FF2B5EF4-FFF2-40B4-BE49-F238E27FC236}">
+                <a16:creationId xmlns:a16="http://schemas.microsoft.com/office/drawing/2014/main" id="{56827C3C-D52F-46CE-A441-3CD6A1A6A0A2}"/>
+              </a:ext>
+              <a:ext uri="{C183D7F6-B498-43B3-948B-1728B52AA6E4}">
+                <adec:decorative xmlns:adec="http://schemas.microsoft.com/office/drawing/2017/decorative" val="1"/>
+              </a:ext>
+            </a:extLst>
+          </p:cNvPr>
+          <p:cNvSpPr>
+            <a:spLocks noGrp="1" noRot="1" noChangeAspect="1" noMove="1" noResize="1" noEditPoints="1" noAdjustHandles="1" noChangeArrowheads="1" noChangeShapeType="1" noTextEdit="1"/>
+          </p:cNvSpPr>
+          <p:nvPr>
+            <p:extLst>
+              <p:ext uri="{386F3935-93C4-4BCD-93E2-E3B085C9AB24}">
+                <p16:designElem xmlns:p16="http://schemas.microsoft.com/office/powerpoint/2015/main" val="1"/>
+              </p:ext>
+            </p:extLst>
+          </p:nvPr>
+        </p:nvSpPr>
+        <p:spPr>
+          <a:xfrm>
+            <a:off x="3137" y="0"/>
+            <a:ext cx="12192000" cy="6858000"/>
+          </a:xfrm>
+          <a:prstGeom prst="rect">
+            <a:avLst/>
+          </a:prstGeom>
+          <a:solidFill>
+            <a:schemeClr val="bg1">
+              <a:lumMod val="85000"/>
+              <a:alpha val="90000"/>
+            </a:schemeClr>
+          </a:solidFill>
+          <a:ln>
+            <a:noFill/>
+          </a:ln>
+        </p:spPr>
+        <p:style>
+          <a:lnRef idx="2">
+            <a:schemeClr val="accent1">
+              <a:shade val="50000"/>
+            </a:schemeClr>
+          </a:lnRef>
+          <a:fillRef idx="1">
+            <a:schemeClr val="accent1"/>
+          </a:fillRef>
+          <a:effectRef idx="0">
+            <a:schemeClr val="accent1"/>
+          </a:effectRef>
+          <a:fontRef idx="minor">
+            <a:schemeClr val="lt1"/>
+          </a:fontRef>
+        </p:style>
+        <p:txBody>
+          <a:bodyPr rtlCol="0" anchor="ctr"/>
+          <a:lstStyle/>
+          <a:p>
+            <a:pPr algn="ctr"/>
+            <a:endParaRPr lang="en-US"/>
+          </a:p>
+        </p:txBody>
+      </p:sp>
+      <p:sp>
+        <p:nvSpPr>
+          <p:cNvPr id="12" name="Rectangle 11">
+            <a:extLst>
+              <a:ext uri="{FF2B5EF4-FFF2-40B4-BE49-F238E27FC236}">
+                <a16:creationId xmlns:a16="http://schemas.microsoft.com/office/drawing/2014/main" id="{F52A8B51-0A89-497B-B882-6658E029A3F9}"/>
+              </a:ext>
+              <a:ext uri="{C183D7F6-B498-43B3-948B-1728B52AA6E4}">
+                <adec:decorative xmlns:adec="http://schemas.microsoft.com/office/drawing/2017/decorative" val="1"/>
+              </a:ext>
+            </a:extLst>
+          </p:cNvPr>
+          <p:cNvSpPr>
+            <a:spLocks noGrp="1" noRot="1" noChangeAspect="1" noMove="1" noResize="1" noEditPoints="1" noAdjustHandles="1" noChangeArrowheads="1" noChangeShapeType="1" noTextEdit="1"/>
+          </p:cNvSpPr>
+          <p:nvPr>
+            <p:extLst>
+              <p:ext uri="{386F3935-93C4-4BCD-93E2-E3B085C9AB24}">
+                <p16:designElem xmlns:p16="http://schemas.microsoft.com/office/powerpoint/2015/main" val="1"/>
+              </p:ext>
+            </p:extLst>
+          </p:nvPr>
+        </p:nvSpPr>
+        <p:spPr>
+          <a:xfrm>
+            <a:off x="643467" y="643466"/>
+            <a:ext cx="3522548" cy="5571067"/>
+          </a:xfrm>
+          <a:prstGeom prst="rect">
+            <a:avLst/>
+          </a:prstGeom>
+          <a:solidFill>
+            <a:srgbClr val="FFFFFF"/>
+          </a:solidFill>
+          <a:ln w="9525">
+            <a:noFill/>
+          </a:ln>
+          <a:effectLst>
+            <a:outerShdw blurRad="63500" dist="17780" dir="5400000" algn="t" rotWithShape="0">
+              <a:prstClr val="black">
+                <a:alpha val="43000"/>
+              </a:prstClr>
+            </a:outerShdw>
+          </a:effectLst>
+        </p:spPr>
+        <p:style>
+          <a:lnRef idx="2">
+            <a:schemeClr val="accent1">
+              <a:shade val="50000"/>
+            </a:schemeClr>
+          </a:lnRef>
+          <a:fillRef idx="1">
+            <a:schemeClr val="accent1"/>
+          </a:fillRef>
+          <a:effectRef idx="0">
+            <a:schemeClr val="accent1"/>
+          </a:effectRef>
+          <a:fontRef idx="minor">
+            <a:schemeClr val="lt1"/>
+          </a:fontRef>
+        </p:style>
+        <p:txBody>
+          <a:bodyPr rtlCol="0" anchor="ctr"/>
+          <a:lstStyle/>
+          <a:p>
+            <a:pPr algn="ctr"/>
+            <a:endParaRPr lang="en-US"/>
+          </a:p>
+        </p:txBody>
+      </p:sp>
       <p:pic>
         <p:nvPicPr>
-          <p:cNvPr id="3" name="slide2" descr="personType(D)">
-            <a:extLst>
-              <a:ext uri="{FF2B5EF4-FFF2-40B4-BE49-F238E27FC236}">
-                <a16:creationId xmlns:a16="http://schemas.microsoft.com/office/drawing/2014/main" id="{98AF0F4E-D6C0-4E4D-B8BF-107BB3318D49}"/>
+          <p:cNvPr id="3" name="slide3" descr="AB">
+            <a:extLst>
+              <a:ext uri="{FF2B5EF4-FFF2-40B4-BE49-F238E27FC236}">
+                <a16:creationId xmlns:a16="http://schemas.microsoft.com/office/drawing/2014/main" id="{21A497E9-9176-462F-8DD0-C9732AE579DD}"/>
               </a:ext>
             </a:extLst>
           </p:cNvPr>
@@ -4296,7 +6604,7 @@
           </p:cNvPicPr>
           <p:nvPr/>
         </p:nvPicPr>
-        <p:blipFill rotWithShape="1">
+        <p:blipFill>
           <a:blip r:embed="rId2">
             <a:extLst>
               <a:ext uri="{28A0092B-C50C-407E-A947-70E740481C1C}">
@@ -4304,13 +6612,226 @@
               </a:ext>
             </a:extLst>
           </a:blip>
-          <a:srcRect t="5018" b="13835"/>
-          <a:stretch/>
+          <a:stretch>
+            <a:fillRect/>
+          </a:stretch>
         </p:blipFill>
         <p:spPr>
           <a:xfrm>
-            <a:off x="5152551" y="344129"/>
-            <a:ext cx="1886897" cy="5565058"/>
+            <a:off x="1289871" y="965199"/>
+            <a:ext cx="2229740" cy="4927601"/>
+          </a:xfrm>
+          <a:prstGeom prst="rect">
+            <a:avLst/>
+          </a:prstGeom>
+        </p:spPr>
+      </p:pic>
+      <p:sp>
+        <p:nvSpPr>
+          <p:cNvPr id="14" name="Rectangle 13">
+            <a:extLst>
+              <a:ext uri="{FF2B5EF4-FFF2-40B4-BE49-F238E27FC236}">
+                <a16:creationId xmlns:a16="http://schemas.microsoft.com/office/drawing/2014/main" id="{EB1CEFBF-6F09-4052-862B-E219DA15757E}"/>
+              </a:ext>
+              <a:ext uri="{C183D7F6-B498-43B3-948B-1728B52AA6E4}">
+                <adec:decorative xmlns:adec="http://schemas.microsoft.com/office/drawing/2017/decorative" val="1"/>
+              </a:ext>
+            </a:extLst>
+          </p:cNvPr>
+          <p:cNvSpPr>
+            <a:spLocks noGrp="1" noRot="1" noChangeAspect="1" noMove="1" noResize="1" noEditPoints="1" noAdjustHandles="1" noChangeArrowheads="1" noChangeShapeType="1" noTextEdit="1"/>
+          </p:cNvSpPr>
+          <p:nvPr>
+            <p:extLst>
+              <p:ext uri="{386F3935-93C4-4BCD-93E2-E3B085C9AB24}">
+                <p16:designElem xmlns:p16="http://schemas.microsoft.com/office/powerpoint/2015/main" val="1"/>
+              </p:ext>
+            </p:extLst>
+          </p:nvPr>
+        </p:nvSpPr>
+        <p:spPr>
+          <a:xfrm>
+            <a:off x="4326882" y="643466"/>
+            <a:ext cx="3522548" cy="5571067"/>
+          </a:xfrm>
+          <a:prstGeom prst="rect">
+            <a:avLst/>
+          </a:prstGeom>
+          <a:solidFill>
+            <a:srgbClr val="FFFFFF"/>
+          </a:solidFill>
+          <a:ln w="9525">
+            <a:noFill/>
+          </a:ln>
+          <a:effectLst>
+            <a:outerShdw blurRad="63500" dist="17780" dir="5400000" algn="t" rotWithShape="0">
+              <a:prstClr val="black">
+                <a:alpha val="43000"/>
+              </a:prstClr>
+            </a:outerShdw>
+          </a:effectLst>
+        </p:spPr>
+        <p:style>
+          <a:lnRef idx="2">
+            <a:schemeClr val="accent1">
+              <a:shade val="50000"/>
+            </a:schemeClr>
+          </a:lnRef>
+          <a:fillRef idx="1">
+            <a:schemeClr val="accent1"/>
+          </a:fillRef>
+          <a:effectRef idx="0">
+            <a:schemeClr val="accent1"/>
+          </a:effectRef>
+          <a:fontRef idx="minor">
+            <a:schemeClr val="lt1"/>
+          </a:fontRef>
+        </p:style>
+        <p:txBody>
+          <a:bodyPr rtlCol="0" anchor="ctr"/>
+          <a:lstStyle/>
+          <a:p>
+            <a:pPr algn="ctr"/>
+            <a:endParaRPr lang="en-US"/>
+          </a:p>
+        </p:txBody>
+      </p:sp>
+      <p:sp>
+        <p:nvSpPr>
+          <p:cNvPr id="16" name="Rectangle 15">
+            <a:extLst>
+              <a:ext uri="{FF2B5EF4-FFF2-40B4-BE49-F238E27FC236}">
+                <a16:creationId xmlns:a16="http://schemas.microsoft.com/office/drawing/2014/main" id="{BCB5D417-2A71-445D-B4C7-9E814D633D33}"/>
+              </a:ext>
+              <a:ext uri="{C183D7F6-B498-43B3-948B-1728B52AA6E4}">
+                <adec:decorative xmlns:adec="http://schemas.microsoft.com/office/drawing/2017/decorative" val="1"/>
+              </a:ext>
+            </a:extLst>
+          </p:cNvPr>
+          <p:cNvSpPr>
+            <a:spLocks noGrp="1" noRot="1" noChangeAspect="1" noMove="1" noResize="1" noEditPoints="1" noAdjustHandles="1" noChangeArrowheads="1" noChangeShapeType="1" noTextEdit="1"/>
+          </p:cNvSpPr>
+          <p:nvPr>
+            <p:extLst>
+              <p:ext uri="{386F3935-93C4-4BCD-93E2-E3B085C9AB24}">
+                <p16:designElem xmlns:p16="http://schemas.microsoft.com/office/powerpoint/2015/main" val="1"/>
+              </p:ext>
+            </p:extLst>
+          </p:nvPr>
+        </p:nvSpPr>
+        <p:spPr>
+          <a:xfrm>
+            <a:off x="8022847" y="643466"/>
+            <a:ext cx="3522548" cy="5571067"/>
+          </a:xfrm>
+          <a:prstGeom prst="rect">
+            <a:avLst/>
+          </a:prstGeom>
+          <a:solidFill>
+            <a:srgbClr val="FFFFFF"/>
+          </a:solidFill>
+          <a:ln w="9525">
+            <a:noFill/>
+          </a:ln>
+          <a:effectLst>
+            <a:outerShdw blurRad="63500" dist="17780" dir="5400000" algn="t" rotWithShape="0">
+              <a:prstClr val="black">
+                <a:alpha val="43000"/>
+              </a:prstClr>
+            </a:outerShdw>
+          </a:effectLst>
+        </p:spPr>
+        <p:style>
+          <a:lnRef idx="2">
+            <a:schemeClr val="accent1">
+              <a:shade val="50000"/>
+            </a:schemeClr>
+          </a:lnRef>
+          <a:fillRef idx="1">
+            <a:schemeClr val="accent1"/>
+          </a:fillRef>
+          <a:effectRef idx="0">
+            <a:schemeClr val="accent1"/>
+          </a:effectRef>
+          <a:fontRef idx="minor">
+            <a:schemeClr val="lt1"/>
+          </a:fontRef>
+        </p:style>
+        <p:txBody>
+          <a:bodyPr rtlCol="0" anchor="ctr"/>
+          <a:lstStyle/>
+          <a:p>
+            <a:pPr algn="ctr"/>
+            <a:endParaRPr lang="en-US"/>
+          </a:p>
+        </p:txBody>
+      </p:sp>
+      <p:pic>
+        <p:nvPicPr>
+          <p:cNvPr id="4" name="slide2" descr="AC">
+            <a:extLst>
+              <a:ext uri="{FF2B5EF4-FFF2-40B4-BE49-F238E27FC236}">
+                <a16:creationId xmlns:a16="http://schemas.microsoft.com/office/drawing/2014/main" id="{37592554-1C5B-4B29-B7AB-59CC4926A455}"/>
+              </a:ext>
+            </a:extLst>
+          </p:cNvPr>
+          <p:cNvPicPr>
+            <a:picLocks noChangeAspect="1"/>
+          </p:cNvPicPr>
+          <p:nvPr/>
+        </p:nvPicPr>
+        <p:blipFill>
+          <a:blip r:embed="rId3">
+            <a:extLst>
+              <a:ext uri="{28A0092B-C50C-407E-A947-70E740481C1C}">
+                <a14:useLocalDpi xmlns:a14="http://schemas.microsoft.com/office/drawing/2010/main" val="0"/>
+              </a:ext>
+            </a:extLst>
+          </a:blip>
+          <a:stretch>
+            <a:fillRect/>
+          </a:stretch>
+        </p:blipFill>
+        <p:spPr>
+          <a:xfrm>
+            <a:off x="4979883" y="965199"/>
+            <a:ext cx="2242058" cy="4927601"/>
+          </a:xfrm>
+          <a:prstGeom prst="rect">
+            <a:avLst/>
+          </a:prstGeom>
+        </p:spPr>
+      </p:pic>
+      <p:pic>
+        <p:nvPicPr>
+          <p:cNvPr id="5" name="slide4" descr="AD">
+            <a:extLst>
+              <a:ext uri="{FF2B5EF4-FFF2-40B4-BE49-F238E27FC236}">
+                <a16:creationId xmlns:a16="http://schemas.microsoft.com/office/drawing/2014/main" id="{AE794F68-1723-4E24-9573-2BB8C11D091A}"/>
+              </a:ext>
+            </a:extLst>
+          </p:cNvPr>
+          <p:cNvPicPr>
+            <a:picLocks noChangeAspect="1"/>
+          </p:cNvPicPr>
+          <p:nvPr/>
+        </p:nvPicPr>
+        <p:blipFill>
+          <a:blip r:embed="rId4">
+            <a:extLst>
+              <a:ext uri="{28A0092B-C50C-407E-A947-70E740481C1C}">
+                <a14:useLocalDpi xmlns:a14="http://schemas.microsoft.com/office/drawing/2010/main" val="0"/>
+              </a:ext>
+            </a:extLst>
+          </a:blip>
+          <a:stretch>
+            <a:fillRect/>
+          </a:stretch>
+        </p:blipFill>
+        <p:spPr>
+          <a:xfrm>
+            <a:off x="8663092" y="964184"/>
+            <a:ext cx="2230199" cy="4928616"/>
           </a:xfrm>
           <a:prstGeom prst="rect">
             <a:avLst/>
@@ -4320,7 +6841,7 @@
     </p:spTree>
     <p:extLst>
       <p:ext uri="{BB962C8B-B14F-4D97-AF65-F5344CB8AC3E}">
-        <p14:creationId xmlns:p14="http://schemas.microsoft.com/office/powerpoint/2010/main" val="95992585"/>
+        <p14:creationId xmlns:p14="http://schemas.microsoft.com/office/powerpoint/2010/main" val="908381858"/>
       </p:ext>
     </p:extLst>
   </p:cSld>
@@ -4333,6 +6854,14 @@
 <file path=ppt/slides/slide7.xml><?xml version="1.0" encoding="utf-8"?>
 <p:sld xmlns:a="http://schemas.openxmlformats.org/drawingml/2006/main" xmlns:r="http://schemas.openxmlformats.org/officeDocument/2006/relationships" xmlns:p="http://schemas.openxmlformats.org/presentationml/2006/main">
   <p:cSld>
+    <p:bg>
+      <p:bgPr>
+        <a:solidFill>
+          <a:schemeClr val="bg1"/>
+        </a:solidFill>
+        <a:effectLst/>
+      </p:bgPr>
+    </p:bg>
     <p:spTree>
       <p:nvGrpSpPr>
         <p:cNvPr id="1" name=""/>
@@ -4347,12 +6876,148 @@
           <a:chExt cx="0" cy="0"/>
         </a:xfrm>
       </p:grpSpPr>
+      <p:sp>
+        <p:nvSpPr>
+          <p:cNvPr id="17" name="Rectangle 16">
+            <a:extLst>
+              <a:ext uri="{FF2B5EF4-FFF2-40B4-BE49-F238E27FC236}">
+                <a16:creationId xmlns:a16="http://schemas.microsoft.com/office/drawing/2014/main" id="{56827C3C-D52F-46CE-A441-3CD6A1A6A0A2}"/>
+              </a:ext>
+              <a:ext uri="{C183D7F6-B498-43B3-948B-1728B52AA6E4}">
+                <adec:decorative xmlns:adec="http://schemas.microsoft.com/office/drawing/2017/decorative" val="1"/>
+              </a:ext>
+            </a:extLst>
+          </p:cNvPr>
+          <p:cNvSpPr>
+            <a:spLocks noGrp="1" noRot="1" noChangeAspect="1" noMove="1" noResize="1" noEditPoints="1" noAdjustHandles="1" noChangeArrowheads="1" noChangeShapeType="1" noTextEdit="1"/>
+          </p:cNvSpPr>
+          <p:nvPr>
+            <p:extLst>
+              <p:ext uri="{386F3935-93C4-4BCD-93E2-E3B085C9AB24}">
+                <p16:designElem xmlns:p16="http://schemas.microsoft.com/office/powerpoint/2015/main" val="1"/>
+              </p:ext>
+            </p:extLst>
+          </p:nvPr>
+        </p:nvSpPr>
+        <p:spPr>
+          <a:xfrm>
+            <a:off x="3137" y="0"/>
+            <a:ext cx="12192000" cy="6858000"/>
+          </a:xfrm>
+          <a:prstGeom prst="rect">
+            <a:avLst/>
+          </a:prstGeom>
+          <a:solidFill>
+            <a:schemeClr val="bg1">
+              <a:lumMod val="85000"/>
+              <a:alpha val="90000"/>
+            </a:schemeClr>
+          </a:solidFill>
+          <a:ln>
+            <a:noFill/>
+          </a:ln>
+        </p:spPr>
+        <p:style>
+          <a:lnRef idx="2">
+            <a:schemeClr val="accent1">
+              <a:shade val="50000"/>
+            </a:schemeClr>
+          </a:lnRef>
+          <a:fillRef idx="1">
+            <a:schemeClr val="accent1"/>
+          </a:fillRef>
+          <a:effectRef idx="0">
+            <a:schemeClr val="accent1"/>
+          </a:effectRef>
+          <a:fontRef idx="minor">
+            <a:schemeClr val="lt1"/>
+          </a:fontRef>
+        </p:style>
+        <p:txBody>
+          <a:bodyPr rtlCol="0" anchor="ctr"/>
+          <a:lstStyle/>
+          <a:p>
+            <a:pPr algn="ctr"/>
+            <a:endParaRPr lang="en-US"/>
+          </a:p>
+        </p:txBody>
+      </p:sp>
+      <p:sp>
+        <p:nvSpPr>
+          <p:cNvPr id="19" name="Rectangle 18">
+            <a:extLst>
+              <a:ext uri="{FF2B5EF4-FFF2-40B4-BE49-F238E27FC236}">
+                <a16:creationId xmlns:a16="http://schemas.microsoft.com/office/drawing/2014/main" id="{F52A8B51-0A89-497B-B882-6658E029A3F9}"/>
+              </a:ext>
+              <a:ext uri="{C183D7F6-B498-43B3-948B-1728B52AA6E4}">
+                <adec:decorative xmlns:adec="http://schemas.microsoft.com/office/drawing/2017/decorative" val="1"/>
+              </a:ext>
+            </a:extLst>
+          </p:cNvPr>
+          <p:cNvSpPr>
+            <a:spLocks noGrp="1" noRot="1" noChangeAspect="1" noMove="1" noResize="1" noEditPoints="1" noAdjustHandles="1" noChangeArrowheads="1" noChangeShapeType="1" noTextEdit="1"/>
+          </p:cNvSpPr>
+          <p:nvPr>
+            <p:extLst>
+              <p:ext uri="{386F3935-93C4-4BCD-93E2-E3B085C9AB24}">
+                <p16:designElem xmlns:p16="http://schemas.microsoft.com/office/powerpoint/2015/main" val="1"/>
+              </p:ext>
+            </p:extLst>
+          </p:nvPr>
+        </p:nvSpPr>
+        <p:spPr>
+          <a:xfrm>
+            <a:off x="643467" y="643466"/>
+            <a:ext cx="3522548" cy="5571067"/>
+          </a:xfrm>
+          <a:prstGeom prst="rect">
+            <a:avLst/>
+          </a:prstGeom>
+          <a:solidFill>
+            <a:srgbClr val="FFFFFF"/>
+          </a:solidFill>
+          <a:ln w="9525">
+            <a:noFill/>
+          </a:ln>
+          <a:effectLst>
+            <a:outerShdw blurRad="63500" dist="17780" dir="5400000" algn="t" rotWithShape="0">
+              <a:prstClr val="black">
+                <a:alpha val="43000"/>
+              </a:prstClr>
+            </a:outerShdw>
+          </a:effectLst>
+        </p:spPr>
+        <p:style>
+          <a:lnRef idx="2">
+            <a:schemeClr val="accent1">
+              <a:shade val="50000"/>
+            </a:schemeClr>
+          </a:lnRef>
+          <a:fillRef idx="1">
+            <a:schemeClr val="accent1"/>
+          </a:fillRef>
+          <a:effectRef idx="0">
+            <a:schemeClr val="accent1"/>
+          </a:effectRef>
+          <a:fontRef idx="minor">
+            <a:schemeClr val="lt1"/>
+          </a:fontRef>
+        </p:style>
+        <p:txBody>
+          <a:bodyPr rtlCol="0" anchor="ctr"/>
+          <a:lstStyle/>
+          <a:p>
+            <a:pPr algn="ctr"/>
+            <a:endParaRPr lang="en-US"/>
+          </a:p>
+        </p:txBody>
+      </p:sp>
       <p:pic>
         <p:nvPicPr>
-          <p:cNvPr id="6" name="slide6" descr="AB">
-            <a:extLst>
-              <a:ext uri="{FF2B5EF4-FFF2-40B4-BE49-F238E27FC236}">
-                <a16:creationId xmlns:a16="http://schemas.microsoft.com/office/drawing/2014/main" id="{03C4010A-D934-47BC-A735-5A7E706F135A}"/>
+          <p:cNvPr id="5" name="slide5" descr="AD(2)">
+            <a:extLst>
+              <a:ext uri="{FF2B5EF4-FFF2-40B4-BE49-F238E27FC236}">
+                <a16:creationId xmlns:a16="http://schemas.microsoft.com/office/drawing/2014/main" id="{BF2E2D45-52C4-4441-875E-AB445B41606F}"/>
               </a:ext>
             </a:extLst>
           </p:cNvPr>
@@ -4361,7 +7026,7 @@
           </p:cNvPicPr>
           <p:nvPr/>
         </p:nvPicPr>
-        <p:blipFill>
+        <p:blipFill rotWithShape="1">
           <a:blip r:embed="rId2">
             <a:extLst>
               <a:ext uri="{28A0092B-C50C-407E-A947-70E740481C1C}">
@@ -4369,14 +7034,223 @@
               </a:ext>
             </a:extLst>
           </a:blip>
-          <a:stretch>
-            <a:fillRect/>
-          </a:stretch>
+          <a:srcRect t="5592" b="9821"/>
+          <a:stretch/>
         </p:blipFill>
         <p:spPr>
           <a:xfrm>
-            <a:off x="4542420" y="0"/>
-            <a:ext cx="3107158" cy="6858000"/>
+            <a:off x="1057599" y="965199"/>
+            <a:ext cx="2694285" cy="4927601"/>
+          </a:xfrm>
+          <a:prstGeom prst="rect">
+            <a:avLst/>
+          </a:prstGeom>
+        </p:spPr>
+      </p:pic>
+      <p:sp>
+        <p:nvSpPr>
+          <p:cNvPr id="21" name="Rectangle 20">
+            <a:extLst>
+              <a:ext uri="{FF2B5EF4-FFF2-40B4-BE49-F238E27FC236}">
+                <a16:creationId xmlns:a16="http://schemas.microsoft.com/office/drawing/2014/main" id="{EB1CEFBF-6F09-4052-862B-E219DA15757E}"/>
+              </a:ext>
+              <a:ext uri="{C183D7F6-B498-43B3-948B-1728B52AA6E4}">
+                <adec:decorative xmlns:adec="http://schemas.microsoft.com/office/drawing/2017/decorative" val="1"/>
+              </a:ext>
+            </a:extLst>
+          </p:cNvPr>
+          <p:cNvSpPr>
+            <a:spLocks noGrp="1" noRot="1" noChangeAspect="1" noMove="1" noResize="1" noEditPoints="1" noAdjustHandles="1" noChangeArrowheads="1" noChangeShapeType="1" noTextEdit="1"/>
+          </p:cNvSpPr>
+          <p:nvPr>
+            <p:extLst>
+              <p:ext uri="{386F3935-93C4-4BCD-93E2-E3B085C9AB24}">
+                <p16:designElem xmlns:p16="http://schemas.microsoft.com/office/powerpoint/2015/main" val="1"/>
+              </p:ext>
+            </p:extLst>
+          </p:nvPr>
+        </p:nvSpPr>
+        <p:spPr>
+          <a:xfrm>
+            <a:off x="4326882" y="643466"/>
+            <a:ext cx="3522548" cy="5571067"/>
+          </a:xfrm>
+          <a:prstGeom prst="rect">
+            <a:avLst/>
+          </a:prstGeom>
+          <a:solidFill>
+            <a:srgbClr val="FFFFFF"/>
+          </a:solidFill>
+          <a:ln w="9525">
+            <a:noFill/>
+          </a:ln>
+          <a:effectLst>
+            <a:outerShdw blurRad="63500" dist="17780" dir="5400000" algn="t" rotWithShape="0">
+              <a:prstClr val="black">
+                <a:alpha val="43000"/>
+              </a:prstClr>
+            </a:outerShdw>
+          </a:effectLst>
+        </p:spPr>
+        <p:style>
+          <a:lnRef idx="2">
+            <a:schemeClr val="accent1">
+              <a:shade val="50000"/>
+            </a:schemeClr>
+          </a:lnRef>
+          <a:fillRef idx="1">
+            <a:schemeClr val="accent1"/>
+          </a:fillRef>
+          <a:effectRef idx="0">
+            <a:schemeClr val="accent1"/>
+          </a:effectRef>
+          <a:fontRef idx="minor">
+            <a:schemeClr val="lt1"/>
+          </a:fontRef>
+        </p:style>
+        <p:txBody>
+          <a:bodyPr rtlCol="0" anchor="ctr"/>
+          <a:lstStyle/>
+          <a:p>
+            <a:pPr algn="ctr"/>
+            <a:endParaRPr lang="en-US"/>
+          </a:p>
+        </p:txBody>
+      </p:sp>
+      <p:pic>
+        <p:nvPicPr>
+          <p:cNvPr id="3" name="slide3" descr="AC(2)">
+            <a:extLst>
+              <a:ext uri="{FF2B5EF4-FFF2-40B4-BE49-F238E27FC236}">
+                <a16:creationId xmlns:a16="http://schemas.microsoft.com/office/drawing/2014/main" id="{2F2B57BD-C66C-4A78-AF7C-396812CC075B}"/>
+              </a:ext>
+            </a:extLst>
+          </p:cNvPr>
+          <p:cNvPicPr>
+            <a:picLocks noChangeAspect="1"/>
+          </p:cNvPicPr>
+          <p:nvPr/>
+        </p:nvPicPr>
+        <p:blipFill rotWithShape="1">
+          <a:blip r:embed="rId3">
+            <a:extLst>
+              <a:ext uri="{28A0092B-C50C-407E-A947-70E740481C1C}">
+                <a14:useLocalDpi xmlns:a14="http://schemas.microsoft.com/office/drawing/2010/main" val="0"/>
+              </a:ext>
+            </a:extLst>
+          </a:blip>
+          <a:srcRect t="5592" b="9821"/>
+          <a:stretch/>
+        </p:blipFill>
+        <p:spPr>
+          <a:xfrm>
+            <a:off x="4733452" y="965199"/>
+            <a:ext cx="2709407" cy="4928616"/>
+          </a:xfrm>
+          <a:prstGeom prst="rect">
+            <a:avLst/>
+          </a:prstGeom>
+        </p:spPr>
+      </p:pic>
+      <p:sp>
+        <p:nvSpPr>
+          <p:cNvPr id="23" name="Rectangle 22">
+            <a:extLst>
+              <a:ext uri="{FF2B5EF4-FFF2-40B4-BE49-F238E27FC236}">
+                <a16:creationId xmlns:a16="http://schemas.microsoft.com/office/drawing/2014/main" id="{BCB5D417-2A71-445D-B4C7-9E814D633D33}"/>
+              </a:ext>
+              <a:ext uri="{C183D7F6-B498-43B3-948B-1728B52AA6E4}">
+                <adec:decorative xmlns:adec="http://schemas.microsoft.com/office/drawing/2017/decorative" val="1"/>
+              </a:ext>
+            </a:extLst>
+          </p:cNvPr>
+          <p:cNvSpPr>
+            <a:spLocks noGrp="1" noRot="1" noChangeAspect="1" noMove="1" noResize="1" noEditPoints="1" noAdjustHandles="1" noChangeArrowheads="1" noChangeShapeType="1" noTextEdit="1"/>
+          </p:cNvSpPr>
+          <p:nvPr>
+            <p:extLst>
+              <p:ext uri="{386F3935-93C4-4BCD-93E2-E3B085C9AB24}">
+                <p16:designElem xmlns:p16="http://schemas.microsoft.com/office/powerpoint/2015/main" val="1"/>
+              </p:ext>
+            </p:extLst>
+          </p:nvPr>
+        </p:nvSpPr>
+        <p:spPr>
+          <a:xfrm>
+            <a:off x="8022847" y="643466"/>
+            <a:ext cx="3522548" cy="5571067"/>
+          </a:xfrm>
+          <a:prstGeom prst="rect">
+            <a:avLst/>
+          </a:prstGeom>
+          <a:solidFill>
+            <a:srgbClr val="FFFFFF"/>
+          </a:solidFill>
+          <a:ln w="9525">
+            <a:noFill/>
+          </a:ln>
+          <a:effectLst>
+            <a:outerShdw blurRad="63500" dist="17780" dir="5400000" algn="t" rotWithShape="0">
+              <a:prstClr val="black">
+                <a:alpha val="43000"/>
+              </a:prstClr>
+            </a:outerShdw>
+          </a:effectLst>
+        </p:spPr>
+        <p:style>
+          <a:lnRef idx="2">
+            <a:schemeClr val="accent1">
+              <a:shade val="50000"/>
+            </a:schemeClr>
+          </a:lnRef>
+          <a:fillRef idx="1">
+            <a:schemeClr val="accent1"/>
+          </a:fillRef>
+          <a:effectRef idx="0">
+            <a:schemeClr val="accent1"/>
+          </a:effectRef>
+          <a:fontRef idx="minor">
+            <a:schemeClr val="lt1"/>
+          </a:fontRef>
+        </p:style>
+        <p:txBody>
+          <a:bodyPr rtlCol="0" anchor="ctr"/>
+          <a:lstStyle/>
+          <a:p>
+            <a:pPr algn="ctr"/>
+            <a:endParaRPr lang="en-US"/>
+          </a:p>
+        </p:txBody>
+      </p:sp>
+      <p:pic>
+        <p:nvPicPr>
+          <p:cNvPr id="4" name="slide4" descr="AB(2)">
+            <a:extLst>
+              <a:ext uri="{FF2B5EF4-FFF2-40B4-BE49-F238E27FC236}">
+                <a16:creationId xmlns:a16="http://schemas.microsoft.com/office/drawing/2014/main" id="{922B2CF9-21BC-4536-9175-873719D35F16}"/>
+              </a:ext>
+            </a:extLst>
+          </p:cNvPr>
+          <p:cNvPicPr>
+            <a:picLocks noChangeAspect="1"/>
+          </p:cNvPicPr>
+          <p:nvPr/>
+        </p:nvPicPr>
+        <p:blipFill rotWithShape="1">
+          <a:blip r:embed="rId4">
+            <a:extLst>
+              <a:ext uri="{28A0092B-C50C-407E-A947-70E740481C1C}">
+                <a14:useLocalDpi xmlns:a14="http://schemas.microsoft.com/office/drawing/2010/main" val="0"/>
+              </a:ext>
+            </a:extLst>
+          </a:blip>
+          <a:srcRect t="5591" b="9821"/>
+          <a:stretch/>
+        </p:blipFill>
+        <p:spPr>
+          <a:xfrm>
+            <a:off x="8407866" y="965199"/>
+            <a:ext cx="2752509" cy="4927601"/>
           </a:xfrm>
           <a:prstGeom prst="rect">
             <a:avLst/>
@@ -4386,7 +7260,7 @@
     </p:spTree>
     <p:extLst>
       <p:ext uri="{BB962C8B-B14F-4D97-AF65-F5344CB8AC3E}">
-        <p14:creationId xmlns:p14="http://schemas.microsoft.com/office/powerpoint/2010/main" val="95992585"/>
+        <p14:creationId xmlns:p14="http://schemas.microsoft.com/office/powerpoint/2010/main" val="7645699"/>
       </p:ext>
     </p:extLst>
   </p:cSld>
@@ -4415,10 +7289,10 @@
       </p:grpSpPr>
       <p:pic>
         <p:nvPicPr>
-          <p:cNvPr id="7" name="slide7" descr="AB(2)">
-            <a:extLst>
-              <a:ext uri="{FF2B5EF4-FFF2-40B4-BE49-F238E27FC236}">
-                <a16:creationId xmlns:a16="http://schemas.microsoft.com/office/drawing/2014/main" id="{803E2E48-EC1B-4823-B9C6-45642294CE47}"/>
+          <p:cNvPr id="3" name="slide3" descr="AB">
+            <a:extLst>
+              <a:ext uri="{FF2B5EF4-FFF2-40B4-BE49-F238E27FC236}">
+                <a16:creationId xmlns:a16="http://schemas.microsoft.com/office/drawing/2014/main" id="{21A497E9-9176-462F-8DD0-C9732AE579DD}"/>
               </a:ext>
             </a:extLst>
           </p:cNvPr>
@@ -4441,8 +7315,8 @@
         </p:blipFill>
         <p:spPr>
           <a:xfrm>
-            <a:off x="4474873" y="0"/>
-            <a:ext cx="3242252" cy="6858000"/>
+            <a:off x="4542420" y="0"/>
+            <a:ext cx="3107158" cy="6858000"/>
           </a:xfrm>
           <a:prstGeom prst="rect">
             <a:avLst/>
@@ -4452,7 +7326,7 @@
     </p:spTree>
     <p:extLst>
       <p:ext uri="{BB962C8B-B14F-4D97-AF65-F5344CB8AC3E}">
-        <p14:creationId xmlns:p14="http://schemas.microsoft.com/office/powerpoint/2010/main" val="95992585"/>
+        <p14:creationId xmlns:p14="http://schemas.microsoft.com/office/powerpoint/2010/main" val="1805898282"/>
       </p:ext>
     </p:extLst>
   </p:cSld>
@@ -4481,10 +7355,10 @@
       </p:grpSpPr>
       <p:pic>
         <p:nvPicPr>
-          <p:cNvPr id="8" name="slide8" descr="AC">
-            <a:extLst>
-              <a:ext uri="{FF2B5EF4-FFF2-40B4-BE49-F238E27FC236}">
-                <a16:creationId xmlns:a16="http://schemas.microsoft.com/office/drawing/2014/main" id="{5A02E892-8EFE-494B-8438-09B92E8E50CA}"/>
+          <p:cNvPr id="4" name="slide4" descr="AB(2)">
+            <a:extLst>
+              <a:ext uri="{FF2B5EF4-FFF2-40B4-BE49-F238E27FC236}">
+                <a16:creationId xmlns:a16="http://schemas.microsoft.com/office/drawing/2014/main" id="{922B2CF9-21BC-4536-9175-873719D35F16}"/>
               </a:ext>
             </a:extLst>
           </p:cNvPr>
@@ -4507,8 +7381,8 @@
         </p:blipFill>
         <p:spPr>
           <a:xfrm>
-            <a:off x="4537001" y="0"/>
-            <a:ext cx="3117997" cy="6858000"/>
+            <a:off x="4474873" y="0"/>
+            <a:ext cx="3242252" cy="6858000"/>
           </a:xfrm>
           <a:prstGeom prst="rect">
             <a:avLst/>
@@ -4518,7 +7392,7 @@
     </p:spTree>
     <p:extLst>
       <p:ext uri="{BB962C8B-B14F-4D97-AF65-F5344CB8AC3E}">
-        <p14:creationId xmlns:p14="http://schemas.microsoft.com/office/powerpoint/2010/main" val="95992585"/>
+        <p14:creationId xmlns:p14="http://schemas.microsoft.com/office/powerpoint/2010/main" val="567405363"/>
       </p:ext>
     </p:extLst>
   </p:cSld>

--- a/datasets/tranch_master_basic.pptx
+++ b/datasets/tranch_master_basic.pptx
@@ -6,34 +6,35 @@
   </p:sldMasterIdLst>
   <p:sldIdLst>
     <p:sldId id="256" r:id="rId2"/>
-    <p:sldId id="257" r:id="rId3"/>
-    <p:sldId id="258" r:id="rId4"/>
-    <p:sldId id="259" r:id="rId5"/>
-    <p:sldId id="260" r:id="rId6"/>
-    <p:sldId id="261" r:id="rId7"/>
-    <p:sldId id="271" r:id="rId8"/>
-    <p:sldId id="270" r:id="rId9"/>
-    <p:sldId id="272" r:id="rId10"/>
-    <p:sldId id="273" r:id="rId11"/>
-    <p:sldId id="274" r:id="rId12"/>
-    <p:sldId id="275" r:id="rId13"/>
-    <p:sldId id="276" r:id="rId14"/>
-    <p:sldId id="284" r:id="rId15"/>
-    <p:sldId id="285" r:id="rId16"/>
-    <p:sldId id="286" r:id="rId17"/>
-    <p:sldId id="287" r:id="rId18"/>
-    <p:sldId id="277" r:id="rId19"/>
-    <p:sldId id="262" r:id="rId20"/>
-    <p:sldId id="263" r:id="rId21"/>
-    <p:sldId id="264" r:id="rId22"/>
-    <p:sldId id="265" r:id="rId23"/>
-    <p:sldId id="266" r:id="rId24"/>
-    <p:sldId id="282" r:id="rId25"/>
-    <p:sldId id="283" r:id="rId26"/>
-    <p:sldId id="278" r:id="rId27"/>
-    <p:sldId id="279" r:id="rId28"/>
-    <p:sldId id="280" r:id="rId29"/>
-    <p:sldId id="281" r:id="rId30"/>
+    <p:sldId id="288" r:id="rId3"/>
+    <p:sldId id="257" r:id="rId4"/>
+    <p:sldId id="258" r:id="rId5"/>
+    <p:sldId id="259" r:id="rId6"/>
+    <p:sldId id="260" r:id="rId7"/>
+    <p:sldId id="261" r:id="rId8"/>
+    <p:sldId id="271" r:id="rId9"/>
+    <p:sldId id="270" r:id="rId10"/>
+    <p:sldId id="272" r:id="rId11"/>
+    <p:sldId id="273" r:id="rId12"/>
+    <p:sldId id="274" r:id="rId13"/>
+    <p:sldId id="275" r:id="rId14"/>
+    <p:sldId id="276" r:id="rId15"/>
+    <p:sldId id="284" r:id="rId16"/>
+    <p:sldId id="285" r:id="rId17"/>
+    <p:sldId id="286" r:id="rId18"/>
+    <p:sldId id="287" r:id="rId19"/>
+    <p:sldId id="277" r:id="rId20"/>
+    <p:sldId id="262" r:id="rId21"/>
+    <p:sldId id="263" r:id="rId22"/>
+    <p:sldId id="264" r:id="rId23"/>
+    <p:sldId id="265" r:id="rId24"/>
+    <p:sldId id="266" r:id="rId25"/>
+    <p:sldId id="282" r:id="rId26"/>
+    <p:sldId id="283" r:id="rId27"/>
+    <p:sldId id="278" r:id="rId28"/>
+    <p:sldId id="279" r:id="rId29"/>
+    <p:sldId id="280" r:id="rId30"/>
+    <p:sldId id="281" r:id="rId31"/>
   </p:sldIdLst>
   <p:sldSz cx="12192000" cy="6858000"/>
   <p:notesSz cx="6858000" cy="9144000"/>
@@ -3376,8 +3377,10 @@
           <a:lstStyle/>
           <a:p>
             <a:r>
+              <a:rPr dirty="0" err="1"/>
               <a:t>tranch_master_basic</a:t>
             </a:r>
+            <a:endParaRPr dirty="0"/>
           </a:p>
         </p:txBody>
       </p:sp>
@@ -3403,7 +3406,8 @@
           <a:lstStyle/>
           <a:p>
             <a:r>
-              <a:t>File created on: 11/8/2020 8:05:57 PM</a:t>
+              <a:rPr lang="en-US" dirty="0"/>
+              <a:t>a chart-based representation of how the dataset was distributed</a:t>
             </a:r>
           </a:p>
         </p:txBody>
@@ -3440,10 +3444,10 @@
       </p:grpSpPr>
       <p:pic>
         <p:nvPicPr>
-          <p:cNvPr id="2" name="slide2" descr="AC">
-            <a:extLst>
-              <a:ext uri="{FF2B5EF4-FFF2-40B4-BE49-F238E27FC236}">
-                <a16:creationId xmlns:a16="http://schemas.microsoft.com/office/drawing/2014/main" id="{73339C37-9F4D-4D9C-AAD7-4A6089E18A64}"/>
+          <p:cNvPr id="4" name="slide4" descr="AB(2)">
+            <a:extLst>
+              <a:ext uri="{FF2B5EF4-FFF2-40B4-BE49-F238E27FC236}">
+                <a16:creationId xmlns:a16="http://schemas.microsoft.com/office/drawing/2014/main" id="{922B2CF9-21BC-4536-9175-873719D35F16}"/>
               </a:ext>
             </a:extLst>
           </p:cNvPr>
@@ -3466,8 +3470,8 @@
         </p:blipFill>
         <p:spPr>
           <a:xfrm>
-            <a:off x="4537001" y="0"/>
-            <a:ext cx="3117997" cy="6858000"/>
+            <a:off x="4474873" y="0"/>
+            <a:ext cx="3242252" cy="6858000"/>
           </a:xfrm>
           <a:prstGeom prst="rect">
             <a:avLst/>
@@ -3477,7 +3481,7 @@
     </p:spTree>
     <p:extLst>
       <p:ext uri="{BB962C8B-B14F-4D97-AF65-F5344CB8AC3E}">
-        <p14:creationId xmlns:p14="http://schemas.microsoft.com/office/powerpoint/2010/main" val="1444629264"/>
+        <p14:creationId xmlns:p14="http://schemas.microsoft.com/office/powerpoint/2010/main" val="567405363"/>
       </p:ext>
     </p:extLst>
   </p:cSld>
@@ -3506,10 +3510,10 @@
       </p:grpSpPr>
       <p:pic>
         <p:nvPicPr>
-          <p:cNvPr id="3" name="slide3" descr="AC(2)">
-            <a:extLst>
-              <a:ext uri="{FF2B5EF4-FFF2-40B4-BE49-F238E27FC236}">
-                <a16:creationId xmlns:a16="http://schemas.microsoft.com/office/drawing/2014/main" id="{639D347E-BFA5-4B9C-85B4-1ACD9C3E171A}"/>
+          <p:cNvPr id="2" name="slide2" descr="AC">
+            <a:extLst>
+              <a:ext uri="{FF2B5EF4-FFF2-40B4-BE49-F238E27FC236}">
+                <a16:creationId xmlns:a16="http://schemas.microsoft.com/office/drawing/2014/main" id="{73339C37-9F4D-4D9C-AAD7-4A6089E18A64}"/>
               </a:ext>
             </a:extLst>
           </p:cNvPr>
@@ -3532,8 +3536,8 @@
         </p:blipFill>
         <p:spPr>
           <a:xfrm>
-            <a:off x="4505103" y="0"/>
-            <a:ext cx="3181793" cy="6858000"/>
+            <a:off x="4537001" y="0"/>
+            <a:ext cx="3117997" cy="6858000"/>
           </a:xfrm>
           <a:prstGeom prst="rect">
             <a:avLst/>
@@ -3543,7 +3547,7 @@
     </p:spTree>
     <p:extLst>
       <p:ext uri="{BB962C8B-B14F-4D97-AF65-F5344CB8AC3E}">
-        <p14:creationId xmlns:p14="http://schemas.microsoft.com/office/powerpoint/2010/main" val="1815672041"/>
+        <p14:creationId xmlns:p14="http://schemas.microsoft.com/office/powerpoint/2010/main" val="1444629264"/>
       </p:ext>
     </p:extLst>
   </p:cSld>
@@ -3572,10 +3576,10 @@
       </p:grpSpPr>
       <p:pic>
         <p:nvPicPr>
-          <p:cNvPr id="4" name="slide4" descr="AD">
-            <a:extLst>
-              <a:ext uri="{FF2B5EF4-FFF2-40B4-BE49-F238E27FC236}">
-                <a16:creationId xmlns:a16="http://schemas.microsoft.com/office/drawing/2014/main" id="{F3BBD762-D5F8-408A-8E49-1C4695A462F8}"/>
+          <p:cNvPr id="3" name="slide3" descr="AC(2)">
+            <a:extLst>
+              <a:ext uri="{FF2B5EF4-FFF2-40B4-BE49-F238E27FC236}">
+                <a16:creationId xmlns:a16="http://schemas.microsoft.com/office/drawing/2014/main" id="{639D347E-BFA5-4B9C-85B4-1ACD9C3E171A}"/>
               </a:ext>
             </a:extLst>
           </p:cNvPr>
@@ -3598,8 +3602,8 @@
         </p:blipFill>
         <p:spPr>
           <a:xfrm>
-            <a:off x="4542420" y="0"/>
-            <a:ext cx="3107158" cy="6858000"/>
+            <a:off x="4505103" y="0"/>
+            <a:ext cx="3181793" cy="6858000"/>
           </a:xfrm>
           <a:prstGeom prst="rect">
             <a:avLst/>
@@ -3609,7 +3613,7 @@
     </p:spTree>
     <p:extLst>
       <p:ext uri="{BB962C8B-B14F-4D97-AF65-F5344CB8AC3E}">
-        <p14:creationId xmlns:p14="http://schemas.microsoft.com/office/powerpoint/2010/main" val="1971168679"/>
+        <p14:creationId xmlns:p14="http://schemas.microsoft.com/office/powerpoint/2010/main" val="1815672041"/>
       </p:ext>
     </p:extLst>
   </p:cSld>
@@ -3638,10 +3642,10 @@
       </p:grpSpPr>
       <p:pic>
         <p:nvPicPr>
-          <p:cNvPr id="5" name="slide5" descr="AD(2)">
-            <a:extLst>
-              <a:ext uri="{FF2B5EF4-FFF2-40B4-BE49-F238E27FC236}">
-                <a16:creationId xmlns:a16="http://schemas.microsoft.com/office/drawing/2014/main" id="{EA23F8B9-BF7A-4ABC-B0AB-4ECC407F1BB7}"/>
+          <p:cNvPr id="4" name="slide4" descr="AD">
+            <a:extLst>
+              <a:ext uri="{FF2B5EF4-FFF2-40B4-BE49-F238E27FC236}">
+                <a16:creationId xmlns:a16="http://schemas.microsoft.com/office/drawing/2014/main" id="{F3BBD762-D5F8-408A-8E49-1C4695A462F8}"/>
               </a:ext>
             </a:extLst>
           </p:cNvPr>
@@ -3664,8 +3668,8 @@
         </p:blipFill>
         <p:spPr>
           <a:xfrm>
-            <a:off x="4510634" y="0"/>
-            <a:ext cx="3170732" cy="6858000"/>
+            <a:off x="4542420" y="0"/>
+            <a:ext cx="3107158" cy="6858000"/>
           </a:xfrm>
           <a:prstGeom prst="rect">
             <a:avLst/>
@@ -3675,7 +3679,7 @@
     </p:spTree>
     <p:extLst>
       <p:ext uri="{BB962C8B-B14F-4D97-AF65-F5344CB8AC3E}">
-        <p14:creationId xmlns:p14="http://schemas.microsoft.com/office/powerpoint/2010/main" val="771864864"/>
+        <p14:creationId xmlns:p14="http://schemas.microsoft.com/office/powerpoint/2010/main" val="1971168679"/>
       </p:ext>
     </p:extLst>
   </p:cSld>
@@ -3688,14 +3692,6 @@
 <file path=ppt/slides/slide14.xml><?xml version="1.0" encoding="utf-8"?>
 <p:sld xmlns:a="http://schemas.openxmlformats.org/drawingml/2006/main" xmlns:r="http://schemas.openxmlformats.org/officeDocument/2006/relationships" xmlns:p="http://schemas.openxmlformats.org/presentationml/2006/main">
   <p:cSld>
-    <p:bg>
-      <p:bgPr>
-        <a:solidFill>
-          <a:schemeClr val="bg1"/>
-        </a:solidFill>
-        <a:effectLst/>
-      </p:bgPr>
-    </p:bg>
     <p:spTree>
       <p:nvGrpSpPr>
         <p:cNvPr id="1" name=""/>
@@ -3710,288 +3706,12 @@
           <a:chExt cx="0" cy="0"/>
         </a:xfrm>
       </p:grpSpPr>
-      <p:sp>
-        <p:nvSpPr>
-          <p:cNvPr id="9" name="Rectangle 8">
-            <a:extLst>
-              <a:ext uri="{FF2B5EF4-FFF2-40B4-BE49-F238E27FC236}">
-                <a16:creationId xmlns:a16="http://schemas.microsoft.com/office/drawing/2014/main" id="{56827C3C-D52F-46CE-A441-3CD6A1A6A0A2}"/>
-              </a:ext>
-              <a:ext uri="{C183D7F6-B498-43B3-948B-1728B52AA6E4}">
-                <adec:decorative xmlns:adec="http://schemas.microsoft.com/office/drawing/2017/decorative" val="1"/>
-              </a:ext>
-            </a:extLst>
-          </p:cNvPr>
-          <p:cNvSpPr>
-            <a:spLocks noGrp="1" noRot="1" noChangeAspect="1" noMove="1" noResize="1" noEditPoints="1" noAdjustHandles="1" noChangeArrowheads="1" noChangeShapeType="1" noTextEdit="1"/>
-          </p:cNvSpPr>
-          <p:nvPr>
-            <p:extLst>
-              <p:ext uri="{386F3935-93C4-4BCD-93E2-E3B085C9AB24}">
-                <p16:designElem xmlns:p16="http://schemas.microsoft.com/office/powerpoint/2015/main" val="1"/>
-              </p:ext>
-            </p:extLst>
-          </p:nvPr>
-        </p:nvSpPr>
-        <p:spPr>
-          <a:xfrm>
-            <a:off x="3137" y="0"/>
-            <a:ext cx="12192000" cy="6858000"/>
-          </a:xfrm>
-          <a:prstGeom prst="rect">
-            <a:avLst/>
-          </a:prstGeom>
-          <a:solidFill>
-            <a:schemeClr val="bg1">
-              <a:lumMod val="85000"/>
-              <a:alpha val="90000"/>
-            </a:schemeClr>
-          </a:solidFill>
-          <a:ln>
-            <a:noFill/>
-          </a:ln>
-        </p:spPr>
-        <p:style>
-          <a:lnRef idx="2">
-            <a:schemeClr val="accent1">
-              <a:shade val="50000"/>
-            </a:schemeClr>
-          </a:lnRef>
-          <a:fillRef idx="1">
-            <a:schemeClr val="accent1"/>
-          </a:fillRef>
-          <a:effectRef idx="0">
-            <a:schemeClr val="accent1"/>
-          </a:effectRef>
-          <a:fontRef idx="minor">
-            <a:schemeClr val="lt1"/>
-          </a:fontRef>
-        </p:style>
-        <p:txBody>
-          <a:bodyPr rtlCol="0" anchor="ctr"/>
-          <a:lstStyle/>
-          <a:p>
-            <a:pPr algn="ctr"/>
-            <a:endParaRPr lang="en-US"/>
-          </a:p>
-        </p:txBody>
-      </p:sp>
-      <p:sp>
-        <p:nvSpPr>
-          <p:cNvPr id="11" name="Rectangle 10">
-            <a:extLst>
-              <a:ext uri="{FF2B5EF4-FFF2-40B4-BE49-F238E27FC236}">
-                <a16:creationId xmlns:a16="http://schemas.microsoft.com/office/drawing/2014/main" id="{F52A8B51-0A89-497B-B882-6658E029A3F9}"/>
-              </a:ext>
-              <a:ext uri="{C183D7F6-B498-43B3-948B-1728B52AA6E4}">
-                <adec:decorative xmlns:adec="http://schemas.microsoft.com/office/drawing/2017/decorative" val="1"/>
-              </a:ext>
-            </a:extLst>
-          </p:cNvPr>
-          <p:cNvSpPr>
-            <a:spLocks noGrp="1" noRot="1" noChangeAspect="1" noMove="1" noResize="1" noEditPoints="1" noAdjustHandles="1" noChangeArrowheads="1" noChangeShapeType="1" noTextEdit="1"/>
-          </p:cNvSpPr>
-          <p:nvPr>
-            <p:extLst>
-              <p:ext uri="{386F3935-93C4-4BCD-93E2-E3B085C9AB24}">
-                <p16:designElem xmlns:p16="http://schemas.microsoft.com/office/powerpoint/2015/main" val="1"/>
-              </p:ext>
-            </p:extLst>
-          </p:nvPr>
-        </p:nvSpPr>
-        <p:spPr>
-          <a:xfrm>
-            <a:off x="643467" y="643466"/>
-            <a:ext cx="3522548" cy="5571067"/>
-          </a:xfrm>
-          <a:prstGeom prst="rect">
-            <a:avLst/>
-          </a:prstGeom>
-          <a:solidFill>
-            <a:srgbClr val="FFFFFF"/>
-          </a:solidFill>
-          <a:ln w="9525">
-            <a:noFill/>
-          </a:ln>
-          <a:effectLst>
-            <a:outerShdw blurRad="63500" dist="17780" dir="5400000" algn="t" rotWithShape="0">
-              <a:prstClr val="black">
-                <a:alpha val="43000"/>
-              </a:prstClr>
-            </a:outerShdw>
-          </a:effectLst>
-        </p:spPr>
-        <p:style>
-          <a:lnRef idx="2">
-            <a:schemeClr val="accent1">
-              <a:shade val="50000"/>
-            </a:schemeClr>
-          </a:lnRef>
-          <a:fillRef idx="1">
-            <a:schemeClr val="accent1"/>
-          </a:fillRef>
-          <a:effectRef idx="0">
-            <a:schemeClr val="accent1"/>
-          </a:effectRef>
-          <a:fontRef idx="minor">
-            <a:schemeClr val="lt1"/>
-          </a:fontRef>
-        </p:style>
-        <p:txBody>
-          <a:bodyPr rtlCol="0" anchor="ctr"/>
-          <a:lstStyle/>
-          <a:p>
-            <a:pPr algn="ctr"/>
-            <a:endParaRPr lang="en-US"/>
-          </a:p>
-        </p:txBody>
-      </p:sp>
-      <p:sp>
-        <p:nvSpPr>
-          <p:cNvPr id="13" name="Rectangle 12">
-            <a:extLst>
-              <a:ext uri="{FF2B5EF4-FFF2-40B4-BE49-F238E27FC236}">
-                <a16:creationId xmlns:a16="http://schemas.microsoft.com/office/drawing/2014/main" id="{EB1CEFBF-6F09-4052-862B-E219DA15757E}"/>
-              </a:ext>
-              <a:ext uri="{C183D7F6-B498-43B3-948B-1728B52AA6E4}">
-                <adec:decorative xmlns:adec="http://schemas.microsoft.com/office/drawing/2017/decorative" val="1"/>
-              </a:ext>
-            </a:extLst>
-          </p:cNvPr>
-          <p:cNvSpPr>
-            <a:spLocks noGrp="1" noRot="1" noChangeAspect="1" noMove="1" noResize="1" noEditPoints="1" noAdjustHandles="1" noChangeArrowheads="1" noChangeShapeType="1" noTextEdit="1"/>
-          </p:cNvSpPr>
-          <p:nvPr>
-            <p:extLst>
-              <p:ext uri="{386F3935-93C4-4BCD-93E2-E3B085C9AB24}">
-                <p16:designElem xmlns:p16="http://schemas.microsoft.com/office/powerpoint/2015/main" val="1"/>
-              </p:ext>
-            </p:extLst>
-          </p:nvPr>
-        </p:nvSpPr>
-        <p:spPr>
-          <a:xfrm>
-            <a:off x="4326882" y="643466"/>
-            <a:ext cx="3522548" cy="5571067"/>
-          </a:xfrm>
-          <a:prstGeom prst="rect">
-            <a:avLst/>
-          </a:prstGeom>
-          <a:solidFill>
-            <a:srgbClr val="FFFFFF"/>
-          </a:solidFill>
-          <a:ln w="9525">
-            <a:noFill/>
-          </a:ln>
-          <a:effectLst>
-            <a:outerShdw blurRad="63500" dist="17780" dir="5400000" algn="t" rotWithShape="0">
-              <a:prstClr val="black">
-                <a:alpha val="43000"/>
-              </a:prstClr>
-            </a:outerShdw>
-          </a:effectLst>
-        </p:spPr>
-        <p:style>
-          <a:lnRef idx="2">
-            <a:schemeClr val="accent1">
-              <a:shade val="50000"/>
-            </a:schemeClr>
-          </a:lnRef>
-          <a:fillRef idx="1">
-            <a:schemeClr val="accent1"/>
-          </a:fillRef>
-          <a:effectRef idx="0">
-            <a:schemeClr val="accent1"/>
-          </a:effectRef>
-          <a:fontRef idx="minor">
-            <a:schemeClr val="lt1"/>
-          </a:fontRef>
-        </p:style>
-        <p:txBody>
-          <a:bodyPr rtlCol="0" anchor="ctr"/>
-          <a:lstStyle/>
-          <a:p>
-            <a:pPr algn="ctr"/>
-            <a:endParaRPr lang="en-US"/>
-          </a:p>
-        </p:txBody>
-      </p:sp>
-      <p:sp>
-        <p:nvSpPr>
-          <p:cNvPr id="15" name="Rectangle 14">
-            <a:extLst>
-              <a:ext uri="{FF2B5EF4-FFF2-40B4-BE49-F238E27FC236}">
-                <a16:creationId xmlns:a16="http://schemas.microsoft.com/office/drawing/2014/main" id="{BCB5D417-2A71-445D-B4C7-9E814D633D33}"/>
-              </a:ext>
-              <a:ext uri="{C183D7F6-B498-43B3-948B-1728B52AA6E4}">
-                <adec:decorative xmlns:adec="http://schemas.microsoft.com/office/drawing/2017/decorative" val="1"/>
-              </a:ext>
-            </a:extLst>
-          </p:cNvPr>
-          <p:cNvSpPr>
-            <a:spLocks noGrp="1" noRot="1" noChangeAspect="1" noMove="1" noResize="1" noEditPoints="1" noAdjustHandles="1" noChangeArrowheads="1" noChangeShapeType="1" noTextEdit="1"/>
-          </p:cNvSpPr>
-          <p:nvPr>
-            <p:extLst>
-              <p:ext uri="{386F3935-93C4-4BCD-93E2-E3B085C9AB24}">
-                <p16:designElem xmlns:p16="http://schemas.microsoft.com/office/powerpoint/2015/main" val="1"/>
-              </p:ext>
-            </p:extLst>
-          </p:nvPr>
-        </p:nvSpPr>
-        <p:spPr>
-          <a:xfrm>
-            <a:off x="8022847" y="643466"/>
-            <a:ext cx="3522548" cy="5571067"/>
-          </a:xfrm>
-          <a:prstGeom prst="rect">
-            <a:avLst/>
-          </a:prstGeom>
-          <a:solidFill>
-            <a:srgbClr val="FFFFFF"/>
-          </a:solidFill>
-          <a:ln w="9525">
-            <a:noFill/>
-          </a:ln>
-          <a:effectLst>
-            <a:outerShdw blurRad="63500" dist="17780" dir="5400000" algn="t" rotWithShape="0">
-              <a:prstClr val="black">
-                <a:alpha val="43000"/>
-              </a:prstClr>
-            </a:outerShdw>
-          </a:effectLst>
-        </p:spPr>
-        <p:style>
-          <a:lnRef idx="2">
-            <a:schemeClr val="accent1">
-              <a:shade val="50000"/>
-            </a:schemeClr>
-          </a:lnRef>
-          <a:fillRef idx="1">
-            <a:schemeClr val="accent1"/>
-          </a:fillRef>
-          <a:effectRef idx="0">
-            <a:schemeClr val="accent1"/>
-          </a:effectRef>
-          <a:fontRef idx="minor">
-            <a:schemeClr val="lt1"/>
-          </a:fontRef>
-        </p:style>
-        <p:txBody>
-          <a:bodyPr rtlCol="0" anchor="ctr"/>
-          <a:lstStyle/>
-          <a:p>
-            <a:pPr algn="ctr"/>
-            <a:endParaRPr lang="en-US"/>
-          </a:p>
-        </p:txBody>
-      </p:sp>
       <p:pic>
         <p:nvPicPr>
-          <p:cNvPr id="2" name="slide2" descr="BA">
-            <a:extLst>
-              <a:ext uri="{FF2B5EF4-FFF2-40B4-BE49-F238E27FC236}">
-                <a16:creationId xmlns:a16="http://schemas.microsoft.com/office/drawing/2014/main" id="{0290A665-32F3-4F90-B3B3-102C4CF5D6FA}"/>
+          <p:cNvPr id="5" name="slide5" descr="AD(2)">
+            <a:extLst>
+              <a:ext uri="{FF2B5EF4-FFF2-40B4-BE49-F238E27FC236}">
+                <a16:creationId xmlns:a16="http://schemas.microsoft.com/office/drawing/2014/main" id="{EA23F8B9-BF7A-4ABC-B0AB-4ECC407F1BB7}"/>
               </a:ext>
             </a:extLst>
           </p:cNvPr>
@@ -4014,80 +3734,8 @@
         </p:blipFill>
         <p:spPr>
           <a:xfrm>
-            <a:off x="1259074" y="965198"/>
-            <a:ext cx="2291334" cy="4927601"/>
-          </a:xfrm>
-          <a:prstGeom prst="rect">
-            <a:avLst/>
-          </a:prstGeom>
-        </p:spPr>
-      </p:pic>
-      <p:pic>
-        <p:nvPicPr>
-          <p:cNvPr id="3" name="slide6" descr="BC">
-            <a:extLst>
-              <a:ext uri="{FF2B5EF4-FFF2-40B4-BE49-F238E27FC236}">
-                <a16:creationId xmlns:a16="http://schemas.microsoft.com/office/drawing/2014/main" id="{A62DF1A7-105F-450B-AE64-9FC300578104}"/>
-              </a:ext>
-            </a:extLst>
-          </p:cNvPr>
-          <p:cNvPicPr>
-            <a:picLocks noChangeAspect="1"/>
-          </p:cNvPicPr>
-          <p:nvPr/>
-        </p:nvPicPr>
-        <p:blipFill>
-          <a:blip r:embed="rId3">
-            <a:extLst>
-              <a:ext uri="{28A0092B-C50C-407E-A947-70E740481C1C}">
-                <a14:useLocalDpi xmlns:a14="http://schemas.microsoft.com/office/drawing/2010/main" val="0"/>
-              </a:ext>
-            </a:extLst>
-          </a:blip>
-          <a:stretch>
-            <a:fillRect/>
-          </a:stretch>
-        </p:blipFill>
-        <p:spPr>
-          <a:xfrm>
-            <a:off x="4973286" y="965198"/>
-            <a:ext cx="2229740" cy="4927601"/>
-          </a:xfrm>
-          <a:prstGeom prst="rect">
-            <a:avLst/>
-          </a:prstGeom>
-        </p:spPr>
-      </p:pic>
-      <p:pic>
-        <p:nvPicPr>
-          <p:cNvPr id="4" name="slide8" descr="BD">
-            <a:extLst>
-              <a:ext uri="{FF2B5EF4-FFF2-40B4-BE49-F238E27FC236}">
-                <a16:creationId xmlns:a16="http://schemas.microsoft.com/office/drawing/2014/main" id="{716EC9FE-C6A4-40EE-8818-C69E81FCCD12}"/>
-              </a:ext>
-            </a:extLst>
-          </p:cNvPr>
-          <p:cNvPicPr>
-            <a:picLocks noChangeAspect="1"/>
-          </p:cNvPicPr>
-          <p:nvPr/>
-        </p:nvPicPr>
-        <p:blipFill>
-          <a:blip r:embed="rId4">
-            <a:extLst>
-              <a:ext uri="{28A0092B-C50C-407E-A947-70E740481C1C}">
-                <a14:useLocalDpi xmlns:a14="http://schemas.microsoft.com/office/drawing/2010/main" val="0"/>
-              </a:ext>
-            </a:extLst>
-          </a:blip>
-          <a:stretch>
-            <a:fillRect/>
-          </a:stretch>
-        </p:blipFill>
-        <p:spPr>
-          <a:xfrm>
-            <a:off x="8671930" y="965199"/>
-            <a:ext cx="2230199" cy="4928616"/>
+            <a:off x="4510634" y="0"/>
+            <a:ext cx="3170732" cy="6858000"/>
           </a:xfrm>
           <a:prstGeom prst="rect">
             <a:avLst/>
@@ -4097,7 +3745,7 @@
     </p:spTree>
     <p:extLst>
       <p:ext uri="{BB962C8B-B14F-4D97-AF65-F5344CB8AC3E}">
-        <p14:creationId xmlns:p14="http://schemas.microsoft.com/office/powerpoint/2010/main" val="4175445466"/>
+        <p14:creationId xmlns:p14="http://schemas.microsoft.com/office/powerpoint/2010/main" val="771864864"/>
       </p:ext>
     </p:extLst>
   </p:cSld>
@@ -4134,7 +3782,7 @@
       </p:grpSpPr>
       <p:sp>
         <p:nvSpPr>
-          <p:cNvPr id="10" name="Rectangle 9">
+          <p:cNvPr id="9" name="Rectangle 8">
             <a:extLst>
               <a:ext uri="{FF2B5EF4-FFF2-40B4-BE49-F238E27FC236}">
                 <a16:creationId xmlns:a16="http://schemas.microsoft.com/office/drawing/2014/main" id="{56827C3C-D52F-46CE-A441-3CD6A1A6A0A2}"/>
@@ -4200,7 +3848,7 @@
       </p:sp>
       <p:sp>
         <p:nvSpPr>
-          <p:cNvPr id="12" name="Rectangle 11">
+          <p:cNvPr id="11" name="Rectangle 10">
             <a:extLst>
               <a:ext uri="{FF2B5EF4-FFF2-40B4-BE49-F238E27FC236}">
                 <a16:creationId xmlns:a16="http://schemas.microsoft.com/office/drawing/2014/main" id="{F52A8B51-0A89-497B-B882-6658E029A3F9}"/>
@@ -4270,7 +3918,7 @@
       </p:sp>
       <p:sp>
         <p:nvSpPr>
-          <p:cNvPr id="14" name="Rectangle 13">
+          <p:cNvPr id="13" name="Rectangle 12">
             <a:extLst>
               <a:ext uri="{FF2B5EF4-FFF2-40B4-BE49-F238E27FC236}">
                 <a16:creationId xmlns:a16="http://schemas.microsoft.com/office/drawing/2014/main" id="{EB1CEFBF-6F09-4052-862B-E219DA15757E}"/>
@@ -4338,45 +3986,9 @@
           </a:p>
         </p:txBody>
       </p:sp>
-      <p:pic>
-        <p:nvPicPr>
-          <p:cNvPr id="4" name="slide7" descr="BC(2)">
-            <a:extLst>
-              <a:ext uri="{FF2B5EF4-FFF2-40B4-BE49-F238E27FC236}">
-                <a16:creationId xmlns:a16="http://schemas.microsoft.com/office/drawing/2014/main" id="{8B5BC5B7-4C60-4085-A559-CFABCA41A218}"/>
-              </a:ext>
-            </a:extLst>
-          </p:cNvPr>
-          <p:cNvPicPr>
-            <a:picLocks noChangeAspect="1"/>
-          </p:cNvPicPr>
-          <p:nvPr/>
-        </p:nvPicPr>
-        <p:blipFill>
-          <a:blip r:embed="rId2">
-            <a:extLst>
-              <a:ext uri="{28A0092B-C50C-407E-A947-70E740481C1C}">
-                <a14:useLocalDpi xmlns:a14="http://schemas.microsoft.com/office/drawing/2010/main" val="0"/>
-              </a:ext>
-            </a:extLst>
-          </a:blip>
-          <a:stretch>
-            <a:fillRect/>
-          </a:stretch>
-        </p:blipFill>
-        <p:spPr>
-          <a:xfrm>
-            <a:off x="4948414" y="965199"/>
-            <a:ext cx="2279484" cy="4928616"/>
-          </a:xfrm>
-          <a:prstGeom prst="rect">
-            <a:avLst/>
-          </a:prstGeom>
-        </p:spPr>
-      </p:pic>
-      <p:sp>
-        <p:nvSpPr>
-          <p:cNvPr id="16" name="Rectangle 15">
+      <p:sp>
+        <p:nvSpPr>
+          <p:cNvPr id="15" name="Rectangle 14">
             <a:extLst>
               <a:ext uri="{FF2B5EF4-FFF2-40B4-BE49-F238E27FC236}">
                 <a16:creationId xmlns:a16="http://schemas.microsoft.com/office/drawing/2014/main" id="{BCB5D417-2A71-445D-B4C7-9E814D633D33}"/>
@@ -4446,10 +4058,46 @@
       </p:sp>
       <p:pic>
         <p:nvPicPr>
-          <p:cNvPr id="3" name="slide3" descr="BA (2)">
-            <a:extLst>
-              <a:ext uri="{FF2B5EF4-FFF2-40B4-BE49-F238E27FC236}">
-                <a16:creationId xmlns:a16="http://schemas.microsoft.com/office/drawing/2014/main" id="{8B39D96F-94D2-4F47-AED8-51952EA668D5}"/>
+          <p:cNvPr id="2" name="slide2" descr="BA">
+            <a:extLst>
+              <a:ext uri="{FF2B5EF4-FFF2-40B4-BE49-F238E27FC236}">
+                <a16:creationId xmlns:a16="http://schemas.microsoft.com/office/drawing/2014/main" id="{0290A665-32F3-4F90-B3B3-102C4CF5D6FA}"/>
+              </a:ext>
+            </a:extLst>
+          </p:cNvPr>
+          <p:cNvPicPr>
+            <a:picLocks noChangeAspect="1"/>
+          </p:cNvPicPr>
+          <p:nvPr/>
+        </p:nvPicPr>
+        <p:blipFill>
+          <a:blip r:embed="rId2">
+            <a:extLst>
+              <a:ext uri="{28A0092B-C50C-407E-A947-70E740481C1C}">
+                <a14:useLocalDpi xmlns:a14="http://schemas.microsoft.com/office/drawing/2010/main" val="0"/>
+              </a:ext>
+            </a:extLst>
+          </a:blip>
+          <a:stretch>
+            <a:fillRect/>
+          </a:stretch>
+        </p:blipFill>
+        <p:spPr>
+          <a:xfrm>
+            <a:off x="1259074" y="965198"/>
+            <a:ext cx="2291334" cy="4927601"/>
+          </a:xfrm>
+          <a:prstGeom prst="rect">
+            <a:avLst/>
+          </a:prstGeom>
+        </p:spPr>
+      </p:pic>
+      <p:pic>
+        <p:nvPicPr>
+          <p:cNvPr id="3" name="slide6" descr="BC">
+            <a:extLst>
+              <a:ext uri="{FF2B5EF4-FFF2-40B4-BE49-F238E27FC236}">
+                <a16:creationId xmlns:a16="http://schemas.microsoft.com/office/drawing/2014/main" id="{A62DF1A7-105F-450B-AE64-9FC300578104}"/>
               </a:ext>
             </a:extLst>
           </p:cNvPr>
@@ -4472,8 +4120,8 @@
         </p:blipFill>
         <p:spPr>
           <a:xfrm>
-            <a:off x="1234436" y="965198"/>
-            <a:ext cx="2340609" cy="4927601"/>
+            <a:off x="4973286" y="965198"/>
+            <a:ext cx="2229740" cy="4927601"/>
           </a:xfrm>
           <a:prstGeom prst="rect">
             <a:avLst/>
@@ -4482,10 +4130,10 @@
       </p:pic>
       <p:pic>
         <p:nvPicPr>
-          <p:cNvPr id="5" name="slide9" descr="BD(2)">
-            <a:extLst>
-              <a:ext uri="{FF2B5EF4-FFF2-40B4-BE49-F238E27FC236}">
-                <a16:creationId xmlns:a16="http://schemas.microsoft.com/office/drawing/2014/main" id="{4780DC22-7201-4F29-A186-CDF0C3FD9342}"/>
+          <p:cNvPr id="4" name="slide8" descr="BD">
+            <a:extLst>
+              <a:ext uri="{FF2B5EF4-FFF2-40B4-BE49-F238E27FC236}">
+                <a16:creationId xmlns:a16="http://schemas.microsoft.com/office/drawing/2014/main" id="{716EC9FE-C6A4-40EE-8818-C69E81FCCD12}"/>
               </a:ext>
             </a:extLst>
           </p:cNvPr>
@@ -4508,8 +4156,8 @@
         </p:blipFill>
         <p:spPr>
           <a:xfrm>
-            <a:off x="8644613" y="965197"/>
-            <a:ext cx="2279015" cy="4927601"/>
+            <a:off x="8671930" y="965199"/>
+            <a:ext cx="2230199" cy="4928616"/>
           </a:xfrm>
           <a:prstGeom prst="rect">
             <a:avLst/>
@@ -4519,7 +4167,7 @@
     </p:spTree>
     <p:extLst>
       <p:ext uri="{BB962C8B-B14F-4D97-AF65-F5344CB8AC3E}">
-        <p14:creationId xmlns:p14="http://schemas.microsoft.com/office/powerpoint/2010/main" val="1620164673"/>
+        <p14:creationId xmlns:p14="http://schemas.microsoft.com/office/powerpoint/2010/main" val="4175445466"/>
       </p:ext>
     </p:extLst>
   </p:cSld>
@@ -4532,6 +4180,14 @@
 <file path=ppt/slides/slide16.xml><?xml version="1.0" encoding="utf-8"?>
 <p:sld xmlns:a="http://schemas.openxmlformats.org/drawingml/2006/main" xmlns:r="http://schemas.openxmlformats.org/officeDocument/2006/relationships" xmlns:p="http://schemas.openxmlformats.org/presentationml/2006/main">
   <p:cSld>
+    <p:bg>
+      <p:bgPr>
+        <a:solidFill>
+          <a:schemeClr val="bg1"/>
+        </a:solidFill>
+        <a:effectLst/>
+      </p:bgPr>
+    </p:bg>
     <p:spTree>
       <p:nvGrpSpPr>
         <p:cNvPr id="1" name=""/>
@@ -4546,12 +4202,218 @@
           <a:chExt cx="0" cy="0"/>
         </a:xfrm>
       </p:grpSpPr>
+      <p:sp>
+        <p:nvSpPr>
+          <p:cNvPr id="10" name="Rectangle 9">
+            <a:extLst>
+              <a:ext uri="{FF2B5EF4-FFF2-40B4-BE49-F238E27FC236}">
+                <a16:creationId xmlns:a16="http://schemas.microsoft.com/office/drawing/2014/main" id="{56827C3C-D52F-46CE-A441-3CD6A1A6A0A2}"/>
+              </a:ext>
+              <a:ext uri="{C183D7F6-B498-43B3-948B-1728B52AA6E4}">
+                <adec:decorative xmlns:adec="http://schemas.microsoft.com/office/drawing/2017/decorative" val="1"/>
+              </a:ext>
+            </a:extLst>
+          </p:cNvPr>
+          <p:cNvSpPr>
+            <a:spLocks noGrp="1" noRot="1" noChangeAspect="1" noMove="1" noResize="1" noEditPoints="1" noAdjustHandles="1" noChangeArrowheads="1" noChangeShapeType="1" noTextEdit="1"/>
+          </p:cNvSpPr>
+          <p:nvPr>
+            <p:extLst>
+              <p:ext uri="{386F3935-93C4-4BCD-93E2-E3B085C9AB24}">
+                <p16:designElem xmlns:p16="http://schemas.microsoft.com/office/powerpoint/2015/main" val="1"/>
+              </p:ext>
+            </p:extLst>
+          </p:nvPr>
+        </p:nvSpPr>
+        <p:spPr>
+          <a:xfrm>
+            <a:off x="3137" y="0"/>
+            <a:ext cx="12192000" cy="6858000"/>
+          </a:xfrm>
+          <a:prstGeom prst="rect">
+            <a:avLst/>
+          </a:prstGeom>
+          <a:solidFill>
+            <a:schemeClr val="bg1">
+              <a:lumMod val="85000"/>
+              <a:alpha val="90000"/>
+            </a:schemeClr>
+          </a:solidFill>
+          <a:ln>
+            <a:noFill/>
+          </a:ln>
+        </p:spPr>
+        <p:style>
+          <a:lnRef idx="2">
+            <a:schemeClr val="accent1">
+              <a:shade val="50000"/>
+            </a:schemeClr>
+          </a:lnRef>
+          <a:fillRef idx="1">
+            <a:schemeClr val="accent1"/>
+          </a:fillRef>
+          <a:effectRef idx="0">
+            <a:schemeClr val="accent1"/>
+          </a:effectRef>
+          <a:fontRef idx="minor">
+            <a:schemeClr val="lt1"/>
+          </a:fontRef>
+        </p:style>
+        <p:txBody>
+          <a:bodyPr rtlCol="0" anchor="ctr"/>
+          <a:lstStyle/>
+          <a:p>
+            <a:pPr algn="ctr"/>
+            <a:endParaRPr lang="en-US"/>
+          </a:p>
+        </p:txBody>
+      </p:sp>
+      <p:sp>
+        <p:nvSpPr>
+          <p:cNvPr id="12" name="Rectangle 11">
+            <a:extLst>
+              <a:ext uri="{FF2B5EF4-FFF2-40B4-BE49-F238E27FC236}">
+                <a16:creationId xmlns:a16="http://schemas.microsoft.com/office/drawing/2014/main" id="{F52A8B51-0A89-497B-B882-6658E029A3F9}"/>
+              </a:ext>
+              <a:ext uri="{C183D7F6-B498-43B3-948B-1728B52AA6E4}">
+                <adec:decorative xmlns:adec="http://schemas.microsoft.com/office/drawing/2017/decorative" val="1"/>
+              </a:ext>
+            </a:extLst>
+          </p:cNvPr>
+          <p:cNvSpPr>
+            <a:spLocks noGrp="1" noRot="1" noChangeAspect="1" noMove="1" noResize="1" noEditPoints="1" noAdjustHandles="1" noChangeArrowheads="1" noChangeShapeType="1" noTextEdit="1"/>
+          </p:cNvSpPr>
+          <p:nvPr>
+            <p:extLst>
+              <p:ext uri="{386F3935-93C4-4BCD-93E2-E3B085C9AB24}">
+                <p16:designElem xmlns:p16="http://schemas.microsoft.com/office/powerpoint/2015/main" val="1"/>
+              </p:ext>
+            </p:extLst>
+          </p:nvPr>
+        </p:nvSpPr>
+        <p:spPr>
+          <a:xfrm>
+            <a:off x="643467" y="643466"/>
+            <a:ext cx="3522548" cy="5571067"/>
+          </a:xfrm>
+          <a:prstGeom prst="rect">
+            <a:avLst/>
+          </a:prstGeom>
+          <a:solidFill>
+            <a:srgbClr val="FFFFFF"/>
+          </a:solidFill>
+          <a:ln w="9525">
+            <a:noFill/>
+          </a:ln>
+          <a:effectLst>
+            <a:outerShdw blurRad="63500" dist="17780" dir="5400000" algn="t" rotWithShape="0">
+              <a:prstClr val="black">
+                <a:alpha val="43000"/>
+              </a:prstClr>
+            </a:outerShdw>
+          </a:effectLst>
+        </p:spPr>
+        <p:style>
+          <a:lnRef idx="2">
+            <a:schemeClr val="accent1">
+              <a:shade val="50000"/>
+            </a:schemeClr>
+          </a:lnRef>
+          <a:fillRef idx="1">
+            <a:schemeClr val="accent1"/>
+          </a:fillRef>
+          <a:effectRef idx="0">
+            <a:schemeClr val="accent1"/>
+          </a:effectRef>
+          <a:fontRef idx="minor">
+            <a:schemeClr val="lt1"/>
+          </a:fontRef>
+        </p:style>
+        <p:txBody>
+          <a:bodyPr rtlCol="0" anchor="ctr"/>
+          <a:lstStyle/>
+          <a:p>
+            <a:pPr algn="ctr"/>
+            <a:endParaRPr lang="en-US"/>
+          </a:p>
+        </p:txBody>
+      </p:sp>
+      <p:sp>
+        <p:nvSpPr>
+          <p:cNvPr id="14" name="Rectangle 13">
+            <a:extLst>
+              <a:ext uri="{FF2B5EF4-FFF2-40B4-BE49-F238E27FC236}">
+                <a16:creationId xmlns:a16="http://schemas.microsoft.com/office/drawing/2014/main" id="{EB1CEFBF-6F09-4052-862B-E219DA15757E}"/>
+              </a:ext>
+              <a:ext uri="{C183D7F6-B498-43B3-948B-1728B52AA6E4}">
+                <adec:decorative xmlns:adec="http://schemas.microsoft.com/office/drawing/2017/decorative" val="1"/>
+              </a:ext>
+            </a:extLst>
+          </p:cNvPr>
+          <p:cNvSpPr>
+            <a:spLocks noGrp="1" noRot="1" noChangeAspect="1" noMove="1" noResize="1" noEditPoints="1" noAdjustHandles="1" noChangeArrowheads="1" noChangeShapeType="1" noTextEdit="1"/>
+          </p:cNvSpPr>
+          <p:nvPr>
+            <p:extLst>
+              <p:ext uri="{386F3935-93C4-4BCD-93E2-E3B085C9AB24}">
+                <p16:designElem xmlns:p16="http://schemas.microsoft.com/office/powerpoint/2015/main" val="1"/>
+              </p:ext>
+            </p:extLst>
+          </p:nvPr>
+        </p:nvSpPr>
+        <p:spPr>
+          <a:xfrm>
+            <a:off x="4326882" y="643466"/>
+            <a:ext cx="3522548" cy="5571067"/>
+          </a:xfrm>
+          <a:prstGeom prst="rect">
+            <a:avLst/>
+          </a:prstGeom>
+          <a:solidFill>
+            <a:srgbClr val="FFFFFF"/>
+          </a:solidFill>
+          <a:ln w="9525">
+            <a:noFill/>
+          </a:ln>
+          <a:effectLst>
+            <a:outerShdw blurRad="63500" dist="17780" dir="5400000" algn="t" rotWithShape="0">
+              <a:prstClr val="black">
+                <a:alpha val="43000"/>
+              </a:prstClr>
+            </a:outerShdw>
+          </a:effectLst>
+        </p:spPr>
+        <p:style>
+          <a:lnRef idx="2">
+            <a:schemeClr val="accent1">
+              <a:shade val="50000"/>
+            </a:schemeClr>
+          </a:lnRef>
+          <a:fillRef idx="1">
+            <a:schemeClr val="accent1"/>
+          </a:fillRef>
+          <a:effectRef idx="0">
+            <a:schemeClr val="accent1"/>
+          </a:effectRef>
+          <a:fontRef idx="minor">
+            <a:schemeClr val="lt1"/>
+          </a:fontRef>
+        </p:style>
+        <p:txBody>
+          <a:bodyPr rtlCol="0" anchor="ctr"/>
+          <a:lstStyle/>
+          <a:p>
+            <a:pPr algn="ctr"/>
+            <a:endParaRPr lang="en-US"/>
+          </a:p>
+        </p:txBody>
+      </p:sp>
       <p:pic>
         <p:nvPicPr>
-          <p:cNvPr id="2" name="slide2" descr="BA">
-            <a:extLst>
-              <a:ext uri="{FF2B5EF4-FFF2-40B4-BE49-F238E27FC236}">
-                <a16:creationId xmlns:a16="http://schemas.microsoft.com/office/drawing/2014/main" id="{0290A665-32F3-4F90-B3B3-102C4CF5D6FA}"/>
+          <p:cNvPr id="4" name="slide7" descr="BC(2)">
+            <a:extLst>
+              <a:ext uri="{FF2B5EF4-FFF2-40B4-BE49-F238E27FC236}">
+                <a16:creationId xmlns:a16="http://schemas.microsoft.com/office/drawing/2014/main" id="{8B5BC5B7-4C60-4085-A559-CFABCA41A218}"/>
               </a:ext>
             </a:extLst>
           </p:cNvPr>
@@ -4574,8 +4436,150 @@
         </p:blipFill>
         <p:spPr>
           <a:xfrm>
-            <a:off x="4503673" y="0"/>
-            <a:ext cx="3184653" cy="6858000"/>
+            <a:off x="4948414" y="965199"/>
+            <a:ext cx="2279484" cy="4928616"/>
+          </a:xfrm>
+          <a:prstGeom prst="rect">
+            <a:avLst/>
+          </a:prstGeom>
+        </p:spPr>
+      </p:pic>
+      <p:sp>
+        <p:nvSpPr>
+          <p:cNvPr id="16" name="Rectangle 15">
+            <a:extLst>
+              <a:ext uri="{FF2B5EF4-FFF2-40B4-BE49-F238E27FC236}">
+                <a16:creationId xmlns:a16="http://schemas.microsoft.com/office/drawing/2014/main" id="{BCB5D417-2A71-445D-B4C7-9E814D633D33}"/>
+              </a:ext>
+              <a:ext uri="{C183D7F6-B498-43B3-948B-1728B52AA6E4}">
+                <adec:decorative xmlns:adec="http://schemas.microsoft.com/office/drawing/2017/decorative" val="1"/>
+              </a:ext>
+            </a:extLst>
+          </p:cNvPr>
+          <p:cNvSpPr>
+            <a:spLocks noGrp="1" noRot="1" noChangeAspect="1" noMove="1" noResize="1" noEditPoints="1" noAdjustHandles="1" noChangeArrowheads="1" noChangeShapeType="1" noTextEdit="1"/>
+          </p:cNvSpPr>
+          <p:nvPr>
+            <p:extLst>
+              <p:ext uri="{386F3935-93C4-4BCD-93E2-E3B085C9AB24}">
+                <p16:designElem xmlns:p16="http://schemas.microsoft.com/office/powerpoint/2015/main" val="1"/>
+              </p:ext>
+            </p:extLst>
+          </p:nvPr>
+        </p:nvSpPr>
+        <p:spPr>
+          <a:xfrm>
+            <a:off x="8022847" y="643466"/>
+            <a:ext cx="3522548" cy="5571067"/>
+          </a:xfrm>
+          <a:prstGeom prst="rect">
+            <a:avLst/>
+          </a:prstGeom>
+          <a:solidFill>
+            <a:srgbClr val="FFFFFF"/>
+          </a:solidFill>
+          <a:ln w="9525">
+            <a:noFill/>
+          </a:ln>
+          <a:effectLst>
+            <a:outerShdw blurRad="63500" dist="17780" dir="5400000" algn="t" rotWithShape="0">
+              <a:prstClr val="black">
+                <a:alpha val="43000"/>
+              </a:prstClr>
+            </a:outerShdw>
+          </a:effectLst>
+        </p:spPr>
+        <p:style>
+          <a:lnRef idx="2">
+            <a:schemeClr val="accent1">
+              <a:shade val="50000"/>
+            </a:schemeClr>
+          </a:lnRef>
+          <a:fillRef idx="1">
+            <a:schemeClr val="accent1"/>
+          </a:fillRef>
+          <a:effectRef idx="0">
+            <a:schemeClr val="accent1"/>
+          </a:effectRef>
+          <a:fontRef idx="minor">
+            <a:schemeClr val="lt1"/>
+          </a:fontRef>
+        </p:style>
+        <p:txBody>
+          <a:bodyPr rtlCol="0" anchor="ctr"/>
+          <a:lstStyle/>
+          <a:p>
+            <a:pPr algn="ctr"/>
+            <a:endParaRPr lang="en-US"/>
+          </a:p>
+        </p:txBody>
+      </p:sp>
+      <p:pic>
+        <p:nvPicPr>
+          <p:cNvPr id="3" name="slide3" descr="BA (2)">
+            <a:extLst>
+              <a:ext uri="{FF2B5EF4-FFF2-40B4-BE49-F238E27FC236}">
+                <a16:creationId xmlns:a16="http://schemas.microsoft.com/office/drawing/2014/main" id="{8B39D96F-94D2-4F47-AED8-51952EA668D5}"/>
+              </a:ext>
+            </a:extLst>
+          </p:cNvPr>
+          <p:cNvPicPr>
+            <a:picLocks noChangeAspect="1"/>
+          </p:cNvPicPr>
+          <p:nvPr/>
+        </p:nvPicPr>
+        <p:blipFill>
+          <a:blip r:embed="rId3">
+            <a:extLst>
+              <a:ext uri="{28A0092B-C50C-407E-A947-70E740481C1C}">
+                <a14:useLocalDpi xmlns:a14="http://schemas.microsoft.com/office/drawing/2010/main" val="0"/>
+              </a:ext>
+            </a:extLst>
+          </a:blip>
+          <a:stretch>
+            <a:fillRect/>
+          </a:stretch>
+        </p:blipFill>
+        <p:spPr>
+          <a:xfrm>
+            <a:off x="1234436" y="965198"/>
+            <a:ext cx="2340609" cy="4927601"/>
+          </a:xfrm>
+          <a:prstGeom prst="rect">
+            <a:avLst/>
+          </a:prstGeom>
+        </p:spPr>
+      </p:pic>
+      <p:pic>
+        <p:nvPicPr>
+          <p:cNvPr id="5" name="slide9" descr="BD(2)">
+            <a:extLst>
+              <a:ext uri="{FF2B5EF4-FFF2-40B4-BE49-F238E27FC236}">
+                <a16:creationId xmlns:a16="http://schemas.microsoft.com/office/drawing/2014/main" id="{4780DC22-7201-4F29-A186-CDF0C3FD9342}"/>
+              </a:ext>
+            </a:extLst>
+          </p:cNvPr>
+          <p:cNvPicPr>
+            <a:picLocks noChangeAspect="1"/>
+          </p:cNvPicPr>
+          <p:nvPr/>
+        </p:nvPicPr>
+        <p:blipFill>
+          <a:blip r:embed="rId4">
+            <a:extLst>
+              <a:ext uri="{28A0092B-C50C-407E-A947-70E740481C1C}">
+                <a14:useLocalDpi xmlns:a14="http://schemas.microsoft.com/office/drawing/2010/main" val="0"/>
+              </a:ext>
+            </a:extLst>
+          </a:blip>
+          <a:stretch>
+            <a:fillRect/>
+          </a:stretch>
+        </p:blipFill>
+        <p:spPr>
+          <a:xfrm>
+            <a:off x="8644613" y="965197"/>
+            <a:ext cx="2279015" cy="4927601"/>
           </a:xfrm>
           <a:prstGeom prst="rect">
             <a:avLst/>
@@ -4585,7 +4589,7 @@
     </p:spTree>
     <p:extLst>
       <p:ext uri="{BB962C8B-B14F-4D97-AF65-F5344CB8AC3E}">
-        <p14:creationId xmlns:p14="http://schemas.microsoft.com/office/powerpoint/2010/main" val="3197701070"/>
+        <p14:creationId xmlns:p14="http://schemas.microsoft.com/office/powerpoint/2010/main" val="1620164673"/>
       </p:ext>
     </p:extLst>
   </p:cSld>
@@ -4614,10 +4618,10 @@
       </p:grpSpPr>
       <p:pic>
         <p:nvPicPr>
-          <p:cNvPr id="3" name="slide3" descr="BA (2)">
-            <a:extLst>
-              <a:ext uri="{FF2B5EF4-FFF2-40B4-BE49-F238E27FC236}">
-                <a16:creationId xmlns:a16="http://schemas.microsoft.com/office/drawing/2014/main" id="{8B39D96F-94D2-4F47-AED8-51952EA668D5}"/>
+          <p:cNvPr id="2" name="slide2" descr="BA">
+            <a:extLst>
+              <a:ext uri="{FF2B5EF4-FFF2-40B4-BE49-F238E27FC236}">
+                <a16:creationId xmlns:a16="http://schemas.microsoft.com/office/drawing/2014/main" id="{0290A665-32F3-4F90-B3B3-102C4CF5D6FA}"/>
               </a:ext>
             </a:extLst>
           </p:cNvPr>
@@ -4640,8 +4644,8 @@
         </p:blipFill>
         <p:spPr>
           <a:xfrm>
-            <a:off x="4471094" y="0"/>
-            <a:ext cx="3249812" cy="6858000"/>
+            <a:off x="4503673" y="0"/>
+            <a:ext cx="3184653" cy="6858000"/>
           </a:xfrm>
           <a:prstGeom prst="rect">
             <a:avLst/>
@@ -4651,7 +4655,7 @@
     </p:spTree>
     <p:extLst>
       <p:ext uri="{BB962C8B-B14F-4D97-AF65-F5344CB8AC3E}">
-        <p14:creationId xmlns:p14="http://schemas.microsoft.com/office/powerpoint/2010/main" val="2975631807"/>
+        <p14:creationId xmlns:p14="http://schemas.microsoft.com/office/powerpoint/2010/main" val="3197701070"/>
       </p:ext>
     </p:extLst>
   </p:cSld>
@@ -4680,10 +4684,10 @@
       </p:grpSpPr>
       <p:pic>
         <p:nvPicPr>
-          <p:cNvPr id="6" name="slide6" descr="BC">
-            <a:extLst>
-              <a:ext uri="{FF2B5EF4-FFF2-40B4-BE49-F238E27FC236}">
-                <a16:creationId xmlns:a16="http://schemas.microsoft.com/office/drawing/2014/main" id="{E10B2525-4A2F-4086-ABE0-A02BFEC59977}"/>
+          <p:cNvPr id="3" name="slide3" descr="BA (2)">
+            <a:extLst>
+              <a:ext uri="{FF2B5EF4-FFF2-40B4-BE49-F238E27FC236}">
+                <a16:creationId xmlns:a16="http://schemas.microsoft.com/office/drawing/2014/main" id="{8B39D96F-94D2-4F47-AED8-51952EA668D5}"/>
               </a:ext>
             </a:extLst>
           </p:cNvPr>
@@ -4706,8 +4710,8 @@
         </p:blipFill>
         <p:spPr>
           <a:xfrm>
-            <a:off x="4542420" y="0"/>
-            <a:ext cx="3107158" cy="6858000"/>
+            <a:off x="4471094" y="0"/>
+            <a:ext cx="3249812" cy="6858000"/>
           </a:xfrm>
           <a:prstGeom prst="rect">
             <a:avLst/>
@@ -4717,7 +4721,7 @@
     </p:spTree>
     <p:extLst>
       <p:ext uri="{BB962C8B-B14F-4D97-AF65-F5344CB8AC3E}">
-        <p14:creationId xmlns:p14="http://schemas.microsoft.com/office/powerpoint/2010/main" val="556554172"/>
+        <p14:creationId xmlns:p14="http://schemas.microsoft.com/office/powerpoint/2010/main" val="2975631807"/>
       </p:ext>
     </p:extLst>
   </p:cSld>
@@ -4746,10 +4750,10 @@
       </p:grpSpPr>
       <p:pic>
         <p:nvPicPr>
-          <p:cNvPr id="7" name="slide7" descr="BC(2)">
-            <a:extLst>
-              <a:ext uri="{FF2B5EF4-FFF2-40B4-BE49-F238E27FC236}">
-                <a16:creationId xmlns:a16="http://schemas.microsoft.com/office/drawing/2014/main" id="{0B8FA5A1-6B8E-444B-B56F-25A8D2693626}"/>
+          <p:cNvPr id="6" name="slide6" descr="BC">
+            <a:extLst>
+              <a:ext uri="{FF2B5EF4-FFF2-40B4-BE49-F238E27FC236}">
+                <a16:creationId xmlns:a16="http://schemas.microsoft.com/office/drawing/2014/main" id="{E10B2525-4A2F-4086-ABE0-A02BFEC59977}"/>
               </a:ext>
             </a:extLst>
           </p:cNvPr>
@@ -4772,8 +4776,8 @@
         </p:blipFill>
         <p:spPr>
           <a:xfrm>
-            <a:off x="4510634" y="0"/>
-            <a:ext cx="3170732" cy="6858000"/>
+            <a:off x="4542420" y="0"/>
+            <a:ext cx="3107158" cy="6858000"/>
           </a:xfrm>
           <a:prstGeom prst="rect">
             <a:avLst/>
@@ -4783,7 +4787,7 @@
     </p:spTree>
     <p:extLst>
       <p:ext uri="{BB962C8B-B14F-4D97-AF65-F5344CB8AC3E}">
-        <p14:creationId xmlns:p14="http://schemas.microsoft.com/office/powerpoint/2010/main" val="3808351361"/>
+        <p14:creationId xmlns:p14="http://schemas.microsoft.com/office/powerpoint/2010/main" val="556554172"/>
       </p:ext>
     </p:extLst>
   </p:cSld>
@@ -4810,46 +4814,84 @@
           <a:chExt cx="0" cy="0"/>
         </a:xfrm>
       </p:grpSpPr>
-      <p:pic>
-        <p:nvPicPr>
-          <p:cNvPr id="2" name="slide2" descr="personCount(A)">
-            <a:extLst>
-              <a:ext uri="{FF2B5EF4-FFF2-40B4-BE49-F238E27FC236}">
-                <a16:creationId xmlns:a16="http://schemas.microsoft.com/office/drawing/2014/main" id="{E1EB8E3D-6FF9-4BA3-A0E1-1555B2949C99}"/>
-              </a:ext>
-            </a:extLst>
-          </p:cNvPr>
-          <p:cNvPicPr>
-            <a:picLocks noChangeAspect="1"/>
-          </p:cNvPicPr>
-          <p:nvPr/>
-        </p:nvPicPr>
-        <p:blipFill>
-          <a:blip r:embed="rId2">
-            <a:extLst>
-              <a:ext uri="{28A0092B-C50C-407E-A947-70E740481C1C}">
-                <a14:useLocalDpi xmlns:a14="http://schemas.microsoft.com/office/drawing/2010/main" val="0"/>
-              </a:ext>
-            </a:extLst>
-          </a:blip>
-          <a:stretch>
-            <a:fillRect/>
-          </a:stretch>
-        </p:blipFill>
-        <p:spPr>
-          <a:xfrm>
-            <a:off x="4837614" y="0"/>
-            <a:ext cx="2516772" cy="6858000"/>
-          </a:xfrm>
-          <a:prstGeom prst="rect">
-            <a:avLst/>
-          </a:prstGeom>
-        </p:spPr>
-      </p:pic>
+      <p:sp>
+        <p:nvSpPr>
+          <p:cNvPr id="2" name="Title 1">
+            <a:extLst>
+              <a:ext uri="{FF2B5EF4-FFF2-40B4-BE49-F238E27FC236}">
+                <a16:creationId xmlns:a16="http://schemas.microsoft.com/office/drawing/2014/main" id="{6993F926-CC6B-44E0-B38B-14A8B1CF2810}"/>
+              </a:ext>
+            </a:extLst>
+          </p:cNvPr>
+          <p:cNvSpPr>
+            <a:spLocks noGrp="1"/>
+          </p:cNvSpPr>
+          <p:nvPr>
+            <p:ph type="title"/>
+          </p:nvPr>
+        </p:nvSpPr>
+        <p:spPr/>
+        <p:txBody>
+          <a:bodyPr/>
+          <a:lstStyle/>
+          <a:p>
+            <a:r>
+              <a:rPr lang="en-US" dirty="0"/>
+              <a:t>Chart Titles</a:t>
+            </a:r>
+          </a:p>
+        </p:txBody>
+      </p:sp>
+      <p:sp>
+        <p:nvSpPr>
+          <p:cNvPr id="3" name="Content Placeholder 2">
+            <a:extLst>
+              <a:ext uri="{FF2B5EF4-FFF2-40B4-BE49-F238E27FC236}">
+                <a16:creationId xmlns:a16="http://schemas.microsoft.com/office/drawing/2014/main" id="{AB390A99-6E45-4676-86A1-70B544535A3B}"/>
+              </a:ext>
+            </a:extLst>
+          </p:cNvPr>
+          <p:cNvSpPr>
+            <a:spLocks noGrp="1"/>
+          </p:cNvSpPr>
+          <p:nvPr>
+            <p:ph idx="1"/>
+          </p:nvPr>
+        </p:nvSpPr>
+        <p:spPr/>
+        <p:txBody>
+          <a:bodyPr/>
+          <a:lstStyle/>
+          <a:p>
+            <a:r>
+              <a:rPr lang="en-US" dirty="0"/>
+              <a:t>A : person count (none, one, two, three)</a:t>
+            </a:r>
+          </a:p>
+          <a:p>
+            <a:r>
+              <a:rPr lang="en-US" dirty="0"/>
+              <a:t>B : occluded (no, yes, unknown)</a:t>
+            </a:r>
+          </a:p>
+          <a:p>
+            <a:r>
+              <a:rPr lang="en-US" dirty="0"/>
+              <a:t>C : posture (sitting, lying, standing, unknown)</a:t>
+            </a:r>
+          </a:p>
+          <a:p>
+            <a:r>
+              <a:rPr lang="en-US" dirty="0"/>
+              <a:t>D : person type (patient, staff, other)</a:t>
+            </a:r>
+          </a:p>
+        </p:txBody>
+      </p:sp>
     </p:spTree>
     <p:extLst>
       <p:ext uri="{BB962C8B-B14F-4D97-AF65-F5344CB8AC3E}">
-        <p14:creationId xmlns:p14="http://schemas.microsoft.com/office/powerpoint/2010/main" val="95992585"/>
+        <p14:creationId xmlns:p14="http://schemas.microsoft.com/office/powerpoint/2010/main" val="3093821135"/>
       </p:ext>
     </p:extLst>
   </p:cSld>
@@ -4878,10 +4920,10 @@
       </p:grpSpPr>
       <p:pic>
         <p:nvPicPr>
-          <p:cNvPr id="8" name="slide8" descr="BD">
-            <a:extLst>
-              <a:ext uri="{FF2B5EF4-FFF2-40B4-BE49-F238E27FC236}">
-                <a16:creationId xmlns:a16="http://schemas.microsoft.com/office/drawing/2014/main" id="{5E7143F2-20BA-45A0-A68B-D88EEA3F7A1A}"/>
+          <p:cNvPr id="7" name="slide7" descr="BC(2)">
+            <a:extLst>
+              <a:ext uri="{FF2B5EF4-FFF2-40B4-BE49-F238E27FC236}">
+                <a16:creationId xmlns:a16="http://schemas.microsoft.com/office/drawing/2014/main" id="{0B8FA5A1-6B8E-444B-B56F-25A8D2693626}"/>
               </a:ext>
             </a:extLst>
           </p:cNvPr>
@@ -4904,8 +4946,8 @@
         </p:blipFill>
         <p:spPr>
           <a:xfrm>
-            <a:off x="4542420" y="0"/>
-            <a:ext cx="3107158" cy="6858000"/>
+            <a:off x="4510634" y="0"/>
+            <a:ext cx="3170732" cy="6858000"/>
           </a:xfrm>
           <a:prstGeom prst="rect">
             <a:avLst/>
@@ -4915,7 +4957,7 @@
     </p:spTree>
     <p:extLst>
       <p:ext uri="{BB962C8B-B14F-4D97-AF65-F5344CB8AC3E}">
-        <p14:creationId xmlns:p14="http://schemas.microsoft.com/office/powerpoint/2010/main" val="2075708027"/>
+        <p14:creationId xmlns:p14="http://schemas.microsoft.com/office/powerpoint/2010/main" val="3808351361"/>
       </p:ext>
     </p:extLst>
   </p:cSld>
@@ -4944,10 +4986,10 @@
       </p:grpSpPr>
       <p:pic>
         <p:nvPicPr>
-          <p:cNvPr id="9" name="slide9" descr="BD(2)">
-            <a:extLst>
-              <a:ext uri="{FF2B5EF4-FFF2-40B4-BE49-F238E27FC236}">
-                <a16:creationId xmlns:a16="http://schemas.microsoft.com/office/drawing/2014/main" id="{C9446920-DA2D-486A-99F9-91BBAD375748}"/>
+          <p:cNvPr id="8" name="slide8" descr="BD">
+            <a:extLst>
+              <a:ext uri="{FF2B5EF4-FFF2-40B4-BE49-F238E27FC236}">
+                <a16:creationId xmlns:a16="http://schemas.microsoft.com/office/drawing/2014/main" id="{5E7143F2-20BA-45A0-A68B-D88EEA3F7A1A}"/>
               </a:ext>
             </a:extLst>
           </p:cNvPr>
@@ -4970,8 +5012,8 @@
         </p:blipFill>
         <p:spPr>
           <a:xfrm>
-            <a:off x="4510634" y="0"/>
-            <a:ext cx="3170732" cy="6858000"/>
+            <a:off x="4542420" y="0"/>
+            <a:ext cx="3107158" cy="6858000"/>
           </a:xfrm>
           <a:prstGeom prst="rect">
             <a:avLst/>
@@ -4981,7 +5023,7 @@
     </p:spTree>
     <p:extLst>
       <p:ext uri="{BB962C8B-B14F-4D97-AF65-F5344CB8AC3E}">
-        <p14:creationId xmlns:p14="http://schemas.microsoft.com/office/powerpoint/2010/main" val="219823602"/>
+        <p14:creationId xmlns:p14="http://schemas.microsoft.com/office/powerpoint/2010/main" val="2075708027"/>
       </p:ext>
     </p:extLst>
   </p:cSld>
@@ -4994,14 +5036,6 @@
 <file path=ppt/slides/slide22.xml><?xml version="1.0" encoding="utf-8"?>
 <p:sld xmlns:a="http://schemas.openxmlformats.org/drawingml/2006/main" xmlns:r="http://schemas.openxmlformats.org/officeDocument/2006/relationships" xmlns:p="http://schemas.openxmlformats.org/presentationml/2006/main">
   <p:cSld>
-    <p:bg>
-      <p:bgPr>
-        <a:solidFill>
-          <a:schemeClr val="bg1"/>
-        </a:solidFill>
-        <a:effectLst/>
-      </p:bgPr>
-    </p:bg>
     <p:spTree>
       <p:nvGrpSpPr>
         <p:cNvPr id="1" name=""/>
@@ -5016,218 +5050,12 @@
           <a:chExt cx="0" cy="0"/>
         </a:xfrm>
       </p:grpSpPr>
-      <p:sp>
-        <p:nvSpPr>
-          <p:cNvPr id="18" name="Rectangle 14">
-            <a:extLst>
-              <a:ext uri="{FF2B5EF4-FFF2-40B4-BE49-F238E27FC236}">
-                <a16:creationId xmlns:a16="http://schemas.microsoft.com/office/drawing/2014/main" id="{56827C3C-D52F-46CE-A441-3CD6A1A6A0A2}"/>
-              </a:ext>
-              <a:ext uri="{C183D7F6-B498-43B3-948B-1728B52AA6E4}">
-                <adec:decorative xmlns:adec="http://schemas.microsoft.com/office/drawing/2017/decorative" val="1"/>
-              </a:ext>
-            </a:extLst>
-          </p:cNvPr>
-          <p:cNvSpPr>
-            <a:spLocks noGrp="1" noRot="1" noChangeAspect="1" noMove="1" noResize="1" noEditPoints="1" noAdjustHandles="1" noChangeArrowheads="1" noChangeShapeType="1" noTextEdit="1"/>
-          </p:cNvSpPr>
-          <p:nvPr>
-            <p:extLst>
-              <p:ext uri="{386F3935-93C4-4BCD-93E2-E3B085C9AB24}">
-                <p16:designElem xmlns:p16="http://schemas.microsoft.com/office/powerpoint/2015/main" val="1"/>
-              </p:ext>
-            </p:extLst>
-          </p:nvPr>
-        </p:nvSpPr>
-        <p:spPr>
-          <a:xfrm>
-            <a:off x="3137" y="0"/>
-            <a:ext cx="12192000" cy="6858000"/>
-          </a:xfrm>
-          <a:prstGeom prst="rect">
-            <a:avLst/>
-          </a:prstGeom>
-          <a:solidFill>
-            <a:schemeClr val="bg1">
-              <a:lumMod val="85000"/>
-              <a:alpha val="90000"/>
-            </a:schemeClr>
-          </a:solidFill>
-          <a:ln>
-            <a:noFill/>
-          </a:ln>
-        </p:spPr>
-        <p:style>
-          <a:lnRef idx="2">
-            <a:schemeClr val="accent1">
-              <a:shade val="50000"/>
-            </a:schemeClr>
-          </a:lnRef>
-          <a:fillRef idx="1">
-            <a:schemeClr val="accent1"/>
-          </a:fillRef>
-          <a:effectRef idx="0">
-            <a:schemeClr val="accent1"/>
-          </a:effectRef>
-          <a:fontRef idx="minor">
-            <a:schemeClr val="lt1"/>
-          </a:fontRef>
-        </p:style>
-        <p:txBody>
-          <a:bodyPr rtlCol="0" anchor="ctr"/>
-          <a:lstStyle/>
-          <a:p>
-            <a:pPr algn="ctr"/>
-            <a:endParaRPr lang="en-US"/>
-          </a:p>
-        </p:txBody>
-      </p:sp>
-      <p:sp>
-        <p:nvSpPr>
-          <p:cNvPr id="17" name="Rectangle 16">
-            <a:extLst>
-              <a:ext uri="{FF2B5EF4-FFF2-40B4-BE49-F238E27FC236}">
-                <a16:creationId xmlns:a16="http://schemas.microsoft.com/office/drawing/2014/main" id="{F52A8B51-0A89-497B-B882-6658E029A3F9}"/>
-              </a:ext>
-              <a:ext uri="{C183D7F6-B498-43B3-948B-1728B52AA6E4}">
-                <adec:decorative xmlns:adec="http://schemas.microsoft.com/office/drawing/2017/decorative" val="1"/>
-              </a:ext>
-            </a:extLst>
-          </p:cNvPr>
-          <p:cNvSpPr>
-            <a:spLocks noGrp="1" noRot="1" noChangeAspect="1" noMove="1" noResize="1" noEditPoints="1" noAdjustHandles="1" noChangeArrowheads="1" noChangeShapeType="1" noTextEdit="1"/>
-          </p:cNvSpPr>
-          <p:nvPr>
-            <p:extLst>
-              <p:ext uri="{386F3935-93C4-4BCD-93E2-E3B085C9AB24}">
-                <p16:designElem xmlns:p16="http://schemas.microsoft.com/office/powerpoint/2015/main" val="1"/>
-              </p:ext>
-            </p:extLst>
-          </p:nvPr>
-        </p:nvSpPr>
-        <p:spPr>
-          <a:xfrm>
-            <a:off x="643467" y="643466"/>
-            <a:ext cx="3522548" cy="5571067"/>
-          </a:xfrm>
-          <a:prstGeom prst="rect">
-            <a:avLst/>
-          </a:prstGeom>
-          <a:solidFill>
-            <a:srgbClr val="FFFFFF"/>
-          </a:solidFill>
-          <a:ln w="9525">
-            <a:noFill/>
-          </a:ln>
-          <a:effectLst>
-            <a:outerShdw blurRad="63500" dist="17780" dir="5400000" algn="t" rotWithShape="0">
-              <a:prstClr val="black">
-                <a:alpha val="43000"/>
-              </a:prstClr>
-            </a:outerShdw>
-          </a:effectLst>
-        </p:spPr>
-        <p:style>
-          <a:lnRef idx="2">
-            <a:schemeClr val="accent1">
-              <a:shade val="50000"/>
-            </a:schemeClr>
-          </a:lnRef>
-          <a:fillRef idx="1">
-            <a:schemeClr val="accent1"/>
-          </a:fillRef>
-          <a:effectRef idx="0">
-            <a:schemeClr val="accent1"/>
-          </a:effectRef>
-          <a:fontRef idx="minor">
-            <a:schemeClr val="lt1"/>
-          </a:fontRef>
-        </p:style>
-        <p:txBody>
-          <a:bodyPr rtlCol="0" anchor="ctr"/>
-          <a:lstStyle/>
-          <a:p>
-            <a:pPr algn="ctr"/>
-            <a:endParaRPr lang="en-US"/>
-          </a:p>
-        </p:txBody>
-      </p:sp>
-      <p:sp>
-        <p:nvSpPr>
-          <p:cNvPr id="19" name="Rectangle 18">
-            <a:extLst>
-              <a:ext uri="{FF2B5EF4-FFF2-40B4-BE49-F238E27FC236}">
-                <a16:creationId xmlns:a16="http://schemas.microsoft.com/office/drawing/2014/main" id="{EB1CEFBF-6F09-4052-862B-E219DA15757E}"/>
-              </a:ext>
-              <a:ext uri="{C183D7F6-B498-43B3-948B-1728B52AA6E4}">
-                <adec:decorative xmlns:adec="http://schemas.microsoft.com/office/drawing/2017/decorative" val="1"/>
-              </a:ext>
-            </a:extLst>
-          </p:cNvPr>
-          <p:cNvSpPr>
-            <a:spLocks noGrp="1" noRot="1" noChangeAspect="1" noMove="1" noResize="1" noEditPoints="1" noAdjustHandles="1" noChangeArrowheads="1" noChangeShapeType="1" noTextEdit="1"/>
-          </p:cNvSpPr>
-          <p:nvPr>
-            <p:extLst>
-              <p:ext uri="{386F3935-93C4-4BCD-93E2-E3B085C9AB24}">
-                <p16:designElem xmlns:p16="http://schemas.microsoft.com/office/powerpoint/2015/main" val="1"/>
-              </p:ext>
-            </p:extLst>
-          </p:nvPr>
-        </p:nvSpPr>
-        <p:spPr>
-          <a:xfrm>
-            <a:off x="4326882" y="643466"/>
-            <a:ext cx="3522548" cy="5571067"/>
-          </a:xfrm>
-          <a:prstGeom prst="rect">
-            <a:avLst/>
-          </a:prstGeom>
-          <a:solidFill>
-            <a:srgbClr val="FFFFFF"/>
-          </a:solidFill>
-          <a:ln w="9525">
-            <a:noFill/>
-          </a:ln>
-          <a:effectLst>
-            <a:outerShdw blurRad="63500" dist="17780" dir="5400000" algn="t" rotWithShape="0">
-              <a:prstClr val="black">
-                <a:alpha val="43000"/>
-              </a:prstClr>
-            </a:outerShdw>
-          </a:effectLst>
-        </p:spPr>
-        <p:style>
-          <a:lnRef idx="2">
-            <a:schemeClr val="accent1">
-              <a:shade val="50000"/>
-            </a:schemeClr>
-          </a:lnRef>
-          <a:fillRef idx="1">
-            <a:schemeClr val="accent1"/>
-          </a:fillRef>
-          <a:effectRef idx="0">
-            <a:schemeClr val="accent1"/>
-          </a:effectRef>
-          <a:fontRef idx="minor">
-            <a:schemeClr val="lt1"/>
-          </a:fontRef>
-        </p:style>
-        <p:txBody>
-          <a:bodyPr rtlCol="0" anchor="ctr"/>
-          <a:lstStyle/>
-          <a:p>
-            <a:pPr algn="ctr"/>
-            <a:endParaRPr lang="en-US"/>
-          </a:p>
-        </p:txBody>
-      </p:sp>
       <p:pic>
         <p:nvPicPr>
-          <p:cNvPr id="10" name="slide10" descr="CD">
-            <a:extLst>
-              <a:ext uri="{FF2B5EF4-FFF2-40B4-BE49-F238E27FC236}">
-                <a16:creationId xmlns:a16="http://schemas.microsoft.com/office/drawing/2014/main" id="{04800761-54F3-484F-9041-A85861D8DA82}"/>
+          <p:cNvPr id="9" name="slide9" descr="BD(2)">
+            <a:extLst>
+              <a:ext uri="{FF2B5EF4-FFF2-40B4-BE49-F238E27FC236}">
+                <a16:creationId xmlns:a16="http://schemas.microsoft.com/office/drawing/2014/main" id="{C9446920-DA2D-486A-99F9-91BBAD375748}"/>
               </a:ext>
             </a:extLst>
           </p:cNvPr>
@@ -5250,150 +5078,8 @@
         </p:blipFill>
         <p:spPr>
           <a:xfrm>
-            <a:off x="1086336" y="965199"/>
-            <a:ext cx="2636809" cy="4928616"/>
-          </a:xfrm>
-          <a:prstGeom prst="rect">
-            <a:avLst/>
-          </a:prstGeom>
-        </p:spPr>
-      </p:pic>
-      <p:sp>
-        <p:nvSpPr>
-          <p:cNvPr id="21" name="Rectangle 20">
-            <a:extLst>
-              <a:ext uri="{FF2B5EF4-FFF2-40B4-BE49-F238E27FC236}">
-                <a16:creationId xmlns:a16="http://schemas.microsoft.com/office/drawing/2014/main" id="{BCB5D417-2A71-445D-B4C7-9E814D633D33}"/>
-              </a:ext>
-              <a:ext uri="{C183D7F6-B498-43B3-948B-1728B52AA6E4}">
-                <adec:decorative xmlns:adec="http://schemas.microsoft.com/office/drawing/2017/decorative" val="1"/>
-              </a:ext>
-            </a:extLst>
-          </p:cNvPr>
-          <p:cNvSpPr>
-            <a:spLocks noGrp="1" noRot="1" noChangeAspect="1" noMove="1" noResize="1" noEditPoints="1" noAdjustHandles="1" noChangeArrowheads="1" noChangeShapeType="1" noTextEdit="1"/>
-          </p:cNvSpPr>
-          <p:nvPr>
-            <p:extLst>
-              <p:ext uri="{386F3935-93C4-4BCD-93E2-E3B085C9AB24}">
-                <p16:designElem xmlns:p16="http://schemas.microsoft.com/office/powerpoint/2015/main" val="1"/>
-              </p:ext>
-            </p:extLst>
-          </p:nvPr>
-        </p:nvSpPr>
-        <p:spPr>
-          <a:xfrm>
-            <a:off x="8022847" y="643466"/>
-            <a:ext cx="3522548" cy="5571067"/>
-          </a:xfrm>
-          <a:prstGeom prst="rect">
-            <a:avLst/>
-          </a:prstGeom>
-          <a:solidFill>
-            <a:srgbClr val="FFFFFF"/>
-          </a:solidFill>
-          <a:ln w="9525">
-            <a:noFill/>
-          </a:ln>
-          <a:effectLst>
-            <a:outerShdw blurRad="63500" dist="17780" dir="5400000" algn="t" rotWithShape="0">
-              <a:prstClr val="black">
-                <a:alpha val="43000"/>
-              </a:prstClr>
-            </a:outerShdw>
-          </a:effectLst>
-        </p:spPr>
-        <p:style>
-          <a:lnRef idx="2">
-            <a:schemeClr val="accent1">
-              <a:shade val="50000"/>
-            </a:schemeClr>
-          </a:lnRef>
-          <a:fillRef idx="1">
-            <a:schemeClr val="accent1"/>
-          </a:fillRef>
-          <a:effectRef idx="0">
-            <a:schemeClr val="accent1"/>
-          </a:effectRef>
-          <a:fontRef idx="minor">
-            <a:schemeClr val="lt1"/>
-          </a:fontRef>
-        </p:style>
-        <p:txBody>
-          <a:bodyPr rtlCol="0" anchor="ctr"/>
-          <a:lstStyle/>
-          <a:p>
-            <a:pPr algn="ctr"/>
-            <a:endParaRPr lang="en-US"/>
-          </a:p>
-        </p:txBody>
-      </p:sp>
-      <p:pic>
-        <p:nvPicPr>
-          <p:cNvPr id="4" name="slide4" descr="CA">
-            <a:extLst>
-              <a:ext uri="{FF2B5EF4-FFF2-40B4-BE49-F238E27FC236}">
-                <a16:creationId xmlns:a16="http://schemas.microsoft.com/office/drawing/2014/main" id="{80A3FB4B-EB70-4D75-81A2-1A0B093CC475}"/>
-              </a:ext>
-            </a:extLst>
-          </p:cNvPr>
-          <p:cNvPicPr>
-            <a:picLocks noChangeAspect="1"/>
-          </p:cNvPicPr>
-          <p:nvPr/>
-        </p:nvPicPr>
-        <p:blipFill>
-          <a:blip r:embed="rId3">
-            <a:extLst>
-              <a:ext uri="{28A0092B-C50C-407E-A947-70E740481C1C}">
-                <a14:useLocalDpi xmlns:a14="http://schemas.microsoft.com/office/drawing/2010/main" val="0"/>
-              </a:ext>
-            </a:extLst>
-          </a:blip>
-          <a:stretch>
-            <a:fillRect/>
-          </a:stretch>
-        </p:blipFill>
-        <p:spPr>
-          <a:xfrm>
-            <a:off x="8459828" y="965199"/>
-            <a:ext cx="2648585" cy="4927601"/>
-          </a:xfrm>
-          <a:prstGeom prst="rect">
-            <a:avLst/>
-          </a:prstGeom>
-        </p:spPr>
-      </p:pic>
-      <p:pic>
-        <p:nvPicPr>
-          <p:cNvPr id="3" name="slide2" descr="CB">
-            <a:extLst>
-              <a:ext uri="{FF2B5EF4-FFF2-40B4-BE49-F238E27FC236}">
-                <a16:creationId xmlns:a16="http://schemas.microsoft.com/office/drawing/2014/main" id="{7465FF10-7D99-4617-85DA-E152750FF2EA}"/>
-              </a:ext>
-            </a:extLst>
-          </p:cNvPr>
-          <p:cNvPicPr>
-            <a:picLocks noChangeAspect="1"/>
-          </p:cNvPicPr>
-          <p:nvPr/>
-        </p:nvPicPr>
-        <p:blipFill>
-          <a:blip r:embed="rId4">
-            <a:extLst>
-              <a:ext uri="{28A0092B-C50C-407E-A947-70E740481C1C}">
-                <a14:useLocalDpi xmlns:a14="http://schemas.microsoft.com/office/drawing/2010/main" val="0"/>
-              </a:ext>
-            </a:extLst>
-          </a:blip>
-          <a:stretch>
-            <a:fillRect/>
-          </a:stretch>
-        </p:blipFill>
-        <p:spPr>
-          <a:xfrm>
-            <a:off x="4805611" y="965199"/>
-            <a:ext cx="2574671" cy="4927601"/>
+            <a:off x="4510634" y="0"/>
+            <a:ext cx="3170732" cy="6858000"/>
           </a:xfrm>
           <a:prstGeom prst="rect">
             <a:avLst/>
@@ -5403,7 +5089,7 @@
     </p:spTree>
     <p:extLst>
       <p:ext uri="{BB962C8B-B14F-4D97-AF65-F5344CB8AC3E}">
-        <p14:creationId xmlns:p14="http://schemas.microsoft.com/office/powerpoint/2010/main" val="2022740813"/>
+        <p14:creationId xmlns:p14="http://schemas.microsoft.com/office/powerpoint/2010/main" val="219823602"/>
       </p:ext>
     </p:extLst>
   </p:cSld>
@@ -5440,7 +5126,7 @@
       </p:grpSpPr>
       <p:sp>
         <p:nvSpPr>
-          <p:cNvPr id="16" name="Rectangle 15">
+          <p:cNvPr id="18" name="Rectangle 14">
             <a:extLst>
               <a:ext uri="{FF2B5EF4-FFF2-40B4-BE49-F238E27FC236}">
                 <a16:creationId xmlns:a16="http://schemas.microsoft.com/office/drawing/2014/main" id="{56827C3C-D52F-46CE-A441-3CD6A1A6A0A2}"/>
@@ -5506,7 +5192,7 @@
       </p:sp>
       <p:sp>
         <p:nvSpPr>
-          <p:cNvPr id="18" name="Rectangle 17">
+          <p:cNvPr id="17" name="Rectangle 16">
             <a:extLst>
               <a:ext uri="{FF2B5EF4-FFF2-40B4-BE49-F238E27FC236}">
                 <a16:creationId xmlns:a16="http://schemas.microsoft.com/office/drawing/2014/main" id="{F52A8B51-0A89-497B-B882-6658E029A3F9}"/>
@@ -5576,7 +5262,7 @@
       </p:sp>
       <p:sp>
         <p:nvSpPr>
-          <p:cNvPr id="20" name="Rectangle 19">
+          <p:cNvPr id="19" name="Rectangle 18">
             <a:extLst>
               <a:ext uri="{FF2B5EF4-FFF2-40B4-BE49-F238E27FC236}">
                 <a16:creationId xmlns:a16="http://schemas.microsoft.com/office/drawing/2014/main" id="{EB1CEFBF-6F09-4052-862B-E219DA15757E}"/>
@@ -5646,10 +5332,10 @@
       </p:sp>
       <p:pic>
         <p:nvPicPr>
-          <p:cNvPr id="11" name="slide11" descr="CD(2)">
-            <a:extLst>
-              <a:ext uri="{FF2B5EF4-FFF2-40B4-BE49-F238E27FC236}">
-                <a16:creationId xmlns:a16="http://schemas.microsoft.com/office/drawing/2014/main" id="{A12E4981-FD1E-494D-94D6-D77A5D3D6A93}"/>
+          <p:cNvPr id="10" name="slide10" descr="CD">
+            <a:extLst>
+              <a:ext uri="{FF2B5EF4-FFF2-40B4-BE49-F238E27FC236}">
+                <a16:creationId xmlns:a16="http://schemas.microsoft.com/office/drawing/2014/main" id="{04800761-54F3-484F-9041-A85861D8DA82}"/>
               </a:ext>
             </a:extLst>
           </p:cNvPr>
@@ -5672,8 +5358,8 @@
         </p:blipFill>
         <p:spPr>
           <a:xfrm>
-            <a:off x="1061693" y="965199"/>
-            <a:ext cx="2686095" cy="4928616"/>
+            <a:off x="1086336" y="965199"/>
+            <a:ext cx="2636809" cy="4928616"/>
           </a:xfrm>
           <a:prstGeom prst="rect">
             <a:avLst/>
@@ -5682,7 +5368,7 @@
       </p:pic>
       <p:sp>
         <p:nvSpPr>
-          <p:cNvPr id="22" name="Rectangle 21">
+          <p:cNvPr id="21" name="Rectangle 20">
             <a:extLst>
               <a:ext uri="{FF2B5EF4-FFF2-40B4-BE49-F238E27FC236}">
                 <a16:creationId xmlns:a16="http://schemas.microsoft.com/office/drawing/2014/main" id="{BCB5D417-2A71-445D-B4C7-9E814D633D33}"/>
@@ -5752,10 +5438,10 @@
       </p:sp>
       <p:pic>
         <p:nvPicPr>
-          <p:cNvPr id="4" name="slide5" descr="CA(2)">
-            <a:extLst>
-              <a:ext uri="{FF2B5EF4-FFF2-40B4-BE49-F238E27FC236}">
-                <a16:creationId xmlns:a16="http://schemas.microsoft.com/office/drawing/2014/main" id="{E495EEF9-92B8-43A2-8979-59B55117E5AB}"/>
+          <p:cNvPr id="4" name="slide4" descr="CA">
+            <a:extLst>
+              <a:ext uri="{FF2B5EF4-FFF2-40B4-BE49-F238E27FC236}">
+                <a16:creationId xmlns:a16="http://schemas.microsoft.com/office/drawing/2014/main" id="{80A3FB4B-EB70-4D75-81A2-1A0B093CC475}"/>
               </a:ext>
             </a:extLst>
           </p:cNvPr>
@@ -5778,8 +5464,8 @@
         </p:blipFill>
         <p:spPr>
           <a:xfrm>
-            <a:off x="8435190" y="965199"/>
-            <a:ext cx="2697862" cy="4927601"/>
+            <a:off x="8459828" y="965199"/>
+            <a:ext cx="2648585" cy="4927601"/>
           </a:xfrm>
           <a:prstGeom prst="rect">
             <a:avLst/>
@@ -5788,10 +5474,10 @@
       </p:pic>
       <p:pic>
         <p:nvPicPr>
-          <p:cNvPr id="3" name="slide3" descr="CB(2)">
-            <a:extLst>
-              <a:ext uri="{FF2B5EF4-FFF2-40B4-BE49-F238E27FC236}">
-                <a16:creationId xmlns:a16="http://schemas.microsoft.com/office/drawing/2014/main" id="{52E0801B-518C-45A4-AE4B-83E50C2B9794}"/>
+          <p:cNvPr id="3" name="slide2" descr="CB">
+            <a:extLst>
+              <a:ext uri="{FF2B5EF4-FFF2-40B4-BE49-F238E27FC236}">
+                <a16:creationId xmlns:a16="http://schemas.microsoft.com/office/drawing/2014/main" id="{7465FF10-7D99-4617-85DA-E152750FF2EA}"/>
               </a:ext>
             </a:extLst>
           </p:cNvPr>
@@ -5814,8 +5500,8 @@
         </p:blipFill>
         <p:spPr>
           <a:xfrm>
-            <a:off x="4759388" y="965199"/>
-            <a:ext cx="2673223" cy="4927601"/>
+            <a:off x="4805611" y="965199"/>
+            <a:ext cx="2574671" cy="4927601"/>
           </a:xfrm>
           <a:prstGeom prst="rect">
             <a:avLst/>
@@ -5825,7 +5511,7 @@
     </p:spTree>
     <p:extLst>
       <p:ext uri="{BB962C8B-B14F-4D97-AF65-F5344CB8AC3E}">
-        <p14:creationId xmlns:p14="http://schemas.microsoft.com/office/powerpoint/2010/main" val="3567709201"/>
+        <p14:creationId xmlns:p14="http://schemas.microsoft.com/office/powerpoint/2010/main" val="2022740813"/>
       </p:ext>
     </p:extLst>
   </p:cSld>
@@ -5838,6 +5524,14 @@
 <file path=ppt/slides/slide24.xml><?xml version="1.0" encoding="utf-8"?>
 <p:sld xmlns:a="http://schemas.openxmlformats.org/drawingml/2006/main" xmlns:r="http://schemas.openxmlformats.org/officeDocument/2006/relationships" xmlns:p="http://schemas.openxmlformats.org/presentationml/2006/main">
   <p:cSld>
+    <p:bg>
+      <p:bgPr>
+        <a:solidFill>
+          <a:schemeClr val="bg1"/>
+        </a:solidFill>
+        <a:effectLst/>
+      </p:bgPr>
+    </p:bg>
     <p:spTree>
       <p:nvGrpSpPr>
         <p:cNvPr id="1" name=""/>
@@ -5852,12 +5546,218 @@
           <a:chExt cx="0" cy="0"/>
         </a:xfrm>
       </p:grpSpPr>
+      <p:sp>
+        <p:nvSpPr>
+          <p:cNvPr id="16" name="Rectangle 15">
+            <a:extLst>
+              <a:ext uri="{FF2B5EF4-FFF2-40B4-BE49-F238E27FC236}">
+                <a16:creationId xmlns:a16="http://schemas.microsoft.com/office/drawing/2014/main" id="{56827C3C-D52F-46CE-A441-3CD6A1A6A0A2}"/>
+              </a:ext>
+              <a:ext uri="{C183D7F6-B498-43B3-948B-1728B52AA6E4}">
+                <adec:decorative xmlns:adec="http://schemas.microsoft.com/office/drawing/2017/decorative" val="1"/>
+              </a:ext>
+            </a:extLst>
+          </p:cNvPr>
+          <p:cNvSpPr>
+            <a:spLocks noGrp="1" noRot="1" noChangeAspect="1" noMove="1" noResize="1" noEditPoints="1" noAdjustHandles="1" noChangeArrowheads="1" noChangeShapeType="1" noTextEdit="1"/>
+          </p:cNvSpPr>
+          <p:nvPr>
+            <p:extLst>
+              <p:ext uri="{386F3935-93C4-4BCD-93E2-E3B085C9AB24}">
+                <p16:designElem xmlns:p16="http://schemas.microsoft.com/office/powerpoint/2015/main" val="1"/>
+              </p:ext>
+            </p:extLst>
+          </p:nvPr>
+        </p:nvSpPr>
+        <p:spPr>
+          <a:xfrm>
+            <a:off x="3137" y="0"/>
+            <a:ext cx="12192000" cy="6858000"/>
+          </a:xfrm>
+          <a:prstGeom prst="rect">
+            <a:avLst/>
+          </a:prstGeom>
+          <a:solidFill>
+            <a:schemeClr val="bg1">
+              <a:lumMod val="85000"/>
+              <a:alpha val="90000"/>
+            </a:schemeClr>
+          </a:solidFill>
+          <a:ln>
+            <a:noFill/>
+          </a:ln>
+        </p:spPr>
+        <p:style>
+          <a:lnRef idx="2">
+            <a:schemeClr val="accent1">
+              <a:shade val="50000"/>
+            </a:schemeClr>
+          </a:lnRef>
+          <a:fillRef idx="1">
+            <a:schemeClr val="accent1"/>
+          </a:fillRef>
+          <a:effectRef idx="0">
+            <a:schemeClr val="accent1"/>
+          </a:effectRef>
+          <a:fontRef idx="minor">
+            <a:schemeClr val="lt1"/>
+          </a:fontRef>
+        </p:style>
+        <p:txBody>
+          <a:bodyPr rtlCol="0" anchor="ctr"/>
+          <a:lstStyle/>
+          <a:p>
+            <a:pPr algn="ctr"/>
+            <a:endParaRPr lang="en-US"/>
+          </a:p>
+        </p:txBody>
+      </p:sp>
+      <p:sp>
+        <p:nvSpPr>
+          <p:cNvPr id="18" name="Rectangle 17">
+            <a:extLst>
+              <a:ext uri="{FF2B5EF4-FFF2-40B4-BE49-F238E27FC236}">
+                <a16:creationId xmlns:a16="http://schemas.microsoft.com/office/drawing/2014/main" id="{F52A8B51-0A89-497B-B882-6658E029A3F9}"/>
+              </a:ext>
+              <a:ext uri="{C183D7F6-B498-43B3-948B-1728B52AA6E4}">
+                <adec:decorative xmlns:adec="http://schemas.microsoft.com/office/drawing/2017/decorative" val="1"/>
+              </a:ext>
+            </a:extLst>
+          </p:cNvPr>
+          <p:cNvSpPr>
+            <a:spLocks noGrp="1" noRot="1" noChangeAspect="1" noMove="1" noResize="1" noEditPoints="1" noAdjustHandles="1" noChangeArrowheads="1" noChangeShapeType="1" noTextEdit="1"/>
+          </p:cNvSpPr>
+          <p:nvPr>
+            <p:extLst>
+              <p:ext uri="{386F3935-93C4-4BCD-93E2-E3B085C9AB24}">
+                <p16:designElem xmlns:p16="http://schemas.microsoft.com/office/powerpoint/2015/main" val="1"/>
+              </p:ext>
+            </p:extLst>
+          </p:nvPr>
+        </p:nvSpPr>
+        <p:spPr>
+          <a:xfrm>
+            <a:off x="643467" y="643466"/>
+            <a:ext cx="3522548" cy="5571067"/>
+          </a:xfrm>
+          <a:prstGeom prst="rect">
+            <a:avLst/>
+          </a:prstGeom>
+          <a:solidFill>
+            <a:srgbClr val="FFFFFF"/>
+          </a:solidFill>
+          <a:ln w="9525">
+            <a:noFill/>
+          </a:ln>
+          <a:effectLst>
+            <a:outerShdw blurRad="63500" dist="17780" dir="5400000" algn="t" rotWithShape="0">
+              <a:prstClr val="black">
+                <a:alpha val="43000"/>
+              </a:prstClr>
+            </a:outerShdw>
+          </a:effectLst>
+        </p:spPr>
+        <p:style>
+          <a:lnRef idx="2">
+            <a:schemeClr val="accent1">
+              <a:shade val="50000"/>
+            </a:schemeClr>
+          </a:lnRef>
+          <a:fillRef idx="1">
+            <a:schemeClr val="accent1"/>
+          </a:fillRef>
+          <a:effectRef idx="0">
+            <a:schemeClr val="accent1"/>
+          </a:effectRef>
+          <a:fontRef idx="minor">
+            <a:schemeClr val="lt1"/>
+          </a:fontRef>
+        </p:style>
+        <p:txBody>
+          <a:bodyPr rtlCol="0" anchor="ctr"/>
+          <a:lstStyle/>
+          <a:p>
+            <a:pPr algn="ctr"/>
+            <a:endParaRPr lang="en-US"/>
+          </a:p>
+        </p:txBody>
+      </p:sp>
+      <p:sp>
+        <p:nvSpPr>
+          <p:cNvPr id="20" name="Rectangle 19">
+            <a:extLst>
+              <a:ext uri="{FF2B5EF4-FFF2-40B4-BE49-F238E27FC236}">
+                <a16:creationId xmlns:a16="http://schemas.microsoft.com/office/drawing/2014/main" id="{EB1CEFBF-6F09-4052-862B-E219DA15757E}"/>
+              </a:ext>
+              <a:ext uri="{C183D7F6-B498-43B3-948B-1728B52AA6E4}">
+                <adec:decorative xmlns:adec="http://schemas.microsoft.com/office/drawing/2017/decorative" val="1"/>
+              </a:ext>
+            </a:extLst>
+          </p:cNvPr>
+          <p:cNvSpPr>
+            <a:spLocks noGrp="1" noRot="1" noChangeAspect="1" noMove="1" noResize="1" noEditPoints="1" noAdjustHandles="1" noChangeArrowheads="1" noChangeShapeType="1" noTextEdit="1"/>
+          </p:cNvSpPr>
+          <p:nvPr>
+            <p:extLst>
+              <p:ext uri="{386F3935-93C4-4BCD-93E2-E3B085C9AB24}">
+                <p16:designElem xmlns:p16="http://schemas.microsoft.com/office/powerpoint/2015/main" val="1"/>
+              </p:ext>
+            </p:extLst>
+          </p:nvPr>
+        </p:nvSpPr>
+        <p:spPr>
+          <a:xfrm>
+            <a:off x="4326882" y="643466"/>
+            <a:ext cx="3522548" cy="5571067"/>
+          </a:xfrm>
+          <a:prstGeom prst="rect">
+            <a:avLst/>
+          </a:prstGeom>
+          <a:solidFill>
+            <a:srgbClr val="FFFFFF"/>
+          </a:solidFill>
+          <a:ln w="9525">
+            <a:noFill/>
+          </a:ln>
+          <a:effectLst>
+            <a:outerShdw blurRad="63500" dist="17780" dir="5400000" algn="t" rotWithShape="0">
+              <a:prstClr val="black">
+                <a:alpha val="43000"/>
+              </a:prstClr>
+            </a:outerShdw>
+          </a:effectLst>
+        </p:spPr>
+        <p:style>
+          <a:lnRef idx="2">
+            <a:schemeClr val="accent1">
+              <a:shade val="50000"/>
+            </a:schemeClr>
+          </a:lnRef>
+          <a:fillRef idx="1">
+            <a:schemeClr val="accent1"/>
+          </a:fillRef>
+          <a:effectRef idx="0">
+            <a:schemeClr val="accent1"/>
+          </a:effectRef>
+          <a:fontRef idx="minor">
+            <a:schemeClr val="lt1"/>
+          </a:fontRef>
+        </p:style>
+        <p:txBody>
+          <a:bodyPr rtlCol="0" anchor="ctr"/>
+          <a:lstStyle/>
+          <a:p>
+            <a:pPr algn="ctr"/>
+            <a:endParaRPr lang="en-US"/>
+          </a:p>
+        </p:txBody>
+      </p:sp>
       <p:pic>
         <p:nvPicPr>
-          <p:cNvPr id="10" name="slide10" descr="CD">
-            <a:extLst>
-              <a:ext uri="{FF2B5EF4-FFF2-40B4-BE49-F238E27FC236}">
-                <a16:creationId xmlns:a16="http://schemas.microsoft.com/office/drawing/2014/main" id="{04800761-54F3-484F-9041-A85861D8DA82}"/>
+          <p:cNvPr id="11" name="slide11" descr="CD(2)">
+            <a:extLst>
+              <a:ext uri="{FF2B5EF4-FFF2-40B4-BE49-F238E27FC236}">
+                <a16:creationId xmlns:a16="http://schemas.microsoft.com/office/drawing/2014/main" id="{A12E4981-FD1E-494D-94D6-D77A5D3D6A93}"/>
               </a:ext>
             </a:extLst>
           </p:cNvPr>
@@ -5880,8 +5780,150 @@
         </p:blipFill>
         <p:spPr>
           <a:xfrm>
-            <a:off x="4259326" y="0"/>
-            <a:ext cx="3673346" cy="6858000"/>
+            <a:off x="1061693" y="965199"/>
+            <a:ext cx="2686095" cy="4928616"/>
+          </a:xfrm>
+          <a:prstGeom prst="rect">
+            <a:avLst/>
+          </a:prstGeom>
+        </p:spPr>
+      </p:pic>
+      <p:sp>
+        <p:nvSpPr>
+          <p:cNvPr id="22" name="Rectangle 21">
+            <a:extLst>
+              <a:ext uri="{FF2B5EF4-FFF2-40B4-BE49-F238E27FC236}">
+                <a16:creationId xmlns:a16="http://schemas.microsoft.com/office/drawing/2014/main" id="{BCB5D417-2A71-445D-B4C7-9E814D633D33}"/>
+              </a:ext>
+              <a:ext uri="{C183D7F6-B498-43B3-948B-1728B52AA6E4}">
+                <adec:decorative xmlns:adec="http://schemas.microsoft.com/office/drawing/2017/decorative" val="1"/>
+              </a:ext>
+            </a:extLst>
+          </p:cNvPr>
+          <p:cNvSpPr>
+            <a:spLocks noGrp="1" noRot="1" noChangeAspect="1" noMove="1" noResize="1" noEditPoints="1" noAdjustHandles="1" noChangeArrowheads="1" noChangeShapeType="1" noTextEdit="1"/>
+          </p:cNvSpPr>
+          <p:nvPr>
+            <p:extLst>
+              <p:ext uri="{386F3935-93C4-4BCD-93E2-E3B085C9AB24}">
+                <p16:designElem xmlns:p16="http://schemas.microsoft.com/office/powerpoint/2015/main" val="1"/>
+              </p:ext>
+            </p:extLst>
+          </p:nvPr>
+        </p:nvSpPr>
+        <p:spPr>
+          <a:xfrm>
+            <a:off x="8022847" y="643466"/>
+            <a:ext cx="3522548" cy="5571067"/>
+          </a:xfrm>
+          <a:prstGeom prst="rect">
+            <a:avLst/>
+          </a:prstGeom>
+          <a:solidFill>
+            <a:srgbClr val="FFFFFF"/>
+          </a:solidFill>
+          <a:ln w="9525">
+            <a:noFill/>
+          </a:ln>
+          <a:effectLst>
+            <a:outerShdw blurRad="63500" dist="17780" dir="5400000" algn="t" rotWithShape="0">
+              <a:prstClr val="black">
+                <a:alpha val="43000"/>
+              </a:prstClr>
+            </a:outerShdw>
+          </a:effectLst>
+        </p:spPr>
+        <p:style>
+          <a:lnRef idx="2">
+            <a:schemeClr val="accent1">
+              <a:shade val="50000"/>
+            </a:schemeClr>
+          </a:lnRef>
+          <a:fillRef idx="1">
+            <a:schemeClr val="accent1"/>
+          </a:fillRef>
+          <a:effectRef idx="0">
+            <a:schemeClr val="accent1"/>
+          </a:effectRef>
+          <a:fontRef idx="minor">
+            <a:schemeClr val="lt1"/>
+          </a:fontRef>
+        </p:style>
+        <p:txBody>
+          <a:bodyPr rtlCol="0" anchor="ctr"/>
+          <a:lstStyle/>
+          <a:p>
+            <a:pPr algn="ctr"/>
+            <a:endParaRPr lang="en-US"/>
+          </a:p>
+        </p:txBody>
+      </p:sp>
+      <p:pic>
+        <p:nvPicPr>
+          <p:cNvPr id="4" name="slide5" descr="CA(2)">
+            <a:extLst>
+              <a:ext uri="{FF2B5EF4-FFF2-40B4-BE49-F238E27FC236}">
+                <a16:creationId xmlns:a16="http://schemas.microsoft.com/office/drawing/2014/main" id="{E495EEF9-92B8-43A2-8979-59B55117E5AB}"/>
+              </a:ext>
+            </a:extLst>
+          </p:cNvPr>
+          <p:cNvPicPr>
+            <a:picLocks noChangeAspect="1"/>
+          </p:cNvPicPr>
+          <p:nvPr/>
+        </p:nvPicPr>
+        <p:blipFill>
+          <a:blip r:embed="rId3">
+            <a:extLst>
+              <a:ext uri="{28A0092B-C50C-407E-A947-70E740481C1C}">
+                <a14:useLocalDpi xmlns:a14="http://schemas.microsoft.com/office/drawing/2010/main" val="0"/>
+              </a:ext>
+            </a:extLst>
+          </a:blip>
+          <a:stretch>
+            <a:fillRect/>
+          </a:stretch>
+        </p:blipFill>
+        <p:spPr>
+          <a:xfrm>
+            <a:off x="8435190" y="965199"/>
+            <a:ext cx="2697862" cy="4927601"/>
+          </a:xfrm>
+          <a:prstGeom prst="rect">
+            <a:avLst/>
+          </a:prstGeom>
+        </p:spPr>
+      </p:pic>
+      <p:pic>
+        <p:nvPicPr>
+          <p:cNvPr id="3" name="slide3" descr="CB(2)">
+            <a:extLst>
+              <a:ext uri="{FF2B5EF4-FFF2-40B4-BE49-F238E27FC236}">
+                <a16:creationId xmlns:a16="http://schemas.microsoft.com/office/drawing/2014/main" id="{52E0801B-518C-45A4-AE4B-83E50C2B9794}"/>
+              </a:ext>
+            </a:extLst>
+          </p:cNvPr>
+          <p:cNvPicPr>
+            <a:picLocks noChangeAspect="1"/>
+          </p:cNvPicPr>
+          <p:nvPr/>
+        </p:nvPicPr>
+        <p:blipFill>
+          <a:blip r:embed="rId4">
+            <a:extLst>
+              <a:ext uri="{28A0092B-C50C-407E-A947-70E740481C1C}">
+                <a14:useLocalDpi xmlns:a14="http://schemas.microsoft.com/office/drawing/2010/main" val="0"/>
+              </a:ext>
+            </a:extLst>
+          </a:blip>
+          <a:stretch>
+            <a:fillRect/>
+          </a:stretch>
+        </p:blipFill>
+        <p:spPr>
+          <a:xfrm>
+            <a:off x="4759388" y="965199"/>
+            <a:ext cx="2673223" cy="4927601"/>
           </a:xfrm>
           <a:prstGeom prst="rect">
             <a:avLst/>
@@ -5891,7 +5933,7 @@
     </p:spTree>
     <p:extLst>
       <p:ext uri="{BB962C8B-B14F-4D97-AF65-F5344CB8AC3E}">
-        <p14:creationId xmlns:p14="http://schemas.microsoft.com/office/powerpoint/2010/main" val="2466640410"/>
+        <p14:creationId xmlns:p14="http://schemas.microsoft.com/office/powerpoint/2010/main" val="3567709201"/>
       </p:ext>
     </p:extLst>
   </p:cSld>
@@ -5920,10 +5962,10 @@
       </p:grpSpPr>
       <p:pic>
         <p:nvPicPr>
-          <p:cNvPr id="11" name="slide11" descr="CD(2)">
-            <a:extLst>
-              <a:ext uri="{FF2B5EF4-FFF2-40B4-BE49-F238E27FC236}">
-                <a16:creationId xmlns:a16="http://schemas.microsoft.com/office/drawing/2014/main" id="{A12E4981-FD1E-494D-94D6-D77A5D3D6A93}"/>
+          <p:cNvPr id="10" name="slide10" descr="CD">
+            <a:extLst>
+              <a:ext uri="{FF2B5EF4-FFF2-40B4-BE49-F238E27FC236}">
+                <a16:creationId xmlns:a16="http://schemas.microsoft.com/office/drawing/2014/main" id="{04800761-54F3-484F-9041-A85861D8DA82}"/>
               </a:ext>
             </a:extLst>
           </p:cNvPr>
@@ -5946,8 +5988,8 @@
         </p:blipFill>
         <p:spPr>
           <a:xfrm>
-            <a:off x="4226747" y="0"/>
-            <a:ext cx="3738506" cy="6858000"/>
+            <a:off x="4259326" y="0"/>
+            <a:ext cx="3673346" cy="6858000"/>
           </a:xfrm>
           <a:prstGeom prst="rect">
             <a:avLst/>
@@ -5957,7 +5999,7 @@
     </p:spTree>
     <p:extLst>
       <p:ext uri="{BB962C8B-B14F-4D97-AF65-F5344CB8AC3E}">
-        <p14:creationId xmlns:p14="http://schemas.microsoft.com/office/powerpoint/2010/main" val="2318493376"/>
+        <p14:creationId xmlns:p14="http://schemas.microsoft.com/office/powerpoint/2010/main" val="2466640410"/>
       </p:ext>
     </p:extLst>
   </p:cSld>
@@ -5986,10 +6028,10 @@
       </p:grpSpPr>
       <p:pic>
         <p:nvPicPr>
-          <p:cNvPr id="2" name="slide2" descr="CB">
-            <a:extLst>
-              <a:ext uri="{FF2B5EF4-FFF2-40B4-BE49-F238E27FC236}">
-                <a16:creationId xmlns:a16="http://schemas.microsoft.com/office/drawing/2014/main" id="{13E38DAB-3CF4-465F-A8FF-CED04327838A}"/>
+          <p:cNvPr id="11" name="slide11" descr="CD(2)">
+            <a:extLst>
+              <a:ext uri="{FF2B5EF4-FFF2-40B4-BE49-F238E27FC236}">
+                <a16:creationId xmlns:a16="http://schemas.microsoft.com/office/drawing/2014/main" id="{A12E4981-FD1E-494D-94D6-D77A5D3D6A93}"/>
               </a:ext>
             </a:extLst>
           </p:cNvPr>
@@ -6012,8 +6054,8 @@
         </p:blipFill>
         <p:spPr>
           <a:xfrm>
-            <a:off x="4304019" y="0"/>
-            <a:ext cx="3583960" cy="6858000"/>
+            <a:off x="4226747" y="0"/>
+            <a:ext cx="3738506" cy="6858000"/>
           </a:xfrm>
           <a:prstGeom prst="rect">
             <a:avLst/>
@@ -6023,7 +6065,7 @@
     </p:spTree>
     <p:extLst>
       <p:ext uri="{BB962C8B-B14F-4D97-AF65-F5344CB8AC3E}">
-        <p14:creationId xmlns:p14="http://schemas.microsoft.com/office/powerpoint/2010/main" val="3185114436"/>
+        <p14:creationId xmlns:p14="http://schemas.microsoft.com/office/powerpoint/2010/main" val="2318493376"/>
       </p:ext>
     </p:extLst>
   </p:cSld>
@@ -6052,10 +6094,10 @@
       </p:grpSpPr>
       <p:pic>
         <p:nvPicPr>
-          <p:cNvPr id="3" name="slide3" descr="CB(2)">
-            <a:extLst>
-              <a:ext uri="{FF2B5EF4-FFF2-40B4-BE49-F238E27FC236}">
-                <a16:creationId xmlns:a16="http://schemas.microsoft.com/office/drawing/2014/main" id="{F1052274-EEDE-48C3-AD62-0E5C5FE2E7BD}"/>
+          <p:cNvPr id="2" name="slide2" descr="CB">
+            <a:extLst>
+              <a:ext uri="{FF2B5EF4-FFF2-40B4-BE49-F238E27FC236}">
+                <a16:creationId xmlns:a16="http://schemas.microsoft.com/office/drawing/2014/main" id="{13E38DAB-3CF4-465F-A8FF-CED04327838A}"/>
               </a:ext>
             </a:extLst>
           </p:cNvPr>
@@ -6078,8 +6120,8 @@
         </p:blipFill>
         <p:spPr>
           <a:xfrm>
-            <a:off x="4236473" y="0"/>
-            <a:ext cx="3719054" cy="6858000"/>
+            <a:off x="4304019" y="0"/>
+            <a:ext cx="3583960" cy="6858000"/>
           </a:xfrm>
           <a:prstGeom prst="rect">
             <a:avLst/>
@@ -6089,7 +6131,7 @@
     </p:spTree>
     <p:extLst>
       <p:ext uri="{BB962C8B-B14F-4D97-AF65-F5344CB8AC3E}">
-        <p14:creationId xmlns:p14="http://schemas.microsoft.com/office/powerpoint/2010/main" val="2585981157"/>
+        <p14:creationId xmlns:p14="http://schemas.microsoft.com/office/powerpoint/2010/main" val="3185114436"/>
       </p:ext>
     </p:extLst>
   </p:cSld>
@@ -6118,10 +6160,10 @@
       </p:grpSpPr>
       <p:pic>
         <p:nvPicPr>
-          <p:cNvPr id="4" name="slide4" descr="CA">
-            <a:extLst>
-              <a:ext uri="{FF2B5EF4-FFF2-40B4-BE49-F238E27FC236}">
-                <a16:creationId xmlns:a16="http://schemas.microsoft.com/office/drawing/2014/main" id="{C3546220-9BAF-4F24-8383-34FB0F65AA40}"/>
+          <p:cNvPr id="3" name="slide3" descr="CB(2)">
+            <a:extLst>
+              <a:ext uri="{FF2B5EF4-FFF2-40B4-BE49-F238E27FC236}">
+                <a16:creationId xmlns:a16="http://schemas.microsoft.com/office/drawing/2014/main" id="{F1052274-EEDE-48C3-AD62-0E5C5FE2E7BD}"/>
               </a:ext>
             </a:extLst>
           </p:cNvPr>
@@ -6144,8 +6186,8 @@
         </p:blipFill>
         <p:spPr>
           <a:xfrm>
-            <a:off x="4252759" y="0"/>
-            <a:ext cx="3686481" cy="6858000"/>
+            <a:off x="4236473" y="0"/>
+            <a:ext cx="3719054" cy="6858000"/>
           </a:xfrm>
           <a:prstGeom prst="rect">
             <a:avLst/>
@@ -6155,7 +6197,7 @@
     </p:spTree>
     <p:extLst>
       <p:ext uri="{BB962C8B-B14F-4D97-AF65-F5344CB8AC3E}">
-        <p14:creationId xmlns:p14="http://schemas.microsoft.com/office/powerpoint/2010/main" val="4096146974"/>
+        <p14:creationId xmlns:p14="http://schemas.microsoft.com/office/powerpoint/2010/main" val="2585981157"/>
       </p:ext>
     </p:extLst>
   </p:cSld>
@@ -6184,10 +6226,10 @@
       </p:grpSpPr>
       <p:pic>
         <p:nvPicPr>
-          <p:cNvPr id="5" name="slide5" descr="CA(2)">
-            <a:extLst>
-              <a:ext uri="{FF2B5EF4-FFF2-40B4-BE49-F238E27FC236}">
-                <a16:creationId xmlns:a16="http://schemas.microsoft.com/office/drawing/2014/main" id="{73662CCC-4147-4F08-883F-91E196F575A5}"/>
+          <p:cNvPr id="4" name="slide4" descr="CA">
+            <a:extLst>
+              <a:ext uri="{FF2B5EF4-FFF2-40B4-BE49-F238E27FC236}">
+                <a16:creationId xmlns:a16="http://schemas.microsoft.com/office/drawing/2014/main" id="{C3546220-9BAF-4F24-8383-34FB0F65AA40}"/>
               </a:ext>
             </a:extLst>
           </p:cNvPr>
@@ -6210,8 +6252,8 @@
         </p:blipFill>
         <p:spPr>
           <a:xfrm>
-            <a:off x="4220063" y="0"/>
-            <a:ext cx="3751873" cy="6858000"/>
+            <a:off x="4252759" y="0"/>
+            <a:ext cx="3686481" cy="6858000"/>
           </a:xfrm>
           <a:prstGeom prst="rect">
             <a:avLst/>
@@ -6221,7 +6263,7 @@
     </p:spTree>
     <p:extLst>
       <p:ext uri="{BB962C8B-B14F-4D97-AF65-F5344CB8AC3E}">
-        <p14:creationId xmlns:p14="http://schemas.microsoft.com/office/powerpoint/2010/main" val="2159750714"/>
+        <p14:creationId xmlns:p14="http://schemas.microsoft.com/office/powerpoint/2010/main" val="4096146974"/>
       </p:ext>
     </p:extLst>
   </p:cSld>
@@ -6250,10 +6292,10 @@
       </p:grpSpPr>
       <p:pic>
         <p:nvPicPr>
-          <p:cNvPr id="3" name="slide3" descr="occluded(B)">
-            <a:extLst>
-              <a:ext uri="{FF2B5EF4-FFF2-40B4-BE49-F238E27FC236}">
-                <a16:creationId xmlns:a16="http://schemas.microsoft.com/office/drawing/2014/main" id="{0A6B0D1F-E860-400F-BFD3-5D6BBEAE62B8}"/>
+          <p:cNvPr id="2" name="slide2" descr="personCount(A)">
+            <a:extLst>
+              <a:ext uri="{FF2B5EF4-FFF2-40B4-BE49-F238E27FC236}">
+                <a16:creationId xmlns:a16="http://schemas.microsoft.com/office/drawing/2014/main" id="{E1EB8E3D-6FF9-4BA3-A0E1-1555B2949C99}"/>
               </a:ext>
             </a:extLst>
           </p:cNvPr>
@@ -6276,8 +6318,8 @@
         </p:blipFill>
         <p:spPr>
           <a:xfrm>
-            <a:off x="5130139" y="0"/>
-            <a:ext cx="1931721" cy="6858000"/>
+            <a:off x="4837614" y="0"/>
+            <a:ext cx="2516772" cy="6858000"/>
           </a:xfrm>
           <a:prstGeom prst="rect">
             <a:avLst/>
@@ -6288,6 +6330,72 @@
     <p:extLst>
       <p:ext uri="{BB962C8B-B14F-4D97-AF65-F5344CB8AC3E}">
         <p14:creationId xmlns:p14="http://schemas.microsoft.com/office/powerpoint/2010/main" val="95992585"/>
+      </p:ext>
+    </p:extLst>
+  </p:cSld>
+  <p:clrMapOvr>
+    <a:masterClrMapping/>
+  </p:clrMapOvr>
+</p:sld>
+</file>
+
+<file path=ppt/slides/slide30.xml><?xml version="1.0" encoding="utf-8"?>
+<p:sld xmlns:a="http://schemas.openxmlformats.org/drawingml/2006/main" xmlns:r="http://schemas.openxmlformats.org/officeDocument/2006/relationships" xmlns:p="http://schemas.openxmlformats.org/presentationml/2006/main">
+  <p:cSld>
+    <p:spTree>
+      <p:nvGrpSpPr>
+        <p:cNvPr id="1" name=""/>
+        <p:cNvGrpSpPr/>
+        <p:nvPr/>
+      </p:nvGrpSpPr>
+      <p:grpSpPr>
+        <a:xfrm>
+          <a:off x="0" y="0"/>
+          <a:ext cx="0" cy="0"/>
+          <a:chOff x="0" y="0"/>
+          <a:chExt cx="0" cy="0"/>
+        </a:xfrm>
+      </p:grpSpPr>
+      <p:pic>
+        <p:nvPicPr>
+          <p:cNvPr id="5" name="slide5" descr="CA(2)">
+            <a:extLst>
+              <a:ext uri="{FF2B5EF4-FFF2-40B4-BE49-F238E27FC236}">
+                <a16:creationId xmlns:a16="http://schemas.microsoft.com/office/drawing/2014/main" id="{73662CCC-4147-4F08-883F-91E196F575A5}"/>
+              </a:ext>
+            </a:extLst>
+          </p:cNvPr>
+          <p:cNvPicPr>
+            <a:picLocks noChangeAspect="1"/>
+          </p:cNvPicPr>
+          <p:nvPr/>
+        </p:nvPicPr>
+        <p:blipFill>
+          <a:blip r:embed="rId2">
+            <a:extLst>
+              <a:ext uri="{28A0092B-C50C-407E-A947-70E740481C1C}">
+                <a14:useLocalDpi xmlns:a14="http://schemas.microsoft.com/office/drawing/2010/main" val="0"/>
+              </a:ext>
+            </a:extLst>
+          </a:blip>
+          <a:stretch>
+            <a:fillRect/>
+          </a:stretch>
+        </p:blipFill>
+        <p:spPr>
+          <a:xfrm>
+            <a:off x="4220063" y="0"/>
+            <a:ext cx="3751873" cy="6858000"/>
+          </a:xfrm>
+          <a:prstGeom prst="rect">
+            <a:avLst/>
+          </a:prstGeom>
+        </p:spPr>
+      </p:pic>
+    </p:spTree>
+    <p:extLst>
+      <p:ext uri="{BB962C8B-B14F-4D97-AF65-F5344CB8AC3E}">
+        <p14:creationId xmlns:p14="http://schemas.microsoft.com/office/powerpoint/2010/main" val="2159750714"/>
       </p:ext>
     </p:extLst>
   </p:cSld>
@@ -6316,10 +6424,10 @@
       </p:grpSpPr>
       <p:pic>
         <p:nvPicPr>
-          <p:cNvPr id="4" name="slide4" descr="posture(C)">
-            <a:extLst>
-              <a:ext uri="{FF2B5EF4-FFF2-40B4-BE49-F238E27FC236}">
-                <a16:creationId xmlns:a16="http://schemas.microsoft.com/office/drawing/2014/main" id="{280150D3-935C-4ACC-B262-6F41C59D4C5E}"/>
+          <p:cNvPr id="3" name="slide3" descr="occluded(B)">
+            <a:extLst>
+              <a:ext uri="{FF2B5EF4-FFF2-40B4-BE49-F238E27FC236}">
+                <a16:creationId xmlns:a16="http://schemas.microsoft.com/office/drawing/2014/main" id="{0A6B0D1F-E860-400F-BFD3-5D6BBEAE62B8}"/>
               </a:ext>
             </a:extLst>
           </p:cNvPr>
@@ -6342,8 +6450,8 @@
         </p:blipFill>
         <p:spPr>
           <a:xfrm>
-            <a:off x="4868235" y="0"/>
-            <a:ext cx="2455529" cy="6858000"/>
+            <a:off x="5130139" y="0"/>
+            <a:ext cx="1931721" cy="6858000"/>
           </a:xfrm>
           <a:prstGeom prst="rect">
             <a:avLst/>
@@ -6382,10 +6490,10 @@
       </p:grpSpPr>
       <p:pic>
         <p:nvPicPr>
-          <p:cNvPr id="5" name="slide5" descr="personType(D)">
-            <a:extLst>
-              <a:ext uri="{FF2B5EF4-FFF2-40B4-BE49-F238E27FC236}">
-                <a16:creationId xmlns:a16="http://schemas.microsoft.com/office/drawing/2014/main" id="{C20503D9-3002-4BF8-BB8E-372B62B380B8}"/>
+          <p:cNvPr id="4" name="slide4" descr="posture(C)">
+            <a:extLst>
+              <a:ext uri="{FF2B5EF4-FFF2-40B4-BE49-F238E27FC236}">
+                <a16:creationId xmlns:a16="http://schemas.microsoft.com/office/drawing/2014/main" id="{280150D3-935C-4ACC-B262-6F41C59D4C5E}"/>
               </a:ext>
             </a:extLst>
           </p:cNvPr>
@@ -6408,8 +6516,8 @@
         </p:blipFill>
         <p:spPr>
           <a:xfrm>
-            <a:off x="5106636" y="0"/>
-            <a:ext cx="1978727" cy="6858000"/>
+            <a:off x="4868235" y="0"/>
+            <a:ext cx="2455529" cy="6858000"/>
           </a:xfrm>
           <a:prstGeom prst="rect">
             <a:avLst/>
@@ -6432,14 +6540,6 @@
 <file path=ppt/slides/slide6.xml><?xml version="1.0" encoding="utf-8"?>
 <p:sld xmlns:a="http://schemas.openxmlformats.org/drawingml/2006/main" xmlns:r="http://schemas.openxmlformats.org/officeDocument/2006/relationships" xmlns:p="http://schemas.openxmlformats.org/presentationml/2006/main">
   <p:cSld>
-    <p:bg>
-      <p:bgPr>
-        <a:solidFill>
-          <a:schemeClr val="bg1"/>
-        </a:solidFill>
-        <a:effectLst/>
-      </p:bgPr>
-    </p:bg>
     <p:spTree>
       <p:nvGrpSpPr>
         <p:cNvPr id="1" name=""/>
@@ -6454,148 +6554,12 @@
           <a:chExt cx="0" cy="0"/>
         </a:xfrm>
       </p:grpSpPr>
-      <p:sp>
-        <p:nvSpPr>
-          <p:cNvPr id="10" name="Rectangle 9">
-            <a:extLst>
-              <a:ext uri="{FF2B5EF4-FFF2-40B4-BE49-F238E27FC236}">
-                <a16:creationId xmlns:a16="http://schemas.microsoft.com/office/drawing/2014/main" id="{56827C3C-D52F-46CE-A441-3CD6A1A6A0A2}"/>
-              </a:ext>
-              <a:ext uri="{C183D7F6-B498-43B3-948B-1728B52AA6E4}">
-                <adec:decorative xmlns:adec="http://schemas.microsoft.com/office/drawing/2017/decorative" val="1"/>
-              </a:ext>
-            </a:extLst>
-          </p:cNvPr>
-          <p:cNvSpPr>
-            <a:spLocks noGrp="1" noRot="1" noChangeAspect="1" noMove="1" noResize="1" noEditPoints="1" noAdjustHandles="1" noChangeArrowheads="1" noChangeShapeType="1" noTextEdit="1"/>
-          </p:cNvSpPr>
-          <p:nvPr>
-            <p:extLst>
-              <p:ext uri="{386F3935-93C4-4BCD-93E2-E3B085C9AB24}">
-                <p16:designElem xmlns:p16="http://schemas.microsoft.com/office/powerpoint/2015/main" val="1"/>
-              </p:ext>
-            </p:extLst>
-          </p:nvPr>
-        </p:nvSpPr>
-        <p:spPr>
-          <a:xfrm>
-            <a:off x="3137" y="0"/>
-            <a:ext cx="12192000" cy="6858000"/>
-          </a:xfrm>
-          <a:prstGeom prst="rect">
-            <a:avLst/>
-          </a:prstGeom>
-          <a:solidFill>
-            <a:schemeClr val="bg1">
-              <a:lumMod val="85000"/>
-              <a:alpha val="90000"/>
-            </a:schemeClr>
-          </a:solidFill>
-          <a:ln>
-            <a:noFill/>
-          </a:ln>
-        </p:spPr>
-        <p:style>
-          <a:lnRef idx="2">
-            <a:schemeClr val="accent1">
-              <a:shade val="50000"/>
-            </a:schemeClr>
-          </a:lnRef>
-          <a:fillRef idx="1">
-            <a:schemeClr val="accent1"/>
-          </a:fillRef>
-          <a:effectRef idx="0">
-            <a:schemeClr val="accent1"/>
-          </a:effectRef>
-          <a:fontRef idx="minor">
-            <a:schemeClr val="lt1"/>
-          </a:fontRef>
-        </p:style>
-        <p:txBody>
-          <a:bodyPr rtlCol="0" anchor="ctr"/>
-          <a:lstStyle/>
-          <a:p>
-            <a:pPr algn="ctr"/>
-            <a:endParaRPr lang="en-US"/>
-          </a:p>
-        </p:txBody>
-      </p:sp>
-      <p:sp>
-        <p:nvSpPr>
-          <p:cNvPr id="12" name="Rectangle 11">
-            <a:extLst>
-              <a:ext uri="{FF2B5EF4-FFF2-40B4-BE49-F238E27FC236}">
-                <a16:creationId xmlns:a16="http://schemas.microsoft.com/office/drawing/2014/main" id="{F52A8B51-0A89-497B-B882-6658E029A3F9}"/>
-              </a:ext>
-              <a:ext uri="{C183D7F6-B498-43B3-948B-1728B52AA6E4}">
-                <adec:decorative xmlns:adec="http://schemas.microsoft.com/office/drawing/2017/decorative" val="1"/>
-              </a:ext>
-            </a:extLst>
-          </p:cNvPr>
-          <p:cNvSpPr>
-            <a:spLocks noGrp="1" noRot="1" noChangeAspect="1" noMove="1" noResize="1" noEditPoints="1" noAdjustHandles="1" noChangeArrowheads="1" noChangeShapeType="1" noTextEdit="1"/>
-          </p:cNvSpPr>
-          <p:nvPr>
-            <p:extLst>
-              <p:ext uri="{386F3935-93C4-4BCD-93E2-E3B085C9AB24}">
-                <p16:designElem xmlns:p16="http://schemas.microsoft.com/office/powerpoint/2015/main" val="1"/>
-              </p:ext>
-            </p:extLst>
-          </p:nvPr>
-        </p:nvSpPr>
-        <p:spPr>
-          <a:xfrm>
-            <a:off x="643467" y="643466"/>
-            <a:ext cx="3522548" cy="5571067"/>
-          </a:xfrm>
-          <a:prstGeom prst="rect">
-            <a:avLst/>
-          </a:prstGeom>
-          <a:solidFill>
-            <a:srgbClr val="FFFFFF"/>
-          </a:solidFill>
-          <a:ln w="9525">
-            <a:noFill/>
-          </a:ln>
-          <a:effectLst>
-            <a:outerShdw blurRad="63500" dist="17780" dir="5400000" algn="t" rotWithShape="0">
-              <a:prstClr val="black">
-                <a:alpha val="43000"/>
-              </a:prstClr>
-            </a:outerShdw>
-          </a:effectLst>
-        </p:spPr>
-        <p:style>
-          <a:lnRef idx="2">
-            <a:schemeClr val="accent1">
-              <a:shade val="50000"/>
-            </a:schemeClr>
-          </a:lnRef>
-          <a:fillRef idx="1">
-            <a:schemeClr val="accent1"/>
-          </a:fillRef>
-          <a:effectRef idx="0">
-            <a:schemeClr val="accent1"/>
-          </a:effectRef>
-          <a:fontRef idx="minor">
-            <a:schemeClr val="lt1"/>
-          </a:fontRef>
-        </p:style>
-        <p:txBody>
-          <a:bodyPr rtlCol="0" anchor="ctr"/>
-          <a:lstStyle/>
-          <a:p>
-            <a:pPr algn="ctr"/>
-            <a:endParaRPr lang="en-US"/>
-          </a:p>
-        </p:txBody>
-      </p:sp>
       <p:pic>
         <p:nvPicPr>
-          <p:cNvPr id="3" name="slide3" descr="AB">
-            <a:extLst>
-              <a:ext uri="{FF2B5EF4-FFF2-40B4-BE49-F238E27FC236}">
-                <a16:creationId xmlns:a16="http://schemas.microsoft.com/office/drawing/2014/main" id="{21A497E9-9176-462F-8DD0-C9732AE579DD}"/>
+          <p:cNvPr id="5" name="slide5" descr="personType(D)">
+            <a:extLst>
+              <a:ext uri="{FF2B5EF4-FFF2-40B4-BE49-F238E27FC236}">
+                <a16:creationId xmlns:a16="http://schemas.microsoft.com/office/drawing/2014/main" id="{C20503D9-3002-4BF8-BB8E-372B62B380B8}"/>
               </a:ext>
             </a:extLst>
           </p:cNvPr>
@@ -6618,220 +6582,8 @@
         </p:blipFill>
         <p:spPr>
           <a:xfrm>
-            <a:off x="1289871" y="965199"/>
-            <a:ext cx="2229740" cy="4927601"/>
-          </a:xfrm>
-          <a:prstGeom prst="rect">
-            <a:avLst/>
-          </a:prstGeom>
-        </p:spPr>
-      </p:pic>
-      <p:sp>
-        <p:nvSpPr>
-          <p:cNvPr id="14" name="Rectangle 13">
-            <a:extLst>
-              <a:ext uri="{FF2B5EF4-FFF2-40B4-BE49-F238E27FC236}">
-                <a16:creationId xmlns:a16="http://schemas.microsoft.com/office/drawing/2014/main" id="{EB1CEFBF-6F09-4052-862B-E219DA15757E}"/>
-              </a:ext>
-              <a:ext uri="{C183D7F6-B498-43B3-948B-1728B52AA6E4}">
-                <adec:decorative xmlns:adec="http://schemas.microsoft.com/office/drawing/2017/decorative" val="1"/>
-              </a:ext>
-            </a:extLst>
-          </p:cNvPr>
-          <p:cNvSpPr>
-            <a:spLocks noGrp="1" noRot="1" noChangeAspect="1" noMove="1" noResize="1" noEditPoints="1" noAdjustHandles="1" noChangeArrowheads="1" noChangeShapeType="1" noTextEdit="1"/>
-          </p:cNvSpPr>
-          <p:nvPr>
-            <p:extLst>
-              <p:ext uri="{386F3935-93C4-4BCD-93E2-E3B085C9AB24}">
-                <p16:designElem xmlns:p16="http://schemas.microsoft.com/office/powerpoint/2015/main" val="1"/>
-              </p:ext>
-            </p:extLst>
-          </p:nvPr>
-        </p:nvSpPr>
-        <p:spPr>
-          <a:xfrm>
-            <a:off x="4326882" y="643466"/>
-            <a:ext cx="3522548" cy="5571067"/>
-          </a:xfrm>
-          <a:prstGeom prst="rect">
-            <a:avLst/>
-          </a:prstGeom>
-          <a:solidFill>
-            <a:srgbClr val="FFFFFF"/>
-          </a:solidFill>
-          <a:ln w="9525">
-            <a:noFill/>
-          </a:ln>
-          <a:effectLst>
-            <a:outerShdw blurRad="63500" dist="17780" dir="5400000" algn="t" rotWithShape="0">
-              <a:prstClr val="black">
-                <a:alpha val="43000"/>
-              </a:prstClr>
-            </a:outerShdw>
-          </a:effectLst>
-        </p:spPr>
-        <p:style>
-          <a:lnRef idx="2">
-            <a:schemeClr val="accent1">
-              <a:shade val="50000"/>
-            </a:schemeClr>
-          </a:lnRef>
-          <a:fillRef idx="1">
-            <a:schemeClr val="accent1"/>
-          </a:fillRef>
-          <a:effectRef idx="0">
-            <a:schemeClr val="accent1"/>
-          </a:effectRef>
-          <a:fontRef idx="minor">
-            <a:schemeClr val="lt1"/>
-          </a:fontRef>
-        </p:style>
-        <p:txBody>
-          <a:bodyPr rtlCol="0" anchor="ctr"/>
-          <a:lstStyle/>
-          <a:p>
-            <a:pPr algn="ctr"/>
-            <a:endParaRPr lang="en-US"/>
-          </a:p>
-        </p:txBody>
-      </p:sp>
-      <p:sp>
-        <p:nvSpPr>
-          <p:cNvPr id="16" name="Rectangle 15">
-            <a:extLst>
-              <a:ext uri="{FF2B5EF4-FFF2-40B4-BE49-F238E27FC236}">
-                <a16:creationId xmlns:a16="http://schemas.microsoft.com/office/drawing/2014/main" id="{BCB5D417-2A71-445D-B4C7-9E814D633D33}"/>
-              </a:ext>
-              <a:ext uri="{C183D7F6-B498-43B3-948B-1728B52AA6E4}">
-                <adec:decorative xmlns:adec="http://schemas.microsoft.com/office/drawing/2017/decorative" val="1"/>
-              </a:ext>
-            </a:extLst>
-          </p:cNvPr>
-          <p:cNvSpPr>
-            <a:spLocks noGrp="1" noRot="1" noChangeAspect="1" noMove="1" noResize="1" noEditPoints="1" noAdjustHandles="1" noChangeArrowheads="1" noChangeShapeType="1" noTextEdit="1"/>
-          </p:cNvSpPr>
-          <p:nvPr>
-            <p:extLst>
-              <p:ext uri="{386F3935-93C4-4BCD-93E2-E3B085C9AB24}">
-                <p16:designElem xmlns:p16="http://schemas.microsoft.com/office/powerpoint/2015/main" val="1"/>
-              </p:ext>
-            </p:extLst>
-          </p:nvPr>
-        </p:nvSpPr>
-        <p:spPr>
-          <a:xfrm>
-            <a:off x="8022847" y="643466"/>
-            <a:ext cx="3522548" cy="5571067"/>
-          </a:xfrm>
-          <a:prstGeom prst="rect">
-            <a:avLst/>
-          </a:prstGeom>
-          <a:solidFill>
-            <a:srgbClr val="FFFFFF"/>
-          </a:solidFill>
-          <a:ln w="9525">
-            <a:noFill/>
-          </a:ln>
-          <a:effectLst>
-            <a:outerShdw blurRad="63500" dist="17780" dir="5400000" algn="t" rotWithShape="0">
-              <a:prstClr val="black">
-                <a:alpha val="43000"/>
-              </a:prstClr>
-            </a:outerShdw>
-          </a:effectLst>
-        </p:spPr>
-        <p:style>
-          <a:lnRef idx="2">
-            <a:schemeClr val="accent1">
-              <a:shade val="50000"/>
-            </a:schemeClr>
-          </a:lnRef>
-          <a:fillRef idx="1">
-            <a:schemeClr val="accent1"/>
-          </a:fillRef>
-          <a:effectRef idx="0">
-            <a:schemeClr val="accent1"/>
-          </a:effectRef>
-          <a:fontRef idx="minor">
-            <a:schemeClr val="lt1"/>
-          </a:fontRef>
-        </p:style>
-        <p:txBody>
-          <a:bodyPr rtlCol="0" anchor="ctr"/>
-          <a:lstStyle/>
-          <a:p>
-            <a:pPr algn="ctr"/>
-            <a:endParaRPr lang="en-US"/>
-          </a:p>
-        </p:txBody>
-      </p:sp>
-      <p:pic>
-        <p:nvPicPr>
-          <p:cNvPr id="4" name="slide2" descr="AC">
-            <a:extLst>
-              <a:ext uri="{FF2B5EF4-FFF2-40B4-BE49-F238E27FC236}">
-                <a16:creationId xmlns:a16="http://schemas.microsoft.com/office/drawing/2014/main" id="{37592554-1C5B-4B29-B7AB-59CC4926A455}"/>
-              </a:ext>
-            </a:extLst>
-          </p:cNvPr>
-          <p:cNvPicPr>
-            <a:picLocks noChangeAspect="1"/>
-          </p:cNvPicPr>
-          <p:nvPr/>
-        </p:nvPicPr>
-        <p:blipFill>
-          <a:blip r:embed="rId3">
-            <a:extLst>
-              <a:ext uri="{28A0092B-C50C-407E-A947-70E740481C1C}">
-                <a14:useLocalDpi xmlns:a14="http://schemas.microsoft.com/office/drawing/2010/main" val="0"/>
-              </a:ext>
-            </a:extLst>
-          </a:blip>
-          <a:stretch>
-            <a:fillRect/>
-          </a:stretch>
-        </p:blipFill>
-        <p:spPr>
-          <a:xfrm>
-            <a:off x="4979883" y="965199"/>
-            <a:ext cx="2242058" cy="4927601"/>
-          </a:xfrm>
-          <a:prstGeom prst="rect">
-            <a:avLst/>
-          </a:prstGeom>
-        </p:spPr>
-      </p:pic>
-      <p:pic>
-        <p:nvPicPr>
-          <p:cNvPr id="5" name="slide4" descr="AD">
-            <a:extLst>
-              <a:ext uri="{FF2B5EF4-FFF2-40B4-BE49-F238E27FC236}">
-                <a16:creationId xmlns:a16="http://schemas.microsoft.com/office/drawing/2014/main" id="{AE794F68-1723-4E24-9573-2BB8C11D091A}"/>
-              </a:ext>
-            </a:extLst>
-          </p:cNvPr>
-          <p:cNvPicPr>
-            <a:picLocks noChangeAspect="1"/>
-          </p:cNvPicPr>
-          <p:nvPr/>
-        </p:nvPicPr>
-        <p:blipFill>
-          <a:blip r:embed="rId4">
-            <a:extLst>
-              <a:ext uri="{28A0092B-C50C-407E-A947-70E740481C1C}">
-                <a14:useLocalDpi xmlns:a14="http://schemas.microsoft.com/office/drawing/2010/main" val="0"/>
-              </a:ext>
-            </a:extLst>
-          </a:blip>
-          <a:stretch>
-            <a:fillRect/>
-          </a:stretch>
-        </p:blipFill>
-        <p:spPr>
-          <a:xfrm>
-            <a:off x="8663092" y="964184"/>
-            <a:ext cx="2230199" cy="4928616"/>
+            <a:off x="5106636" y="0"/>
+            <a:ext cx="1978727" cy="6858000"/>
           </a:xfrm>
           <a:prstGeom prst="rect">
             <a:avLst/>
@@ -6841,7 +6593,7 @@
     </p:spTree>
     <p:extLst>
       <p:ext uri="{BB962C8B-B14F-4D97-AF65-F5344CB8AC3E}">
-        <p14:creationId xmlns:p14="http://schemas.microsoft.com/office/powerpoint/2010/main" val="908381858"/>
+        <p14:creationId xmlns:p14="http://schemas.microsoft.com/office/powerpoint/2010/main" val="95992585"/>
       </p:ext>
     </p:extLst>
   </p:cSld>
@@ -6878,7 +6630,7 @@
       </p:grpSpPr>
       <p:sp>
         <p:nvSpPr>
-          <p:cNvPr id="17" name="Rectangle 16">
+          <p:cNvPr id="10" name="Rectangle 9">
             <a:extLst>
               <a:ext uri="{FF2B5EF4-FFF2-40B4-BE49-F238E27FC236}">
                 <a16:creationId xmlns:a16="http://schemas.microsoft.com/office/drawing/2014/main" id="{56827C3C-D52F-46CE-A441-3CD6A1A6A0A2}"/>
@@ -6944,7 +6696,7 @@
       </p:sp>
       <p:sp>
         <p:nvSpPr>
-          <p:cNvPr id="19" name="Rectangle 18">
+          <p:cNvPr id="12" name="Rectangle 11">
             <a:extLst>
               <a:ext uri="{FF2B5EF4-FFF2-40B4-BE49-F238E27FC236}">
                 <a16:creationId xmlns:a16="http://schemas.microsoft.com/office/drawing/2014/main" id="{F52A8B51-0A89-497B-B882-6658E029A3F9}"/>
@@ -7014,10 +6766,10 @@
       </p:sp>
       <p:pic>
         <p:nvPicPr>
-          <p:cNvPr id="5" name="slide5" descr="AD(2)">
-            <a:extLst>
-              <a:ext uri="{FF2B5EF4-FFF2-40B4-BE49-F238E27FC236}">
-                <a16:creationId xmlns:a16="http://schemas.microsoft.com/office/drawing/2014/main" id="{BF2E2D45-52C4-4441-875E-AB445B41606F}"/>
+          <p:cNvPr id="3" name="slide3" descr="AB">
+            <a:extLst>
+              <a:ext uri="{FF2B5EF4-FFF2-40B4-BE49-F238E27FC236}">
+                <a16:creationId xmlns:a16="http://schemas.microsoft.com/office/drawing/2014/main" id="{21A497E9-9176-462F-8DD0-C9732AE579DD}"/>
               </a:ext>
             </a:extLst>
           </p:cNvPr>
@@ -7026,7 +6778,7 @@
           </p:cNvPicPr>
           <p:nvPr/>
         </p:nvPicPr>
-        <p:blipFill rotWithShape="1">
+        <p:blipFill>
           <a:blip r:embed="rId2">
             <a:extLst>
               <a:ext uri="{28A0092B-C50C-407E-A947-70E740481C1C}">
@@ -7034,13 +6786,14 @@
               </a:ext>
             </a:extLst>
           </a:blip>
-          <a:srcRect t="5592" b="9821"/>
-          <a:stretch/>
+          <a:stretch>
+            <a:fillRect/>
+          </a:stretch>
         </p:blipFill>
         <p:spPr>
           <a:xfrm>
-            <a:off x="1057599" y="965199"/>
-            <a:ext cx="2694285" cy="4927601"/>
+            <a:off x="1289871" y="965199"/>
+            <a:ext cx="2229740" cy="4927601"/>
           </a:xfrm>
           <a:prstGeom prst="rect">
             <a:avLst/>
@@ -7049,7 +6802,7 @@
       </p:pic>
       <p:sp>
         <p:nvSpPr>
-          <p:cNvPr id="21" name="Rectangle 20">
+          <p:cNvPr id="14" name="Rectangle 13">
             <a:extLst>
               <a:ext uri="{FF2B5EF4-FFF2-40B4-BE49-F238E27FC236}">
                 <a16:creationId xmlns:a16="http://schemas.microsoft.com/office/drawing/2014/main" id="{EB1CEFBF-6F09-4052-862B-E219DA15757E}"/>
@@ -7117,44 +6870,9 @@
           </a:p>
         </p:txBody>
       </p:sp>
-      <p:pic>
-        <p:nvPicPr>
-          <p:cNvPr id="3" name="slide3" descr="AC(2)">
-            <a:extLst>
-              <a:ext uri="{FF2B5EF4-FFF2-40B4-BE49-F238E27FC236}">
-                <a16:creationId xmlns:a16="http://schemas.microsoft.com/office/drawing/2014/main" id="{2F2B57BD-C66C-4A78-AF7C-396812CC075B}"/>
-              </a:ext>
-            </a:extLst>
-          </p:cNvPr>
-          <p:cNvPicPr>
-            <a:picLocks noChangeAspect="1"/>
-          </p:cNvPicPr>
-          <p:nvPr/>
-        </p:nvPicPr>
-        <p:blipFill rotWithShape="1">
-          <a:blip r:embed="rId3">
-            <a:extLst>
-              <a:ext uri="{28A0092B-C50C-407E-A947-70E740481C1C}">
-                <a14:useLocalDpi xmlns:a14="http://schemas.microsoft.com/office/drawing/2010/main" val="0"/>
-              </a:ext>
-            </a:extLst>
-          </a:blip>
-          <a:srcRect t="5592" b="9821"/>
-          <a:stretch/>
-        </p:blipFill>
-        <p:spPr>
-          <a:xfrm>
-            <a:off x="4733452" y="965199"/>
-            <a:ext cx="2709407" cy="4928616"/>
-          </a:xfrm>
-          <a:prstGeom prst="rect">
-            <a:avLst/>
-          </a:prstGeom>
-        </p:spPr>
-      </p:pic>
-      <p:sp>
-        <p:nvSpPr>
-          <p:cNvPr id="23" name="Rectangle 22">
+      <p:sp>
+        <p:nvSpPr>
+          <p:cNvPr id="16" name="Rectangle 15">
             <a:extLst>
               <a:ext uri="{FF2B5EF4-FFF2-40B4-BE49-F238E27FC236}">
                 <a16:creationId xmlns:a16="http://schemas.microsoft.com/office/drawing/2014/main" id="{BCB5D417-2A71-445D-B4C7-9E814D633D33}"/>
@@ -7224,10 +6942,10 @@
       </p:sp>
       <p:pic>
         <p:nvPicPr>
-          <p:cNvPr id="4" name="slide4" descr="AB(2)">
-            <a:extLst>
-              <a:ext uri="{FF2B5EF4-FFF2-40B4-BE49-F238E27FC236}">
-                <a16:creationId xmlns:a16="http://schemas.microsoft.com/office/drawing/2014/main" id="{922B2CF9-21BC-4536-9175-873719D35F16}"/>
+          <p:cNvPr id="4" name="slide2" descr="AC">
+            <a:extLst>
+              <a:ext uri="{FF2B5EF4-FFF2-40B4-BE49-F238E27FC236}">
+                <a16:creationId xmlns:a16="http://schemas.microsoft.com/office/drawing/2014/main" id="{37592554-1C5B-4B29-B7AB-59CC4926A455}"/>
               </a:ext>
             </a:extLst>
           </p:cNvPr>
@@ -7236,21 +6954,58 @@
           </p:cNvPicPr>
           <p:nvPr/>
         </p:nvPicPr>
-        <p:blipFill rotWithShape="1">
-          <a:blip r:embed="rId4">
+        <p:blipFill>
+          <a:blip r:embed="rId3">
             <a:extLst>
               <a:ext uri="{28A0092B-C50C-407E-A947-70E740481C1C}">
                 <a14:useLocalDpi xmlns:a14="http://schemas.microsoft.com/office/drawing/2010/main" val="0"/>
               </a:ext>
             </a:extLst>
           </a:blip>
-          <a:srcRect t="5591" b="9821"/>
-          <a:stretch/>
+          <a:stretch>
+            <a:fillRect/>
+          </a:stretch>
         </p:blipFill>
         <p:spPr>
           <a:xfrm>
-            <a:off x="8407866" y="965199"/>
-            <a:ext cx="2752509" cy="4927601"/>
+            <a:off x="4979883" y="965199"/>
+            <a:ext cx="2242058" cy="4927601"/>
+          </a:xfrm>
+          <a:prstGeom prst="rect">
+            <a:avLst/>
+          </a:prstGeom>
+        </p:spPr>
+      </p:pic>
+      <p:pic>
+        <p:nvPicPr>
+          <p:cNvPr id="5" name="slide4" descr="AD">
+            <a:extLst>
+              <a:ext uri="{FF2B5EF4-FFF2-40B4-BE49-F238E27FC236}">
+                <a16:creationId xmlns:a16="http://schemas.microsoft.com/office/drawing/2014/main" id="{AE794F68-1723-4E24-9573-2BB8C11D091A}"/>
+              </a:ext>
+            </a:extLst>
+          </p:cNvPr>
+          <p:cNvPicPr>
+            <a:picLocks noChangeAspect="1"/>
+          </p:cNvPicPr>
+          <p:nvPr/>
+        </p:nvPicPr>
+        <p:blipFill>
+          <a:blip r:embed="rId4">
+            <a:extLst>
+              <a:ext uri="{28A0092B-C50C-407E-A947-70E740481C1C}">
+                <a14:useLocalDpi xmlns:a14="http://schemas.microsoft.com/office/drawing/2010/main" val="0"/>
+              </a:ext>
+            </a:extLst>
+          </a:blip>
+          <a:stretch>
+            <a:fillRect/>
+          </a:stretch>
+        </p:blipFill>
+        <p:spPr>
+          <a:xfrm>
+            <a:off x="8663092" y="964184"/>
+            <a:ext cx="2230199" cy="4928616"/>
           </a:xfrm>
           <a:prstGeom prst="rect">
             <a:avLst/>
@@ -7260,7 +7015,7 @@
     </p:spTree>
     <p:extLst>
       <p:ext uri="{BB962C8B-B14F-4D97-AF65-F5344CB8AC3E}">
-        <p14:creationId xmlns:p14="http://schemas.microsoft.com/office/powerpoint/2010/main" val="7645699"/>
+        <p14:creationId xmlns:p14="http://schemas.microsoft.com/office/powerpoint/2010/main" val="908381858"/>
       </p:ext>
     </p:extLst>
   </p:cSld>
@@ -7273,6 +7028,14 @@
 <file path=ppt/slides/slide8.xml><?xml version="1.0" encoding="utf-8"?>
 <p:sld xmlns:a="http://schemas.openxmlformats.org/drawingml/2006/main" xmlns:r="http://schemas.openxmlformats.org/officeDocument/2006/relationships" xmlns:p="http://schemas.openxmlformats.org/presentationml/2006/main">
   <p:cSld>
+    <p:bg>
+      <p:bgPr>
+        <a:solidFill>
+          <a:schemeClr val="bg1"/>
+        </a:solidFill>
+        <a:effectLst/>
+      </p:bgPr>
+    </p:bg>
     <p:spTree>
       <p:nvGrpSpPr>
         <p:cNvPr id="1" name=""/>
@@ -7287,12 +7050,148 @@
           <a:chExt cx="0" cy="0"/>
         </a:xfrm>
       </p:grpSpPr>
+      <p:sp>
+        <p:nvSpPr>
+          <p:cNvPr id="17" name="Rectangle 16">
+            <a:extLst>
+              <a:ext uri="{FF2B5EF4-FFF2-40B4-BE49-F238E27FC236}">
+                <a16:creationId xmlns:a16="http://schemas.microsoft.com/office/drawing/2014/main" id="{56827C3C-D52F-46CE-A441-3CD6A1A6A0A2}"/>
+              </a:ext>
+              <a:ext uri="{C183D7F6-B498-43B3-948B-1728B52AA6E4}">
+                <adec:decorative xmlns:adec="http://schemas.microsoft.com/office/drawing/2017/decorative" val="1"/>
+              </a:ext>
+            </a:extLst>
+          </p:cNvPr>
+          <p:cNvSpPr>
+            <a:spLocks noGrp="1" noRot="1" noChangeAspect="1" noMove="1" noResize="1" noEditPoints="1" noAdjustHandles="1" noChangeArrowheads="1" noChangeShapeType="1" noTextEdit="1"/>
+          </p:cNvSpPr>
+          <p:nvPr>
+            <p:extLst>
+              <p:ext uri="{386F3935-93C4-4BCD-93E2-E3B085C9AB24}">
+                <p16:designElem xmlns:p16="http://schemas.microsoft.com/office/powerpoint/2015/main" val="1"/>
+              </p:ext>
+            </p:extLst>
+          </p:nvPr>
+        </p:nvSpPr>
+        <p:spPr>
+          <a:xfrm>
+            <a:off x="3137" y="0"/>
+            <a:ext cx="12192000" cy="6858000"/>
+          </a:xfrm>
+          <a:prstGeom prst="rect">
+            <a:avLst/>
+          </a:prstGeom>
+          <a:solidFill>
+            <a:schemeClr val="bg1">
+              <a:lumMod val="85000"/>
+              <a:alpha val="90000"/>
+            </a:schemeClr>
+          </a:solidFill>
+          <a:ln>
+            <a:noFill/>
+          </a:ln>
+        </p:spPr>
+        <p:style>
+          <a:lnRef idx="2">
+            <a:schemeClr val="accent1">
+              <a:shade val="50000"/>
+            </a:schemeClr>
+          </a:lnRef>
+          <a:fillRef idx="1">
+            <a:schemeClr val="accent1"/>
+          </a:fillRef>
+          <a:effectRef idx="0">
+            <a:schemeClr val="accent1"/>
+          </a:effectRef>
+          <a:fontRef idx="minor">
+            <a:schemeClr val="lt1"/>
+          </a:fontRef>
+        </p:style>
+        <p:txBody>
+          <a:bodyPr rtlCol="0" anchor="ctr"/>
+          <a:lstStyle/>
+          <a:p>
+            <a:pPr algn="ctr"/>
+            <a:endParaRPr lang="en-US"/>
+          </a:p>
+        </p:txBody>
+      </p:sp>
+      <p:sp>
+        <p:nvSpPr>
+          <p:cNvPr id="19" name="Rectangle 18">
+            <a:extLst>
+              <a:ext uri="{FF2B5EF4-FFF2-40B4-BE49-F238E27FC236}">
+                <a16:creationId xmlns:a16="http://schemas.microsoft.com/office/drawing/2014/main" id="{F52A8B51-0A89-497B-B882-6658E029A3F9}"/>
+              </a:ext>
+              <a:ext uri="{C183D7F6-B498-43B3-948B-1728B52AA6E4}">
+                <adec:decorative xmlns:adec="http://schemas.microsoft.com/office/drawing/2017/decorative" val="1"/>
+              </a:ext>
+            </a:extLst>
+          </p:cNvPr>
+          <p:cNvSpPr>
+            <a:spLocks noGrp="1" noRot="1" noChangeAspect="1" noMove="1" noResize="1" noEditPoints="1" noAdjustHandles="1" noChangeArrowheads="1" noChangeShapeType="1" noTextEdit="1"/>
+          </p:cNvSpPr>
+          <p:nvPr>
+            <p:extLst>
+              <p:ext uri="{386F3935-93C4-4BCD-93E2-E3B085C9AB24}">
+                <p16:designElem xmlns:p16="http://schemas.microsoft.com/office/powerpoint/2015/main" val="1"/>
+              </p:ext>
+            </p:extLst>
+          </p:nvPr>
+        </p:nvSpPr>
+        <p:spPr>
+          <a:xfrm>
+            <a:off x="643467" y="643466"/>
+            <a:ext cx="3522548" cy="5571067"/>
+          </a:xfrm>
+          <a:prstGeom prst="rect">
+            <a:avLst/>
+          </a:prstGeom>
+          <a:solidFill>
+            <a:srgbClr val="FFFFFF"/>
+          </a:solidFill>
+          <a:ln w="9525">
+            <a:noFill/>
+          </a:ln>
+          <a:effectLst>
+            <a:outerShdw blurRad="63500" dist="17780" dir="5400000" algn="t" rotWithShape="0">
+              <a:prstClr val="black">
+                <a:alpha val="43000"/>
+              </a:prstClr>
+            </a:outerShdw>
+          </a:effectLst>
+        </p:spPr>
+        <p:style>
+          <a:lnRef idx="2">
+            <a:schemeClr val="accent1">
+              <a:shade val="50000"/>
+            </a:schemeClr>
+          </a:lnRef>
+          <a:fillRef idx="1">
+            <a:schemeClr val="accent1"/>
+          </a:fillRef>
+          <a:effectRef idx="0">
+            <a:schemeClr val="accent1"/>
+          </a:effectRef>
+          <a:fontRef idx="minor">
+            <a:schemeClr val="lt1"/>
+          </a:fontRef>
+        </p:style>
+        <p:txBody>
+          <a:bodyPr rtlCol="0" anchor="ctr"/>
+          <a:lstStyle/>
+          <a:p>
+            <a:pPr algn="ctr"/>
+            <a:endParaRPr lang="en-US"/>
+          </a:p>
+        </p:txBody>
+      </p:sp>
       <p:pic>
         <p:nvPicPr>
-          <p:cNvPr id="3" name="slide3" descr="AB">
-            <a:extLst>
-              <a:ext uri="{FF2B5EF4-FFF2-40B4-BE49-F238E27FC236}">
-                <a16:creationId xmlns:a16="http://schemas.microsoft.com/office/drawing/2014/main" id="{21A497E9-9176-462F-8DD0-C9732AE579DD}"/>
+          <p:cNvPr id="5" name="slide5" descr="AD(2)">
+            <a:extLst>
+              <a:ext uri="{FF2B5EF4-FFF2-40B4-BE49-F238E27FC236}">
+                <a16:creationId xmlns:a16="http://schemas.microsoft.com/office/drawing/2014/main" id="{BF2E2D45-52C4-4441-875E-AB445B41606F}"/>
               </a:ext>
             </a:extLst>
           </p:cNvPr>
@@ -7301,7 +7200,7 @@
           </p:cNvPicPr>
           <p:nvPr/>
         </p:nvPicPr>
-        <p:blipFill>
+        <p:blipFill rotWithShape="1">
           <a:blip r:embed="rId2">
             <a:extLst>
               <a:ext uri="{28A0092B-C50C-407E-A947-70E740481C1C}">
@@ -7309,14 +7208,223 @@
               </a:ext>
             </a:extLst>
           </a:blip>
-          <a:stretch>
-            <a:fillRect/>
-          </a:stretch>
+          <a:srcRect t="5592" b="9821"/>
+          <a:stretch/>
         </p:blipFill>
         <p:spPr>
           <a:xfrm>
-            <a:off x="4542420" y="0"/>
-            <a:ext cx="3107158" cy="6858000"/>
+            <a:off x="1057599" y="965199"/>
+            <a:ext cx="2694285" cy="4927601"/>
+          </a:xfrm>
+          <a:prstGeom prst="rect">
+            <a:avLst/>
+          </a:prstGeom>
+        </p:spPr>
+      </p:pic>
+      <p:sp>
+        <p:nvSpPr>
+          <p:cNvPr id="21" name="Rectangle 20">
+            <a:extLst>
+              <a:ext uri="{FF2B5EF4-FFF2-40B4-BE49-F238E27FC236}">
+                <a16:creationId xmlns:a16="http://schemas.microsoft.com/office/drawing/2014/main" id="{EB1CEFBF-6F09-4052-862B-E219DA15757E}"/>
+              </a:ext>
+              <a:ext uri="{C183D7F6-B498-43B3-948B-1728B52AA6E4}">
+                <adec:decorative xmlns:adec="http://schemas.microsoft.com/office/drawing/2017/decorative" val="1"/>
+              </a:ext>
+            </a:extLst>
+          </p:cNvPr>
+          <p:cNvSpPr>
+            <a:spLocks noGrp="1" noRot="1" noChangeAspect="1" noMove="1" noResize="1" noEditPoints="1" noAdjustHandles="1" noChangeArrowheads="1" noChangeShapeType="1" noTextEdit="1"/>
+          </p:cNvSpPr>
+          <p:nvPr>
+            <p:extLst>
+              <p:ext uri="{386F3935-93C4-4BCD-93E2-E3B085C9AB24}">
+                <p16:designElem xmlns:p16="http://schemas.microsoft.com/office/powerpoint/2015/main" val="1"/>
+              </p:ext>
+            </p:extLst>
+          </p:nvPr>
+        </p:nvSpPr>
+        <p:spPr>
+          <a:xfrm>
+            <a:off x="4326882" y="643466"/>
+            <a:ext cx="3522548" cy="5571067"/>
+          </a:xfrm>
+          <a:prstGeom prst="rect">
+            <a:avLst/>
+          </a:prstGeom>
+          <a:solidFill>
+            <a:srgbClr val="FFFFFF"/>
+          </a:solidFill>
+          <a:ln w="9525">
+            <a:noFill/>
+          </a:ln>
+          <a:effectLst>
+            <a:outerShdw blurRad="63500" dist="17780" dir="5400000" algn="t" rotWithShape="0">
+              <a:prstClr val="black">
+                <a:alpha val="43000"/>
+              </a:prstClr>
+            </a:outerShdw>
+          </a:effectLst>
+        </p:spPr>
+        <p:style>
+          <a:lnRef idx="2">
+            <a:schemeClr val="accent1">
+              <a:shade val="50000"/>
+            </a:schemeClr>
+          </a:lnRef>
+          <a:fillRef idx="1">
+            <a:schemeClr val="accent1"/>
+          </a:fillRef>
+          <a:effectRef idx="0">
+            <a:schemeClr val="accent1"/>
+          </a:effectRef>
+          <a:fontRef idx="minor">
+            <a:schemeClr val="lt1"/>
+          </a:fontRef>
+        </p:style>
+        <p:txBody>
+          <a:bodyPr rtlCol="0" anchor="ctr"/>
+          <a:lstStyle/>
+          <a:p>
+            <a:pPr algn="ctr"/>
+            <a:endParaRPr lang="en-US"/>
+          </a:p>
+        </p:txBody>
+      </p:sp>
+      <p:pic>
+        <p:nvPicPr>
+          <p:cNvPr id="3" name="slide3" descr="AC(2)">
+            <a:extLst>
+              <a:ext uri="{FF2B5EF4-FFF2-40B4-BE49-F238E27FC236}">
+                <a16:creationId xmlns:a16="http://schemas.microsoft.com/office/drawing/2014/main" id="{2F2B57BD-C66C-4A78-AF7C-396812CC075B}"/>
+              </a:ext>
+            </a:extLst>
+          </p:cNvPr>
+          <p:cNvPicPr>
+            <a:picLocks noChangeAspect="1"/>
+          </p:cNvPicPr>
+          <p:nvPr/>
+        </p:nvPicPr>
+        <p:blipFill rotWithShape="1">
+          <a:blip r:embed="rId3">
+            <a:extLst>
+              <a:ext uri="{28A0092B-C50C-407E-A947-70E740481C1C}">
+                <a14:useLocalDpi xmlns:a14="http://schemas.microsoft.com/office/drawing/2010/main" val="0"/>
+              </a:ext>
+            </a:extLst>
+          </a:blip>
+          <a:srcRect t="5592" b="9821"/>
+          <a:stretch/>
+        </p:blipFill>
+        <p:spPr>
+          <a:xfrm>
+            <a:off x="4733452" y="965199"/>
+            <a:ext cx="2709407" cy="4928616"/>
+          </a:xfrm>
+          <a:prstGeom prst="rect">
+            <a:avLst/>
+          </a:prstGeom>
+        </p:spPr>
+      </p:pic>
+      <p:sp>
+        <p:nvSpPr>
+          <p:cNvPr id="23" name="Rectangle 22">
+            <a:extLst>
+              <a:ext uri="{FF2B5EF4-FFF2-40B4-BE49-F238E27FC236}">
+                <a16:creationId xmlns:a16="http://schemas.microsoft.com/office/drawing/2014/main" id="{BCB5D417-2A71-445D-B4C7-9E814D633D33}"/>
+              </a:ext>
+              <a:ext uri="{C183D7F6-B498-43B3-948B-1728B52AA6E4}">
+                <adec:decorative xmlns:adec="http://schemas.microsoft.com/office/drawing/2017/decorative" val="1"/>
+              </a:ext>
+            </a:extLst>
+          </p:cNvPr>
+          <p:cNvSpPr>
+            <a:spLocks noGrp="1" noRot="1" noChangeAspect="1" noMove="1" noResize="1" noEditPoints="1" noAdjustHandles="1" noChangeArrowheads="1" noChangeShapeType="1" noTextEdit="1"/>
+          </p:cNvSpPr>
+          <p:nvPr>
+            <p:extLst>
+              <p:ext uri="{386F3935-93C4-4BCD-93E2-E3B085C9AB24}">
+                <p16:designElem xmlns:p16="http://schemas.microsoft.com/office/powerpoint/2015/main" val="1"/>
+              </p:ext>
+            </p:extLst>
+          </p:nvPr>
+        </p:nvSpPr>
+        <p:spPr>
+          <a:xfrm>
+            <a:off x="8022847" y="643466"/>
+            <a:ext cx="3522548" cy="5571067"/>
+          </a:xfrm>
+          <a:prstGeom prst="rect">
+            <a:avLst/>
+          </a:prstGeom>
+          <a:solidFill>
+            <a:srgbClr val="FFFFFF"/>
+          </a:solidFill>
+          <a:ln w="9525">
+            <a:noFill/>
+          </a:ln>
+          <a:effectLst>
+            <a:outerShdw blurRad="63500" dist="17780" dir="5400000" algn="t" rotWithShape="0">
+              <a:prstClr val="black">
+                <a:alpha val="43000"/>
+              </a:prstClr>
+            </a:outerShdw>
+          </a:effectLst>
+        </p:spPr>
+        <p:style>
+          <a:lnRef idx="2">
+            <a:schemeClr val="accent1">
+              <a:shade val="50000"/>
+            </a:schemeClr>
+          </a:lnRef>
+          <a:fillRef idx="1">
+            <a:schemeClr val="accent1"/>
+          </a:fillRef>
+          <a:effectRef idx="0">
+            <a:schemeClr val="accent1"/>
+          </a:effectRef>
+          <a:fontRef idx="minor">
+            <a:schemeClr val="lt1"/>
+          </a:fontRef>
+        </p:style>
+        <p:txBody>
+          <a:bodyPr rtlCol="0" anchor="ctr"/>
+          <a:lstStyle/>
+          <a:p>
+            <a:pPr algn="ctr"/>
+            <a:endParaRPr lang="en-US"/>
+          </a:p>
+        </p:txBody>
+      </p:sp>
+      <p:pic>
+        <p:nvPicPr>
+          <p:cNvPr id="4" name="slide4" descr="AB(2)">
+            <a:extLst>
+              <a:ext uri="{FF2B5EF4-FFF2-40B4-BE49-F238E27FC236}">
+                <a16:creationId xmlns:a16="http://schemas.microsoft.com/office/drawing/2014/main" id="{922B2CF9-21BC-4536-9175-873719D35F16}"/>
+              </a:ext>
+            </a:extLst>
+          </p:cNvPr>
+          <p:cNvPicPr>
+            <a:picLocks noChangeAspect="1"/>
+          </p:cNvPicPr>
+          <p:nvPr/>
+        </p:nvPicPr>
+        <p:blipFill rotWithShape="1">
+          <a:blip r:embed="rId4">
+            <a:extLst>
+              <a:ext uri="{28A0092B-C50C-407E-A947-70E740481C1C}">
+                <a14:useLocalDpi xmlns:a14="http://schemas.microsoft.com/office/drawing/2010/main" val="0"/>
+              </a:ext>
+            </a:extLst>
+          </a:blip>
+          <a:srcRect t="5591" b="9821"/>
+          <a:stretch/>
+        </p:blipFill>
+        <p:spPr>
+          <a:xfrm>
+            <a:off x="8407866" y="965199"/>
+            <a:ext cx="2752509" cy="4927601"/>
           </a:xfrm>
           <a:prstGeom prst="rect">
             <a:avLst/>
@@ -7326,7 +7434,7 @@
     </p:spTree>
     <p:extLst>
       <p:ext uri="{BB962C8B-B14F-4D97-AF65-F5344CB8AC3E}">
-        <p14:creationId xmlns:p14="http://schemas.microsoft.com/office/powerpoint/2010/main" val="1805898282"/>
+        <p14:creationId xmlns:p14="http://schemas.microsoft.com/office/powerpoint/2010/main" val="7645699"/>
       </p:ext>
     </p:extLst>
   </p:cSld>
@@ -7355,10 +7463,10 @@
       </p:grpSpPr>
       <p:pic>
         <p:nvPicPr>
-          <p:cNvPr id="4" name="slide4" descr="AB(2)">
-            <a:extLst>
-              <a:ext uri="{FF2B5EF4-FFF2-40B4-BE49-F238E27FC236}">
-                <a16:creationId xmlns:a16="http://schemas.microsoft.com/office/drawing/2014/main" id="{922B2CF9-21BC-4536-9175-873719D35F16}"/>
+          <p:cNvPr id="3" name="slide3" descr="AB">
+            <a:extLst>
+              <a:ext uri="{FF2B5EF4-FFF2-40B4-BE49-F238E27FC236}">
+                <a16:creationId xmlns:a16="http://schemas.microsoft.com/office/drawing/2014/main" id="{21A497E9-9176-462F-8DD0-C9732AE579DD}"/>
               </a:ext>
             </a:extLst>
           </p:cNvPr>
@@ -7381,8 +7489,8 @@
         </p:blipFill>
         <p:spPr>
           <a:xfrm>
-            <a:off x="4474873" y="0"/>
-            <a:ext cx="3242252" cy="6858000"/>
+            <a:off x="4542420" y="0"/>
+            <a:ext cx="3107158" cy="6858000"/>
           </a:xfrm>
           <a:prstGeom prst="rect">
             <a:avLst/>
@@ -7392,7 +7500,7 @@
     </p:spTree>
     <p:extLst>
       <p:ext uri="{BB962C8B-B14F-4D97-AF65-F5344CB8AC3E}">
-        <p14:creationId xmlns:p14="http://schemas.microsoft.com/office/powerpoint/2010/main" val="567405363"/>
+        <p14:creationId xmlns:p14="http://schemas.microsoft.com/office/powerpoint/2010/main" val="1805898282"/>
       </p:ext>
     </p:extLst>
   </p:cSld>
